--- a/P3091-map_lookup/P3091 Better lookups for map and unordered_map.pptx
+++ b/P3091-map_lookup/P3091 Better lookups for map and unordered_map.pptx
@@ -5,7 +5,7 @@
     <p:sldMasterId id="2147483648" r:id="rId1"/>
   </p:sldMasterIdLst>
   <p:notesMasterIdLst>
-    <p:notesMasterId r:id="rId21"/>
+    <p:notesMasterId r:id="rId13"/>
   </p:notesMasterIdLst>
   <p:sldIdLst>
     <p:sldId id="256" r:id="rId2"/>
@@ -16,17 +16,9 @@
     <p:sldId id="335" r:id="rId7"/>
     <p:sldId id="336" r:id="rId8"/>
     <p:sldId id="341" r:id="rId9"/>
-    <p:sldId id="338" r:id="rId10"/>
-    <p:sldId id="339" r:id="rId11"/>
-    <p:sldId id="340" r:id="rId12"/>
-    <p:sldId id="342" r:id="rId13"/>
-    <p:sldId id="345" r:id="rId14"/>
-    <p:sldId id="347" r:id="rId15"/>
-    <p:sldId id="346" r:id="rId16"/>
-    <p:sldId id="348" r:id="rId17"/>
-    <p:sldId id="343" r:id="rId18"/>
-    <p:sldId id="349" r:id="rId19"/>
-    <p:sldId id="344" r:id="rId20"/>
+    <p:sldId id="342" r:id="rId10"/>
+    <p:sldId id="343" r:id="rId11"/>
+    <p:sldId id="344" r:id="rId12"/>
   </p:sldIdLst>
   <p:sldSz cx="12192000" cy="6858000"/>
   <p:notesSz cx="6858000" cy="9144000"/>
@@ -1184,7 +1176,7 @@
           <a:p>
             <a:fld id="{CEFB5EEE-3E28-483D-83CF-7CFBAD280CA5}" type="datetimeFigureOut">
               <a:rPr lang="en-US" smtClean="0"/>
-              <a:t>2/26/2024</a:t>
+              <a:t>6/20/2025</a:t>
             </a:fld>
             <a:endParaRPr lang="en-US"/>
           </a:p>
@@ -1951,7 +1943,7 @@
           <a:p>
             <a:fld id="{02C5BE3E-DC87-4987-AF70-1F906EC5439D}" type="datetime1">
               <a:rPr lang="en-US" smtClean="0"/>
-              <a:t>2/26/2024</a:t>
+              <a:t>6/20/2025</a:t>
             </a:fld>
             <a:endParaRPr lang="en-US"/>
           </a:p>
@@ -2244,7 +2236,7 @@
           <a:p>
             <a:fld id="{23D892F7-AA30-4A4C-B959-E3F3A9EC8524}" type="datetime1">
               <a:rPr lang="en-US" smtClean="0"/>
-              <a:t>2/26/2024</a:t>
+              <a:t>6/20/2025</a:t>
             </a:fld>
             <a:endParaRPr lang="en-US"/>
           </a:p>
@@ -2490,7 +2482,7 @@
           <a:p>
             <a:fld id="{272C4D85-EDE8-4C6C-815F-2FEBAB7C380E}" type="datetime1">
               <a:rPr lang="en-US" smtClean="0"/>
-              <a:t>2/26/2024</a:t>
+              <a:t>6/20/2025</a:t>
             </a:fld>
             <a:endParaRPr lang="en-US"/>
           </a:p>
@@ -3028,7 +3020,7 @@
           <a:p>
             <a:fld id="{4F67D4DA-9BCF-452F-B904-BB8D0316B67C}" type="datetime1">
               <a:rPr lang="en-US" smtClean="0"/>
-              <a:t>2/26/2024</a:t>
+              <a:t>6/20/2025</a:t>
             </a:fld>
             <a:endParaRPr lang="en-US"/>
           </a:p>
@@ -3274,7 +3266,7 @@
           <a:p>
             <a:fld id="{E2226ABC-75D3-4A22-ADAE-704E445553F8}" type="datetime1">
               <a:rPr lang="en-US" smtClean="0"/>
-              <a:t>2/26/2024</a:t>
+              <a:t>6/20/2025</a:t>
             </a:fld>
             <a:endParaRPr lang="en-US"/>
           </a:p>
@@ -3804,7 +3796,7 @@
           <a:p>
             <a:fld id="{B3EB47DD-4F4F-4521-809A-910C6446A8E9}" type="datetime1">
               <a:rPr lang="en-US" smtClean="0"/>
-              <a:t>2/26/2024</a:t>
+              <a:t>6/20/2025</a:t>
             </a:fld>
             <a:endParaRPr lang="en-US"/>
           </a:p>
@@ -4099,7 +4091,7 @@
           <a:p>
             <a:fld id="{D5C1893C-E788-48A8-9A18-B793B108C2CE}" type="datetime1">
               <a:rPr lang="en-US" smtClean="0"/>
-              <a:t>2/26/2024</a:t>
+              <a:t>6/20/2025</a:t>
             </a:fld>
             <a:endParaRPr lang="en-US"/>
           </a:p>
@@ -4270,7 +4262,7 @@
           <a:p>
             <a:fld id="{89F61247-4C9D-47C0-9657-80C96CCB02A1}" type="datetime1">
               <a:rPr lang="en-US" smtClean="0"/>
-              <a:t>2/26/2024</a:t>
+              <a:t>6/20/2025</a:t>
             </a:fld>
             <a:endParaRPr lang="en-US"/>
           </a:p>
@@ -4447,7 +4439,7 @@
           <a:p>
             <a:fld id="{2BB2F593-965F-47F8-9F01-94BF3B3362FD}" type="datetime1">
               <a:rPr lang="en-US" smtClean="0"/>
-              <a:t>2/26/2024</a:t>
+              <a:t>6/20/2025</a:t>
             </a:fld>
             <a:endParaRPr lang="en-US"/>
           </a:p>
@@ -4629,7 +4621,7 @@
           <a:p>
             <a:fld id="{D1A98742-6638-43AC-A30F-B0F4E802E4B2}" type="datetime1">
               <a:rPr lang="en-US" smtClean="0"/>
-              <a:t>2/26/2024</a:t>
+              <a:t>6/20/2025</a:t>
             </a:fld>
             <a:endParaRPr lang="en-US"/>
           </a:p>
@@ -4883,7 +4875,7 @@
           <a:p>
             <a:fld id="{E04F68CC-AE29-43DC-8C36-74D991BDD660}" type="datetime1">
               <a:rPr lang="en-US" smtClean="0"/>
-              <a:t>2/26/2024</a:t>
+              <a:t>6/20/2025</a:t>
             </a:fld>
             <a:endParaRPr lang="en-US"/>
           </a:p>
@@ -5181,7 +5173,7 @@
           <a:p>
             <a:fld id="{06ABA9E8-E98F-4A61-AF76-7349863B9923}" type="datetime1">
               <a:rPr lang="en-US" smtClean="0"/>
-              <a:t>2/26/2024</a:t>
+              <a:t>6/20/2025</a:t>
             </a:fld>
             <a:endParaRPr lang="en-US"/>
           </a:p>
@@ -5639,7 +5631,7 @@
           <a:p>
             <a:fld id="{508BABE2-3DC8-4D39-B4AF-CCF82C82E0F0}" type="datetime1">
               <a:rPr lang="en-US" smtClean="0"/>
-              <a:t>2/26/2024</a:t>
+              <a:t>6/20/2025</a:t>
             </a:fld>
             <a:endParaRPr lang="en-US"/>
           </a:p>
@@ -5775,7 +5767,7 @@
           <a:p>
             <a:fld id="{64601F53-FE17-4660-BE69-DE27478D4CCC}" type="datetime1">
               <a:rPr lang="en-US" smtClean="0"/>
-              <a:t>2/26/2024</a:t>
+              <a:t>6/20/2025</a:t>
             </a:fld>
             <a:endParaRPr lang="en-US"/>
           </a:p>
@@ -5884,7 +5876,7 @@
           <a:p>
             <a:fld id="{DDF66756-33DB-4322-A7AB-33F3A7E33A2D}" type="datetime1">
               <a:rPr lang="en-US" smtClean="0"/>
-              <a:t>2/26/2024</a:t>
+              <a:t>6/20/2025</a:t>
             </a:fld>
             <a:endParaRPr lang="en-US"/>
           </a:p>
@@ -6174,7 +6166,7 @@
           <a:p>
             <a:fld id="{E9CE1D7A-DAAA-4183-B469-EDEECE92431D}" type="datetime1">
               <a:rPr lang="en-US" smtClean="0"/>
-              <a:t>2/26/2024</a:t>
+              <a:t>6/20/2025</a:t>
             </a:fld>
             <a:endParaRPr lang="en-US"/>
           </a:p>
@@ -6462,7 +6454,7 @@
           <a:p>
             <a:fld id="{E393BBCA-9B99-451E-A2F9-AA382E63F3EB}" type="datetime1">
               <a:rPr lang="en-US" smtClean="0"/>
-              <a:t>2/26/2024</a:t>
+              <a:t>6/20/2025</a:t>
             </a:fld>
             <a:endParaRPr lang="en-US"/>
           </a:p>
@@ -6989,7 +6981,7 @@
           <a:p>
             <a:fld id="{D6E2F156-B823-4FCD-8500-2C801BEF89A0}" type="datetime1">
               <a:rPr lang="en-US" smtClean="0"/>
-              <a:t>2/26/2024</a:t>
+              <a:t>6/20/2025</a:t>
             </a:fld>
             <a:endParaRPr lang="en-US"/>
           </a:p>
@@ -7613,7 +7605,15 @@
           <a:p>
             <a:r>
               <a:rPr lang="en-US" dirty="0"/>
-              <a:t>Pablo Halpern, LEWGI, Feb 27, 2024</a:t>
+              <a:t>Pablo Halpern, LEWG</a:t>
+            </a:r>
+            <a:r>
+              <a:rPr lang="en-US"/>
+              <a:t>, June 20, </a:t>
+            </a:r>
+            <a:r>
+              <a:rPr lang="en-US" dirty="0"/>
+              <a:t>2024</a:t>
             </a:r>
             <a:endParaRPr lang="en-US" dirty="0">
               <a:hlinkClick r:id="rId2"/>
@@ -7720,5976 +7720,6 @@
           <p:cNvPr id="2" name="Title 1">
             <a:extLst>
               <a:ext uri="{FF2B5EF4-FFF2-40B4-BE49-F238E27FC236}">
-                <a16:creationId xmlns:a16="http://schemas.microsoft.com/office/drawing/2014/main" id="{FA67CD3D-AFBC-415F-1535-C0C00AC4A3B7}"/>
-              </a:ext>
-            </a:extLst>
-          </p:cNvPr>
-          <p:cNvSpPr>
-            <a:spLocks noGrp="1"/>
-          </p:cNvSpPr>
-          <p:nvPr>
-            <p:ph type="title"/>
-          </p:nvPr>
-        </p:nvSpPr>
-        <p:spPr/>
-        <p:txBody>
-          <a:bodyPr/>
-          <a:lstStyle/>
-          <a:p>
-            <a:r>
-              <a:rPr lang="en-US" err="1">
-                <a:latin typeface="Courier New" panose="02070309020205020404" pitchFamily="49" charset="0"/>
-                <a:cs typeface="Courier New" panose="02070309020205020404" pitchFamily="49" charset="0"/>
-              </a:rPr>
-              <a:t>get_ref</a:t>
-            </a:r>
-            <a:r>
-              <a:rPr lang="en-US"/>
-              <a:t> safety</a:t>
-            </a:r>
-          </a:p>
-        </p:txBody>
-      </p:sp>
-      <p:sp>
-        <p:nvSpPr>
-          <p:cNvPr id="3" name="Content Placeholder 2">
-            <a:extLst>
-              <a:ext uri="{FF2B5EF4-FFF2-40B4-BE49-F238E27FC236}">
-                <a16:creationId xmlns:a16="http://schemas.microsoft.com/office/drawing/2014/main" id="{B40711E0-D4B8-86D0-191C-C9D7FCFFB163}"/>
-              </a:ext>
-            </a:extLst>
-          </p:cNvPr>
-          <p:cNvSpPr>
-            <a:spLocks noGrp="1"/>
-          </p:cNvSpPr>
-          <p:nvPr>
-            <p:ph idx="1"/>
-          </p:nvPr>
-        </p:nvSpPr>
-        <p:spPr/>
-        <p:txBody>
-          <a:bodyPr/>
-          <a:lstStyle/>
-          <a:p>
-            <a:r>
-              <a:rPr lang="en-US"/>
-              <a:t>The return type of </a:t>
-            </a:r>
-            <a:r>
-              <a:rPr lang="en-US" err="1">
-                <a:latin typeface="Courier New" panose="02070309020205020404" pitchFamily="49" charset="0"/>
-                <a:cs typeface="Courier New" panose="02070309020205020404" pitchFamily="49" charset="0"/>
-              </a:rPr>
-              <a:t>get_ref</a:t>
-            </a:r>
-            <a:r>
-              <a:rPr lang="en-US"/>
-              <a:t> is the </a:t>
-            </a:r>
-            <a:r>
-              <a:rPr lang="en-US" i="1"/>
-              <a:t>common reference</a:t>
-            </a:r>
-            <a:r>
-              <a:rPr lang="en-US"/>
-              <a:t> between the </a:t>
-            </a:r>
-            <a:r>
-              <a:rPr lang="en-US" err="1"/>
-              <a:t>mapped_type</a:t>
-            </a:r>
-            <a:r>
-              <a:rPr lang="en-US"/>
-              <a:t> and the argument:</a:t>
-            </a:r>
-          </a:p>
-          <a:p>
-            <a:pPr lvl="1"/>
-            <a:r>
-              <a:rPr lang="en-US"/>
-              <a:t>If either one is </a:t>
-            </a:r>
-            <a:r>
-              <a:rPr lang="en-US">
-                <a:latin typeface="Courier New" panose="02070309020205020404" pitchFamily="49" charset="0"/>
-                <a:cs typeface="Courier New" panose="02070309020205020404" pitchFamily="49" charset="0"/>
-              </a:rPr>
-              <a:t>const</a:t>
-            </a:r>
-            <a:r>
-              <a:rPr lang="en-US"/>
-              <a:t>, then the returned reference is </a:t>
-            </a:r>
-            <a:r>
-              <a:rPr lang="en-US">
-                <a:latin typeface="Courier New" panose="02070309020205020404" pitchFamily="49" charset="0"/>
-                <a:cs typeface="Courier New" panose="02070309020205020404" pitchFamily="49" charset="0"/>
-              </a:rPr>
-              <a:t>const</a:t>
-            </a:r>
-            <a:r>
-              <a:rPr lang="en-US">
-                <a:cs typeface="Courier New" panose="02070309020205020404" pitchFamily="49" charset="0"/>
-              </a:rPr>
-              <a:t>.</a:t>
-            </a:r>
-          </a:p>
-          <a:p>
-            <a:pPr lvl="1"/>
-            <a:r>
-              <a:rPr lang="en-US">
-                <a:cs typeface="Courier New" panose="02070309020205020404" pitchFamily="49" charset="0"/>
-              </a:rPr>
-              <a:t>If one is a base class of the other, then the returned reference is to the base class.</a:t>
-            </a:r>
-          </a:p>
-          <a:p>
-            <a:pPr lvl="1"/>
-            <a:r>
-              <a:rPr lang="en-US">
-                <a:cs typeface="Courier New" panose="02070309020205020404" pitchFamily="49" charset="0"/>
-              </a:rPr>
-              <a:t>If there is no common reference type, then compilation will fail.</a:t>
-            </a:r>
-          </a:p>
-          <a:p>
-            <a:r>
-              <a:rPr lang="en-US">
-                <a:cs typeface="Courier New" panose="02070309020205020404" pitchFamily="49" charset="0"/>
-              </a:rPr>
-              <a:t>The argument cannot be bound to an </a:t>
-            </a:r>
-            <a:r>
-              <a:rPr lang="en-US" err="1">
-                <a:cs typeface="Courier New" panose="02070309020205020404" pitchFamily="49" charset="0"/>
-              </a:rPr>
-              <a:t>rvalue</a:t>
-            </a:r>
-            <a:r>
-              <a:rPr lang="en-US">
-                <a:cs typeface="Courier New" panose="02070309020205020404" pitchFamily="49" charset="0"/>
-              </a:rPr>
-              <a:t>:</a:t>
-            </a:r>
-          </a:p>
-        </p:txBody>
-      </p:sp>
-      <p:sp>
-        <p:nvSpPr>
-          <p:cNvPr id="4" name="Date Placeholder 3">
-            <a:extLst>
-              <a:ext uri="{FF2B5EF4-FFF2-40B4-BE49-F238E27FC236}">
-                <a16:creationId xmlns:a16="http://schemas.microsoft.com/office/drawing/2014/main" id="{9285D141-0AA0-C655-DDFB-03E183C39465}"/>
-              </a:ext>
-            </a:extLst>
-          </p:cNvPr>
-          <p:cNvSpPr>
-            <a:spLocks noGrp="1"/>
-          </p:cNvSpPr>
-          <p:nvPr>
-            <p:ph type="dt" sz="half" idx="10"/>
-          </p:nvPr>
-        </p:nvSpPr>
-        <p:spPr/>
-        <p:txBody>
-          <a:bodyPr/>
-          <a:lstStyle/>
-          <a:p>
-            <a:fld id="{D1A98742-6638-43AC-A30F-B0F4E802E4B2}" type="datetime1">
-              <a:rPr lang="en-US" smtClean="0"/>
-              <a:t>2/26/2024</a:t>
-            </a:fld>
-            <a:endParaRPr lang="en-US"/>
-          </a:p>
-        </p:txBody>
-      </p:sp>
-      <p:sp>
-        <p:nvSpPr>
-          <p:cNvPr id="5" name="Footer Placeholder 4">
-            <a:extLst>
-              <a:ext uri="{FF2B5EF4-FFF2-40B4-BE49-F238E27FC236}">
-                <a16:creationId xmlns:a16="http://schemas.microsoft.com/office/drawing/2014/main" id="{89D7A2B9-1AE9-66B6-AAA1-161CFA473059}"/>
-              </a:ext>
-            </a:extLst>
-          </p:cNvPr>
-          <p:cNvSpPr>
-            <a:spLocks noGrp="1"/>
-          </p:cNvSpPr>
-          <p:nvPr>
-            <p:ph type="ftr" sz="quarter" idx="11"/>
-          </p:nvPr>
-        </p:nvSpPr>
-        <p:spPr/>
-        <p:txBody>
-          <a:bodyPr/>
-          <a:lstStyle/>
-          <a:p>
-            <a:r>
-              <a:rPr lang="en-US"/>
-              <a:t>Pablo Halpern, 2024 (CC BY 4.0)</a:t>
-            </a:r>
-          </a:p>
-        </p:txBody>
-      </p:sp>
-      <p:sp>
-        <p:nvSpPr>
-          <p:cNvPr id="6" name="Slide Number Placeholder 5">
-            <a:extLst>
-              <a:ext uri="{FF2B5EF4-FFF2-40B4-BE49-F238E27FC236}">
-                <a16:creationId xmlns:a16="http://schemas.microsoft.com/office/drawing/2014/main" id="{F5141FE4-1DBE-511B-8D27-CBD38A710A38}"/>
-              </a:ext>
-            </a:extLst>
-          </p:cNvPr>
-          <p:cNvSpPr>
-            <a:spLocks noGrp="1"/>
-          </p:cNvSpPr>
-          <p:nvPr>
-            <p:ph type="sldNum" sz="quarter" idx="12"/>
-          </p:nvPr>
-        </p:nvSpPr>
-        <p:spPr/>
-        <p:txBody>
-          <a:bodyPr/>
-          <a:lstStyle/>
-          <a:p>
-            <a:fld id="{D57F1E4F-1CFF-5643-939E-217C01CDF565}" type="slidenum">
-              <a:rPr lang="en-US" smtClean="0"/>
-              <a:pPr/>
-              <a:t>10</a:t>
-            </a:fld>
-            <a:endParaRPr lang="en-US"/>
-          </a:p>
-        </p:txBody>
-      </p:sp>
-      <p:sp>
-        <p:nvSpPr>
-          <p:cNvPr id="7" name="Rectangle 6">
-            <a:extLst>
-              <a:ext uri="{FF2B5EF4-FFF2-40B4-BE49-F238E27FC236}">
-                <a16:creationId xmlns:a16="http://schemas.microsoft.com/office/drawing/2014/main" id="{79B20A71-1590-E637-85E6-281D2DE6DE4E}"/>
-              </a:ext>
-            </a:extLst>
-          </p:cNvPr>
-          <p:cNvSpPr/>
-          <p:nvPr/>
-        </p:nvSpPr>
-        <p:spPr>
-          <a:xfrm>
-            <a:off x="1843790" y="4669436"/>
-            <a:ext cx="9401384" cy="1325238"/>
-          </a:xfrm>
-          <a:prstGeom prst="rect">
-            <a:avLst/>
-          </a:prstGeom>
-        </p:spPr>
-        <p:style>
-          <a:lnRef idx="2">
-            <a:schemeClr val="dk1">
-              <a:shade val="15000"/>
-            </a:schemeClr>
-          </a:lnRef>
-          <a:fillRef idx="1">
-            <a:schemeClr val="dk1"/>
-          </a:fillRef>
-          <a:effectRef idx="0">
-            <a:schemeClr val="dk1"/>
-          </a:effectRef>
-          <a:fontRef idx="minor">
-            <a:schemeClr val="lt1"/>
-          </a:fontRef>
-        </p:style>
-        <p:txBody>
-          <a:bodyPr rtlCol="0" anchor="t"/>
-          <a:lstStyle/>
-          <a:p>
-            <a:r>
-              <a:rPr lang="en-US">
-                <a:latin typeface="Consolas" panose="020B0609020204030204" pitchFamily="49" charset="0"/>
-              </a:rPr>
-              <a:t>void f(const std::map&lt;int, std::string&gt;&amp; </a:t>
-            </a:r>
-            <a:r>
-              <a:rPr lang="en-US" err="1">
-                <a:latin typeface="Consolas" panose="020B0609020204030204" pitchFamily="49" charset="0"/>
-              </a:rPr>
-              <a:t>theMap</a:t>
-            </a:r>
-            <a:r>
-              <a:rPr lang="en-US">
-                <a:latin typeface="Consolas" panose="020B0609020204030204" pitchFamily="49" charset="0"/>
-              </a:rPr>
-              <a:t>) {</a:t>
-            </a:r>
-          </a:p>
-          <a:p>
-            <a:r>
-              <a:rPr lang="en-US">
-                <a:latin typeface="Consolas" panose="020B0609020204030204" pitchFamily="49" charset="0"/>
-              </a:rPr>
-              <a:t>  const std::string&amp; ref = </a:t>
-            </a:r>
-            <a:r>
-              <a:rPr lang="en-US" err="1">
-                <a:latin typeface="Consolas" panose="020B0609020204030204" pitchFamily="49" charset="0"/>
-              </a:rPr>
-              <a:t>theMap.</a:t>
-            </a:r>
-            <a:r>
-              <a:rPr lang="en-US" err="1">
-                <a:solidFill>
-                  <a:srgbClr val="FFFF00"/>
-                </a:solidFill>
-                <a:latin typeface="Consolas" panose="020B0609020204030204" pitchFamily="49" charset="0"/>
-              </a:rPr>
-              <a:t>get_ref</a:t>
-            </a:r>
-            <a:r>
-              <a:rPr lang="en-US">
-                <a:solidFill>
-                  <a:srgbClr val="FFFF00"/>
-                </a:solidFill>
-                <a:latin typeface="Consolas" panose="020B0609020204030204" pitchFamily="49" charset="0"/>
-              </a:rPr>
-              <a:t>(0, "zero")</a:t>
-            </a:r>
-            <a:r>
-              <a:rPr lang="en-US">
-                <a:latin typeface="Consolas" panose="020B0609020204030204" pitchFamily="49" charset="0"/>
-              </a:rPr>
-              <a:t>;  // </a:t>
-            </a:r>
-            <a:r>
-              <a:rPr lang="en-US" i="1">
-                <a:solidFill>
-                  <a:srgbClr val="FF0000"/>
-                </a:solidFill>
-              </a:rPr>
-              <a:t>ERROR: temp </a:t>
-            </a:r>
-            <a:r>
-              <a:rPr lang="en-US" i="1" err="1">
-                <a:solidFill>
-                  <a:srgbClr val="FF0000"/>
-                </a:solidFill>
-              </a:rPr>
-              <a:t>rvalue</a:t>
-            </a:r>
-            <a:endParaRPr lang="en-US" i="1">
-              <a:solidFill>
-                <a:srgbClr val="FF0000"/>
-              </a:solidFill>
-            </a:endParaRPr>
-          </a:p>
-          <a:p>
-            <a:r>
-              <a:rPr lang="en-US">
-                <a:latin typeface="Consolas" panose="020B0609020204030204" pitchFamily="49" charset="0"/>
-              </a:rPr>
-              <a:t>  // ...</a:t>
-            </a:r>
-          </a:p>
-          <a:p>
-            <a:r>
-              <a:rPr lang="en-US">
-                <a:latin typeface="Consolas" panose="020B0609020204030204" pitchFamily="49" charset="0"/>
-              </a:rPr>
-              <a:t>}</a:t>
-            </a:r>
-          </a:p>
-        </p:txBody>
-      </p:sp>
-    </p:spTree>
-    <p:extLst>
-      <p:ext uri="{BB962C8B-B14F-4D97-AF65-F5344CB8AC3E}">
-        <p14:creationId xmlns:p14="http://schemas.microsoft.com/office/powerpoint/2010/main" val="2286328020"/>
-      </p:ext>
-    </p:extLst>
-  </p:cSld>
-  <p:clrMapOvr>
-    <a:masterClrMapping/>
-  </p:clrMapOvr>
-  <p:timing>
-    <p:tnLst>
-      <p:par>
-        <p:cTn id="1" dur="indefinite" restart="never" nodeType="tmRoot">
-          <p:childTnLst>
-            <p:seq concurrent="1" nextAc="seek">
-              <p:cTn id="2" dur="indefinite" nodeType="mainSeq">
-                <p:childTnLst>
-                  <p:par>
-                    <p:cTn id="3" fill="hold">
-                      <p:stCondLst>
-                        <p:cond delay="indefinite"/>
-                      </p:stCondLst>
-                      <p:childTnLst>
-                        <p:par>
-                          <p:cTn id="4" fill="hold">
-                            <p:stCondLst>
-                              <p:cond delay="0"/>
-                            </p:stCondLst>
-                            <p:childTnLst>
-                              <p:par>
-                                <p:cTn id="5" presetID="1" presetClass="entr" presetSubtype="0" fill="hold" grpId="0" nodeType="clickEffect">
-                                  <p:stCondLst>
-                                    <p:cond delay="0"/>
-                                  </p:stCondLst>
-                                  <p:childTnLst>
-                                    <p:set>
-                                      <p:cBhvr>
-                                        <p:cTn id="6" dur="1" fill="hold">
-                                          <p:stCondLst>
-                                            <p:cond delay="0"/>
-                                          </p:stCondLst>
-                                        </p:cTn>
-                                        <p:tgtEl>
-                                          <p:spTgt spid="3">
-                                            <p:txEl>
-                                              <p:pRg st="0" end="0"/>
-                                            </p:txEl>
-                                          </p:spTgt>
-                                        </p:tgtEl>
-                                        <p:attrNameLst>
-                                          <p:attrName>style.visibility</p:attrName>
-                                        </p:attrNameLst>
-                                      </p:cBhvr>
-                                      <p:to>
-                                        <p:strVal val="visible"/>
-                                      </p:to>
-                                    </p:set>
-                                  </p:childTnLst>
-                                </p:cTn>
-                              </p:par>
-                              <p:par>
-                                <p:cTn id="7" presetID="1" presetClass="entr" presetSubtype="0" fill="hold" grpId="0" nodeType="withEffect">
-                                  <p:stCondLst>
-                                    <p:cond delay="0"/>
-                                  </p:stCondLst>
-                                  <p:childTnLst>
-                                    <p:set>
-                                      <p:cBhvr>
-                                        <p:cTn id="8" dur="1" fill="hold">
-                                          <p:stCondLst>
-                                            <p:cond delay="0"/>
-                                          </p:stCondLst>
-                                        </p:cTn>
-                                        <p:tgtEl>
-                                          <p:spTgt spid="3">
-                                            <p:txEl>
-                                              <p:pRg st="1" end="1"/>
-                                            </p:txEl>
-                                          </p:spTgt>
-                                        </p:tgtEl>
-                                        <p:attrNameLst>
-                                          <p:attrName>style.visibility</p:attrName>
-                                        </p:attrNameLst>
-                                      </p:cBhvr>
-                                      <p:to>
-                                        <p:strVal val="visible"/>
-                                      </p:to>
-                                    </p:set>
-                                  </p:childTnLst>
-                                </p:cTn>
-                              </p:par>
-                              <p:par>
-                                <p:cTn id="9" presetID="1" presetClass="entr" presetSubtype="0" fill="hold" grpId="0" nodeType="withEffect">
-                                  <p:stCondLst>
-                                    <p:cond delay="0"/>
-                                  </p:stCondLst>
-                                  <p:childTnLst>
-                                    <p:set>
-                                      <p:cBhvr>
-                                        <p:cTn id="10" dur="1" fill="hold">
-                                          <p:stCondLst>
-                                            <p:cond delay="0"/>
-                                          </p:stCondLst>
-                                        </p:cTn>
-                                        <p:tgtEl>
-                                          <p:spTgt spid="3">
-                                            <p:txEl>
-                                              <p:pRg st="2" end="2"/>
-                                            </p:txEl>
-                                          </p:spTgt>
-                                        </p:tgtEl>
-                                        <p:attrNameLst>
-                                          <p:attrName>style.visibility</p:attrName>
-                                        </p:attrNameLst>
-                                      </p:cBhvr>
-                                      <p:to>
-                                        <p:strVal val="visible"/>
-                                      </p:to>
-                                    </p:set>
-                                  </p:childTnLst>
-                                </p:cTn>
-                              </p:par>
-                              <p:par>
-                                <p:cTn id="11" presetID="1" presetClass="entr" presetSubtype="0" fill="hold" grpId="0" nodeType="withEffect">
-                                  <p:stCondLst>
-                                    <p:cond delay="0"/>
-                                  </p:stCondLst>
-                                  <p:childTnLst>
-                                    <p:set>
-                                      <p:cBhvr>
-                                        <p:cTn id="12" dur="1" fill="hold">
-                                          <p:stCondLst>
-                                            <p:cond delay="0"/>
-                                          </p:stCondLst>
-                                        </p:cTn>
-                                        <p:tgtEl>
-                                          <p:spTgt spid="3">
-                                            <p:txEl>
-                                              <p:pRg st="3" end="3"/>
-                                            </p:txEl>
-                                          </p:spTgt>
-                                        </p:tgtEl>
-                                        <p:attrNameLst>
-                                          <p:attrName>style.visibility</p:attrName>
-                                        </p:attrNameLst>
-                                      </p:cBhvr>
-                                      <p:to>
-                                        <p:strVal val="visible"/>
-                                      </p:to>
-                                    </p:set>
-                                  </p:childTnLst>
-                                </p:cTn>
-                              </p:par>
-                            </p:childTnLst>
-                          </p:cTn>
-                        </p:par>
-                      </p:childTnLst>
-                    </p:cTn>
-                  </p:par>
-                  <p:par>
-                    <p:cTn id="13" fill="hold">
-                      <p:stCondLst>
-                        <p:cond delay="indefinite"/>
-                      </p:stCondLst>
-                      <p:childTnLst>
-                        <p:par>
-                          <p:cTn id="14" fill="hold">
-                            <p:stCondLst>
-                              <p:cond delay="0"/>
-                            </p:stCondLst>
-                            <p:childTnLst>
-                              <p:par>
-                                <p:cTn id="15" presetID="1" presetClass="entr" presetSubtype="0" fill="hold" grpId="0" nodeType="clickEffect">
-                                  <p:stCondLst>
-                                    <p:cond delay="0"/>
-                                  </p:stCondLst>
-                                  <p:childTnLst>
-                                    <p:set>
-                                      <p:cBhvr>
-                                        <p:cTn id="16" dur="1" fill="hold">
-                                          <p:stCondLst>
-                                            <p:cond delay="0"/>
-                                          </p:stCondLst>
-                                        </p:cTn>
-                                        <p:tgtEl>
-                                          <p:spTgt spid="3">
-                                            <p:txEl>
-                                              <p:pRg st="4" end="4"/>
-                                            </p:txEl>
-                                          </p:spTgt>
-                                        </p:tgtEl>
-                                        <p:attrNameLst>
-                                          <p:attrName>style.visibility</p:attrName>
-                                        </p:attrNameLst>
-                                      </p:cBhvr>
-                                      <p:to>
-                                        <p:strVal val="visible"/>
-                                      </p:to>
-                                    </p:set>
-                                  </p:childTnLst>
-                                </p:cTn>
-                              </p:par>
-                              <p:par>
-                                <p:cTn id="17" presetID="1" presetClass="entr" presetSubtype="0" fill="hold" grpId="0" nodeType="withEffect">
-                                  <p:stCondLst>
-                                    <p:cond delay="0"/>
-                                  </p:stCondLst>
-                                  <p:childTnLst>
-                                    <p:set>
-                                      <p:cBhvr>
-                                        <p:cTn id="18" dur="1" fill="hold">
-                                          <p:stCondLst>
-                                            <p:cond delay="0"/>
-                                          </p:stCondLst>
-                                        </p:cTn>
-                                        <p:tgtEl>
-                                          <p:spTgt spid="7"/>
-                                        </p:tgtEl>
-                                        <p:attrNameLst>
-                                          <p:attrName>style.visibility</p:attrName>
-                                        </p:attrNameLst>
-                                      </p:cBhvr>
-                                      <p:to>
-                                        <p:strVal val="visible"/>
-                                      </p:to>
-                                    </p:set>
-                                  </p:childTnLst>
-                                </p:cTn>
-                              </p:par>
-                            </p:childTnLst>
-                          </p:cTn>
-                        </p:par>
-                      </p:childTnLst>
-                    </p:cTn>
-                  </p:par>
-                </p:childTnLst>
-              </p:cTn>
-              <p:prevCondLst>
-                <p:cond evt="onPrev" delay="0">
-                  <p:tgtEl>
-                    <p:sldTgt/>
-                  </p:tgtEl>
-                </p:cond>
-              </p:prevCondLst>
-              <p:nextCondLst>
-                <p:cond evt="onNext" delay="0">
-                  <p:tgtEl>
-                    <p:sldTgt/>
-                  </p:tgtEl>
-                </p:cond>
-              </p:nextCondLst>
-            </p:seq>
-          </p:childTnLst>
-        </p:cTn>
-      </p:par>
-    </p:tnLst>
-    <p:bldLst>
-      <p:bldP spid="3" grpId="0" build="p"/>
-      <p:bldP spid="7" grpId="0" animBg="1"/>
-    </p:bldLst>
-  </p:timing>
-</p:sld>
-</file>
-
-<file path=ppt/slides/slide11.xml><?xml version="1.0" encoding="utf-8"?>
-<p:sld xmlns:a="http://schemas.openxmlformats.org/drawingml/2006/main" xmlns:r="http://schemas.openxmlformats.org/officeDocument/2006/relationships" xmlns:p="http://schemas.openxmlformats.org/presentationml/2006/main">
-  <p:cSld>
-    <p:spTree>
-      <p:nvGrpSpPr>
-        <p:cNvPr id="1" name=""/>
-        <p:cNvGrpSpPr/>
-        <p:nvPr/>
-      </p:nvGrpSpPr>
-      <p:grpSpPr>
-        <a:xfrm>
-          <a:off x="0" y="0"/>
-          <a:ext cx="0" cy="0"/>
-          <a:chOff x="0" y="0"/>
-          <a:chExt cx="0" cy="0"/>
-        </a:xfrm>
-      </p:grpSpPr>
-      <p:sp>
-        <p:nvSpPr>
-          <p:cNvPr id="2" name="Title 1">
-            <a:extLst>
-              <a:ext uri="{FF2B5EF4-FFF2-40B4-BE49-F238E27FC236}">
-                <a16:creationId xmlns:a16="http://schemas.microsoft.com/office/drawing/2014/main" id="{3F83B71B-9D21-AC67-1CED-997416C75970}"/>
-              </a:ext>
-            </a:extLst>
-          </p:cNvPr>
-          <p:cNvSpPr>
-            <a:spLocks noGrp="1"/>
-          </p:cNvSpPr>
-          <p:nvPr>
-            <p:ph type="title"/>
-          </p:nvPr>
-        </p:nvSpPr>
-        <p:spPr/>
-        <p:txBody>
-          <a:bodyPr/>
-          <a:lstStyle/>
-          <a:p>
-            <a:r>
-              <a:rPr lang="en-US" err="1">
-                <a:latin typeface="Courier New" panose="02070309020205020404" pitchFamily="49" charset="0"/>
-                <a:cs typeface="Courier New" panose="02070309020205020404" pitchFamily="49" charset="0"/>
-              </a:rPr>
-              <a:t>get_as</a:t>
-            </a:r>
-            <a:r>
-              <a:rPr lang="en-US">
-                <a:latin typeface="Courier New" panose="02070309020205020404" pitchFamily="49" charset="0"/>
-                <a:cs typeface="Courier New" panose="02070309020205020404" pitchFamily="49" charset="0"/>
-              </a:rPr>
-              <a:t>&lt;R&gt;</a:t>
-            </a:r>
-          </a:p>
-        </p:txBody>
-      </p:sp>
-      <p:sp>
-        <p:nvSpPr>
-          <p:cNvPr id="3" name="Content Placeholder 2">
-            <a:extLst>
-              <a:ext uri="{FF2B5EF4-FFF2-40B4-BE49-F238E27FC236}">
-                <a16:creationId xmlns:a16="http://schemas.microsoft.com/office/drawing/2014/main" id="{19C8886F-DC1A-B5B4-0735-F604FE8A8DB3}"/>
-              </a:ext>
-            </a:extLst>
-          </p:cNvPr>
-          <p:cNvSpPr>
-            <a:spLocks noGrp="1"/>
-          </p:cNvSpPr>
-          <p:nvPr>
-            <p:ph idx="1"/>
-          </p:nvPr>
-        </p:nvSpPr>
-        <p:spPr/>
-        <p:txBody>
-          <a:bodyPr/>
-          <a:lstStyle/>
-          <a:p>
-            <a:r>
-              <a:rPr lang="en-US"/>
-              <a:t>The proposed </a:t>
-            </a:r>
-            <a:r>
-              <a:rPr lang="en-US" err="1">
-                <a:latin typeface="Courier New" panose="02070309020205020404" pitchFamily="49" charset="0"/>
-                <a:cs typeface="Courier New" panose="02070309020205020404" pitchFamily="49" charset="0"/>
-              </a:rPr>
-              <a:t>get_as</a:t>
-            </a:r>
-            <a:r>
-              <a:rPr lang="en-US"/>
-              <a:t> member function allows the user to specify the return type, </a:t>
-            </a:r>
-            <a:r>
-              <a:rPr lang="en-US" i="1"/>
-              <a:t>R</a:t>
-            </a:r>
-            <a:r>
-              <a:rPr lang="en-US"/>
-              <a:t>.</a:t>
-            </a:r>
-          </a:p>
-          <a:p>
-            <a:endParaRPr lang="en-US"/>
-          </a:p>
-          <a:p>
-            <a:endParaRPr lang="en-US"/>
-          </a:p>
-          <a:p>
-            <a:r>
-              <a:rPr lang="en-US">
-                <a:cs typeface="Courier New" panose="02070309020205020404" pitchFamily="49" charset="0"/>
-              </a:rPr>
-              <a:t>Using </a:t>
-            </a:r>
-            <a:r>
-              <a:rPr lang="en-US" err="1">
-                <a:latin typeface="Courier New" panose="02070309020205020404" pitchFamily="49" charset="0"/>
-                <a:cs typeface="Courier New" panose="02070309020205020404" pitchFamily="49" charset="0"/>
-              </a:rPr>
-              <a:t>get_as</a:t>
-            </a:r>
-            <a:r>
-              <a:rPr lang="en-US"/>
-              <a:t> can be more efficient and/or safer than </a:t>
-            </a:r>
-            <a:r>
-              <a:rPr lang="en-US">
-                <a:latin typeface="Courier New" panose="02070309020205020404" pitchFamily="49" charset="0"/>
-                <a:cs typeface="Courier New" panose="02070309020205020404" pitchFamily="49" charset="0"/>
-              </a:rPr>
-              <a:t>get</a:t>
-            </a:r>
-            <a:r>
-              <a:rPr lang="en-US"/>
-              <a:t> or </a:t>
-            </a:r>
-            <a:r>
-              <a:rPr lang="en-US" err="1">
-                <a:latin typeface="Courier New" panose="02070309020205020404" pitchFamily="49" charset="0"/>
-                <a:cs typeface="Courier New" panose="02070309020205020404" pitchFamily="49" charset="0"/>
-              </a:rPr>
-              <a:t>get_ref</a:t>
-            </a:r>
-            <a:r>
-              <a:rPr lang="en-US"/>
-              <a:t>:</a:t>
-            </a:r>
-          </a:p>
-        </p:txBody>
-      </p:sp>
-      <p:sp>
-        <p:nvSpPr>
-          <p:cNvPr id="4" name="Date Placeholder 3">
-            <a:extLst>
-              <a:ext uri="{FF2B5EF4-FFF2-40B4-BE49-F238E27FC236}">
-                <a16:creationId xmlns:a16="http://schemas.microsoft.com/office/drawing/2014/main" id="{9D2FE32E-4400-64C1-F6E5-3BFD3083CDD9}"/>
-              </a:ext>
-            </a:extLst>
-          </p:cNvPr>
-          <p:cNvSpPr>
-            <a:spLocks noGrp="1"/>
-          </p:cNvSpPr>
-          <p:nvPr>
-            <p:ph type="dt" sz="half" idx="10"/>
-          </p:nvPr>
-        </p:nvSpPr>
-        <p:spPr/>
-        <p:txBody>
-          <a:bodyPr/>
-          <a:lstStyle/>
-          <a:p>
-            <a:fld id="{D1A98742-6638-43AC-A30F-B0F4E802E4B2}" type="datetime1">
-              <a:rPr lang="en-US" smtClean="0"/>
-              <a:t>2/26/2024</a:t>
-            </a:fld>
-            <a:endParaRPr lang="en-US"/>
-          </a:p>
-        </p:txBody>
-      </p:sp>
-      <p:sp>
-        <p:nvSpPr>
-          <p:cNvPr id="5" name="Footer Placeholder 4">
-            <a:extLst>
-              <a:ext uri="{FF2B5EF4-FFF2-40B4-BE49-F238E27FC236}">
-                <a16:creationId xmlns:a16="http://schemas.microsoft.com/office/drawing/2014/main" id="{6BC40EF8-29F3-B0DE-8600-B862E6AA78E4}"/>
-              </a:ext>
-            </a:extLst>
-          </p:cNvPr>
-          <p:cNvSpPr>
-            <a:spLocks noGrp="1"/>
-          </p:cNvSpPr>
-          <p:nvPr>
-            <p:ph type="ftr" sz="quarter" idx="11"/>
-          </p:nvPr>
-        </p:nvSpPr>
-        <p:spPr/>
-        <p:txBody>
-          <a:bodyPr/>
-          <a:lstStyle/>
-          <a:p>
-            <a:r>
-              <a:rPr lang="en-US"/>
-              <a:t>Pablo Halpern, 2024 (CC BY 4.0)</a:t>
-            </a:r>
-          </a:p>
-        </p:txBody>
-      </p:sp>
-      <p:sp>
-        <p:nvSpPr>
-          <p:cNvPr id="6" name="Slide Number Placeholder 5">
-            <a:extLst>
-              <a:ext uri="{FF2B5EF4-FFF2-40B4-BE49-F238E27FC236}">
-                <a16:creationId xmlns:a16="http://schemas.microsoft.com/office/drawing/2014/main" id="{88F386C4-CE6E-81C4-9395-2C6AD583B748}"/>
-              </a:ext>
-            </a:extLst>
-          </p:cNvPr>
-          <p:cNvSpPr>
-            <a:spLocks noGrp="1"/>
-          </p:cNvSpPr>
-          <p:nvPr>
-            <p:ph type="sldNum" sz="quarter" idx="12"/>
-          </p:nvPr>
-        </p:nvSpPr>
-        <p:spPr/>
-        <p:txBody>
-          <a:bodyPr/>
-          <a:lstStyle/>
-          <a:p>
-            <a:fld id="{D57F1E4F-1CFF-5643-939E-217C01CDF565}" type="slidenum">
-              <a:rPr lang="en-US" smtClean="0"/>
-              <a:pPr/>
-              <a:t>11</a:t>
-            </a:fld>
-            <a:endParaRPr lang="en-US"/>
-          </a:p>
-        </p:txBody>
-      </p:sp>
-      <p:sp>
-        <p:nvSpPr>
-          <p:cNvPr id="7" name="Rectangle 6">
-            <a:extLst>
-              <a:ext uri="{FF2B5EF4-FFF2-40B4-BE49-F238E27FC236}">
-                <a16:creationId xmlns:a16="http://schemas.microsoft.com/office/drawing/2014/main" id="{846F8BA4-D2EE-5658-61B1-2616A1831090}"/>
-              </a:ext>
-            </a:extLst>
-          </p:cNvPr>
-          <p:cNvSpPr/>
-          <p:nvPr/>
-        </p:nvSpPr>
-        <p:spPr>
-          <a:xfrm>
-            <a:off x="1828800" y="2668945"/>
-            <a:ext cx="9416374" cy="988655"/>
-          </a:xfrm>
-          <a:prstGeom prst="rect">
-            <a:avLst/>
-          </a:prstGeom>
-        </p:spPr>
-        <p:style>
-          <a:lnRef idx="2">
-            <a:schemeClr val="dk1">
-              <a:shade val="15000"/>
-            </a:schemeClr>
-          </a:lnRef>
-          <a:fillRef idx="1">
-            <a:schemeClr val="dk1"/>
-          </a:fillRef>
-          <a:effectRef idx="0">
-            <a:schemeClr val="dk1"/>
-          </a:effectRef>
-          <a:fontRef idx="minor">
-            <a:schemeClr val="lt1"/>
-          </a:fontRef>
-        </p:style>
-        <p:txBody>
-          <a:bodyPr rtlCol="0" anchor="t"/>
-          <a:lstStyle/>
-          <a:p>
-            <a:r>
-              <a:rPr lang="en-US">
-                <a:latin typeface="Consolas" panose="020B0609020204030204" pitchFamily="49" charset="0"/>
-              </a:rPr>
-              <a:t>std::map&lt;int, std::string&gt; </a:t>
-            </a:r>
-            <a:r>
-              <a:rPr lang="en-US" err="1">
-                <a:latin typeface="Consolas" panose="020B0609020204030204" pitchFamily="49" charset="0"/>
-              </a:rPr>
-              <a:t>theMap</a:t>
-            </a:r>
-            <a:r>
-              <a:rPr lang="en-US">
-                <a:latin typeface="Consolas" panose="020B0609020204030204" pitchFamily="49" charset="0"/>
-              </a:rPr>
-              <a:t>;</a:t>
-            </a:r>
-          </a:p>
-          <a:p>
-            <a:r>
-              <a:rPr lang="en-US">
-                <a:latin typeface="Consolas" panose="020B0609020204030204" pitchFamily="49" charset="0"/>
-              </a:rPr>
-              <a:t>// ...</a:t>
-            </a:r>
-          </a:p>
-          <a:p>
-            <a:r>
-              <a:rPr lang="en-US">
-                <a:latin typeface="Consolas" panose="020B0609020204030204" pitchFamily="49" charset="0"/>
-              </a:rPr>
-              <a:t>std::</a:t>
-            </a:r>
-            <a:r>
-              <a:rPr lang="en-US" err="1">
-                <a:latin typeface="Consolas" panose="020B0609020204030204" pitchFamily="49" charset="0"/>
-              </a:rPr>
-              <a:t>string_view</a:t>
-            </a:r>
-            <a:r>
-              <a:rPr lang="en-US">
-                <a:latin typeface="Consolas" panose="020B0609020204030204" pitchFamily="49" charset="0"/>
-              </a:rPr>
-              <a:t> </a:t>
-            </a:r>
-            <a:r>
-              <a:rPr lang="en-US" err="1">
-                <a:latin typeface="Consolas" panose="020B0609020204030204" pitchFamily="49" charset="0"/>
-              </a:rPr>
-              <a:t>sv</a:t>
-            </a:r>
-            <a:r>
-              <a:rPr lang="en-US">
-                <a:latin typeface="Consolas" panose="020B0609020204030204" pitchFamily="49" charset="0"/>
-              </a:rPr>
-              <a:t> = </a:t>
-            </a:r>
-            <a:r>
-              <a:rPr lang="en-US" err="1">
-                <a:latin typeface="Consolas" panose="020B0609020204030204" pitchFamily="49" charset="0"/>
-              </a:rPr>
-              <a:t>theMap.</a:t>
-            </a:r>
-            <a:r>
-              <a:rPr lang="en-US" err="1">
-                <a:solidFill>
-                  <a:srgbClr val="FFFF00"/>
-                </a:solidFill>
-                <a:latin typeface="Consolas" panose="020B0609020204030204" pitchFamily="49" charset="0"/>
-              </a:rPr>
-              <a:t>get_as</a:t>
-            </a:r>
-            <a:r>
-              <a:rPr lang="en-US">
-                <a:solidFill>
-                  <a:srgbClr val="FFFF00"/>
-                </a:solidFill>
-                <a:latin typeface="Consolas" panose="020B0609020204030204" pitchFamily="49" charset="0"/>
-              </a:rPr>
-              <a:t>&lt;std::</a:t>
-            </a:r>
-            <a:r>
-              <a:rPr lang="en-US" err="1">
-                <a:solidFill>
-                  <a:srgbClr val="FFFF00"/>
-                </a:solidFill>
-                <a:latin typeface="Consolas" panose="020B0609020204030204" pitchFamily="49" charset="0"/>
-              </a:rPr>
-              <a:t>string_view</a:t>
-            </a:r>
-            <a:r>
-              <a:rPr lang="en-US">
-                <a:solidFill>
-                  <a:srgbClr val="FFFF00"/>
-                </a:solidFill>
-                <a:latin typeface="Consolas" panose="020B0609020204030204" pitchFamily="49" charset="0"/>
-              </a:rPr>
-              <a:t>&gt;</a:t>
-            </a:r>
-            <a:r>
-              <a:rPr lang="en-US">
-                <a:latin typeface="Consolas" panose="020B0609020204030204" pitchFamily="49" charset="0"/>
-              </a:rPr>
-              <a:t>(key, "none");</a:t>
-            </a:r>
-          </a:p>
-        </p:txBody>
-      </p:sp>
-      <p:sp>
-        <p:nvSpPr>
-          <p:cNvPr id="8" name="Rectangle 7">
-            <a:extLst>
-              <a:ext uri="{FF2B5EF4-FFF2-40B4-BE49-F238E27FC236}">
-                <a16:creationId xmlns:a16="http://schemas.microsoft.com/office/drawing/2014/main" id="{D32F03FC-224D-4839-9F9C-2F0520F853D0}"/>
-              </a:ext>
-            </a:extLst>
-          </p:cNvPr>
-          <p:cNvSpPr/>
-          <p:nvPr/>
-        </p:nvSpPr>
-        <p:spPr>
-          <a:xfrm>
-            <a:off x="1828800" y="4316061"/>
-            <a:ext cx="9416374" cy="1475140"/>
-          </a:xfrm>
-          <a:prstGeom prst="rect">
-            <a:avLst/>
-          </a:prstGeom>
-        </p:spPr>
-        <p:style>
-          <a:lnRef idx="2">
-            <a:schemeClr val="dk1">
-              <a:shade val="15000"/>
-            </a:schemeClr>
-          </a:lnRef>
-          <a:fillRef idx="1">
-            <a:schemeClr val="dk1"/>
-          </a:fillRef>
-          <a:effectRef idx="0">
-            <a:schemeClr val="dk1"/>
-          </a:effectRef>
-          <a:fontRef idx="minor">
-            <a:schemeClr val="lt1"/>
-          </a:fontRef>
-        </p:style>
-        <p:txBody>
-          <a:bodyPr rtlCol="0" anchor="t"/>
-          <a:lstStyle/>
-          <a:p>
-            <a:r>
-              <a:rPr lang="en-US">
-                <a:latin typeface="Consolas" panose="020B0609020204030204" pitchFamily="49" charset="0"/>
-              </a:rPr>
-              <a:t>// </a:t>
-            </a:r>
-            <a:r>
-              <a:rPr lang="en-US" i="1">
-                <a:solidFill>
-                  <a:srgbClr val="FF0000"/>
-                </a:solidFill>
-              </a:rPr>
-              <a:t>BUG: Dangling reference converting returned temporary </a:t>
-            </a:r>
-            <a:r>
-              <a:rPr lang="en-US" i="1">
-                <a:solidFill>
-                  <a:srgbClr val="FF0000"/>
-                </a:solidFill>
-                <a:latin typeface="Courier New" panose="02070309020205020404" pitchFamily="49" charset="0"/>
-                <a:cs typeface="Courier New" panose="02070309020205020404" pitchFamily="49" charset="0"/>
-              </a:rPr>
-              <a:t>string</a:t>
-            </a:r>
-            <a:r>
-              <a:rPr lang="en-US" i="1">
-                <a:solidFill>
-                  <a:srgbClr val="FF0000"/>
-                </a:solidFill>
-              </a:rPr>
-              <a:t>  to </a:t>
-            </a:r>
-            <a:r>
-              <a:rPr lang="en-US" i="1" err="1">
-                <a:solidFill>
-                  <a:srgbClr val="FF0000"/>
-                </a:solidFill>
-                <a:latin typeface="Courier New" panose="02070309020205020404" pitchFamily="49" charset="0"/>
-                <a:cs typeface="Courier New" panose="02070309020205020404" pitchFamily="49" charset="0"/>
-              </a:rPr>
-              <a:t>string_view</a:t>
-            </a:r>
-            <a:endParaRPr lang="en-US" i="1">
-              <a:solidFill>
-                <a:srgbClr val="FF0000"/>
-              </a:solidFill>
-              <a:latin typeface="Courier New" panose="02070309020205020404" pitchFamily="49" charset="0"/>
-              <a:cs typeface="Courier New" panose="02070309020205020404" pitchFamily="49" charset="0"/>
-            </a:endParaRPr>
-          </a:p>
-          <a:p>
-            <a:r>
-              <a:rPr lang="en-US">
-                <a:latin typeface="Consolas" panose="020B0609020204030204" pitchFamily="49" charset="0"/>
-              </a:rPr>
-              <a:t>std::</a:t>
-            </a:r>
-            <a:r>
-              <a:rPr lang="en-US" err="1">
-                <a:latin typeface="Consolas" panose="020B0609020204030204" pitchFamily="49" charset="0"/>
-              </a:rPr>
-              <a:t>string_view</a:t>
-            </a:r>
-            <a:r>
-              <a:rPr lang="en-US">
-                <a:latin typeface="Consolas" panose="020B0609020204030204" pitchFamily="49" charset="0"/>
-              </a:rPr>
-              <a:t> </a:t>
-            </a:r>
-            <a:r>
-              <a:rPr lang="en-US" err="1">
-                <a:latin typeface="Consolas" panose="020B0609020204030204" pitchFamily="49" charset="0"/>
-              </a:rPr>
-              <a:t>sv</a:t>
-            </a:r>
-            <a:r>
-              <a:rPr lang="en-US">
-                <a:latin typeface="Consolas" panose="020B0609020204030204" pitchFamily="49" charset="0"/>
-              </a:rPr>
-              <a:t> = </a:t>
-            </a:r>
-            <a:r>
-              <a:rPr lang="en-US" err="1">
-                <a:latin typeface="Consolas" panose="020B0609020204030204" pitchFamily="49" charset="0"/>
-              </a:rPr>
-              <a:t>theMap.get</a:t>
-            </a:r>
-            <a:r>
-              <a:rPr lang="en-US">
-                <a:latin typeface="Consolas" panose="020B0609020204030204" pitchFamily="49" charset="0"/>
-              </a:rPr>
-              <a:t>(key, "none");</a:t>
-            </a:r>
-          </a:p>
-          <a:p>
-            <a:endParaRPr lang="en-US">
-              <a:latin typeface="Consolas" panose="020B0609020204030204" pitchFamily="49" charset="0"/>
-            </a:endParaRPr>
-          </a:p>
-          <a:p>
-            <a:r>
-              <a:rPr lang="en-US">
-                <a:latin typeface="Consolas" panose="020B0609020204030204" pitchFamily="49" charset="0"/>
-              </a:rPr>
-              <a:t>// </a:t>
-            </a:r>
-            <a:r>
-              <a:rPr lang="en-US" i="1">
-                <a:solidFill>
-                  <a:srgbClr val="FF0000"/>
-                </a:solidFill>
-              </a:rPr>
-              <a:t>ERROR: cannot bind temporary </a:t>
-            </a:r>
-            <a:r>
-              <a:rPr lang="en-US" i="1">
-                <a:solidFill>
-                  <a:srgbClr val="FF0000"/>
-                </a:solidFill>
-                <a:latin typeface="Courier New" panose="02070309020205020404" pitchFamily="49" charset="0"/>
-                <a:cs typeface="Courier New" panose="02070309020205020404" pitchFamily="49" charset="0"/>
-              </a:rPr>
-              <a:t>string</a:t>
-            </a:r>
-            <a:r>
-              <a:rPr lang="en-US" i="1">
-                <a:solidFill>
-                  <a:srgbClr val="FF0000"/>
-                </a:solidFill>
-              </a:rPr>
-              <a:t> to </a:t>
-            </a:r>
-            <a:r>
-              <a:rPr lang="en-US" i="1">
-                <a:solidFill>
-                  <a:srgbClr val="FF0000"/>
-                </a:solidFill>
-                <a:latin typeface="Courier New" panose="02070309020205020404" pitchFamily="49" charset="0"/>
-                <a:cs typeface="Courier New" panose="02070309020205020404" pitchFamily="49" charset="0"/>
-              </a:rPr>
-              <a:t>string&amp;</a:t>
-            </a:r>
-            <a:r>
-              <a:rPr lang="en-US" i="1">
-                <a:solidFill>
-                  <a:srgbClr val="FF0000"/>
-                </a:solidFill>
-              </a:rPr>
-              <a:t> parameter</a:t>
-            </a:r>
-          </a:p>
-          <a:p>
-            <a:r>
-              <a:rPr lang="en-US">
-                <a:latin typeface="Consolas" panose="020B0609020204030204" pitchFamily="49" charset="0"/>
-              </a:rPr>
-              <a:t>std::</a:t>
-            </a:r>
-            <a:r>
-              <a:rPr lang="en-US" err="1">
-                <a:latin typeface="Consolas" panose="020B0609020204030204" pitchFamily="49" charset="0"/>
-              </a:rPr>
-              <a:t>string_view</a:t>
-            </a:r>
-            <a:r>
-              <a:rPr lang="en-US">
-                <a:latin typeface="Consolas" panose="020B0609020204030204" pitchFamily="49" charset="0"/>
-              </a:rPr>
-              <a:t> </a:t>
-            </a:r>
-            <a:r>
-              <a:rPr lang="en-US" err="1">
-                <a:latin typeface="Consolas" panose="020B0609020204030204" pitchFamily="49" charset="0"/>
-              </a:rPr>
-              <a:t>sv</a:t>
-            </a:r>
-            <a:r>
-              <a:rPr lang="en-US">
-                <a:latin typeface="Consolas" panose="020B0609020204030204" pitchFamily="49" charset="0"/>
-              </a:rPr>
-              <a:t> = </a:t>
-            </a:r>
-            <a:r>
-              <a:rPr lang="en-US" err="1">
-                <a:latin typeface="Consolas" panose="020B0609020204030204" pitchFamily="49" charset="0"/>
-              </a:rPr>
-              <a:t>theMap.get_ref</a:t>
-            </a:r>
-            <a:r>
-              <a:rPr lang="en-US">
-                <a:latin typeface="Consolas" panose="020B0609020204030204" pitchFamily="49" charset="0"/>
-              </a:rPr>
-              <a:t>(key, "none");</a:t>
-            </a:r>
-          </a:p>
-          <a:p>
-            <a:endParaRPr lang="en-US">
-              <a:latin typeface="Consolas" panose="020B0609020204030204" pitchFamily="49" charset="0"/>
-            </a:endParaRPr>
-          </a:p>
-        </p:txBody>
-      </p:sp>
-    </p:spTree>
-    <p:extLst>
-      <p:ext uri="{BB962C8B-B14F-4D97-AF65-F5344CB8AC3E}">
-        <p14:creationId xmlns:p14="http://schemas.microsoft.com/office/powerpoint/2010/main" val="3671618703"/>
-      </p:ext>
-    </p:extLst>
-  </p:cSld>
-  <p:clrMapOvr>
-    <a:masterClrMapping/>
-  </p:clrMapOvr>
-  <p:timing>
-    <p:tnLst>
-      <p:par>
-        <p:cTn id="1" dur="indefinite" restart="never" nodeType="tmRoot">
-          <p:childTnLst>
-            <p:seq concurrent="1" nextAc="seek">
-              <p:cTn id="2" dur="indefinite" nodeType="mainSeq">
-                <p:childTnLst>
-                  <p:par>
-                    <p:cTn id="3" fill="hold">
-                      <p:stCondLst>
-                        <p:cond delay="indefinite"/>
-                      </p:stCondLst>
-                      <p:childTnLst>
-                        <p:par>
-                          <p:cTn id="4" fill="hold">
-                            <p:stCondLst>
-                              <p:cond delay="0"/>
-                            </p:stCondLst>
-                            <p:childTnLst>
-                              <p:par>
-                                <p:cTn id="5" presetID="1" presetClass="entr" presetSubtype="0" fill="hold" grpId="0" nodeType="clickEffect">
-                                  <p:stCondLst>
-                                    <p:cond delay="0"/>
-                                  </p:stCondLst>
-                                  <p:childTnLst>
-                                    <p:set>
-                                      <p:cBhvr>
-                                        <p:cTn id="6" dur="1" fill="hold">
-                                          <p:stCondLst>
-                                            <p:cond delay="0"/>
-                                          </p:stCondLst>
-                                        </p:cTn>
-                                        <p:tgtEl>
-                                          <p:spTgt spid="3">
-                                            <p:txEl>
-                                              <p:pRg st="0" end="0"/>
-                                            </p:txEl>
-                                          </p:spTgt>
-                                        </p:tgtEl>
-                                        <p:attrNameLst>
-                                          <p:attrName>style.visibility</p:attrName>
-                                        </p:attrNameLst>
-                                      </p:cBhvr>
-                                      <p:to>
-                                        <p:strVal val="visible"/>
-                                      </p:to>
-                                    </p:set>
-                                  </p:childTnLst>
-                                </p:cTn>
-                              </p:par>
-                              <p:par>
-                                <p:cTn id="7" presetID="1" presetClass="entr" presetSubtype="0" fill="hold" grpId="0" nodeType="withEffect">
-                                  <p:stCondLst>
-                                    <p:cond delay="0"/>
-                                  </p:stCondLst>
-                                  <p:childTnLst>
-                                    <p:set>
-                                      <p:cBhvr>
-                                        <p:cTn id="8" dur="1" fill="hold">
-                                          <p:stCondLst>
-                                            <p:cond delay="0"/>
-                                          </p:stCondLst>
-                                        </p:cTn>
-                                        <p:tgtEl>
-                                          <p:spTgt spid="7"/>
-                                        </p:tgtEl>
-                                        <p:attrNameLst>
-                                          <p:attrName>style.visibility</p:attrName>
-                                        </p:attrNameLst>
-                                      </p:cBhvr>
-                                      <p:to>
-                                        <p:strVal val="visible"/>
-                                      </p:to>
-                                    </p:set>
-                                  </p:childTnLst>
-                                </p:cTn>
-                              </p:par>
-                            </p:childTnLst>
-                          </p:cTn>
-                        </p:par>
-                      </p:childTnLst>
-                    </p:cTn>
-                  </p:par>
-                  <p:par>
-                    <p:cTn id="9" fill="hold">
-                      <p:stCondLst>
-                        <p:cond delay="indefinite"/>
-                      </p:stCondLst>
-                      <p:childTnLst>
-                        <p:par>
-                          <p:cTn id="10" fill="hold">
-                            <p:stCondLst>
-                              <p:cond delay="0"/>
-                            </p:stCondLst>
-                            <p:childTnLst>
-                              <p:par>
-                                <p:cTn id="11" presetID="1" presetClass="entr" presetSubtype="0" fill="hold" grpId="0" nodeType="clickEffect">
-                                  <p:stCondLst>
-                                    <p:cond delay="0"/>
-                                  </p:stCondLst>
-                                  <p:childTnLst>
-                                    <p:set>
-                                      <p:cBhvr>
-                                        <p:cTn id="12" dur="1" fill="hold">
-                                          <p:stCondLst>
-                                            <p:cond delay="0"/>
-                                          </p:stCondLst>
-                                        </p:cTn>
-                                        <p:tgtEl>
-                                          <p:spTgt spid="3">
-                                            <p:txEl>
-                                              <p:pRg st="3" end="3"/>
-                                            </p:txEl>
-                                          </p:spTgt>
-                                        </p:tgtEl>
-                                        <p:attrNameLst>
-                                          <p:attrName>style.visibility</p:attrName>
-                                        </p:attrNameLst>
-                                      </p:cBhvr>
-                                      <p:to>
-                                        <p:strVal val="visible"/>
-                                      </p:to>
-                                    </p:set>
-                                  </p:childTnLst>
-                                </p:cTn>
-                              </p:par>
-                              <p:par>
-                                <p:cTn id="13" presetID="1" presetClass="entr" presetSubtype="0" fill="hold" grpId="0" nodeType="withEffect">
-                                  <p:stCondLst>
-                                    <p:cond delay="0"/>
-                                  </p:stCondLst>
-                                  <p:childTnLst>
-                                    <p:set>
-                                      <p:cBhvr>
-                                        <p:cTn id="14" dur="1" fill="hold">
-                                          <p:stCondLst>
-                                            <p:cond delay="0"/>
-                                          </p:stCondLst>
-                                        </p:cTn>
-                                        <p:tgtEl>
-                                          <p:spTgt spid="8"/>
-                                        </p:tgtEl>
-                                        <p:attrNameLst>
-                                          <p:attrName>style.visibility</p:attrName>
-                                        </p:attrNameLst>
-                                      </p:cBhvr>
-                                      <p:to>
-                                        <p:strVal val="visible"/>
-                                      </p:to>
-                                    </p:set>
-                                  </p:childTnLst>
-                                </p:cTn>
-                              </p:par>
-                            </p:childTnLst>
-                          </p:cTn>
-                        </p:par>
-                      </p:childTnLst>
-                    </p:cTn>
-                  </p:par>
-                </p:childTnLst>
-              </p:cTn>
-              <p:prevCondLst>
-                <p:cond evt="onPrev" delay="0">
-                  <p:tgtEl>
-                    <p:sldTgt/>
-                  </p:tgtEl>
-                </p:cond>
-              </p:prevCondLst>
-              <p:nextCondLst>
-                <p:cond evt="onNext" delay="0">
-                  <p:tgtEl>
-                    <p:sldTgt/>
-                  </p:tgtEl>
-                </p:cond>
-              </p:nextCondLst>
-            </p:seq>
-          </p:childTnLst>
-        </p:cTn>
-      </p:par>
-    </p:tnLst>
-    <p:bldLst>
-      <p:bldP spid="3" grpId="0" uiExpand="1" build="p"/>
-      <p:bldP spid="7" grpId="0" animBg="1"/>
-      <p:bldP spid="8" grpId="0" animBg="1"/>
-    </p:bldLst>
-  </p:timing>
-</p:sld>
-</file>
-
-<file path=ppt/slides/slide12.xml><?xml version="1.0" encoding="utf-8"?>
-<p:sld xmlns:a="http://schemas.openxmlformats.org/drawingml/2006/main" xmlns:r="http://schemas.openxmlformats.org/officeDocument/2006/relationships" xmlns:p="http://schemas.openxmlformats.org/presentationml/2006/main">
-  <p:cSld>
-    <p:spTree>
-      <p:nvGrpSpPr>
-        <p:cNvPr id="1" name=""/>
-        <p:cNvGrpSpPr/>
-        <p:nvPr/>
-      </p:nvGrpSpPr>
-      <p:grpSpPr>
-        <a:xfrm>
-          <a:off x="0" y="0"/>
-          <a:ext cx="0" cy="0"/>
-          <a:chOff x="0" y="0"/>
-          <a:chExt cx="0" cy="0"/>
-        </a:xfrm>
-      </p:grpSpPr>
-      <p:sp>
-        <p:nvSpPr>
-          <p:cNvPr id="2" name="Title 1">
-            <a:extLst>
-              <a:ext uri="{FF2B5EF4-FFF2-40B4-BE49-F238E27FC236}">
-                <a16:creationId xmlns:a16="http://schemas.microsoft.com/office/drawing/2014/main" id="{944A9E62-3487-091C-576C-0C1427EB3203}"/>
-              </a:ext>
-            </a:extLst>
-          </p:cNvPr>
-          <p:cNvSpPr>
-            <a:spLocks noGrp="1"/>
-          </p:cNvSpPr>
-          <p:nvPr>
-            <p:ph type="title"/>
-          </p:nvPr>
-        </p:nvSpPr>
-        <p:spPr/>
-        <p:txBody>
-          <a:bodyPr/>
-          <a:lstStyle/>
-          <a:p>
-            <a:r>
-              <a:rPr lang="en-US"/>
-              <a:t>Use in initializing a variable</a:t>
-            </a:r>
-          </a:p>
-        </p:txBody>
-      </p:sp>
-      <p:sp>
-        <p:nvSpPr>
-          <p:cNvPr id="3" name="Text Placeholder 2">
-            <a:extLst>
-              <a:ext uri="{FF2B5EF4-FFF2-40B4-BE49-F238E27FC236}">
-                <a16:creationId xmlns:a16="http://schemas.microsoft.com/office/drawing/2014/main" id="{80698388-98EF-4F9A-21B5-9031F0590955}"/>
-              </a:ext>
-            </a:extLst>
-          </p:cNvPr>
-          <p:cNvSpPr>
-            <a:spLocks noGrp="1"/>
-          </p:cNvSpPr>
-          <p:nvPr>
-            <p:ph type="body" idx="1"/>
-          </p:nvPr>
-        </p:nvSpPr>
-        <p:spPr/>
-        <p:txBody>
-          <a:bodyPr/>
-          <a:lstStyle/>
-          <a:p>
-            <a:r>
-              <a:rPr lang="en-US"/>
-              <a:t>Before</a:t>
-            </a:r>
-          </a:p>
-        </p:txBody>
-      </p:sp>
-      <p:sp>
-        <p:nvSpPr>
-          <p:cNvPr id="4" name="Content Placeholder 3">
-            <a:extLst>
-              <a:ext uri="{FF2B5EF4-FFF2-40B4-BE49-F238E27FC236}">
-                <a16:creationId xmlns:a16="http://schemas.microsoft.com/office/drawing/2014/main" id="{58DA0D27-B14C-3551-FB84-FB9AF644997F}"/>
-              </a:ext>
-            </a:extLst>
-          </p:cNvPr>
-          <p:cNvSpPr>
-            <a:spLocks noGrp="1"/>
-          </p:cNvSpPr>
-          <p:nvPr>
-            <p:ph sz="half" idx="2"/>
-          </p:nvPr>
-        </p:nvSpPr>
-        <p:spPr/>
-        <p:txBody>
-          <a:bodyPr>
-            <a:normAutofit/>
-          </a:bodyPr>
-          <a:lstStyle/>
-          <a:p>
-            <a:pPr marL="0" indent="0">
-              <a:buNone/>
-            </a:pPr>
-            <a:r>
-              <a:rPr lang="en-US" dirty="0">
-                <a:solidFill>
-                  <a:srgbClr val="0070C0"/>
-                </a:solidFill>
-                <a:latin typeface="Consolas" panose="020B0609020204030204" pitchFamily="49" charset="0"/>
-              </a:rPr>
-              <a:t>auto </a:t>
-            </a:r>
-            <a:r>
-              <a:rPr lang="en-US" dirty="0" err="1">
-                <a:solidFill>
-                  <a:srgbClr val="0070C0"/>
-                </a:solidFill>
-                <a:latin typeface="Consolas" panose="020B0609020204030204" pitchFamily="49" charset="0"/>
-              </a:rPr>
-              <a:t>iter</a:t>
-            </a:r>
-            <a:r>
-              <a:rPr lang="en-US" dirty="0">
-                <a:solidFill>
-                  <a:srgbClr val="0070C0"/>
-                </a:solidFill>
-                <a:latin typeface="Consolas" panose="020B0609020204030204" pitchFamily="49" charset="0"/>
-              </a:rPr>
-              <a:t> = </a:t>
-            </a:r>
-            <a:r>
-              <a:rPr lang="en-US" dirty="0" err="1">
-                <a:solidFill>
-                  <a:srgbClr val="0070C0"/>
-                </a:solidFill>
-                <a:latin typeface="Consolas" panose="020B0609020204030204" pitchFamily="49" charset="0"/>
-              </a:rPr>
-              <a:t>m.find</a:t>
-            </a:r>
-            <a:r>
-              <a:rPr lang="en-US" dirty="0">
-                <a:solidFill>
-                  <a:srgbClr val="0070C0"/>
-                </a:solidFill>
-                <a:latin typeface="Consolas" panose="020B0609020204030204" pitchFamily="49" charset="0"/>
-              </a:rPr>
-              <a:t>(k);</a:t>
-            </a:r>
-            <a:br>
-              <a:rPr lang="en-US" dirty="0">
-                <a:solidFill>
-                  <a:srgbClr val="0070C0"/>
-                </a:solidFill>
-                <a:latin typeface="Consolas" panose="020B0609020204030204" pitchFamily="49" charset="0"/>
-              </a:rPr>
-            </a:br>
-            <a:r>
-              <a:rPr lang="en-US" dirty="0">
-                <a:solidFill>
-                  <a:srgbClr val="0070C0"/>
-                </a:solidFill>
-                <a:latin typeface="Consolas" panose="020B0609020204030204" pitchFamily="49" charset="0"/>
-              </a:rPr>
-              <a:t>T x = </a:t>
-            </a:r>
-            <a:r>
-              <a:rPr lang="en-US" dirty="0" err="1">
-                <a:solidFill>
-                  <a:srgbClr val="0070C0"/>
-                </a:solidFill>
-                <a:latin typeface="Consolas" panose="020B0609020204030204" pitchFamily="49" charset="0"/>
-              </a:rPr>
-              <a:t>iter</a:t>
-            </a:r>
-            <a:r>
-              <a:rPr lang="en-US" dirty="0">
-                <a:solidFill>
-                  <a:srgbClr val="0070C0"/>
-                </a:solidFill>
-                <a:latin typeface="Consolas" panose="020B0609020204030204" pitchFamily="49" charset="0"/>
-              </a:rPr>
-              <a:t> == </a:t>
-            </a:r>
-            <a:r>
-              <a:rPr lang="en-US" dirty="0" err="1">
-                <a:solidFill>
-                  <a:srgbClr val="0070C0"/>
-                </a:solidFill>
-                <a:latin typeface="Consolas" panose="020B0609020204030204" pitchFamily="49" charset="0"/>
-              </a:rPr>
-              <a:t>m.end</a:t>
-            </a:r>
-            <a:r>
-              <a:rPr lang="en-US" dirty="0">
-                <a:solidFill>
-                  <a:srgbClr val="0070C0"/>
-                </a:solidFill>
-                <a:latin typeface="Consolas" panose="020B0609020204030204" pitchFamily="49" charset="0"/>
-              </a:rPr>
-              <a:t>() ?</a:t>
-            </a:r>
-            <a:br>
-              <a:rPr lang="en-US" dirty="0">
-                <a:solidFill>
-                  <a:srgbClr val="0070C0"/>
-                </a:solidFill>
-                <a:latin typeface="Consolas" panose="020B0609020204030204" pitchFamily="49" charset="0"/>
-              </a:rPr>
-            </a:br>
-            <a:r>
-              <a:rPr lang="en-US" dirty="0">
-                <a:solidFill>
-                  <a:srgbClr val="0070C0"/>
-                </a:solidFill>
-                <a:latin typeface="Consolas" panose="020B0609020204030204" pitchFamily="49" charset="0"/>
-              </a:rPr>
-              <a:t>        T(a1...</a:t>
-            </a:r>
-            <a:r>
-              <a:rPr lang="en-US" dirty="0" err="1">
-                <a:solidFill>
-                  <a:srgbClr val="0070C0"/>
-                </a:solidFill>
-                <a:latin typeface="Consolas" panose="020B0609020204030204" pitchFamily="49" charset="0"/>
-              </a:rPr>
-              <a:t>aN</a:t>
-            </a:r>
-            <a:r>
-              <a:rPr lang="en-US" dirty="0">
-                <a:solidFill>
-                  <a:srgbClr val="0070C0"/>
-                </a:solidFill>
-                <a:latin typeface="Consolas" panose="020B0609020204030204" pitchFamily="49" charset="0"/>
-              </a:rPr>
-              <a:t>) : </a:t>
-            </a:r>
-            <a:r>
-              <a:rPr lang="en-US" dirty="0" err="1">
-                <a:solidFill>
-                  <a:srgbClr val="0070C0"/>
-                </a:solidFill>
-                <a:latin typeface="Consolas" panose="020B0609020204030204" pitchFamily="49" charset="0"/>
-              </a:rPr>
-              <a:t>iter</a:t>
-            </a:r>
-            <a:r>
-              <a:rPr lang="en-US" dirty="0">
-                <a:solidFill>
-                  <a:srgbClr val="0070C0"/>
-                </a:solidFill>
-                <a:latin typeface="Consolas" panose="020B0609020204030204" pitchFamily="49" charset="0"/>
-              </a:rPr>
-              <a:t>-&gt;second;</a:t>
-            </a:r>
-          </a:p>
-          <a:p>
-            <a:pPr marL="0" indent="0">
-              <a:buNone/>
-            </a:pPr>
-            <a:endParaRPr lang="en-US" dirty="0">
-              <a:solidFill>
-                <a:srgbClr val="0070C0"/>
-              </a:solidFill>
-              <a:latin typeface="Consolas" panose="020B0609020204030204" pitchFamily="49" charset="0"/>
-            </a:endParaRPr>
-          </a:p>
-          <a:p>
-            <a:pPr marL="0" indent="0">
-              <a:buNone/>
-            </a:pPr>
-            <a:r>
-              <a:rPr lang="en-US" dirty="0">
-                <a:solidFill>
-                  <a:schemeClr val="tx1">
-                    <a:lumMod val="65000"/>
-                    <a:lumOff val="35000"/>
-                  </a:schemeClr>
-                </a:solidFill>
-                <a:latin typeface="Consolas" panose="020B0609020204030204" pitchFamily="49" charset="0"/>
-              </a:rPr>
-              <a:t>std::map&lt;K, std::vector&lt;U&gt;&gt; m{ ... };</a:t>
-            </a:r>
-            <a:br>
-              <a:rPr lang="en-US" dirty="0">
-                <a:solidFill>
-                  <a:schemeClr val="tx1">
-                    <a:lumMod val="65000"/>
-                    <a:lumOff val="35000"/>
-                  </a:schemeClr>
-                </a:solidFill>
-                <a:latin typeface="Consolas" panose="020B0609020204030204" pitchFamily="49" charset="0"/>
-              </a:rPr>
-            </a:br>
-            <a:r>
-              <a:rPr lang="en-US" dirty="0">
-                <a:solidFill>
-                  <a:schemeClr val="tx1">
-                    <a:lumMod val="65000"/>
-                    <a:lumOff val="35000"/>
-                  </a:schemeClr>
-                </a:solidFill>
-                <a:latin typeface="Consolas" panose="020B0609020204030204" pitchFamily="49" charset="0"/>
-              </a:rPr>
-              <a:t>std::array&lt;U, N&gt; preset{ ... };</a:t>
-            </a:r>
-            <a:br>
-              <a:rPr lang="en-US" dirty="0">
-                <a:solidFill>
-                  <a:srgbClr val="0070C0"/>
-                </a:solidFill>
-                <a:latin typeface="Consolas" panose="020B0609020204030204" pitchFamily="49" charset="0"/>
-              </a:rPr>
-            </a:br>
-            <a:r>
-              <a:rPr lang="en-US" dirty="0">
-                <a:solidFill>
-                  <a:srgbClr val="0070C0"/>
-                </a:solidFill>
-                <a:latin typeface="Consolas" panose="020B0609020204030204" pitchFamily="49" charset="0"/>
-              </a:rPr>
-              <a:t>auto </a:t>
-            </a:r>
-            <a:r>
-              <a:rPr lang="en-US" dirty="0" err="1">
-                <a:solidFill>
-                  <a:srgbClr val="0070C0"/>
-                </a:solidFill>
-                <a:latin typeface="Consolas" panose="020B0609020204030204" pitchFamily="49" charset="0"/>
-              </a:rPr>
-              <a:t>iter</a:t>
-            </a:r>
-            <a:r>
-              <a:rPr lang="en-US" dirty="0">
-                <a:solidFill>
-                  <a:srgbClr val="0070C0"/>
-                </a:solidFill>
-                <a:latin typeface="Consolas" panose="020B0609020204030204" pitchFamily="49" charset="0"/>
-              </a:rPr>
-              <a:t> = </a:t>
-            </a:r>
-            <a:r>
-              <a:rPr lang="en-US" dirty="0" err="1">
-                <a:solidFill>
-                  <a:srgbClr val="0070C0"/>
-                </a:solidFill>
-                <a:latin typeface="Consolas" panose="020B0609020204030204" pitchFamily="49" charset="0"/>
-              </a:rPr>
-              <a:t>m.find</a:t>
-            </a:r>
-            <a:r>
-              <a:rPr lang="en-US" dirty="0">
-                <a:solidFill>
-                  <a:srgbClr val="0070C0"/>
-                </a:solidFill>
-                <a:latin typeface="Consolas" panose="020B0609020204030204" pitchFamily="49" charset="0"/>
-              </a:rPr>
-              <a:t>(k);</a:t>
-            </a:r>
-            <a:br>
-              <a:rPr lang="en-US" dirty="0">
-                <a:solidFill>
-                  <a:srgbClr val="0070C0"/>
-                </a:solidFill>
-                <a:latin typeface="Consolas" panose="020B0609020204030204" pitchFamily="49" charset="0"/>
-              </a:rPr>
-            </a:br>
-            <a:r>
-              <a:rPr lang="en-US" dirty="0">
-                <a:solidFill>
-                  <a:srgbClr val="0070C0"/>
-                </a:solidFill>
-                <a:latin typeface="Consolas" panose="020B0609020204030204" pitchFamily="49" charset="0"/>
-              </a:rPr>
-              <a:t>std::span&lt;U&gt; x = </a:t>
-            </a:r>
-            <a:r>
-              <a:rPr lang="en-US" dirty="0" err="1">
-                <a:solidFill>
-                  <a:srgbClr val="0070C0"/>
-                </a:solidFill>
-                <a:latin typeface="Consolas" panose="020B0609020204030204" pitchFamily="49" charset="0"/>
-              </a:rPr>
-              <a:t>iter</a:t>
-            </a:r>
-            <a:r>
-              <a:rPr lang="en-US" dirty="0">
-                <a:solidFill>
-                  <a:srgbClr val="0070C0"/>
-                </a:solidFill>
-                <a:latin typeface="Consolas" panose="020B0609020204030204" pitchFamily="49" charset="0"/>
-              </a:rPr>
-              <a:t> == </a:t>
-            </a:r>
-            <a:r>
-              <a:rPr lang="en-US" dirty="0" err="1">
-                <a:solidFill>
-                  <a:srgbClr val="0070C0"/>
-                </a:solidFill>
-                <a:latin typeface="Consolas" panose="020B0609020204030204" pitchFamily="49" charset="0"/>
-              </a:rPr>
-              <a:t>m.end</a:t>
-            </a:r>
-            <a:r>
-              <a:rPr lang="en-US" dirty="0">
-                <a:solidFill>
-                  <a:srgbClr val="0070C0"/>
-                </a:solidFill>
-                <a:latin typeface="Consolas" panose="020B0609020204030204" pitchFamily="49" charset="0"/>
-              </a:rPr>
-              <a:t>() ? </a:t>
-            </a:r>
-            <a:br>
-              <a:rPr lang="en-US" dirty="0">
-                <a:solidFill>
-                  <a:srgbClr val="0070C0"/>
-                </a:solidFill>
-                <a:latin typeface="Consolas" panose="020B0609020204030204" pitchFamily="49" charset="0"/>
-              </a:rPr>
-            </a:br>
-            <a:r>
-              <a:rPr lang="en-US" dirty="0">
-                <a:solidFill>
-                  <a:srgbClr val="0070C0"/>
-                </a:solidFill>
-                <a:latin typeface="Consolas" panose="020B0609020204030204" pitchFamily="49" charset="0"/>
-              </a:rPr>
-              <a:t>    std::span&lt;U&gt;{preset} :</a:t>
-            </a:r>
-            <a:br>
-              <a:rPr lang="en-US" dirty="0">
-                <a:solidFill>
-                  <a:srgbClr val="0070C0"/>
-                </a:solidFill>
-                <a:latin typeface="Consolas" panose="020B0609020204030204" pitchFamily="49" charset="0"/>
-              </a:rPr>
-            </a:br>
-            <a:r>
-              <a:rPr lang="en-US" dirty="0">
-                <a:solidFill>
-                  <a:srgbClr val="0070C0"/>
-                </a:solidFill>
-                <a:latin typeface="Consolas" panose="020B0609020204030204" pitchFamily="49" charset="0"/>
-              </a:rPr>
-              <a:t>    </a:t>
-            </a:r>
-            <a:r>
-              <a:rPr lang="en-US" dirty="0" err="1">
-                <a:solidFill>
-                  <a:srgbClr val="0070C0"/>
-                </a:solidFill>
-                <a:latin typeface="Consolas" panose="020B0609020204030204" pitchFamily="49" charset="0"/>
-              </a:rPr>
-              <a:t>iter</a:t>
-            </a:r>
-            <a:r>
-              <a:rPr lang="en-US" dirty="0">
-                <a:solidFill>
-                  <a:srgbClr val="0070C0"/>
-                </a:solidFill>
-                <a:latin typeface="Consolas" panose="020B0609020204030204" pitchFamily="49" charset="0"/>
-              </a:rPr>
-              <a:t>-&gt;second;</a:t>
-            </a:r>
-          </a:p>
-        </p:txBody>
-      </p:sp>
-      <p:sp>
-        <p:nvSpPr>
-          <p:cNvPr id="5" name="Text Placeholder 4">
-            <a:extLst>
-              <a:ext uri="{FF2B5EF4-FFF2-40B4-BE49-F238E27FC236}">
-                <a16:creationId xmlns:a16="http://schemas.microsoft.com/office/drawing/2014/main" id="{D34825CB-E923-D0CD-BA91-757E20E358BE}"/>
-              </a:ext>
-            </a:extLst>
-          </p:cNvPr>
-          <p:cNvSpPr>
-            <a:spLocks noGrp="1"/>
-          </p:cNvSpPr>
-          <p:nvPr>
-            <p:ph type="body" sz="quarter" idx="3"/>
-          </p:nvPr>
-        </p:nvSpPr>
-        <p:spPr/>
-        <p:txBody>
-          <a:bodyPr/>
-          <a:lstStyle/>
-          <a:p>
-            <a:r>
-              <a:rPr lang="en-US"/>
-              <a:t>After</a:t>
-            </a:r>
-          </a:p>
-        </p:txBody>
-      </p:sp>
-      <p:sp>
-        <p:nvSpPr>
-          <p:cNvPr id="6" name="Content Placeholder 5">
-            <a:extLst>
-              <a:ext uri="{FF2B5EF4-FFF2-40B4-BE49-F238E27FC236}">
-                <a16:creationId xmlns:a16="http://schemas.microsoft.com/office/drawing/2014/main" id="{466A52DE-B28B-93CB-ADF1-BB2F9C65817F}"/>
-              </a:ext>
-            </a:extLst>
-          </p:cNvPr>
-          <p:cNvSpPr>
-            <a:spLocks noGrp="1"/>
-          </p:cNvSpPr>
-          <p:nvPr>
-            <p:ph sz="quarter" idx="4"/>
-          </p:nvPr>
-        </p:nvSpPr>
-        <p:spPr/>
-        <p:txBody>
-          <a:bodyPr>
-            <a:normAutofit/>
-          </a:bodyPr>
-          <a:lstStyle/>
-          <a:p>
-            <a:pPr marL="0" indent="0">
-              <a:buNone/>
-            </a:pPr>
-            <a:r>
-              <a:rPr lang="en-US">
-                <a:solidFill>
-                  <a:srgbClr val="0070C0"/>
-                </a:solidFill>
-                <a:latin typeface="Consolas" panose="020B0609020204030204" pitchFamily="49" charset="0"/>
-              </a:rPr>
-              <a:t>T x = </a:t>
-            </a:r>
-            <a:r>
-              <a:rPr lang="en-US" err="1">
-                <a:solidFill>
-                  <a:srgbClr val="0070C0"/>
-                </a:solidFill>
-                <a:latin typeface="Consolas" panose="020B0609020204030204" pitchFamily="49" charset="0"/>
-              </a:rPr>
-              <a:t>m.get</a:t>
-            </a:r>
-            <a:r>
-              <a:rPr lang="en-US">
-                <a:solidFill>
-                  <a:srgbClr val="0070C0"/>
-                </a:solidFill>
-                <a:latin typeface="Consolas" panose="020B0609020204030204" pitchFamily="49" charset="0"/>
-              </a:rPr>
-              <a:t>(k, a1...</a:t>
-            </a:r>
-            <a:r>
-              <a:rPr lang="en-US" err="1">
-                <a:solidFill>
-                  <a:srgbClr val="0070C0"/>
-                </a:solidFill>
-                <a:latin typeface="Consolas" panose="020B0609020204030204" pitchFamily="49" charset="0"/>
-              </a:rPr>
-              <a:t>aN</a:t>
-            </a:r>
-            <a:r>
-              <a:rPr lang="en-US">
-                <a:solidFill>
-                  <a:srgbClr val="0070C0"/>
-                </a:solidFill>
-                <a:latin typeface="Consolas" panose="020B0609020204030204" pitchFamily="49" charset="0"/>
-              </a:rPr>
-              <a:t>);</a:t>
-            </a:r>
-            <a:br>
-              <a:rPr lang="en-US">
-                <a:solidFill>
-                  <a:srgbClr val="0070C0"/>
-                </a:solidFill>
-                <a:latin typeface="Consolas" panose="020B0609020204030204" pitchFamily="49" charset="0"/>
-              </a:rPr>
-            </a:br>
-            <a:br>
-              <a:rPr lang="en-US">
-                <a:solidFill>
-                  <a:srgbClr val="0070C0"/>
-                </a:solidFill>
-                <a:latin typeface="Consolas" panose="020B0609020204030204" pitchFamily="49" charset="0"/>
-              </a:rPr>
-            </a:br>
-            <a:endParaRPr lang="en-US">
-              <a:solidFill>
-                <a:srgbClr val="0070C0"/>
-              </a:solidFill>
-              <a:latin typeface="Consolas" panose="020B0609020204030204" pitchFamily="49" charset="0"/>
-            </a:endParaRPr>
-          </a:p>
-          <a:p>
-            <a:pPr marL="0" indent="0">
-              <a:buNone/>
-            </a:pPr>
-            <a:endParaRPr lang="en-US">
-              <a:solidFill>
-                <a:srgbClr val="0070C0"/>
-              </a:solidFill>
-              <a:latin typeface="Consolas" panose="020B0609020204030204" pitchFamily="49" charset="0"/>
-            </a:endParaRPr>
-          </a:p>
-          <a:p>
-            <a:pPr marL="0" indent="0">
-              <a:buNone/>
-            </a:pPr>
-            <a:r>
-              <a:rPr lang="en-US">
-                <a:solidFill>
-                  <a:schemeClr val="tx1">
-                    <a:lumMod val="65000"/>
-                    <a:lumOff val="35000"/>
-                  </a:schemeClr>
-                </a:solidFill>
-                <a:latin typeface="Consolas" panose="020B0609020204030204" pitchFamily="49" charset="0"/>
-              </a:rPr>
-              <a:t>std::map&lt;K, std::vector&lt;U&gt;&gt; m{ ... };</a:t>
-            </a:r>
-            <a:br>
-              <a:rPr lang="en-US">
-                <a:solidFill>
-                  <a:schemeClr val="tx1">
-                    <a:lumMod val="65000"/>
-                    <a:lumOff val="35000"/>
-                  </a:schemeClr>
-                </a:solidFill>
-                <a:latin typeface="Consolas" panose="020B0609020204030204" pitchFamily="49" charset="0"/>
-              </a:rPr>
-            </a:br>
-            <a:r>
-              <a:rPr lang="en-US">
-                <a:solidFill>
-                  <a:schemeClr val="tx1">
-                    <a:lumMod val="65000"/>
-                    <a:lumOff val="35000"/>
-                  </a:schemeClr>
-                </a:solidFill>
-                <a:latin typeface="Consolas" panose="020B0609020204030204" pitchFamily="49" charset="0"/>
-              </a:rPr>
-              <a:t>std::array&lt;U, N&gt; preset{ ... };</a:t>
-            </a:r>
-            <a:br>
-              <a:rPr lang="en-US">
-                <a:solidFill>
-                  <a:srgbClr val="0070C0"/>
-                </a:solidFill>
-                <a:latin typeface="Consolas" panose="020B0609020204030204" pitchFamily="49" charset="0"/>
-              </a:rPr>
-            </a:br>
-            <a:r>
-              <a:rPr lang="en-US">
-                <a:solidFill>
-                  <a:srgbClr val="0070C0"/>
-                </a:solidFill>
-                <a:latin typeface="Consolas" panose="020B0609020204030204" pitchFamily="49" charset="0"/>
-              </a:rPr>
-              <a:t>std::span&lt;U&gt; x =</a:t>
-            </a:r>
-            <a:br>
-              <a:rPr lang="en-US">
-                <a:solidFill>
-                  <a:srgbClr val="0070C0"/>
-                </a:solidFill>
-                <a:latin typeface="Consolas" panose="020B0609020204030204" pitchFamily="49" charset="0"/>
-              </a:rPr>
-            </a:br>
-            <a:r>
-              <a:rPr lang="en-US">
-                <a:solidFill>
-                  <a:srgbClr val="0070C0"/>
-                </a:solidFill>
-                <a:latin typeface="Consolas" panose="020B0609020204030204" pitchFamily="49" charset="0"/>
-              </a:rPr>
-              <a:t>  </a:t>
-            </a:r>
-            <a:r>
-              <a:rPr lang="en-US" err="1">
-                <a:solidFill>
-                  <a:srgbClr val="0070C0"/>
-                </a:solidFill>
-                <a:latin typeface="Consolas" panose="020B0609020204030204" pitchFamily="49" charset="0"/>
-              </a:rPr>
-              <a:t>m.get_as</a:t>
-            </a:r>
-            <a:r>
-              <a:rPr lang="en-US">
-                <a:solidFill>
-                  <a:srgbClr val="0070C0"/>
-                </a:solidFill>
-                <a:latin typeface="Consolas" panose="020B0609020204030204" pitchFamily="49" charset="0"/>
-              </a:rPr>
-              <a:t>&lt;std::span&lt;U&gt;&gt;(k, preset);</a:t>
-            </a:r>
-          </a:p>
-          <a:p>
-            <a:pPr marL="0" indent="0">
-              <a:buNone/>
-            </a:pPr>
-            <a:endParaRPr lang="en-US">
-              <a:latin typeface="Consolas" panose="020B0609020204030204" pitchFamily="49" charset="0"/>
-            </a:endParaRPr>
-          </a:p>
-        </p:txBody>
-      </p:sp>
-      <p:sp>
-        <p:nvSpPr>
-          <p:cNvPr id="7" name="Date Placeholder 6">
-            <a:extLst>
-              <a:ext uri="{FF2B5EF4-FFF2-40B4-BE49-F238E27FC236}">
-                <a16:creationId xmlns:a16="http://schemas.microsoft.com/office/drawing/2014/main" id="{B0B34A79-4441-D6F3-DB17-F6594A2EBC0E}"/>
-              </a:ext>
-            </a:extLst>
-          </p:cNvPr>
-          <p:cNvSpPr>
-            <a:spLocks noGrp="1"/>
-          </p:cNvSpPr>
-          <p:nvPr>
-            <p:ph type="dt" sz="half" idx="10"/>
-          </p:nvPr>
-        </p:nvSpPr>
-        <p:spPr/>
-        <p:txBody>
-          <a:bodyPr/>
-          <a:lstStyle/>
-          <a:p>
-            <a:fld id="{508BABE2-3DC8-4D39-B4AF-CCF82C82E0F0}" type="datetime1">
-              <a:rPr lang="en-US" smtClean="0"/>
-              <a:t>2/26/2024</a:t>
-            </a:fld>
-            <a:endParaRPr lang="en-US"/>
-          </a:p>
-        </p:txBody>
-      </p:sp>
-      <p:sp>
-        <p:nvSpPr>
-          <p:cNvPr id="8" name="Footer Placeholder 7">
-            <a:extLst>
-              <a:ext uri="{FF2B5EF4-FFF2-40B4-BE49-F238E27FC236}">
-                <a16:creationId xmlns:a16="http://schemas.microsoft.com/office/drawing/2014/main" id="{31BE797E-A7E9-2CB8-590B-FC7F59139768}"/>
-              </a:ext>
-            </a:extLst>
-          </p:cNvPr>
-          <p:cNvSpPr>
-            <a:spLocks noGrp="1"/>
-          </p:cNvSpPr>
-          <p:nvPr>
-            <p:ph type="ftr" sz="quarter" idx="11"/>
-          </p:nvPr>
-        </p:nvSpPr>
-        <p:spPr/>
-        <p:txBody>
-          <a:bodyPr/>
-          <a:lstStyle/>
-          <a:p>
-            <a:r>
-              <a:rPr lang="en-US"/>
-              <a:t>Pablo Halpern, 2024 (CC BY 4.0)</a:t>
-            </a:r>
-          </a:p>
-        </p:txBody>
-      </p:sp>
-      <p:sp>
-        <p:nvSpPr>
-          <p:cNvPr id="9" name="Slide Number Placeholder 8">
-            <a:extLst>
-              <a:ext uri="{FF2B5EF4-FFF2-40B4-BE49-F238E27FC236}">
-                <a16:creationId xmlns:a16="http://schemas.microsoft.com/office/drawing/2014/main" id="{C9ACCF49-2F60-E5B4-DF5A-F5DF16A92491}"/>
-              </a:ext>
-            </a:extLst>
-          </p:cNvPr>
-          <p:cNvSpPr>
-            <a:spLocks noGrp="1"/>
-          </p:cNvSpPr>
-          <p:nvPr>
-            <p:ph type="sldNum" sz="quarter" idx="12"/>
-          </p:nvPr>
-        </p:nvSpPr>
-        <p:spPr/>
-        <p:txBody>
-          <a:bodyPr/>
-          <a:lstStyle/>
-          <a:p>
-            <a:fld id="{D57F1E4F-1CFF-5643-939E-217C01CDF565}" type="slidenum">
-              <a:rPr lang="en-US" smtClean="0"/>
-              <a:pPr/>
-              <a:t>12</a:t>
-            </a:fld>
-            <a:endParaRPr lang="en-US"/>
-          </a:p>
-        </p:txBody>
-      </p:sp>
-    </p:spTree>
-    <p:extLst>
-      <p:ext uri="{BB962C8B-B14F-4D97-AF65-F5344CB8AC3E}">
-        <p14:creationId xmlns:p14="http://schemas.microsoft.com/office/powerpoint/2010/main" val="2820269447"/>
-      </p:ext>
-    </p:extLst>
-  </p:cSld>
-  <p:clrMapOvr>
-    <a:masterClrMapping/>
-  </p:clrMapOvr>
-  <p:timing>
-    <p:tnLst>
-      <p:par>
-        <p:cTn id="1" dur="indefinite" restart="never" nodeType="tmRoot">
-          <p:childTnLst>
-            <p:seq concurrent="1" nextAc="seek">
-              <p:cTn id="2" dur="indefinite" nodeType="mainSeq">
-                <p:childTnLst>
-                  <p:par>
-                    <p:cTn id="3" fill="hold">
-                      <p:stCondLst>
-                        <p:cond delay="indefinite"/>
-                      </p:stCondLst>
-                      <p:childTnLst>
-                        <p:par>
-                          <p:cTn id="4" fill="hold">
-                            <p:stCondLst>
-                              <p:cond delay="0"/>
-                            </p:stCondLst>
-                            <p:childTnLst>
-                              <p:par>
-                                <p:cTn id="5" presetID="1" presetClass="entr" presetSubtype="0" fill="hold" nodeType="clickEffect">
-                                  <p:stCondLst>
-                                    <p:cond delay="0"/>
-                                  </p:stCondLst>
-                                  <p:childTnLst>
-                                    <p:set>
-                                      <p:cBhvr>
-                                        <p:cTn id="6" dur="1" fill="hold">
-                                          <p:stCondLst>
-                                            <p:cond delay="0"/>
-                                          </p:stCondLst>
-                                        </p:cTn>
-                                        <p:tgtEl>
-                                          <p:spTgt spid="4">
-                                            <p:txEl>
-                                              <p:pRg st="0" end="0"/>
-                                            </p:txEl>
-                                          </p:spTgt>
-                                        </p:tgtEl>
-                                        <p:attrNameLst>
-                                          <p:attrName>style.visibility</p:attrName>
-                                        </p:attrNameLst>
-                                      </p:cBhvr>
-                                      <p:to>
-                                        <p:strVal val="visible"/>
-                                      </p:to>
-                                    </p:set>
-                                  </p:childTnLst>
-                                </p:cTn>
-                              </p:par>
-                            </p:childTnLst>
-                          </p:cTn>
-                        </p:par>
-                      </p:childTnLst>
-                    </p:cTn>
-                  </p:par>
-                  <p:par>
-                    <p:cTn id="7" fill="hold">
-                      <p:stCondLst>
-                        <p:cond delay="indefinite"/>
-                      </p:stCondLst>
-                      <p:childTnLst>
-                        <p:par>
-                          <p:cTn id="8" fill="hold">
-                            <p:stCondLst>
-                              <p:cond delay="0"/>
-                            </p:stCondLst>
-                            <p:childTnLst>
-                              <p:par>
-                                <p:cTn id="9" presetID="1" presetClass="entr" presetSubtype="0" fill="hold" nodeType="clickEffect">
-                                  <p:stCondLst>
-                                    <p:cond delay="0"/>
-                                  </p:stCondLst>
-                                  <p:childTnLst>
-                                    <p:set>
-                                      <p:cBhvr>
-                                        <p:cTn id="10" dur="1" fill="hold">
-                                          <p:stCondLst>
-                                            <p:cond delay="0"/>
-                                          </p:stCondLst>
-                                        </p:cTn>
-                                        <p:tgtEl>
-                                          <p:spTgt spid="6">
-                                            <p:txEl>
-                                              <p:pRg st="0" end="0"/>
-                                            </p:txEl>
-                                          </p:spTgt>
-                                        </p:tgtEl>
-                                        <p:attrNameLst>
-                                          <p:attrName>style.visibility</p:attrName>
-                                        </p:attrNameLst>
-                                      </p:cBhvr>
-                                      <p:to>
-                                        <p:strVal val="visible"/>
-                                      </p:to>
-                                    </p:set>
-                                  </p:childTnLst>
-                                </p:cTn>
-                              </p:par>
-                            </p:childTnLst>
-                          </p:cTn>
-                        </p:par>
-                      </p:childTnLst>
-                    </p:cTn>
-                  </p:par>
-                  <p:par>
-                    <p:cTn id="11" fill="hold">
-                      <p:stCondLst>
-                        <p:cond delay="indefinite"/>
-                      </p:stCondLst>
-                      <p:childTnLst>
-                        <p:par>
-                          <p:cTn id="12" fill="hold">
-                            <p:stCondLst>
-                              <p:cond delay="0"/>
-                            </p:stCondLst>
-                            <p:childTnLst>
-                              <p:par>
-                                <p:cTn id="13" presetID="1" presetClass="entr" presetSubtype="0" fill="hold" nodeType="clickEffect">
-                                  <p:stCondLst>
-                                    <p:cond delay="0"/>
-                                  </p:stCondLst>
-                                  <p:childTnLst>
-                                    <p:set>
-                                      <p:cBhvr>
-                                        <p:cTn id="14" dur="1" fill="hold">
-                                          <p:stCondLst>
-                                            <p:cond delay="0"/>
-                                          </p:stCondLst>
-                                        </p:cTn>
-                                        <p:tgtEl>
-                                          <p:spTgt spid="4">
-                                            <p:txEl>
-                                              <p:pRg st="2" end="2"/>
-                                            </p:txEl>
-                                          </p:spTgt>
-                                        </p:tgtEl>
-                                        <p:attrNameLst>
-                                          <p:attrName>style.visibility</p:attrName>
-                                        </p:attrNameLst>
-                                      </p:cBhvr>
-                                      <p:to>
-                                        <p:strVal val="visible"/>
-                                      </p:to>
-                                    </p:set>
-                                  </p:childTnLst>
-                                </p:cTn>
-                              </p:par>
-                            </p:childTnLst>
-                          </p:cTn>
-                        </p:par>
-                      </p:childTnLst>
-                    </p:cTn>
-                  </p:par>
-                  <p:par>
-                    <p:cTn id="15" fill="hold">
-                      <p:stCondLst>
-                        <p:cond delay="indefinite"/>
-                      </p:stCondLst>
-                      <p:childTnLst>
-                        <p:par>
-                          <p:cTn id="16" fill="hold">
-                            <p:stCondLst>
-                              <p:cond delay="0"/>
-                            </p:stCondLst>
-                            <p:childTnLst>
-                              <p:par>
-                                <p:cTn id="17" presetID="1" presetClass="entr" presetSubtype="0" fill="hold" nodeType="clickEffect">
-                                  <p:stCondLst>
-                                    <p:cond delay="0"/>
-                                  </p:stCondLst>
-                                  <p:childTnLst>
-                                    <p:set>
-                                      <p:cBhvr>
-                                        <p:cTn id="18" dur="1" fill="hold">
-                                          <p:stCondLst>
-                                            <p:cond delay="0"/>
-                                          </p:stCondLst>
-                                        </p:cTn>
-                                        <p:tgtEl>
-                                          <p:spTgt spid="6">
-                                            <p:txEl>
-                                              <p:pRg st="2" end="2"/>
-                                            </p:txEl>
-                                          </p:spTgt>
-                                        </p:tgtEl>
-                                        <p:attrNameLst>
-                                          <p:attrName>style.visibility</p:attrName>
-                                        </p:attrNameLst>
-                                      </p:cBhvr>
-                                      <p:to>
-                                        <p:strVal val="visible"/>
-                                      </p:to>
-                                    </p:set>
-                                  </p:childTnLst>
-                                </p:cTn>
-                              </p:par>
-                            </p:childTnLst>
-                          </p:cTn>
-                        </p:par>
-                      </p:childTnLst>
-                    </p:cTn>
-                  </p:par>
-                </p:childTnLst>
-              </p:cTn>
-              <p:prevCondLst>
-                <p:cond evt="onPrev" delay="0">
-                  <p:tgtEl>
-                    <p:sldTgt/>
-                  </p:tgtEl>
-                </p:cond>
-              </p:prevCondLst>
-              <p:nextCondLst>
-                <p:cond evt="onNext" delay="0">
-                  <p:tgtEl>
-                    <p:sldTgt/>
-                  </p:tgtEl>
-                </p:cond>
-              </p:nextCondLst>
-            </p:seq>
-          </p:childTnLst>
-        </p:cTn>
-      </p:par>
-    </p:tnLst>
-  </p:timing>
-</p:sld>
-</file>
-
-<file path=ppt/slides/slide13.xml><?xml version="1.0" encoding="utf-8"?>
-<p:sld xmlns:a="http://schemas.openxmlformats.org/drawingml/2006/main" xmlns:r="http://schemas.openxmlformats.org/officeDocument/2006/relationships" xmlns:p="http://schemas.openxmlformats.org/presentationml/2006/main">
-  <p:cSld>
-    <p:spTree>
-      <p:nvGrpSpPr>
-        <p:cNvPr id="1" name=""/>
-        <p:cNvGrpSpPr/>
-        <p:nvPr/>
-      </p:nvGrpSpPr>
-      <p:grpSpPr>
-        <a:xfrm>
-          <a:off x="0" y="0"/>
-          <a:ext cx="0" cy="0"/>
-          <a:chOff x="0" y="0"/>
-          <a:chExt cx="0" cy="0"/>
-        </a:xfrm>
-      </p:grpSpPr>
-      <p:sp>
-        <p:nvSpPr>
-          <p:cNvPr id="2" name="Title 1">
-            <a:extLst>
-              <a:ext uri="{FF2B5EF4-FFF2-40B4-BE49-F238E27FC236}">
-                <a16:creationId xmlns:a16="http://schemas.microsoft.com/office/drawing/2014/main" id="{B95EF52D-8632-43BB-5621-2650D229BDC9}"/>
-              </a:ext>
-            </a:extLst>
-          </p:cNvPr>
-          <p:cNvSpPr>
-            <a:spLocks noGrp="1"/>
-          </p:cNvSpPr>
-          <p:nvPr>
-            <p:ph type="title"/>
-          </p:nvPr>
-        </p:nvSpPr>
-        <p:spPr/>
-        <p:txBody>
-          <a:bodyPr/>
-          <a:lstStyle/>
-          <a:p>
-            <a:r>
-              <a:rPr lang="en-US" dirty="0"/>
-              <a:t>Alternative: return </a:t>
-            </a:r>
-            <a:r>
-              <a:rPr lang="en-US" dirty="0">
-                <a:latin typeface="Courier New" panose="02070309020205020404" pitchFamily="49" charset="0"/>
-                <a:cs typeface="Courier New" panose="02070309020205020404" pitchFamily="49" charset="0"/>
-              </a:rPr>
-              <a:t>optional&lt;T&gt;</a:t>
-            </a:r>
-          </a:p>
-        </p:txBody>
-      </p:sp>
-      <p:sp>
-        <p:nvSpPr>
-          <p:cNvPr id="3" name="Content Placeholder 2">
-            <a:extLst>
-              <a:ext uri="{FF2B5EF4-FFF2-40B4-BE49-F238E27FC236}">
-                <a16:creationId xmlns:a16="http://schemas.microsoft.com/office/drawing/2014/main" id="{35DE3F46-BD3C-CA98-4FFD-C789F9824E52}"/>
-              </a:ext>
-            </a:extLst>
-          </p:cNvPr>
-          <p:cNvSpPr>
-            <a:spLocks noGrp="1"/>
-          </p:cNvSpPr>
-          <p:nvPr>
-            <p:ph idx="1"/>
-          </p:nvPr>
-        </p:nvSpPr>
-        <p:spPr/>
-        <p:txBody>
-          <a:bodyPr/>
-          <a:lstStyle/>
-          <a:p>
-            <a:r>
-              <a:rPr lang="en-US" dirty="0"/>
-              <a:t> An alternative to returning T would be to return optional&lt;T&gt;, then use existing mechanisms for the proposed functionality:</a:t>
-            </a:r>
-          </a:p>
-          <a:p>
-            <a:pPr marL="457200" lvl="1" indent="0">
-              <a:buNone/>
-            </a:pPr>
-            <a:r>
-              <a:rPr lang="en-US" dirty="0">
-                <a:solidFill>
-                  <a:srgbClr val="00B050"/>
-                </a:solidFill>
-                <a:latin typeface="Consolas" panose="020B0609020204030204" pitchFamily="49" charset="0"/>
-                <a:cs typeface="Courier New" panose="02070309020205020404" pitchFamily="49" charset="0"/>
-              </a:rPr>
-              <a:t>optional&lt;</a:t>
-            </a:r>
-            <a:r>
-              <a:rPr lang="en-US" dirty="0" err="1">
-                <a:solidFill>
-                  <a:srgbClr val="00B050"/>
-                </a:solidFill>
-                <a:latin typeface="Consolas" panose="020B0609020204030204" pitchFamily="49" charset="0"/>
-                <a:cs typeface="Courier New" panose="02070309020205020404" pitchFamily="49" charset="0"/>
-              </a:rPr>
-              <a:t>mapped_type</a:t>
-            </a:r>
-            <a:r>
-              <a:rPr lang="en-US" dirty="0">
-                <a:solidFill>
-                  <a:srgbClr val="00B050"/>
-                </a:solidFill>
-                <a:latin typeface="Consolas" panose="020B0609020204030204" pitchFamily="49" charset="0"/>
-                <a:cs typeface="Courier New" panose="02070309020205020404" pitchFamily="49" charset="0"/>
-              </a:rPr>
-              <a:t>&gt;</a:t>
-            </a:r>
-            <a:r>
-              <a:rPr lang="en-US" dirty="0">
-                <a:latin typeface="Consolas" panose="020B0609020204030204" pitchFamily="49" charset="0"/>
-                <a:cs typeface="Courier New" panose="02070309020205020404" pitchFamily="49" charset="0"/>
-              </a:rPr>
-              <a:t> get(const </a:t>
-            </a:r>
-            <a:r>
-              <a:rPr lang="en-US" dirty="0" err="1">
-                <a:latin typeface="Consolas" panose="020B0609020204030204" pitchFamily="49" charset="0"/>
-                <a:cs typeface="Courier New" panose="02070309020205020404" pitchFamily="49" charset="0"/>
-              </a:rPr>
-              <a:t>key_type</a:t>
-            </a:r>
-            <a:r>
-              <a:rPr lang="en-US" dirty="0">
-                <a:latin typeface="Consolas" panose="020B0609020204030204" pitchFamily="49" charset="0"/>
-                <a:cs typeface="Courier New" panose="02070309020205020404" pitchFamily="49" charset="0"/>
-              </a:rPr>
-              <a:t>&amp; key) const;</a:t>
-            </a:r>
-          </a:p>
-          <a:p>
-            <a:endParaRPr lang="en-US" dirty="0">
-              <a:cs typeface="Courier New" panose="02070309020205020404" pitchFamily="49" charset="0"/>
-            </a:endParaRPr>
-          </a:p>
-          <a:p>
-            <a:endParaRPr lang="en-US" dirty="0"/>
-          </a:p>
-        </p:txBody>
-      </p:sp>
-      <p:sp>
-        <p:nvSpPr>
-          <p:cNvPr id="4" name="Date Placeholder 3">
-            <a:extLst>
-              <a:ext uri="{FF2B5EF4-FFF2-40B4-BE49-F238E27FC236}">
-                <a16:creationId xmlns:a16="http://schemas.microsoft.com/office/drawing/2014/main" id="{C0F4C1F2-EF3B-E5E1-ED7C-AC6C6AA368CD}"/>
-              </a:ext>
-            </a:extLst>
-          </p:cNvPr>
-          <p:cNvSpPr>
-            <a:spLocks noGrp="1"/>
-          </p:cNvSpPr>
-          <p:nvPr>
-            <p:ph type="dt" sz="half" idx="10"/>
-          </p:nvPr>
-        </p:nvSpPr>
-        <p:spPr/>
-        <p:txBody>
-          <a:bodyPr/>
-          <a:lstStyle/>
-          <a:p>
-            <a:fld id="{D1A98742-6638-43AC-A30F-B0F4E802E4B2}" type="datetime1">
-              <a:rPr lang="en-US" smtClean="0"/>
-              <a:t>2/26/2024</a:t>
-            </a:fld>
-            <a:endParaRPr lang="en-US"/>
-          </a:p>
-        </p:txBody>
-      </p:sp>
-      <p:sp>
-        <p:nvSpPr>
-          <p:cNvPr id="5" name="Footer Placeholder 4">
-            <a:extLst>
-              <a:ext uri="{FF2B5EF4-FFF2-40B4-BE49-F238E27FC236}">
-                <a16:creationId xmlns:a16="http://schemas.microsoft.com/office/drawing/2014/main" id="{A69CA02A-763F-4D97-8DE7-8E211A58F3CD}"/>
-              </a:ext>
-            </a:extLst>
-          </p:cNvPr>
-          <p:cNvSpPr>
-            <a:spLocks noGrp="1"/>
-          </p:cNvSpPr>
-          <p:nvPr>
-            <p:ph type="ftr" sz="quarter" idx="11"/>
-          </p:nvPr>
-        </p:nvSpPr>
-        <p:spPr/>
-        <p:txBody>
-          <a:bodyPr/>
-          <a:lstStyle/>
-          <a:p>
-            <a:r>
-              <a:rPr lang="en-US"/>
-              <a:t>Pablo Halpern, 2024 (CC BY 4.0)</a:t>
-            </a:r>
-          </a:p>
-        </p:txBody>
-      </p:sp>
-      <p:sp>
-        <p:nvSpPr>
-          <p:cNvPr id="6" name="Slide Number Placeholder 5">
-            <a:extLst>
-              <a:ext uri="{FF2B5EF4-FFF2-40B4-BE49-F238E27FC236}">
-                <a16:creationId xmlns:a16="http://schemas.microsoft.com/office/drawing/2014/main" id="{8DBC8167-110C-F648-0914-78B05CDCE86A}"/>
-              </a:ext>
-            </a:extLst>
-          </p:cNvPr>
-          <p:cNvSpPr>
-            <a:spLocks noGrp="1"/>
-          </p:cNvSpPr>
-          <p:nvPr>
-            <p:ph type="sldNum" sz="quarter" idx="12"/>
-          </p:nvPr>
-        </p:nvSpPr>
-        <p:spPr/>
-        <p:txBody>
-          <a:bodyPr/>
-          <a:lstStyle/>
-          <a:p>
-            <a:fld id="{D57F1E4F-1CFF-5643-939E-217C01CDF565}" type="slidenum">
-              <a:rPr lang="en-US" smtClean="0"/>
-              <a:pPr/>
-              <a:t>13</a:t>
-            </a:fld>
-            <a:endParaRPr lang="en-US"/>
-          </a:p>
-        </p:txBody>
-      </p:sp>
-      <p:sp>
-        <p:nvSpPr>
-          <p:cNvPr id="7" name="Rectangle 6">
-            <a:extLst>
-              <a:ext uri="{FF2B5EF4-FFF2-40B4-BE49-F238E27FC236}">
-                <a16:creationId xmlns:a16="http://schemas.microsoft.com/office/drawing/2014/main" id="{54BA1C45-53B1-F2FE-2A01-177EF735592A}"/>
-              </a:ext>
-            </a:extLst>
-          </p:cNvPr>
-          <p:cNvSpPr/>
-          <p:nvPr/>
-        </p:nvSpPr>
-        <p:spPr>
-          <a:xfrm>
-            <a:off x="1484310" y="3755035"/>
-            <a:ext cx="9760864" cy="2473377"/>
-          </a:xfrm>
-          <a:prstGeom prst="rect">
-            <a:avLst/>
-          </a:prstGeom>
-        </p:spPr>
-        <p:style>
-          <a:lnRef idx="2">
-            <a:schemeClr val="dk1">
-              <a:shade val="15000"/>
-            </a:schemeClr>
-          </a:lnRef>
-          <a:fillRef idx="1">
-            <a:schemeClr val="dk1"/>
-          </a:fillRef>
-          <a:effectRef idx="0">
-            <a:schemeClr val="dk1"/>
-          </a:effectRef>
-          <a:fontRef idx="minor">
-            <a:schemeClr val="lt1"/>
-          </a:fontRef>
-        </p:style>
-        <p:txBody>
-          <a:bodyPr rtlCol="0" anchor="t"/>
-          <a:lstStyle/>
-          <a:p>
-            <a:r>
-              <a:rPr lang="en-US" dirty="0">
-                <a:latin typeface="Consolas" panose="020B0609020204030204" pitchFamily="49" charset="0"/>
-              </a:rPr>
-              <a:t>std::map&lt;std::string, int&gt; </a:t>
-            </a:r>
-            <a:r>
-              <a:rPr lang="en-US" dirty="0" err="1">
-                <a:latin typeface="Consolas" panose="020B0609020204030204" pitchFamily="49" charset="0"/>
-              </a:rPr>
-              <a:t>theMap</a:t>
-            </a:r>
-            <a:r>
-              <a:rPr lang="en-US" dirty="0">
-                <a:latin typeface="Consolas" panose="020B0609020204030204" pitchFamily="49" charset="0"/>
-              </a:rPr>
-              <a:t>;</a:t>
-            </a:r>
-          </a:p>
-          <a:p>
-            <a:endParaRPr lang="en-US" dirty="0">
-              <a:latin typeface="Consolas" panose="020B0609020204030204" pitchFamily="49" charset="0"/>
-            </a:endParaRPr>
-          </a:p>
-          <a:p>
-            <a:r>
-              <a:rPr lang="en-US" dirty="0">
-                <a:latin typeface="Consolas" panose="020B0609020204030204" pitchFamily="49" charset="0"/>
-              </a:rPr>
-              <a:t>std::string a = </a:t>
-            </a:r>
-            <a:r>
-              <a:rPr lang="en-US" dirty="0" err="1">
-                <a:latin typeface="Consolas" panose="020B0609020204030204" pitchFamily="49" charset="0"/>
-              </a:rPr>
-              <a:t>theMap.get</a:t>
-            </a:r>
-            <a:r>
-              <a:rPr lang="en-US" dirty="0">
-                <a:latin typeface="Consolas" panose="020B0609020204030204" pitchFamily="49" charset="0"/>
-              </a:rPr>
-              <a:t>(key)</a:t>
-            </a:r>
-            <a:r>
-              <a:rPr lang="en-US" dirty="0">
-                <a:solidFill>
-                  <a:srgbClr val="FFFF00"/>
-                </a:solidFill>
-                <a:latin typeface="Consolas" panose="020B0609020204030204" pitchFamily="49" charset="0"/>
-              </a:rPr>
-              <a:t>.</a:t>
-            </a:r>
-            <a:r>
-              <a:rPr lang="en-US" dirty="0" err="1">
-                <a:solidFill>
-                  <a:srgbClr val="FFFF00"/>
-                </a:solidFill>
-                <a:latin typeface="Consolas" panose="020B0609020204030204" pitchFamily="49" charset="0"/>
-              </a:rPr>
-              <a:t>value_or</a:t>
-            </a:r>
-            <a:r>
-              <a:rPr lang="en-US" dirty="0">
-                <a:solidFill>
-                  <a:srgbClr val="FFFF00"/>
-                </a:solidFill>
-                <a:latin typeface="Consolas" panose="020B0609020204030204" pitchFamily="49" charset="0"/>
-              </a:rPr>
-              <a:t>("hello")</a:t>
-            </a:r>
-            <a:r>
-              <a:rPr lang="en-US" dirty="0">
-                <a:latin typeface="Consolas" panose="020B0609020204030204" pitchFamily="49" charset="0"/>
-              </a:rPr>
-              <a:t>;</a:t>
-            </a:r>
-            <a:br>
-              <a:rPr lang="en-US" dirty="0">
-                <a:latin typeface="Consolas" panose="020B0609020204030204" pitchFamily="49" charset="0"/>
-              </a:rPr>
-            </a:br>
-            <a:r>
-              <a:rPr lang="en-US" dirty="0" err="1">
-                <a:latin typeface="Consolas" panose="020B0609020204030204" pitchFamily="49" charset="0"/>
-              </a:rPr>
-              <a:t>theMap.get</a:t>
-            </a:r>
-            <a:r>
-              <a:rPr lang="en-US" dirty="0">
-                <a:latin typeface="Consolas" panose="020B0609020204030204" pitchFamily="49" charset="0"/>
-              </a:rPr>
-              <a:t>(key).</a:t>
-            </a:r>
-            <a:r>
-              <a:rPr lang="en-US" dirty="0" err="1">
-                <a:solidFill>
-                  <a:srgbClr val="FFFF00"/>
-                </a:solidFill>
-                <a:latin typeface="Consolas" panose="020B0609020204030204" pitchFamily="49" charset="0"/>
-              </a:rPr>
-              <a:t>or_else</a:t>
-            </a:r>
-            <a:r>
-              <a:rPr lang="en-US" dirty="0">
-                <a:solidFill>
-                  <a:srgbClr val="FFFF00"/>
-                </a:solidFill>
-                <a:latin typeface="Consolas" panose="020B0609020204030204" pitchFamily="49" charset="0"/>
-              </a:rPr>
-              <a:t>([]{ /* </a:t>
-            </a:r>
-            <a:r>
-              <a:rPr lang="en-US" i="1" dirty="0">
-                <a:solidFill>
-                  <a:srgbClr val="FFFF00"/>
-                </a:solidFill>
-                <a:latin typeface="Consolas" panose="020B0609020204030204" pitchFamily="49" charset="0"/>
-              </a:rPr>
-              <a:t>do something</a:t>
-            </a:r>
-            <a:r>
-              <a:rPr lang="en-US" dirty="0">
-                <a:solidFill>
-                  <a:srgbClr val="FFFF00"/>
-                </a:solidFill>
-                <a:latin typeface="Consolas" panose="020B0609020204030204" pitchFamily="49" charset="0"/>
-              </a:rPr>
-              <a:t> */ })</a:t>
-            </a:r>
-            <a:r>
-              <a:rPr lang="en-US" dirty="0">
-                <a:latin typeface="Consolas" panose="020B0609020204030204" pitchFamily="49" charset="0"/>
-              </a:rPr>
-              <a:t>;</a:t>
-            </a:r>
-          </a:p>
-          <a:p>
-            <a:endParaRPr lang="en-US" dirty="0">
-              <a:latin typeface="Consolas" panose="020B0609020204030204" pitchFamily="49" charset="0"/>
-            </a:endParaRPr>
-          </a:p>
-          <a:p>
-            <a:r>
-              <a:rPr lang="en-US" dirty="0">
-                <a:latin typeface="Consolas" panose="020B0609020204030204" pitchFamily="49" charset="0"/>
-              </a:rPr>
-              <a:t>auto b = </a:t>
-            </a:r>
-            <a:r>
-              <a:rPr lang="en-US" dirty="0" err="1">
-                <a:latin typeface="Consolas" panose="020B0609020204030204" pitchFamily="49" charset="0"/>
-              </a:rPr>
-              <a:t>theMap.get</a:t>
-            </a:r>
-            <a:r>
-              <a:rPr lang="en-US" dirty="0">
-                <a:latin typeface="Consolas" panose="020B0609020204030204" pitchFamily="49" charset="0"/>
-              </a:rPr>
-              <a:t>(key);</a:t>
-            </a:r>
-          </a:p>
-          <a:p>
-            <a:r>
-              <a:rPr lang="en-US" dirty="0">
-                <a:latin typeface="Consolas" panose="020B0609020204030204" pitchFamily="49" charset="0"/>
-              </a:rPr>
-              <a:t>if (</a:t>
-            </a:r>
-            <a:r>
-              <a:rPr lang="en-US" dirty="0" err="1">
-                <a:latin typeface="Consolas" panose="020B0609020204030204" pitchFamily="49" charset="0"/>
-              </a:rPr>
-              <a:t>b</a:t>
-            </a:r>
-            <a:r>
-              <a:rPr lang="en-US" dirty="0" err="1">
-                <a:solidFill>
-                  <a:srgbClr val="FFFF00"/>
-                </a:solidFill>
-                <a:latin typeface="Consolas" panose="020B0609020204030204" pitchFamily="49" charset="0"/>
-              </a:rPr>
-              <a:t>.has_value</a:t>
-            </a:r>
-            <a:r>
-              <a:rPr lang="en-US" dirty="0">
-                <a:solidFill>
-                  <a:srgbClr val="FFFF00"/>
-                </a:solidFill>
-                <a:latin typeface="Consolas" panose="020B0609020204030204" pitchFamily="49" charset="0"/>
-              </a:rPr>
-              <a:t>()</a:t>
-            </a:r>
-            <a:r>
-              <a:rPr lang="en-US" dirty="0">
-                <a:latin typeface="Consolas" panose="020B0609020204030204" pitchFamily="49" charset="0"/>
-              </a:rPr>
-              <a:t>)</a:t>
-            </a:r>
-            <a:br>
-              <a:rPr lang="en-US" dirty="0">
-                <a:latin typeface="Consolas" panose="020B0609020204030204" pitchFamily="49" charset="0"/>
-              </a:rPr>
-            </a:br>
-            <a:r>
-              <a:rPr lang="en-US" dirty="0">
-                <a:latin typeface="Consolas" panose="020B0609020204030204" pitchFamily="49" charset="0"/>
-              </a:rPr>
-              <a:t>  /* </a:t>
-            </a:r>
-            <a:r>
-              <a:rPr lang="en-US" i="1" dirty="0">
-                <a:latin typeface="Consolas" panose="020B0609020204030204" pitchFamily="49" charset="0"/>
-              </a:rPr>
-              <a:t>do something</a:t>
-            </a:r>
-            <a:r>
-              <a:rPr lang="en-US" dirty="0">
-                <a:latin typeface="Consolas" panose="020B0609020204030204" pitchFamily="49" charset="0"/>
-              </a:rPr>
-              <a:t> */</a:t>
-            </a:r>
-          </a:p>
-        </p:txBody>
-      </p:sp>
-    </p:spTree>
-    <p:extLst>
-      <p:ext uri="{BB962C8B-B14F-4D97-AF65-F5344CB8AC3E}">
-        <p14:creationId xmlns:p14="http://schemas.microsoft.com/office/powerpoint/2010/main" val="3065935731"/>
-      </p:ext>
-    </p:extLst>
-  </p:cSld>
-  <p:clrMapOvr>
-    <a:masterClrMapping/>
-  </p:clrMapOvr>
-  <p:timing>
-    <p:tnLst>
-      <p:par>
-        <p:cTn id="1" dur="indefinite" restart="never" nodeType="tmRoot">
-          <p:childTnLst>
-            <p:seq concurrent="1" nextAc="seek">
-              <p:cTn id="2" dur="indefinite" nodeType="mainSeq">
-                <p:childTnLst>
-                  <p:par>
-                    <p:cTn id="3" fill="hold">
-                      <p:stCondLst>
-                        <p:cond delay="indefinite"/>
-                      </p:stCondLst>
-                      <p:childTnLst>
-                        <p:par>
-                          <p:cTn id="4" fill="hold">
-                            <p:stCondLst>
-                              <p:cond delay="0"/>
-                            </p:stCondLst>
-                            <p:childTnLst>
-                              <p:par>
-                                <p:cTn id="5" presetID="1" presetClass="entr" presetSubtype="0" fill="hold" grpId="0" nodeType="clickEffect">
-                                  <p:stCondLst>
-                                    <p:cond delay="0"/>
-                                  </p:stCondLst>
-                                  <p:childTnLst>
-                                    <p:set>
-                                      <p:cBhvr>
-                                        <p:cTn id="6" dur="1" fill="hold">
-                                          <p:stCondLst>
-                                            <p:cond delay="0"/>
-                                          </p:stCondLst>
-                                        </p:cTn>
-                                        <p:tgtEl>
-                                          <p:spTgt spid="7"/>
-                                        </p:tgtEl>
-                                        <p:attrNameLst>
-                                          <p:attrName>style.visibility</p:attrName>
-                                        </p:attrNameLst>
-                                      </p:cBhvr>
-                                      <p:to>
-                                        <p:strVal val="visible"/>
-                                      </p:to>
-                                    </p:set>
-                                  </p:childTnLst>
-                                </p:cTn>
-                              </p:par>
-                            </p:childTnLst>
-                          </p:cTn>
-                        </p:par>
-                      </p:childTnLst>
-                    </p:cTn>
-                  </p:par>
-                </p:childTnLst>
-              </p:cTn>
-              <p:prevCondLst>
-                <p:cond evt="onPrev" delay="0">
-                  <p:tgtEl>
-                    <p:sldTgt/>
-                  </p:tgtEl>
-                </p:cond>
-              </p:prevCondLst>
-              <p:nextCondLst>
-                <p:cond evt="onNext" delay="0">
-                  <p:tgtEl>
-                    <p:sldTgt/>
-                  </p:tgtEl>
-                </p:cond>
-              </p:nextCondLst>
-            </p:seq>
-          </p:childTnLst>
-        </p:cTn>
-      </p:par>
-    </p:tnLst>
-    <p:bldLst>
-      <p:bldP spid="7" grpId="0" animBg="1"/>
-    </p:bldLst>
-  </p:timing>
-</p:sld>
-</file>
-
-<file path=ppt/slides/slide14.xml><?xml version="1.0" encoding="utf-8"?>
-<p:sld xmlns:a="http://schemas.openxmlformats.org/drawingml/2006/main" xmlns:r="http://schemas.openxmlformats.org/officeDocument/2006/relationships" xmlns:p="http://schemas.openxmlformats.org/presentationml/2006/main">
-  <p:cSld>
-    <p:spTree>
-      <p:nvGrpSpPr>
-        <p:cNvPr id="1" name=""/>
-        <p:cNvGrpSpPr/>
-        <p:nvPr/>
-      </p:nvGrpSpPr>
-      <p:grpSpPr>
-        <a:xfrm>
-          <a:off x="0" y="0"/>
-          <a:ext cx="0" cy="0"/>
-          <a:chOff x="0" y="0"/>
-          <a:chExt cx="0" cy="0"/>
-        </a:xfrm>
-      </p:grpSpPr>
-      <p:sp>
-        <p:nvSpPr>
-          <p:cNvPr id="2" name="Title 1">
-            <a:extLst>
-              <a:ext uri="{FF2B5EF4-FFF2-40B4-BE49-F238E27FC236}">
-                <a16:creationId xmlns:a16="http://schemas.microsoft.com/office/drawing/2014/main" id="{556A5DCB-08A3-01DD-F37A-18F05CBB23C5}"/>
-              </a:ext>
-            </a:extLst>
-          </p:cNvPr>
-          <p:cNvSpPr>
-            <a:spLocks noGrp="1"/>
-          </p:cNvSpPr>
-          <p:nvPr>
-            <p:ph type="title"/>
-          </p:nvPr>
-        </p:nvSpPr>
-        <p:spPr/>
-        <p:txBody>
-          <a:bodyPr>
-            <a:normAutofit/>
-          </a:bodyPr>
-          <a:lstStyle/>
-          <a:p>
-            <a:r>
-              <a:rPr lang="en-US" dirty="0"/>
-              <a:t>Shortcomings of using </a:t>
-            </a:r>
-            <a:r>
-              <a:rPr lang="en-US" dirty="0">
-                <a:latin typeface="Courier New" panose="02070309020205020404" pitchFamily="49" charset="0"/>
-                <a:cs typeface="Courier New" panose="02070309020205020404" pitchFamily="49" charset="0"/>
-              </a:rPr>
-              <a:t>optional&lt;T&gt;</a:t>
-            </a:r>
-            <a:br>
-              <a:rPr lang="en-US" dirty="0">
-                <a:cs typeface="Courier New" panose="02070309020205020404" pitchFamily="49" charset="0"/>
-              </a:rPr>
-            </a:br>
-            <a:r>
-              <a:rPr lang="en-US" sz="2800" dirty="0" err="1">
-                <a:latin typeface="Courier New" panose="02070309020205020404" pitchFamily="49" charset="0"/>
-                <a:cs typeface="Courier New" panose="02070309020205020404" pitchFamily="49" charset="0"/>
-              </a:rPr>
-              <a:t>value_or</a:t>
-            </a:r>
-            <a:r>
-              <a:rPr lang="en-US" sz="2800" dirty="0">
-                <a:cs typeface="Courier New" panose="02070309020205020404" pitchFamily="49" charset="0"/>
-              </a:rPr>
-              <a:t> is not variadic</a:t>
-            </a:r>
-            <a:endParaRPr lang="en-US" dirty="0">
-              <a:latin typeface="Courier New" panose="02070309020205020404" pitchFamily="49" charset="0"/>
-              <a:cs typeface="Courier New" panose="02070309020205020404" pitchFamily="49" charset="0"/>
-            </a:endParaRPr>
-          </a:p>
-        </p:txBody>
-      </p:sp>
-      <p:sp>
-        <p:nvSpPr>
-          <p:cNvPr id="3" name="Content Placeholder 2">
-            <a:extLst>
-              <a:ext uri="{FF2B5EF4-FFF2-40B4-BE49-F238E27FC236}">
-                <a16:creationId xmlns:a16="http://schemas.microsoft.com/office/drawing/2014/main" id="{A650851F-6D73-0EC6-8339-D73C9079978C}"/>
-              </a:ext>
-            </a:extLst>
-          </p:cNvPr>
-          <p:cNvSpPr>
-            <a:spLocks noGrp="1"/>
-          </p:cNvSpPr>
-          <p:nvPr>
-            <p:ph idx="1"/>
-          </p:nvPr>
-        </p:nvSpPr>
-        <p:spPr/>
-        <p:txBody>
-          <a:bodyPr/>
-          <a:lstStyle/>
-          <a:p>
-            <a:r>
-              <a:rPr lang="en-US" dirty="0"/>
-              <a:t>The parameter to </a:t>
-            </a:r>
-            <a:r>
-              <a:rPr lang="en-US" dirty="0">
-                <a:latin typeface="Courier New" panose="02070309020205020404" pitchFamily="49" charset="0"/>
-                <a:cs typeface="Courier New" panose="02070309020205020404" pitchFamily="49" charset="0"/>
-              </a:rPr>
-              <a:t>optional&lt;T&gt;::</a:t>
-            </a:r>
-            <a:r>
-              <a:rPr lang="en-US" dirty="0" err="1">
-                <a:latin typeface="Courier New" panose="02070309020205020404" pitchFamily="49" charset="0"/>
-                <a:cs typeface="Courier New" panose="02070309020205020404" pitchFamily="49" charset="0"/>
-              </a:rPr>
-              <a:t>value_or</a:t>
-            </a:r>
-            <a:r>
-              <a:rPr lang="en-US" dirty="0"/>
-              <a:t> is a single value convertible to </a:t>
-            </a:r>
-            <a:r>
-              <a:rPr lang="en-US" dirty="0">
-                <a:latin typeface="Courier New" panose="02070309020205020404" pitchFamily="49" charset="0"/>
-                <a:cs typeface="Courier New" panose="02070309020205020404" pitchFamily="49" charset="0"/>
-              </a:rPr>
-              <a:t>T</a:t>
-            </a:r>
-            <a:r>
-              <a:rPr lang="en-US" dirty="0"/>
-              <a:t>.</a:t>
-            </a:r>
-          </a:p>
-          <a:p>
-            <a:endParaRPr lang="en-US" dirty="0"/>
-          </a:p>
-          <a:p>
-            <a:endParaRPr lang="en-US" dirty="0"/>
-          </a:p>
-          <a:p>
-            <a:endParaRPr lang="en-US" dirty="0"/>
-          </a:p>
-          <a:p>
-            <a:endParaRPr lang="en-US" dirty="0"/>
-          </a:p>
-          <a:p>
-            <a:r>
-              <a:rPr lang="en-US" dirty="0"/>
-              <a:t>Tomasz's suggested fix: Extend </a:t>
-            </a:r>
-            <a:r>
-              <a:rPr lang="en-US" dirty="0">
-                <a:latin typeface="Courier New" panose="02070309020205020404" pitchFamily="49" charset="0"/>
-                <a:cs typeface="Courier New" panose="02070309020205020404" pitchFamily="49" charset="0"/>
-              </a:rPr>
-              <a:t>optional</a:t>
-            </a:r>
-            <a:r>
-              <a:rPr lang="en-US" dirty="0"/>
-              <a:t> with </a:t>
-            </a:r>
-            <a:r>
-              <a:rPr lang="en-US" dirty="0" err="1">
-                <a:latin typeface="Courier New" panose="02070309020205020404" pitchFamily="49" charset="0"/>
-                <a:cs typeface="Courier New" panose="02070309020205020404" pitchFamily="49" charset="0"/>
-              </a:rPr>
-              <a:t>value_or_construct</a:t>
-            </a:r>
-            <a:r>
-              <a:rPr lang="en-US" dirty="0"/>
-              <a:t>:</a:t>
-            </a:r>
-          </a:p>
-        </p:txBody>
-      </p:sp>
-      <p:sp>
-        <p:nvSpPr>
-          <p:cNvPr id="4" name="Date Placeholder 3">
-            <a:extLst>
-              <a:ext uri="{FF2B5EF4-FFF2-40B4-BE49-F238E27FC236}">
-                <a16:creationId xmlns:a16="http://schemas.microsoft.com/office/drawing/2014/main" id="{169B562A-9A4D-A542-44F6-C34AAE07FEF0}"/>
-              </a:ext>
-            </a:extLst>
-          </p:cNvPr>
-          <p:cNvSpPr>
-            <a:spLocks noGrp="1"/>
-          </p:cNvSpPr>
-          <p:nvPr>
-            <p:ph type="dt" sz="half" idx="10"/>
-          </p:nvPr>
-        </p:nvSpPr>
-        <p:spPr/>
-        <p:txBody>
-          <a:bodyPr/>
-          <a:lstStyle/>
-          <a:p>
-            <a:fld id="{D1A98742-6638-43AC-A30F-B0F4E802E4B2}" type="datetime1">
-              <a:rPr lang="en-US" smtClean="0"/>
-              <a:t>2/27/2024</a:t>
-            </a:fld>
-            <a:endParaRPr lang="en-US"/>
-          </a:p>
-        </p:txBody>
-      </p:sp>
-      <p:sp>
-        <p:nvSpPr>
-          <p:cNvPr id="5" name="Footer Placeholder 4">
-            <a:extLst>
-              <a:ext uri="{FF2B5EF4-FFF2-40B4-BE49-F238E27FC236}">
-                <a16:creationId xmlns:a16="http://schemas.microsoft.com/office/drawing/2014/main" id="{C5A68EAB-C94E-EEF9-EFFE-3DC020A15888}"/>
-              </a:ext>
-            </a:extLst>
-          </p:cNvPr>
-          <p:cNvSpPr>
-            <a:spLocks noGrp="1"/>
-          </p:cNvSpPr>
-          <p:nvPr>
-            <p:ph type="ftr" sz="quarter" idx="11"/>
-          </p:nvPr>
-        </p:nvSpPr>
-        <p:spPr>
-          <a:xfrm>
-            <a:off x="2553911" y="6142675"/>
-            <a:ext cx="7084177" cy="365125"/>
-          </a:xfrm>
-        </p:spPr>
-        <p:txBody>
-          <a:bodyPr/>
-          <a:lstStyle/>
-          <a:p>
-            <a:r>
-              <a:rPr lang="en-US"/>
-              <a:t>Pablo Halpern, 2024 (CC BY 4.0)</a:t>
-            </a:r>
-          </a:p>
-        </p:txBody>
-      </p:sp>
-      <p:sp>
-        <p:nvSpPr>
-          <p:cNvPr id="6" name="Slide Number Placeholder 5">
-            <a:extLst>
-              <a:ext uri="{FF2B5EF4-FFF2-40B4-BE49-F238E27FC236}">
-                <a16:creationId xmlns:a16="http://schemas.microsoft.com/office/drawing/2014/main" id="{E94B7BF2-7591-AF5D-55B9-A9D03CD0DAAB}"/>
-              </a:ext>
-            </a:extLst>
-          </p:cNvPr>
-          <p:cNvSpPr>
-            <a:spLocks noGrp="1"/>
-          </p:cNvSpPr>
-          <p:nvPr>
-            <p:ph type="sldNum" sz="quarter" idx="12"/>
-          </p:nvPr>
-        </p:nvSpPr>
-        <p:spPr/>
-        <p:txBody>
-          <a:bodyPr/>
-          <a:lstStyle/>
-          <a:p>
-            <a:fld id="{D57F1E4F-1CFF-5643-939E-217C01CDF565}" type="slidenum">
-              <a:rPr lang="en-US" smtClean="0"/>
-              <a:pPr/>
-              <a:t>14</a:t>
-            </a:fld>
-            <a:endParaRPr lang="en-US"/>
-          </a:p>
-        </p:txBody>
-      </p:sp>
-      <p:sp>
-        <p:nvSpPr>
-          <p:cNvPr id="7" name="Rectangle 6">
-            <a:extLst>
-              <a:ext uri="{FF2B5EF4-FFF2-40B4-BE49-F238E27FC236}">
-                <a16:creationId xmlns:a16="http://schemas.microsoft.com/office/drawing/2014/main" id="{19FB3123-27F7-9F43-E5C6-A1EEAF40A536}"/>
-              </a:ext>
-            </a:extLst>
-          </p:cNvPr>
-          <p:cNvSpPr/>
-          <p:nvPr/>
-        </p:nvSpPr>
-        <p:spPr>
-          <a:xfrm>
-            <a:off x="1484310" y="2682246"/>
-            <a:ext cx="9760864" cy="2099727"/>
-          </a:xfrm>
-          <a:prstGeom prst="rect">
-            <a:avLst/>
-          </a:prstGeom>
-        </p:spPr>
-        <p:style>
-          <a:lnRef idx="2">
-            <a:schemeClr val="dk1">
-              <a:shade val="15000"/>
-            </a:schemeClr>
-          </a:lnRef>
-          <a:fillRef idx="1">
-            <a:schemeClr val="dk1"/>
-          </a:fillRef>
-          <a:effectRef idx="0">
-            <a:schemeClr val="dk1"/>
-          </a:effectRef>
-          <a:fontRef idx="minor">
-            <a:schemeClr val="lt1"/>
-          </a:fontRef>
-        </p:style>
-        <p:txBody>
-          <a:bodyPr rtlCol="0" anchor="t"/>
-          <a:lstStyle/>
-          <a:p>
-            <a:r>
-              <a:rPr lang="en-US" dirty="0">
-                <a:latin typeface="Consolas" panose="020B0609020204030204" pitchFamily="49" charset="0"/>
-              </a:rPr>
-              <a:t>class Thing {</a:t>
-            </a:r>
-            <a:br>
-              <a:rPr lang="en-US" dirty="0">
-                <a:latin typeface="Consolas" panose="020B0609020204030204" pitchFamily="49" charset="0"/>
-              </a:rPr>
-            </a:br>
-            <a:r>
-              <a:rPr lang="en-US" dirty="0">
-                <a:latin typeface="Consolas" panose="020B0609020204030204" pitchFamily="49" charset="0"/>
-              </a:rPr>
-              <a:t>   Thing(const std::string&amp;, int, double);</a:t>
-            </a:r>
-            <a:br>
-              <a:rPr lang="en-US" dirty="0">
-                <a:latin typeface="Consolas" panose="020B0609020204030204" pitchFamily="49" charset="0"/>
-              </a:rPr>
-            </a:br>
-            <a:r>
-              <a:rPr lang="en-US" dirty="0">
-                <a:latin typeface="Consolas" panose="020B0609020204030204" pitchFamily="49" charset="0"/>
-              </a:rPr>
-              <a:t>   Thing(const Thing&amp;);</a:t>
-            </a:r>
-            <a:br>
-              <a:rPr lang="en-US" dirty="0">
-                <a:latin typeface="Consolas" panose="020B0609020204030204" pitchFamily="49" charset="0"/>
-              </a:rPr>
-            </a:br>
-            <a:r>
-              <a:rPr lang="en-US" dirty="0">
-                <a:latin typeface="Consolas" panose="020B0609020204030204" pitchFamily="49" charset="0"/>
-              </a:rPr>
-              <a:t>};</a:t>
-            </a:r>
-          </a:p>
-          <a:p>
-            <a:r>
-              <a:rPr lang="en-US" dirty="0">
-                <a:latin typeface="Consolas" panose="020B0609020204030204" pitchFamily="49" charset="0"/>
-              </a:rPr>
-              <a:t>std::map&lt;int, Thing&gt; </a:t>
-            </a:r>
-            <a:r>
-              <a:rPr lang="en-US" dirty="0" err="1">
-                <a:latin typeface="Consolas" panose="020B0609020204030204" pitchFamily="49" charset="0"/>
-              </a:rPr>
-              <a:t>theMap</a:t>
-            </a:r>
-            <a:r>
-              <a:rPr lang="en-US" dirty="0">
-                <a:latin typeface="Consolas" panose="020B0609020204030204" pitchFamily="49" charset="0"/>
-              </a:rPr>
-              <a:t>;</a:t>
-            </a:r>
-            <a:br>
-              <a:rPr lang="en-US" dirty="0">
-                <a:latin typeface="Consolas" panose="020B0609020204030204" pitchFamily="49" charset="0"/>
-              </a:rPr>
-            </a:br>
-            <a:endParaRPr lang="en-US" dirty="0">
-              <a:latin typeface="Consolas" panose="020B0609020204030204" pitchFamily="49" charset="0"/>
-            </a:endParaRPr>
-          </a:p>
-          <a:p>
-            <a:r>
-              <a:rPr lang="en-US" dirty="0">
-                <a:latin typeface="Consolas" panose="020B0609020204030204" pitchFamily="49" charset="0"/>
-              </a:rPr>
-              <a:t>Thing t1 = </a:t>
-            </a:r>
-            <a:r>
-              <a:rPr lang="en-US" dirty="0" err="1">
-                <a:latin typeface="Consolas" panose="020B0609020204030204" pitchFamily="49" charset="0"/>
-              </a:rPr>
-              <a:t>theMap.get</a:t>
-            </a:r>
-            <a:r>
-              <a:rPr lang="en-US" dirty="0">
-                <a:latin typeface="Consolas" panose="020B0609020204030204" pitchFamily="49" charset="0"/>
-              </a:rPr>
-              <a:t>(key).</a:t>
-            </a:r>
-            <a:r>
-              <a:rPr lang="en-US" dirty="0" err="1">
-                <a:solidFill>
-                  <a:srgbClr val="FFFF00"/>
-                </a:solidFill>
-                <a:latin typeface="Consolas" panose="020B0609020204030204" pitchFamily="49" charset="0"/>
-              </a:rPr>
-              <a:t>value_or</a:t>
-            </a:r>
-            <a:r>
-              <a:rPr lang="en-US" dirty="0">
-                <a:solidFill>
-                  <a:srgbClr val="FFFF00"/>
-                </a:solidFill>
-                <a:latin typeface="Consolas" panose="020B0609020204030204" pitchFamily="49" charset="0"/>
-              </a:rPr>
-              <a:t>(Thing("hello", 4, 0.1))</a:t>
-            </a:r>
-            <a:r>
-              <a:rPr lang="en-US" dirty="0">
-                <a:latin typeface="Consolas" panose="020B0609020204030204" pitchFamily="49" charset="0"/>
-              </a:rPr>
-              <a:t>;</a:t>
-            </a:r>
-          </a:p>
-        </p:txBody>
-      </p:sp>
-      <p:sp>
-        <p:nvSpPr>
-          <p:cNvPr id="8" name="Speech Bubble: Rectangle with Corners Rounded 7">
-            <a:extLst>
-              <a:ext uri="{FF2B5EF4-FFF2-40B4-BE49-F238E27FC236}">
-                <a16:creationId xmlns:a16="http://schemas.microsoft.com/office/drawing/2014/main" id="{C90421E6-AFFE-FE3F-F9F3-FA3D05053FE6}"/>
-              </a:ext>
-            </a:extLst>
-          </p:cNvPr>
-          <p:cNvSpPr/>
-          <p:nvPr/>
-        </p:nvSpPr>
-        <p:spPr>
-          <a:xfrm>
-            <a:off x="6035039" y="3625824"/>
-            <a:ext cx="2436083" cy="426720"/>
-          </a:xfrm>
-          <a:prstGeom prst="wedgeRoundRectCallout">
-            <a:avLst>
-              <a:gd name="adj1" fmla="val -36617"/>
-              <a:gd name="adj2" fmla="val 133929"/>
-              <a:gd name="adj3" fmla="val 16667"/>
-            </a:avLst>
-          </a:prstGeom>
-          <a:solidFill>
-            <a:srgbClr val="0070C0"/>
-          </a:solidFill>
-          <a:ln>
-            <a:solidFill>
-              <a:srgbClr val="FFFF00"/>
-            </a:solidFill>
-          </a:ln>
-        </p:spPr>
-        <p:style>
-          <a:lnRef idx="2">
-            <a:schemeClr val="accent1">
-              <a:shade val="15000"/>
-            </a:schemeClr>
-          </a:lnRef>
-          <a:fillRef idx="1">
-            <a:schemeClr val="accent1"/>
-          </a:fillRef>
-          <a:effectRef idx="0">
-            <a:schemeClr val="accent1"/>
-          </a:effectRef>
-          <a:fontRef idx="minor">
-            <a:schemeClr val="lt1"/>
-          </a:fontRef>
-        </p:style>
-        <p:txBody>
-          <a:bodyPr rtlCol="0" anchor="ctr"/>
-          <a:lstStyle/>
-          <a:p>
-            <a:pPr algn="ctr"/>
-            <a:r>
-              <a:rPr lang="en-US" dirty="0"/>
-              <a:t>Construct then copy</a:t>
-            </a:r>
-          </a:p>
-        </p:txBody>
-      </p:sp>
-      <p:sp>
-        <p:nvSpPr>
-          <p:cNvPr id="9" name="Rectangle 8">
-            <a:extLst>
-              <a:ext uri="{FF2B5EF4-FFF2-40B4-BE49-F238E27FC236}">
-                <a16:creationId xmlns:a16="http://schemas.microsoft.com/office/drawing/2014/main" id="{17ED44D9-D45B-7BE8-996E-9EDC1BD336BE}"/>
-              </a:ext>
-            </a:extLst>
-          </p:cNvPr>
-          <p:cNvSpPr/>
-          <p:nvPr/>
-        </p:nvSpPr>
-        <p:spPr>
-          <a:xfrm>
-            <a:off x="1484310" y="5269665"/>
-            <a:ext cx="9760864" cy="765386"/>
-          </a:xfrm>
-          <a:prstGeom prst="rect">
-            <a:avLst/>
-          </a:prstGeom>
-        </p:spPr>
-        <p:style>
-          <a:lnRef idx="2">
-            <a:schemeClr val="dk1">
-              <a:shade val="15000"/>
-            </a:schemeClr>
-          </a:lnRef>
-          <a:fillRef idx="1">
-            <a:schemeClr val="dk1"/>
-          </a:fillRef>
-          <a:effectRef idx="0">
-            <a:schemeClr val="dk1"/>
-          </a:effectRef>
-          <a:fontRef idx="minor">
-            <a:schemeClr val="lt1"/>
-          </a:fontRef>
-        </p:style>
-        <p:txBody>
-          <a:bodyPr rtlCol="0" anchor="t"/>
-          <a:lstStyle/>
-          <a:p>
-            <a:r>
-              <a:rPr lang="en-US" dirty="0">
-                <a:latin typeface="Consolas" panose="020B0609020204030204" pitchFamily="49" charset="0"/>
-              </a:rPr>
-              <a:t>T optional&lt;T&gt;::</a:t>
-            </a:r>
-            <a:r>
-              <a:rPr lang="en-US" dirty="0" err="1">
-                <a:latin typeface="Consolas" panose="020B0609020204030204" pitchFamily="49" charset="0"/>
-              </a:rPr>
-              <a:t>value_or_construct</a:t>
-            </a:r>
-            <a:r>
-              <a:rPr lang="en-US" dirty="0">
-                <a:latin typeface="Consolas" panose="020B0609020204030204" pitchFamily="49" charset="0"/>
-              </a:rPr>
-              <a:t>(</a:t>
-            </a:r>
-            <a:r>
-              <a:rPr lang="en-US" dirty="0" err="1">
-                <a:solidFill>
-                  <a:srgbClr val="FFFF00"/>
-                </a:solidFill>
-                <a:latin typeface="Consolas" panose="020B0609020204030204" pitchFamily="49" charset="0"/>
-              </a:rPr>
-              <a:t>Args</a:t>
-            </a:r>
-            <a:r>
-              <a:rPr lang="en-US" dirty="0">
-                <a:solidFill>
-                  <a:srgbClr val="FFFF00"/>
-                </a:solidFill>
-                <a:latin typeface="Consolas" panose="020B0609020204030204" pitchFamily="49" charset="0"/>
-              </a:rPr>
-              <a:t>&amp;&amp;... </a:t>
-            </a:r>
-            <a:r>
-              <a:rPr lang="en-US" dirty="0" err="1">
-                <a:solidFill>
-                  <a:srgbClr val="FFFF00"/>
-                </a:solidFill>
-                <a:latin typeface="Consolas" panose="020B0609020204030204" pitchFamily="49" charset="0"/>
-              </a:rPr>
-              <a:t>ctorArgs</a:t>
-            </a:r>
-            <a:r>
-              <a:rPr lang="en-US" dirty="0">
-                <a:latin typeface="Consolas" panose="020B0609020204030204" pitchFamily="49" charset="0"/>
-              </a:rPr>
-              <a:t>);</a:t>
-            </a:r>
-          </a:p>
-          <a:p>
-            <a:r>
-              <a:rPr lang="en-US" dirty="0">
-                <a:latin typeface="Consolas" panose="020B0609020204030204" pitchFamily="49" charset="0"/>
-              </a:rPr>
-              <a:t>Thing t1 = </a:t>
-            </a:r>
-            <a:r>
-              <a:rPr lang="en-US" dirty="0" err="1">
-                <a:latin typeface="Consolas" panose="020B0609020204030204" pitchFamily="49" charset="0"/>
-              </a:rPr>
-              <a:t>theMap.get</a:t>
-            </a:r>
-            <a:r>
-              <a:rPr lang="en-US" dirty="0">
-                <a:latin typeface="Consolas" panose="020B0609020204030204" pitchFamily="49" charset="0"/>
-              </a:rPr>
-              <a:t>(key).</a:t>
-            </a:r>
-            <a:r>
-              <a:rPr lang="en-US" dirty="0" err="1">
-                <a:solidFill>
-                  <a:srgbClr val="FFFF00"/>
-                </a:solidFill>
-                <a:latin typeface="Consolas" panose="020B0609020204030204" pitchFamily="49" charset="0"/>
-              </a:rPr>
-              <a:t>value_or_construct</a:t>
-            </a:r>
-            <a:r>
-              <a:rPr lang="en-US" dirty="0">
-                <a:solidFill>
-                  <a:srgbClr val="FFFF00"/>
-                </a:solidFill>
-                <a:latin typeface="Consolas" panose="020B0609020204030204" pitchFamily="49" charset="0"/>
-              </a:rPr>
-              <a:t>("hello", 4, 0.1)</a:t>
-            </a:r>
-            <a:r>
-              <a:rPr lang="en-US" dirty="0">
-                <a:latin typeface="Consolas" panose="020B0609020204030204" pitchFamily="49" charset="0"/>
-              </a:rPr>
-              <a:t>;</a:t>
-            </a:r>
-          </a:p>
-        </p:txBody>
-      </p:sp>
-      <p:sp>
-        <p:nvSpPr>
-          <p:cNvPr id="10" name="Speech Bubble: Rectangle with Corners Rounded 9">
-            <a:extLst>
-              <a:ext uri="{FF2B5EF4-FFF2-40B4-BE49-F238E27FC236}">
-                <a16:creationId xmlns:a16="http://schemas.microsoft.com/office/drawing/2014/main" id="{753C3B76-D808-BAA3-1C23-1187CDB21A2F}"/>
-              </a:ext>
-            </a:extLst>
-          </p:cNvPr>
-          <p:cNvSpPr/>
-          <p:nvPr/>
-        </p:nvSpPr>
-        <p:spPr>
-          <a:xfrm>
-            <a:off x="9568286" y="5425449"/>
-            <a:ext cx="1920240" cy="426720"/>
-          </a:xfrm>
-          <a:prstGeom prst="wedgeRoundRectCallout">
-            <a:avLst>
-              <a:gd name="adj1" fmla="val -61554"/>
-              <a:gd name="adj2" fmla="val 38691"/>
-              <a:gd name="adj3" fmla="val 16667"/>
-            </a:avLst>
-          </a:prstGeom>
-          <a:solidFill>
-            <a:srgbClr val="0070C0"/>
-          </a:solidFill>
-          <a:ln>
-            <a:solidFill>
-              <a:srgbClr val="FFFF00"/>
-            </a:solidFill>
-          </a:ln>
-        </p:spPr>
-        <p:style>
-          <a:lnRef idx="2">
-            <a:schemeClr val="accent1">
-              <a:shade val="15000"/>
-            </a:schemeClr>
-          </a:lnRef>
-          <a:fillRef idx="1">
-            <a:schemeClr val="accent1"/>
-          </a:fillRef>
-          <a:effectRef idx="0">
-            <a:schemeClr val="accent1"/>
-          </a:effectRef>
-          <a:fontRef idx="minor">
-            <a:schemeClr val="lt1"/>
-          </a:fontRef>
-        </p:style>
-        <p:txBody>
-          <a:bodyPr rtlCol="0" anchor="ctr"/>
-          <a:lstStyle/>
-          <a:p>
-            <a:pPr algn="ctr"/>
-            <a:r>
-              <a:rPr lang="en-US" dirty="0"/>
-              <a:t>Construct in place</a:t>
-            </a:r>
-          </a:p>
-        </p:txBody>
-      </p:sp>
-    </p:spTree>
-    <p:extLst>
-      <p:ext uri="{BB962C8B-B14F-4D97-AF65-F5344CB8AC3E}">
-        <p14:creationId xmlns:p14="http://schemas.microsoft.com/office/powerpoint/2010/main" val="1955331248"/>
-      </p:ext>
-    </p:extLst>
-  </p:cSld>
-  <p:clrMapOvr>
-    <a:masterClrMapping/>
-  </p:clrMapOvr>
-  <p:timing>
-    <p:tnLst>
-      <p:par>
-        <p:cTn id="1" dur="indefinite" restart="never" nodeType="tmRoot">
-          <p:childTnLst>
-            <p:seq concurrent="1" nextAc="seek">
-              <p:cTn id="2" dur="indefinite" nodeType="mainSeq">
-                <p:childTnLst>
-                  <p:par>
-                    <p:cTn id="3" fill="hold">
-                      <p:stCondLst>
-                        <p:cond delay="indefinite"/>
-                      </p:stCondLst>
-                      <p:childTnLst>
-                        <p:par>
-                          <p:cTn id="4" fill="hold">
-                            <p:stCondLst>
-                              <p:cond delay="0"/>
-                            </p:stCondLst>
-                            <p:childTnLst>
-                              <p:par>
-                                <p:cTn id="5" presetID="1" presetClass="entr" presetSubtype="0" fill="hold" grpId="0" nodeType="clickEffect">
-                                  <p:stCondLst>
-                                    <p:cond delay="0"/>
-                                  </p:stCondLst>
-                                  <p:childTnLst>
-                                    <p:set>
-                                      <p:cBhvr>
-                                        <p:cTn id="6" dur="1" fill="hold">
-                                          <p:stCondLst>
-                                            <p:cond delay="0"/>
-                                          </p:stCondLst>
-                                        </p:cTn>
-                                        <p:tgtEl>
-                                          <p:spTgt spid="3">
-                                            <p:txEl>
-                                              <p:pRg st="5" end="5"/>
-                                            </p:txEl>
-                                          </p:spTgt>
-                                        </p:tgtEl>
-                                        <p:attrNameLst>
-                                          <p:attrName>style.visibility</p:attrName>
-                                        </p:attrNameLst>
-                                      </p:cBhvr>
-                                      <p:to>
-                                        <p:strVal val="visible"/>
-                                      </p:to>
-                                    </p:set>
-                                  </p:childTnLst>
-                                </p:cTn>
-                              </p:par>
-                              <p:par>
-                                <p:cTn id="7" presetID="1" presetClass="entr" presetSubtype="0" fill="hold" grpId="0" nodeType="withEffect">
-                                  <p:stCondLst>
-                                    <p:cond delay="0"/>
-                                  </p:stCondLst>
-                                  <p:childTnLst>
-                                    <p:set>
-                                      <p:cBhvr>
-                                        <p:cTn id="8" dur="1" fill="hold">
-                                          <p:stCondLst>
-                                            <p:cond delay="0"/>
-                                          </p:stCondLst>
-                                        </p:cTn>
-                                        <p:tgtEl>
-                                          <p:spTgt spid="9"/>
-                                        </p:tgtEl>
-                                        <p:attrNameLst>
-                                          <p:attrName>style.visibility</p:attrName>
-                                        </p:attrNameLst>
-                                      </p:cBhvr>
-                                      <p:to>
-                                        <p:strVal val="visible"/>
-                                      </p:to>
-                                    </p:set>
-                                  </p:childTnLst>
-                                </p:cTn>
-                              </p:par>
-                              <p:par>
-                                <p:cTn id="9" presetID="1" presetClass="entr" presetSubtype="0" fill="hold" grpId="0" nodeType="withEffect">
-                                  <p:stCondLst>
-                                    <p:cond delay="0"/>
-                                  </p:stCondLst>
-                                  <p:childTnLst>
-                                    <p:set>
-                                      <p:cBhvr>
-                                        <p:cTn id="10" dur="1" fill="hold">
-                                          <p:stCondLst>
-                                            <p:cond delay="0"/>
-                                          </p:stCondLst>
-                                        </p:cTn>
-                                        <p:tgtEl>
-                                          <p:spTgt spid="10"/>
-                                        </p:tgtEl>
-                                        <p:attrNameLst>
-                                          <p:attrName>style.visibility</p:attrName>
-                                        </p:attrNameLst>
-                                      </p:cBhvr>
-                                      <p:to>
-                                        <p:strVal val="visible"/>
-                                      </p:to>
-                                    </p:set>
-                                  </p:childTnLst>
-                                </p:cTn>
-                              </p:par>
-                            </p:childTnLst>
-                          </p:cTn>
-                        </p:par>
-                      </p:childTnLst>
-                    </p:cTn>
-                  </p:par>
-                </p:childTnLst>
-              </p:cTn>
-              <p:prevCondLst>
-                <p:cond evt="onPrev" delay="0">
-                  <p:tgtEl>
-                    <p:sldTgt/>
-                  </p:tgtEl>
-                </p:cond>
-              </p:prevCondLst>
-              <p:nextCondLst>
-                <p:cond evt="onNext" delay="0">
-                  <p:tgtEl>
-                    <p:sldTgt/>
-                  </p:tgtEl>
-                </p:cond>
-              </p:nextCondLst>
-            </p:seq>
-          </p:childTnLst>
-        </p:cTn>
-      </p:par>
-    </p:tnLst>
-    <p:bldLst>
-      <p:bldP spid="3" grpId="0" uiExpand="1" build="p"/>
-      <p:bldP spid="9" grpId="0" animBg="1"/>
-      <p:bldP spid="10" grpId="0" animBg="1"/>
-    </p:bldLst>
-  </p:timing>
-</p:sld>
-</file>
-
-<file path=ppt/slides/slide15.xml><?xml version="1.0" encoding="utf-8"?>
-<p:sld xmlns:a="http://schemas.openxmlformats.org/drawingml/2006/main" xmlns:r="http://schemas.openxmlformats.org/officeDocument/2006/relationships" xmlns:p="http://schemas.openxmlformats.org/presentationml/2006/main">
-  <p:cSld>
-    <p:spTree>
-      <p:nvGrpSpPr>
-        <p:cNvPr id="1" name=""/>
-        <p:cNvGrpSpPr/>
-        <p:nvPr/>
-      </p:nvGrpSpPr>
-      <p:grpSpPr>
-        <a:xfrm>
-          <a:off x="0" y="0"/>
-          <a:ext cx="0" cy="0"/>
-          <a:chOff x="0" y="0"/>
-          <a:chExt cx="0" cy="0"/>
-        </a:xfrm>
-      </p:grpSpPr>
-      <p:sp>
-        <p:nvSpPr>
-          <p:cNvPr id="2" name="Title 1">
-            <a:extLst>
-              <a:ext uri="{FF2B5EF4-FFF2-40B4-BE49-F238E27FC236}">
-                <a16:creationId xmlns:a16="http://schemas.microsoft.com/office/drawing/2014/main" id="{556A5DCB-08A3-01DD-F37A-18F05CBB23C5}"/>
-              </a:ext>
-            </a:extLst>
-          </p:cNvPr>
-          <p:cNvSpPr>
-            <a:spLocks noGrp="1"/>
-          </p:cNvSpPr>
-          <p:nvPr>
-            <p:ph type="title"/>
-          </p:nvPr>
-        </p:nvSpPr>
-        <p:spPr/>
-        <p:txBody>
-          <a:bodyPr>
-            <a:normAutofit/>
-          </a:bodyPr>
-          <a:lstStyle/>
-          <a:p>
-            <a:r>
-              <a:rPr lang="en-US" dirty="0"/>
-              <a:t>Shortcomings of using </a:t>
-            </a:r>
-            <a:r>
-              <a:rPr lang="en-US" dirty="0">
-                <a:latin typeface="Courier New" panose="02070309020205020404" pitchFamily="49" charset="0"/>
-                <a:cs typeface="Courier New" panose="02070309020205020404" pitchFamily="49" charset="0"/>
-              </a:rPr>
-              <a:t>optional&lt;T&gt;</a:t>
-            </a:r>
-            <a:br>
-              <a:rPr lang="en-US" dirty="0">
-                <a:cs typeface="Courier New" panose="02070309020205020404" pitchFamily="49" charset="0"/>
-              </a:rPr>
-            </a:br>
-            <a:r>
-              <a:rPr lang="en-US" sz="2800" dirty="0">
-                <a:cs typeface="Courier New" panose="02070309020205020404" pitchFamily="49" charset="0"/>
-              </a:rPr>
-              <a:t>No equivalent to </a:t>
-            </a:r>
-            <a:r>
-              <a:rPr lang="en-US" sz="2800" dirty="0" err="1">
-                <a:latin typeface="Courier New" panose="02070309020205020404" pitchFamily="49" charset="0"/>
-                <a:cs typeface="Courier New" panose="02070309020205020404" pitchFamily="49" charset="0"/>
-              </a:rPr>
-              <a:t>get_ref</a:t>
-            </a:r>
-            <a:endParaRPr lang="en-US" dirty="0">
-              <a:latin typeface="Courier New" panose="02070309020205020404" pitchFamily="49" charset="0"/>
-              <a:cs typeface="Courier New" panose="02070309020205020404" pitchFamily="49" charset="0"/>
-            </a:endParaRPr>
-          </a:p>
-        </p:txBody>
-      </p:sp>
-      <p:sp>
-        <p:nvSpPr>
-          <p:cNvPr id="3" name="Content Placeholder 2">
-            <a:extLst>
-              <a:ext uri="{FF2B5EF4-FFF2-40B4-BE49-F238E27FC236}">
-                <a16:creationId xmlns:a16="http://schemas.microsoft.com/office/drawing/2014/main" id="{A650851F-6D73-0EC6-8339-D73C9079978C}"/>
-              </a:ext>
-            </a:extLst>
-          </p:cNvPr>
-          <p:cNvSpPr>
-            <a:spLocks noGrp="1"/>
-          </p:cNvSpPr>
-          <p:nvPr>
-            <p:ph idx="1"/>
-          </p:nvPr>
-        </p:nvSpPr>
-        <p:spPr/>
-        <p:txBody>
-          <a:bodyPr>
-            <a:normAutofit/>
-          </a:bodyPr>
-          <a:lstStyle/>
-          <a:p>
-            <a:r>
-              <a:rPr lang="en-US" dirty="0">
-                <a:latin typeface="Courier New" panose="02070309020205020404" pitchFamily="49" charset="0"/>
-                <a:cs typeface="Courier New" panose="02070309020205020404" pitchFamily="49" charset="0"/>
-              </a:rPr>
-              <a:t>optional&lt;T&amp;&gt;</a:t>
-            </a:r>
-            <a:r>
-              <a:rPr lang="en-US" dirty="0"/>
-              <a:t> is not valid in C++23, but is proposed in P2988R3.</a:t>
-            </a:r>
-          </a:p>
-          <a:p>
-            <a:pPr lvl="1"/>
-            <a:r>
-              <a:rPr lang="en-US" dirty="0"/>
-              <a:t>It is unclear whether </a:t>
-            </a:r>
-            <a:r>
-              <a:rPr lang="en-US" dirty="0" err="1">
-                <a:latin typeface="Courier New" panose="02070309020205020404" pitchFamily="49" charset="0"/>
-                <a:cs typeface="Courier New" panose="02070309020205020404" pitchFamily="49" charset="0"/>
-              </a:rPr>
-              <a:t>value_or</a:t>
-            </a:r>
-            <a:r>
-              <a:rPr lang="en-US" dirty="0"/>
-              <a:t> would return </a:t>
-            </a:r>
-            <a:r>
-              <a:rPr lang="en-US" dirty="0">
-                <a:latin typeface="Courier New" panose="02070309020205020404" pitchFamily="49" charset="0"/>
-                <a:cs typeface="Courier New" panose="02070309020205020404" pitchFamily="49" charset="0"/>
-              </a:rPr>
-              <a:t>T</a:t>
-            </a:r>
-            <a:r>
-              <a:rPr lang="en-US" dirty="0"/>
-              <a:t> or </a:t>
-            </a:r>
-            <a:r>
-              <a:rPr lang="en-US" dirty="0">
-                <a:latin typeface="Courier New" panose="02070309020205020404" pitchFamily="49" charset="0"/>
-                <a:cs typeface="Courier New" panose="02070309020205020404" pitchFamily="49" charset="0"/>
-              </a:rPr>
-              <a:t>T&amp;</a:t>
-            </a:r>
-          </a:p>
-          <a:p>
-            <a:pPr lvl="1"/>
-            <a:r>
-              <a:rPr lang="en-US" dirty="0"/>
-              <a:t>If</a:t>
-            </a:r>
-            <a:r>
-              <a:rPr lang="en-US" dirty="0">
-                <a:cs typeface="Courier New" panose="02070309020205020404" pitchFamily="49" charset="0"/>
-              </a:rPr>
-              <a:t> </a:t>
-            </a:r>
-            <a:r>
-              <a:rPr lang="en-US" dirty="0" err="1">
-                <a:latin typeface="Courier New" panose="02070309020205020404" pitchFamily="49" charset="0"/>
-                <a:cs typeface="Courier New" panose="02070309020205020404" pitchFamily="49" charset="0"/>
-              </a:rPr>
-              <a:t>value_or</a:t>
-            </a:r>
-            <a:r>
-              <a:rPr lang="en-US" dirty="0">
-                <a:cs typeface="Courier New" panose="02070309020205020404" pitchFamily="49" charset="0"/>
-              </a:rPr>
-              <a:t> returns</a:t>
-            </a:r>
-            <a:r>
-              <a:rPr lang="en-US" dirty="0"/>
-              <a:t> </a:t>
-            </a:r>
-            <a:r>
-              <a:rPr lang="en-US" dirty="0">
-                <a:latin typeface="Courier New" panose="02070309020205020404" pitchFamily="49" charset="0"/>
-                <a:cs typeface="Courier New" panose="02070309020205020404" pitchFamily="49" charset="0"/>
-              </a:rPr>
-              <a:t>T&amp;</a:t>
-            </a:r>
-            <a:r>
-              <a:rPr lang="en-US" dirty="0">
-                <a:cs typeface="Courier New" panose="02070309020205020404" pitchFamily="49" charset="0"/>
-              </a:rPr>
-              <a:t>, then </a:t>
-            </a:r>
-            <a:r>
-              <a:rPr lang="en-US" dirty="0" err="1">
-                <a:latin typeface="Courier New" panose="02070309020205020404" pitchFamily="49" charset="0"/>
-                <a:cs typeface="Courier New" panose="02070309020205020404" pitchFamily="49" charset="0"/>
-              </a:rPr>
-              <a:t>get_ref</a:t>
-            </a:r>
-            <a:r>
-              <a:rPr lang="en-US" dirty="0">
-                <a:cs typeface="Courier New" panose="02070309020205020404" pitchFamily="49" charset="0"/>
-              </a:rPr>
-              <a:t> behavior is free (assume </a:t>
-            </a:r>
-            <a:r>
-              <a:rPr lang="en-US" dirty="0" err="1">
-                <a:latin typeface="Courier New" panose="02070309020205020404" pitchFamily="49" charset="0"/>
-                <a:cs typeface="Courier New" panose="02070309020205020404" pitchFamily="49" charset="0"/>
-              </a:rPr>
-              <a:t>or_construct</a:t>
-            </a:r>
-            <a:r>
-              <a:rPr lang="en-US" dirty="0">
-                <a:cs typeface="Courier New" panose="02070309020205020404" pitchFamily="49" charset="0"/>
-              </a:rPr>
-              <a:t>):</a:t>
-            </a:r>
-          </a:p>
-          <a:p>
-            <a:pPr lvl="1"/>
-            <a:endParaRPr lang="en-US" dirty="0">
-              <a:cs typeface="Courier New" panose="02070309020205020404" pitchFamily="49" charset="0"/>
-            </a:endParaRPr>
-          </a:p>
-          <a:p>
-            <a:pPr lvl="1"/>
-            <a:endParaRPr lang="en-US" dirty="0">
-              <a:cs typeface="Courier New" panose="02070309020205020404" pitchFamily="49" charset="0"/>
-            </a:endParaRPr>
-          </a:p>
-          <a:p>
-            <a:pPr lvl="1"/>
-            <a:endParaRPr lang="en-US" dirty="0">
-              <a:cs typeface="Courier New" panose="02070309020205020404" pitchFamily="49" charset="0"/>
-            </a:endParaRPr>
-          </a:p>
-          <a:p>
-            <a:pPr lvl="1"/>
-            <a:endParaRPr lang="en-US" dirty="0">
-              <a:cs typeface="Courier New" panose="02070309020205020404" pitchFamily="49" charset="0"/>
-            </a:endParaRPr>
-          </a:p>
-          <a:p>
-            <a:pPr lvl="1"/>
-            <a:r>
-              <a:rPr lang="en-US" dirty="0">
-                <a:cs typeface="Courier New" panose="02070309020205020404" pitchFamily="49" charset="0"/>
-              </a:rPr>
-              <a:t>If </a:t>
-            </a:r>
-            <a:r>
-              <a:rPr lang="en-US" dirty="0" err="1">
-                <a:latin typeface="Courier New" panose="02070309020205020404" pitchFamily="49" charset="0"/>
-                <a:cs typeface="Courier New" panose="02070309020205020404" pitchFamily="49" charset="0"/>
-              </a:rPr>
-              <a:t>value_or</a:t>
-            </a:r>
-            <a:r>
-              <a:rPr lang="en-US" dirty="0">
-                <a:cs typeface="Courier New" panose="02070309020205020404" pitchFamily="49" charset="0"/>
-              </a:rPr>
-              <a:t> returns a non-reference, then </a:t>
-            </a:r>
-            <a:r>
-              <a:rPr lang="en-US" dirty="0"/>
-              <a:t>Tomasz suggests optional&lt;T&gt;::</a:t>
-            </a:r>
-            <a:r>
-              <a:rPr lang="en-US" dirty="0" err="1"/>
-              <a:t>get_ref</a:t>
-            </a:r>
-            <a:r>
-              <a:rPr lang="en-US" dirty="0"/>
-              <a:t>:</a:t>
-            </a:r>
-          </a:p>
-        </p:txBody>
-      </p:sp>
-      <p:sp>
-        <p:nvSpPr>
-          <p:cNvPr id="4" name="Date Placeholder 3">
-            <a:extLst>
-              <a:ext uri="{FF2B5EF4-FFF2-40B4-BE49-F238E27FC236}">
-                <a16:creationId xmlns:a16="http://schemas.microsoft.com/office/drawing/2014/main" id="{169B562A-9A4D-A542-44F6-C34AAE07FEF0}"/>
-              </a:ext>
-            </a:extLst>
-          </p:cNvPr>
-          <p:cNvSpPr>
-            <a:spLocks noGrp="1"/>
-          </p:cNvSpPr>
-          <p:nvPr>
-            <p:ph type="dt" sz="half" idx="10"/>
-          </p:nvPr>
-        </p:nvSpPr>
-        <p:spPr/>
-        <p:txBody>
-          <a:bodyPr/>
-          <a:lstStyle/>
-          <a:p>
-            <a:fld id="{D1A98742-6638-43AC-A30F-B0F4E802E4B2}" type="datetime1">
-              <a:rPr lang="en-US" smtClean="0"/>
-              <a:t>2/27/2024</a:t>
-            </a:fld>
-            <a:endParaRPr lang="en-US"/>
-          </a:p>
-        </p:txBody>
-      </p:sp>
-      <p:sp>
-        <p:nvSpPr>
-          <p:cNvPr id="5" name="Footer Placeholder 4">
-            <a:extLst>
-              <a:ext uri="{FF2B5EF4-FFF2-40B4-BE49-F238E27FC236}">
-                <a16:creationId xmlns:a16="http://schemas.microsoft.com/office/drawing/2014/main" id="{C5A68EAB-C94E-EEF9-EFFE-3DC020A15888}"/>
-              </a:ext>
-            </a:extLst>
-          </p:cNvPr>
-          <p:cNvSpPr>
-            <a:spLocks noGrp="1"/>
-          </p:cNvSpPr>
-          <p:nvPr>
-            <p:ph type="ftr" sz="quarter" idx="11"/>
-          </p:nvPr>
-        </p:nvSpPr>
-        <p:spPr>
-          <a:xfrm>
-            <a:off x="2553911" y="6142675"/>
-            <a:ext cx="7084177" cy="365125"/>
-          </a:xfrm>
-        </p:spPr>
-        <p:txBody>
-          <a:bodyPr/>
-          <a:lstStyle/>
-          <a:p>
-            <a:r>
-              <a:rPr lang="en-US"/>
-              <a:t>Pablo Halpern, 2024 (CC BY 4.0)</a:t>
-            </a:r>
-          </a:p>
-        </p:txBody>
-      </p:sp>
-      <p:sp>
-        <p:nvSpPr>
-          <p:cNvPr id="6" name="Slide Number Placeholder 5">
-            <a:extLst>
-              <a:ext uri="{FF2B5EF4-FFF2-40B4-BE49-F238E27FC236}">
-                <a16:creationId xmlns:a16="http://schemas.microsoft.com/office/drawing/2014/main" id="{E94B7BF2-7591-AF5D-55B9-A9D03CD0DAAB}"/>
-              </a:ext>
-            </a:extLst>
-          </p:cNvPr>
-          <p:cNvSpPr>
-            <a:spLocks noGrp="1"/>
-          </p:cNvSpPr>
-          <p:nvPr>
-            <p:ph type="sldNum" sz="quarter" idx="12"/>
-          </p:nvPr>
-        </p:nvSpPr>
-        <p:spPr/>
-        <p:txBody>
-          <a:bodyPr/>
-          <a:lstStyle/>
-          <a:p>
-            <a:fld id="{D57F1E4F-1CFF-5643-939E-217C01CDF565}" type="slidenum">
-              <a:rPr lang="en-US" smtClean="0"/>
-              <a:pPr/>
-              <a:t>15</a:t>
-            </a:fld>
-            <a:endParaRPr lang="en-US"/>
-          </a:p>
-        </p:txBody>
-      </p:sp>
-      <p:sp>
-        <p:nvSpPr>
-          <p:cNvPr id="7" name="Rectangle 6">
-            <a:extLst>
-              <a:ext uri="{FF2B5EF4-FFF2-40B4-BE49-F238E27FC236}">
-                <a16:creationId xmlns:a16="http://schemas.microsoft.com/office/drawing/2014/main" id="{19FB3123-27F7-9F43-E5C6-A1EEAF40A536}"/>
-              </a:ext>
-            </a:extLst>
-          </p:cNvPr>
-          <p:cNvSpPr/>
-          <p:nvPr/>
-        </p:nvSpPr>
-        <p:spPr>
-          <a:xfrm>
-            <a:off x="1484310" y="3215973"/>
-            <a:ext cx="9760864" cy="1523005"/>
-          </a:xfrm>
-          <a:prstGeom prst="rect">
-            <a:avLst/>
-          </a:prstGeom>
-        </p:spPr>
-        <p:style>
-          <a:lnRef idx="2">
-            <a:schemeClr val="dk1">
-              <a:shade val="15000"/>
-            </a:schemeClr>
-          </a:lnRef>
-          <a:fillRef idx="1">
-            <a:schemeClr val="dk1"/>
-          </a:fillRef>
-          <a:effectRef idx="0">
-            <a:schemeClr val="dk1"/>
-          </a:effectRef>
-          <a:fontRef idx="minor">
-            <a:schemeClr val="lt1"/>
-          </a:fontRef>
-        </p:style>
-        <p:txBody>
-          <a:bodyPr rtlCol="0" anchor="t"/>
-          <a:lstStyle/>
-          <a:p>
-            <a:r>
-              <a:rPr lang="en-US" dirty="0">
-                <a:latin typeface="Consolas" panose="020B0609020204030204" pitchFamily="49" charset="0"/>
-              </a:rPr>
-              <a:t>std::map&lt;int, Thing&gt; </a:t>
-            </a:r>
-            <a:r>
-              <a:rPr lang="en-US" dirty="0" err="1">
-                <a:latin typeface="Consolas" panose="020B0609020204030204" pitchFamily="49" charset="0"/>
-              </a:rPr>
-              <a:t>theMap</a:t>
-            </a:r>
-            <a:r>
-              <a:rPr lang="en-US" dirty="0">
-                <a:latin typeface="Consolas" panose="020B0609020204030204" pitchFamily="49" charset="0"/>
-              </a:rPr>
-              <a:t>;</a:t>
-            </a:r>
-            <a:br>
-              <a:rPr lang="en-US" dirty="0">
-                <a:latin typeface="Consolas" panose="020B0609020204030204" pitchFamily="49" charset="0"/>
-              </a:rPr>
-            </a:br>
-            <a:endParaRPr lang="en-US" dirty="0">
-              <a:latin typeface="Consolas" panose="020B0609020204030204" pitchFamily="49" charset="0"/>
-            </a:endParaRPr>
-          </a:p>
-          <a:p>
-            <a:r>
-              <a:rPr lang="en-US" dirty="0">
-                <a:latin typeface="Consolas" panose="020B0609020204030204" pitchFamily="49" charset="0"/>
-              </a:rPr>
-              <a:t>Thing </a:t>
-            </a:r>
-            <a:r>
-              <a:rPr lang="en-US" dirty="0" err="1">
-                <a:latin typeface="Consolas" panose="020B0609020204030204" pitchFamily="49" charset="0"/>
-              </a:rPr>
-              <a:t>emptyThing</a:t>
-            </a:r>
-            <a:r>
-              <a:rPr lang="en-US" dirty="0">
-                <a:latin typeface="Consolas" panose="020B0609020204030204" pitchFamily="49" charset="0"/>
-              </a:rPr>
-              <a:t>;</a:t>
-            </a:r>
-          </a:p>
-          <a:p>
-            <a:r>
-              <a:rPr lang="en-US" dirty="0">
-                <a:latin typeface="Consolas" panose="020B0609020204030204" pitchFamily="49" charset="0"/>
-              </a:rPr>
-              <a:t>Thing&amp; </a:t>
-            </a:r>
-            <a:r>
-              <a:rPr lang="en-US" dirty="0" err="1">
-                <a:latin typeface="Consolas" panose="020B0609020204030204" pitchFamily="49" charset="0"/>
-              </a:rPr>
-              <a:t>tref</a:t>
-            </a:r>
-            <a:r>
-              <a:rPr lang="en-US" dirty="0">
-                <a:latin typeface="Consolas" panose="020B0609020204030204" pitchFamily="49" charset="0"/>
-              </a:rPr>
-              <a:t> = </a:t>
-            </a:r>
-            <a:r>
-              <a:rPr lang="en-US" dirty="0" err="1">
-                <a:latin typeface="Consolas" panose="020B0609020204030204" pitchFamily="49" charset="0"/>
-              </a:rPr>
-              <a:t>theMap.get</a:t>
-            </a:r>
-            <a:r>
-              <a:rPr lang="en-US" dirty="0">
-                <a:latin typeface="Consolas" panose="020B0609020204030204" pitchFamily="49" charset="0"/>
-              </a:rPr>
-              <a:t>(key).</a:t>
-            </a:r>
-            <a:r>
-              <a:rPr lang="en-US" dirty="0" err="1">
-                <a:solidFill>
-                  <a:srgbClr val="FFFF00"/>
-                </a:solidFill>
-                <a:latin typeface="Consolas" panose="020B0609020204030204" pitchFamily="49" charset="0"/>
-              </a:rPr>
-              <a:t>value_or</a:t>
-            </a:r>
-            <a:r>
-              <a:rPr lang="en-US" dirty="0">
-                <a:solidFill>
-                  <a:srgbClr val="FFFF00"/>
-                </a:solidFill>
-                <a:latin typeface="Consolas" panose="020B0609020204030204" pitchFamily="49" charset="0"/>
-              </a:rPr>
-              <a:t>(</a:t>
-            </a:r>
-            <a:r>
-              <a:rPr lang="en-US" dirty="0" err="1">
-                <a:solidFill>
-                  <a:srgbClr val="FFFF00"/>
-                </a:solidFill>
-                <a:latin typeface="Consolas" panose="020B0609020204030204" pitchFamily="49" charset="0"/>
-              </a:rPr>
-              <a:t>emptyThing</a:t>
-            </a:r>
-            <a:r>
-              <a:rPr lang="en-US" dirty="0">
-                <a:solidFill>
-                  <a:srgbClr val="FFFF00"/>
-                </a:solidFill>
-                <a:latin typeface="Consolas" panose="020B0609020204030204" pitchFamily="49" charset="0"/>
-              </a:rPr>
-              <a:t>)</a:t>
-            </a:r>
-            <a:r>
-              <a:rPr lang="en-US" dirty="0">
-                <a:latin typeface="Consolas" panose="020B0609020204030204" pitchFamily="49" charset="0"/>
-              </a:rPr>
-              <a:t>;</a:t>
-            </a:r>
-          </a:p>
-          <a:p>
-            <a:r>
-              <a:rPr lang="en-US" dirty="0">
-                <a:latin typeface="Consolas" panose="020B0609020204030204" pitchFamily="49" charset="0"/>
-              </a:rPr>
-              <a:t>Thing  </a:t>
-            </a:r>
-            <a:r>
-              <a:rPr lang="en-US" dirty="0" err="1">
-                <a:latin typeface="Consolas" panose="020B0609020204030204" pitchFamily="49" charset="0"/>
-              </a:rPr>
-              <a:t>tval</a:t>
-            </a:r>
-            <a:r>
-              <a:rPr lang="en-US" dirty="0">
-                <a:latin typeface="Consolas" panose="020B0609020204030204" pitchFamily="49" charset="0"/>
-              </a:rPr>
-              <a:t> = </a:t>
-            </a:r>
-            <a:r>
-              <a:rPr lang="en-US" dirty="0" err="1">
-                <a:latin typeface="Consolas" panose="020B0609020204030204" pitchFamily="49" charset="0"/>
-              </a:rPr>
-              <a:t>theMap.get</a:t>
-            </a:r>
-            <a:r>
-              <a:rPr lang="en-US" dirty="0">
-                <a:latin typeface="Consolas" panose="020B0609020204030204" pitchFamily="49" charset="0"/>
-              </a:rPr>
-              <a:t>(key).</a:t>
-            </a:r>
-            <a:r>
-              <a:rPr lang="en-US" dirty="0" err="1">
-                <a:solidFill>
-                  <a:srgbClr val="FFFF00"/>
-                </a:solidFill>
-                <a:latin typeface="Consolas" panose="020B0609020204030204" pitchFamily="49" charset="0"/>
-              </a:rPr>
-              <a:t>value_or_construct</a:t>
-            </a:r>
-            <a:r>
-              <a:rPr lang="en-US" dirty="0">
-                <a:solidFill>
-                  <a:srgbClr val="FFFF00"/>
-                </a:solidFill>
-                <a:latin typeface="Consolas" panose="020B0609020204030204" pitchFamily="49" charset="0"/>
-              </a:rPr>
-              <a:t>(</a:t>
-            </a:r>
-            <a:r>
-              <a:rPr lang="en-US" dirty="0" err="1">
-                <a:solidFill>
-                  <a:srgbClr val="FFFF00"/>
-                </a:solidFill>
-                <a:latin typeface="Consolas" panose="020B0609020204030204" pitchFamily="49" charset="0"/>
-              </a:rPr>
-              <a:t>emptyThing</a:t>
-            </a:r>
-            <a:r>
-              <a:rPr lang="en-US" dirty="0">
-                <a:solidFill>
-                  <a:srgbClr val="FFFF00"/>
-                </a:solidFill>
-                <a:latin typeface="Consolas" panose="020B0609020204030204" pitchFamily="49" charset="0"/>
-              </a:rPr>
-              <a:t>)</a:t>
-            </a:r>
-            <a:r>
-              <a:rPr lang="en-US" dirty="0">
-                <a:latin typeface="Consolas" panose="020B0609020204030204" pitchFamily="49" charset="0"/>
-              </a:rPr>
-              <a:t>;</a:t>
-            </a:r>
-          </a:p>
-          <a:p>
-            <a:endParaRPr lang="en-US" dirty="0">
-              <a:latin typeface="Consolas" panose="020B0609020204030204" pitchFamily="49" charset="0"/>
-            </a:endParaRPr>
-          </a:p>
-        </p:txBody>
-      </p:sp>
-      <p:sp>
-        <p:nvSpPr>
-          <p:cNvPr id="8" name="Speech Bubble: Rectangle with Corners Rounded 7">
-            <a:extLst>
-              <a:ext uri="{FF2B5EF4-FFF2-40B4-BE49-F238E27FC236}">
-                <a16:creationId xmlns:a16="http://schemas.microsoft.com/office/drawing/2014/main" id="{C90421E6-AFFE-FE3F-F9F3-FA3D05053FE6}"/>
-              </a:ext>
-            </a:extLst>
-          </p:cNvPr>
-          <p:cNvSpPr/>
-          <p:nvPr/>
-        </p:nvSpPr>
-        <p:spPr>
-          <a:xfrm>
-            <a:off x="5067187" y="3625767"/>
-            <a:ext cx="3208436" cy="426720"/>
-          </a:xfrm>
-          <a:prstGeom prst="wedgeRoundRectCallout">
-            <a:avLst>
-              <a:gd name="adj1" fmla="val -71868"/>
-              <a:gd name="adj2" fmla="val 63121"/>
-              <a:gd name="adj3" fmla="val 16667"/>
-            </a:avLst>
-          </a:prstGeom>
-          <a:solidFill>
-            <a:srgbClr val="0070C0"/>
-          </a:solidFill>
-          <a:ln>
-            <a:solidFill>
-              <a:srgbClr val="FFFF00"/>
-            </a:solidFill>
-          </a:ln>
-        </p:spPr>
-        <p:style>
-          <a:lnRef idx="2">
-            <a:schemeClr val="accent1">
-              <a:shade val="15000"/>
-            </a:schemeClr>
-          </a:lnRef>
-          <a:fillRef idx="1">
-            <a:schemeClr val="accent1"/>
-          </a:fillRef>
-          <a:effectRef idx="0">
-            <a:schemeClr val="accent1"/>
-          </a:effectRef>
-          <a:fontRef idx="minor">
-            <a:schemeClr val="lt1"/>
-          </a:fontRef>
-        </p:style>
-        <p:txBody>
-          <a:bodyPr rtlCol="0" anchor="ctr"/>
-          <a:lstStyle/>
-          <a:p>
-            <a:pPr algn="ctr"/>
-            <a:r>
-              <a:rPr lang="en-US" dirty="0"/>
-              <a:t>Returns </a:t>
-            </a:r>
-            <a:r>
-              <a:rPr lang="en-US" dirty="0">
-                <a:latin typeface="Courier New" panose="02070309020205020404" pitchFamily="49" charset="0"/>
-                <a:cs typeface="Courier New" panose="02070309020205020404" pitchFamily="49" charset="0"/>
-              </a:rPr>
-              <a:t>optional&lt;Thing&amp;&gt;</a:t>
-            </a:r>
-          </a:p>
-        </p:txBody>
-      </p:sp>
-      <p:sp>
-        <p:nvSpPr>
-          <p:cNvPr id="9" name="Rectangle 8">
-            <a:extLst>
-              <a:ext uri="{FF2B5EF4-FFF2-40B4-BE49-F238E27FC236}">
-                <a16:creationId xmlns:a16="http://schemas.microsoft.com/office/drawing/2014/main" id="{17ED44D9-D45B-7BE8-996E-9EDC1BD336BE}"/>
-              </a:ext>
-            </a:extLst>
-          </p:cNvPr>
-          <p:cNvSpPr/>
-          <p:nvPr/>
-        </p:nvSpPr>
-        <p:spPr>
-          <a:xfrm>
-            <a:off x="1466575" y="5402874"/>
-            <a:ext cx="9760864" cy="765386"/>
-          </a:xfrm>
-          <a:prstGeom prst="rect">
-            <a:avLst/>
-          </a:prstGeom>
-        </p:spPr>
-        <p:style>
-          <a:lnRef idx="2">
-            <a:schemeClr val="dk1">
-              <a:shade val="15000"/>
-            </a:schemeClr>
-          </a:lnRef>
-          <a:fillRef idx="1">
-            <a:schemeClr val="dk1"/>
-          </a:fillRef>
-          <a:effectRef idx="0">
-            <a:schemeClr val="dk1"/>
-          </a:effectRef>
-          <a:fontRef idx="minor">
-            <a:schemeClr val="lt1"/>
-          </a:fontRef>
-        </p:style>
-        <p:txBody>
-          <a:bodyPr rtlCol="0" anchor="t"/>
-          <a:lstStyle/>
-          <a:p>
-            <a:r>
-              <a:rPr lang="en-US" dirty="0">
-                <a:latin typeface="Consolas" panose="020B0609020204030204" pitchFamily="49" charset="0"/>
-              </a:rPr>
-              <a:t>T optional&lt;T&gt;::</a:t>
-            </a:r>
-            <a:r>
-              <a:rPr lang="en-US" dirty="0" err="1">
-                <a:latin typeface="Consolas" panose="020B0609020204030204" pitchFamily="49" charset="0"/>
-              </a:rPr>
-              <a:t>value_or_construct</a:t>
-            </a:r>
-            <a:r>
-              <a:rPr lang="en-US" dirty="0">
-                <a:latin typeface="Consolas" panose="020B0609020204030204" pitchFamily="49" charset="0"/>
-              </a:rPr>
-              <a:t>(</a:t>
-            </a:r>
-            <a:r>
-              <a:rPr lang="en-US" dirty="0" err="1">
-                <a:solidFill>
-                  <a:srgbClr val="FFFF00"/>
-                </a:solidFill>
-                <a:latin typeface="Consolas" panose="020B0609020204030204" pitchFamily="49" charset="0"/>
-              </a:rPr>
-              <a:t>Args</a:t>
-            </a:r>
-            <a:r>
-              <a:rPr lang="en-US" dirty="0">
-                <a:solidFill>
-                  <a:srgbClr val="FFFF00"/>
-                </a:solidFill>
-                <a:latin typeface="Consolas" panose="020B0609020204030204" pitchFamily="49" charset="0"/>
-              </a:rPr>
-              <a:t>&amp;&amp;... </a:t>
-            </a:r>
-            <a:r>
-              <a:rPr lang="en-US" dirty="0" err="1">
-                <a:solidFill>
-                  <a:srgbClr val="FFFF00"/>
-                </a:solidFill>
-                <a:latin typeface="Consolas" panose="020B0609020204030204" pitchFamily="49" charset="0"/>
-              </a:rPr>
-              <a:t>ctorArgs</a:t>
-            </a:r>
-            <a:r>
-              <a:rPr lang="en-US" dirty="0">
-                <a:latin typeface="Consolas" panose="020B0609020204030204" pitchFamily="49" charset="0"/>
-              </a:rPr>
-              <a:t>);</a:t>
-            </a:r>
-          </a:p>
-          <a:p>
-            <a:r>
-              <a:rPr lang="en-US" dirty="0">
-                <a:latin typeface="Consolas" panose="020B0609020204030204" pitchFamily="49" charset="0"/>
-              </a:rPr>
-              <a:t>Thing&amp; </a:t>
-            </a:r>
-            <a:r>
-              <a:rPr lang="en-US" dirty="0" err="1">
-                <a:latin typeface="Consolas" panose="020B0609020204030204" pitchFamily="49" charset="0"/>
-              </a:rPr>
-              <a:t>tref</a:t>
-            </a:r>
-            <a:r>
-              <a:rPr lang="en-US" dirty="0">
-                <a:latin typeface="Consolas" panose="020B0609020204030204" pitchFamily="49" charset="0"/>
-              </a:rPr>
-              <a:t> = </a:t>
-            </a:r>
-            <a:r>
-              <a:rPr lang="en-US" dirty="0" err="1">
-                <a:latin typeface="Consolas" panose="020B0609020204030204" pitchFamily="49" charset="0"/>
-              </a:rPr>
-              <a:t>theMap.get</a:t>
-            </a:r>
-            <a:r>
-              <a:rPr lang="en-US" dirty="0">
-                <a:latin typeface="Consolas" panose="020B0609020204030204" pitchFamily="49" charset="0"/>
-              </a:rPr>
-              <a:t>(key).</a:t>
-            </a:r>
-            <a:r>
-              <a:rPr lang="en-US" dirty="0" err="1">
-                <a:solidFill>
-                  <a:srgbClr val="FFFF00"/>
-                </a:solidFill>
-                <a:latin typeface="Consolas" panose="020B0609020204030204" pitchFamily="49" charset="0"/>
-              </a:rPr>
-              <a:t>ref_or</a:t>
-            </a:r>
-            <a:r>
-              <a:rPr lang="en-US" dirty="0">
-                <a:solidFill>
-                  <a:srgbClr val="FFFF00"/>
-                </a:solidFill>
-                <a:latin typeface="Consolas" panose="020B0609020204030204" pitchFamily="49" charset="0"/>
-              </a:rPr>
-              <a:t>(</a:t>
-            </a:r>
-            <a:r>
-              <a:rPr lang="en-US" dirty="0" err="1">
-                <a:solidFill>
-                  <a:srgbClr val="FFFF00"/>
-                </a:solidFill>
-                <a:latin typeface="Consolas" panose="020B0609020204030204" pitchFamily="49" charset="0"/>
-              </a:rPr>
-              <a:t>emptyThing</a:t>
-            </a:r>
-            <a:r>
-              <a:rPr lang="en-US" dirty="0">
-                <a:solidFill>
-                  <a:srgbClr val="FFFF00"/>
-                </a:solidFill>
-                <a:latin typeface="Consolas" panose="020B0609020204030204" pitchFamily="49" charset="0"/>
-              </a:rPr>
-              <a:t>)</a:t>
-            </a:r>
-            <a:r>
-              <a:rPr lang="en-US" dirty="0">
-                <a:latin typeface="Consolas" panose="020B0609020204030204" pitchFamily="49" charset="0"/>
-              </a:rPr>
-              <a:t>;</a:t>
-            </a:r>
-          </a:p>
-        </p:txBody>
-      </p:sp>
-      <p:sp>
-        <p:nvSpPr>
-          <p:cNvPr id="11" name="Speech Bubble: Rectangle with Corners Rounded 10">
-            <a:extLst>
-              <a:ext uri="{FF2B5EF4-FFF2-40B4-BE49-F238E27FC236}">
-                <a16:creationId xmlns:a16="http://schemas.microsoft.com/office/drawing/2014/main" id="{3EC10FA9-D389-1176-7FCD-67485774CBF3}"/>
-              </a:ext>
-            </a:extLst>
-          </p:cNvPr>
-          <p:cNvSpPr/>
-          <p:nvPr/>
-        </p:nvSpPr>
-        <p:spPr>
-          <a:xfrm>
-            <a:off x="8424667" y="3806031"/>
-            <a:ext cx="1919980" cy="426720"/>
-          </a:xfrm>
-          <a:prstGeom prst="wedgeRoundRectCallout">
-            <a:avLst>
-              <a:gd name="adj1" fmla="val -68203"/>
-              <a:gd name="adj2" fmla="val 46351"/>
-              <a:gd name="adj3" fmla="val 16667"/>
-            </a:avLst>
-          </a:prstGeom>
-          <a:solidFill>
-            <a:srgbClr val="0070C0"/>
-          </a:solidFill>
-          <a:ln>
-            <a:solidFill>
-              <a:srgbClr val="FFFF00"/>
-            </a:solidFill>
-          </a:ln>
-        </p:spPr>
-        <p:style>
-          <a:lnRef idx="2">
-            <a:schemeClr val="accent1">
-              <a:shade val="15000"/>
-            </a:schemeClr>
-          </a:lnRef>
-          <a:fillRef idx="1">
-            <a:schemeClr val="accent1"/>
-          </a:fillRef>
-          <a:effectRef idx="0">
-            <a:schemeClr val="accent1"/>
-          </a:effectRef>
-          <a:fontRef idx="minor">
-            <a:schemeClr val="lt1"/>
-          </a:fontRef>
-        </p:style>
-        <p:txBody>
-          <a:bodyPr rtlCol="0" anchor="ctr"/>
-          <a:lstStyle/>
-          <a:p>
-            <a:pPr algn="ctr"/>
-            <a:r>
-              <a:rPr lang="en-US" dirty="0"/>
-              <a:t>Returns </a:t>
-            </a:r>
-            <a:r>
-              <a:rPr lang="en-US" dirty="0">
-                <a:latin typeface="Courier New" panose="02070309020205020404" pitchFamily="49" charset="0"/>
-                <a:cs typeface="Courier New" panose="02070309020205020404" pitchFamily="49" charset="0"/>
-              </a:rPr>
-              <a:t>Thing&amp;</a:t>
-            </a:r>
-          </a:p>
-        </p:txBody>
-      </p:sp>
-      <p:sp>
-        <p:nvSpPr>
-          <p:cNvPr id="14" name="Speech Bubble: Rectangle with Corners Rounded 13">
-            <a:extLst>
-              <a:ext uri="{FF2B5EF4-FFF2-40B4-BE49-F238E27FC236}">
-                <a16:creationId xmlns:a16="http://schemas.microsoft.com/office/drawing/2014/main" id="{05622AE6-491C-29FA-E368-1A52DB09DE27}"/>
-              </a:ext>
-            </a:extLst>
-          </p:cNvPr>
-          <p:cNvSpPr/>
-          <p:nvPr/>
-        </p:nvSpPr>
-        <p:spPr>
-          <a:xfrm>
-            <a:off x="9601764" y="4253273"/>
-            <a:ext cx="1712941" cy="426720"/>
-          </a:xfrm>
-          <a:prstGeom prst="wedgeRoundRectCallout">
-            <a:avLst>
-              <a:gd name="adj1" fmla="val -68692"/>
-              <a:gd name="adj2" fmla="val 23991"/>
-              <a:gd name="adj3" fmla="val 16667"/>
-            </a:avLst>
-          </a:prstGeom>
-          <a:solidFill>
-            <a:srgbClr val="0070C0"/>
-          </a:solidFill>
-          <a:ln>
-            <a:solidFill>
-              <a:srgbClr val="FFFF00"/>
-            </a:solidFill>
-          </a:ln>
-        </p:spPr>
-        <p:style>
-          <a:lnRef idx="2">
-            <a:schemeClr val="accent1">
-              <a:shade val="15000"/>
-            </a:schemeClr>
-          </a:lnRef>
-          <a:fillRef idx="1">
-            <a:schemeClr val="accent1"/>
-          </a:fillRef>
-          <a:effectRef idx="0">
-            <a:schemeClr val="accent1"/>
-          </a:effectRef>
-          <a:fontRef idx="minor">
-            <a:schemeClr val="lt1"/>
-          </a:fontRef>
-        </p:style>
-        <p:txBody>
-          <a:bodyPr rtlCol="0" anchor="ctr"/>
-          <a:lstStyle/>
-          <a:p>
-            <a:pPr algn="ctr"/>
-            <a:r>
-              <a:rPr lang="en-US" dirty="0"/>
-              <a:t>Returns </a:t>
-            </a:r>
-            <a:r>
-              <a:rPr lang="en-US" dirty="0">
-                <a:latin typeface="Courier New" panose="02070309020205020404" pitchFamily="49" charset="0"/>
-                <a:cs typeface="Courier New" panose="02070309020205020404" pitchFamily="49" charset="0"/>
-              </a:rPr>
-              <a:t>Thing</a:t>
-            </a:r>
-          </a:p>
-        </p:txBody>
-      </p:sp>
-    </p:spTree>
-    <p:extLst>
-      <p:ext uri="{BB962C8B-B14F-4D97-AF65-F5344CB8AC3E}">
-        <p14:creationId xmlns:p14="http://schemas.microsoft.com/office/powerpoint/2010/main" val="204935076"/>
-      </p:ext>
-    </p:extLst>
-  </p:cSld>
-  <p:clrMapOvr>
-    <a:masterClrMapping/>
-  </p:clrMapOvr>
-  <p:timing>
-    <p:tnLst>
-      <p:par>
-        <p:cTn id="1" dur="indefinite" restart="never" nodeType="tmRoot">
-          <p:childTnLst>
-            <p:seq concurrent="1" nextAc="seek">
-              <p:cTn id="2" dur="indefinite" nodeType="mainSeq">
-                <p:childTnLst>
-                  <p:par>
-                    <p:cTn id="3" fill="hold">
-                      <p:stCondLst>
-                        <p:cond delay="indefinite"/>
-                      </p:stCondLst>
-                      <p:childTnLst>
-                        <p:par>
-                          <p:cTn id="4" fill="hold">
-                            <p:stCondLst>
-                              <p:cond delay="0"/>
-                            </p:stCondLst>
-                            <p:childTnLst>
-                              <p:par>
-                                <p:cTn id="5" presetID="1" presetClass="entr" presetSubtype="0" fill="hold" grpId="0" nodeType="clickEffect">
-                                  <p:stCondLst>
-                                    <p:cond delay="0"/>
-                                  </p:stCondLst>
-                                  <p:childTnLst>
-                                    <p:set>
-                                      <p:cBhvr>
-                                        <p:cTn id="6" dur="1" fill="hold">
-                                          <p:stCondLst>
-                                            <p:cond delay="0"/>
-                                          </p:stCondLst>
-                                        </p:cTn>
-                                        <p:tgtEl>
-                                          <p:spTgt spid="3">
-                                            <p:txEl>
-                                              <p:pRg st="1" end="1"/>
-                                            </p:txEl>
-                                          </p:spTgt>
-                                        </p:tgtEl>
-                                        <p:attrNameLst>
-                                          <p:attrName>style.visibility</p:attrName>
-                                        </p:attrNameLst>
-                                      </p:cBhvr>
-                                      <p:to>
-                                        <p:strVal val="visible"/>
-                                      </p:to>
-                                    </p:set>
-                                  </p:childTnLst>
-                                </p:cTn>
-                              </p:par>
-                            </p:childTnLst>
-                          </p:cTn>
-                        </p:par>
-                      </p:childTnLst>
-                    </p:cTn>
-                  </p:par>
-                  <p:par>
-                    <p:cTn id="7" fill="hold">
-                      <p:stCondLst>
-                        <p:cond delay="indefinite"/>
-                      </p:stCondLst>
-                      <p:childTnLst>
-                        <p:par>
-                          <p:cTn id="8" fill="hold">
-                            <p:stCondLst>
-                              <p:cond delay="0"/>
-                            </p:stCondLst>
-                            <p:childTnLst>
-                              <p:par>
-                                <p:cTn id="9" presetID="1" presetClass="entr" presetSubtype="0" fill="hold" grpId="0" nodeType="clickEffect">
-                                  <p:stCondLst>
-                                    <p:cond delay="0"/>
-                                  </p:stCondLst>
-                                  <p:childTnLst>
-                                    <p:set>
-                                      <p:cBhvr>
-                                        <p:cTn id="10" dur="1" fill="hold">
-                                          <p:stCondLst>
-                                            <p:cond delay="0"/>
-                                          </p:stCondLst>
-                                        </p:cTn>
-                                        <p:tgtEl>
-                                          <p:spTgt spid="3">
-                                            <p:txEl>
-                                              <p:pRg st="2" end="2"/>
-                                            </p:txEl>
-                                          </p:spTgt>
-                                        </p:tgtEl>
-                                        <p:attrNameLst>
-                                          <p:attrName>style.visibility</p:attrName>
-                                        </p:attrNameLst>
-                                      </p:cBhvr>
-                                      <p:to>
-                                        <p:strVal val="visible"/>
-                                      </p:to>
-                                    </p:set>
-                                  </p:childTnLst>
-                                </p:cTn>
-                              </p:par>
-                              <p:par>
-                                <p:cTn id="11" presetID="1" presetClass="entr" presetSubtype="0" fill="hold" grpId="0" nodeType="withEffect">
-                                  <p:stCondLst>
-                                    <p:cond delay="0"/>
-                                  </p:stCondLst>
-                                  <p:childTnLst>
-                                    <p:set>
-                                      <p:cBhvr>
-                                        <p:cTn id="12" dur="1" fill="hold">
-                                          <p:stCondLst>
-                                            <p:cond delay="0"/>
-                                          </p:stCondLst>
-                                        </p:cTn>
-                                        <p:tgtEl>
-                                          <p:spTgt spid="8"/>
-                                        </p:tgtEl>
-                                        <p:attrNameLst>
-                                          <p:attrName>style.visibility</p:attrName>
-                                        </p:attrNameLst>
-                                      </p:cBhvr>
-                                      <p:to>
-                                        <p:strVal val="visible"/>
-                                      </p:to>
-                                    </p:set>
-                                  </p:childTnLst>
-                                </p:cTn>
-                              </p:par>
-                              <p:par>
-                                <p:cTn id="13" presetID="1" presetClass="entr" presetSubtype="0" fill="hold" grpId="0" nodeType="withEffect">
-                                  <p:stCondLst>
-                                    <p:cond delay="0"/>
-                                  </p:stCondLst>
-                                  <p:childTnLst>
-                                    <p:set>
-                                      <p:cBhvr>
-                                        <p:cTn id="14" dur="1" fill="hold">
-                                          <p:stCondLst>
-                                            <p:cond delay="0"/>
-                                          </p:stCondLst>
-                                        </p:cTn>
-                                        <p:tgtEl>
-                                          <p:spTgt spid="11"/>
-                                        </p:tgtEl>
-                                        <p:attrNameLst>
-                                          <p:attrName>style.visibility</p:attrName>
-                                        </p:attrNameLst>
-                                      </p:cBhvr>
-                                      <p:to>
-                                        <p:strVal val="visible"/>
-                                      </p:to>
-                                    </p:set>
-                                  </p:childTnLst>
-                                </p:cTn>
-                              </p:par>
-                              <p:par>
-                                <p:cTn id="15" presetID="1" presetClass="entr" presetSubtype="0" fill="hold" grpId="0" nodeType="withEffect">
-                                  <p:stCondLst>
-                                    <p:cond delay="0"/>
-                                  </p:stCondLst>
-                                  <p:childTnLst>
-                                    <p:set>
-                                      <p:cBhvr>
-                                        <p:cTn id="16" dur="1" fill="hold">
-                                          <p:stCondLst>
-                                            <p:cond delay="0"/>
-                                          </p:stCondLst>
-                                        </p:cTn>
-                                        <p:tgtEl>
-                                          <p:spTgt spid="14"/>
-                                        </p:tgtEl>
-                                        <p:attrNameLst>
-                                          <p:attrName>style.visibility</p:attrName>
-                                        </p:attrNameLst>
-                                      </p:cBhvr>
-                                      <p:to>
-                                        <p:strVal val="visible"/>
-                                      </p:to>
-                                    </p:set>
-                                  </p:childTnLst>
-                                </p:cTn>
-                              </p:par>
-                              <p:par>
-                                <p:cTn id="17" presetID="1" presetClass="entr" presetSubtype="0" fill="hold" grpId="0" nodeType="withEffect">
-                                  <p:stCondLst>
-                                    <p:cond delay="0"/>
-                                  </p:stCondLst>
-                                  <p:childTnLst>
-                                    <p:set>
-                                      <p:cBhvr>
-                                        <p:cTn id="18" dur="1" fill="hold">
-                                          <p:stCondLst>
-                                            <p:cond delay="0"/>
-                                          </p:stCondLst>
-                                        </p:cTn>
-                                        <p:tgtEl>
-                                          <p:spTgt spid="7"/>
-                                        </p:tgtEl>
-                                        <p:attrNameLst>
-                                          <p:attrName>style.visibility</p:attrName>
-                                        </p:attrNameLst>
-                                      </p:cBhvr>
-                                      <p:to>
-                                        <p:strVal val="visible"/>
-                                      </p:to>
-                                    </p:set>
-                                  </p:childTnLst>
-                                </p:cTn>
-                              </p:par>
-                            </p:childTnLst>
-                          </p:cTn>
-                        </p:par>
-                      </p:childTnLst>
-                    </p:cTn>
-                  </p:par>
-                  <p:par>
-                    <p:cTn id="19" fill="hold">
-                      <p:stCondLst>
-                        <p:cond delay="indefinite"/>
-                      </p:stCondLst>
-                      <p:childTnLst>
-                        <p:par>
-                          <p:cTn id="20" fill="hold">
-                            <p:stCondLst>
-                              <p:cond delay="0"/>
-                            </p:stCondLst>
-                            <p:childTnLst>
-                              <p:par>
-                                <p:cTn id="21" presetID="1" presetClass="entr" presetSubtype="0" fill="hold" grpId="0" nodeType="clickEffect">
-                                  <p:stCondLst>
-                                    <p:cond delay="0"/>
-                                  </p:stCondLst>
-                                  <p:childTnLst>
-                                    <p:set>
-                                      <p:cBhvr>
-                                        <p:cTn id="22" dur="1" fill="hold">
-                                          <p:stCondLst>
-                                            <p:cond delay="0"/>
-                                          </p:stCondLst>
-                                        </p:cTn>
-                                        <p:tgtEl>
-                                          <p:spTgt spid="3">
-                                            <p:txEl>
-                                              <p:pRg st="7" end="7"/>
-                                            </p:txEl>
-                                          </p:spTgt>
-                                        </p:tgtEl>
-                                        <p:attrNameLst>
-                                          <p:attrName>style.visibility</p:attrName>
-                                        </p:attrNameLst>
-                                      </p:cBhvr>
-                                      <p:to>
-                                        <p:strVal val="visible"/>
-                                      </p:to>
-                                    </p:set>
-                                  </p:childTnLst>
-                                </p:cTn>
-                              </p:par>
-                              <p:par>
-                                <p:cTn id="23" presetID="1" presetClass="entr" presetSubtype="0" fill="hold" grpId="0" nodeType="withEffect">
-                                  <p:stCondLst>
-                                    <p:cond delay="0"/>
-                                  </p:stCondLst>
-                                  <p:childTnLst>
-                                    <p:set>
-                                      <p:cBhvr>
-                                        <p:cTn id="24" dur="1" fill="hold">
-                                          <p:stCondLst>
-                                            <p:cond delay="0"/>
-                                          </p:stCondLst>
-                                        </p:cTn>
-                                        <p:tgtEl>
-                                          <p:spTgt spid="9"/>
-                                        </p:tgtEl>
-                                        <p:attrNameLst>
-                                          <p:attrName>style.visibility</p:attrName>
-                                        </p:attrNameLst>
-                                      </p:cBhvr>
-                                      <p:to>
-                                        <p:strVal val="visible"/>
-                                      </p:to>
-                                    </p:set>
-                                  </p:childTnLst>
-                                </p:cTn>
-                              </p:par>
-                            </p:childTnLst>
-                          </p:cTn>
-                        </p:par>
-                      </p:childTnLst>
-                    </p:cTn>
-                  </p:par>
-                </p:childTnLst>
-              </p:cTn>
-              <p:prevCondLst>
-                <p:cond evt="onPrev" delay="0">
-                  <p:tgtEl>
-                    <p:sldTgt/>
-                  </p:tgtEl>
-                </p:cond>
-              </p:prevCondLst>
-              <p:nextCondLst>
-                <p:cond evt="onNext" delay="0">
-                  <p:tgtEl>
-                    <p:sldTgt/>
-                  </p:tgtEl>
-                </p:cond>
-              </p:nextCondLst>
-            </p:seq>
-          </p:childTnLst>
-        </p:cTn>
-      </p:par>
-    </p:tnLst>
-    <p:bldLst>
-      <p:bldP spid="3" grpId="0" uiExpand="1" build="p"/>
-      <p:bldP spid="7" grpId="0" animBg="1"/>
-      <p:bldP spid="8" grpId="0" animBg="1"/>
-      <p:bldP spid="9" grpId="0" animBg="1"/>
-      <p:bldP spid="11" grpId="0" animBg="1"/>
-      <p:bldP spid="14" grpId="0" animBg="1"/>
-    </p:bldLst>
-  </p:timing>
-</p:sld>
-</file>
-
-<file path=ppt/slides/slide16.xml><?xml version="1.0" encoding="utf-8"?>
-<p:sld xmlns:a="http://schemas.openxmlformats.org/drawingml/2006/main" xmlns:r="http://schemas.openxmlformats.org/officeDocument/2006/relationships" xmlns:p="http://schemas.openxmlformats.org/presentationml/2006/main">
-  <p:cSld>
-    <p:spTree>
-      <p:nvGrpSpPr>
-        <p:cNvPr id="1" name=""/>
-        <p:cNvGrpSpPr/>
-        <p:nvPr/>
-      </p:nvGrpSpPr>
-      <p:grpSpPr>
-        <a:xfrm>
-          <a:off x="0" y="0"/>
-          <a:ext cx="0" cy="0"/>
-          <a:chOff x="0" y="0"/>
-          <a:chExt cx="0" cy="0"/>
-        </a:xfrm>
-      </p:grpSpPr>
-      <p:sp>
-        <p:nvSpPr>
-          <p:cNvPr id="2" name="Title 1">
-            <a:extLst>
-              <a:ext uri="{FF2B5EF4-FFF2-40B4-BE49-F238E27FC236}">
-                <a16:creationId xmlns:a16="http://schemas.microsoft.com/office/drawing/2014/main" id="{556A5DCB-08A3-01DD-F37A-18F05CBB23C5}"/>
-              </a:ext>
-            </a:extLst>
-          </p:cNvPr>
-          <p:cNvSpPr>
-            <a:spLocks noGrp="1"/>
-          </p:cNvSpPr>
-          <p:nvPr>
-            <p:ph type="title"/>
-          </p:nvPr>
-        </p:nvSpPr>
-        <p:spPr/>
-        <p:txBody>
-          <a:bodyPr>
-            <a:normAutofit/>
-          </a:bodyPr>
-          <a:lstStyle/>
-          <a:p>
-            <a:r>
-              <a:rPr lang="en-US" dirty="0"/>
-              <a:t>Shortcomings of using </a:t>
-            </a:r>
-            <a:r>
-              <a:rPr lang="en-US" dirty="0">
-                <a:latin typeface="Courier New" panose="02070309020205020404" pitchFamily="49" charset="0"/>
-                <a:cs typeface="Courier New" panose="02070309020205020404" pitchFamily="49" charset="0"/>
-              </a:rPr>
-              <a:t>optional&lt;T&gt;</a:t>
-            </a:r>
-            <a:br>
-              <a:rPr lang="en-US" dirty="0">
-                <a:cs typeface="Courier New" panose="02070309020205020404" pitchFamily="49" charset="0"/>
-              </a:rPr>
-            </a:br>
-            <a:r>
-              <a:rPr lang="en-US" sz="2800" dirty="0">
-                <a:cs typeface="Courier New" panose="02070309020205020404" pitchFamily="49" charset="0"/>
-              </a:rPr>
-              <a:t>No equivalent to </a:t>
-            </a:r>
-            <a:r>
-              <a:rPr lang="en-US" sz="2800" dirty="0" err="1">
-                <a:latin typeface="Courier New" panose="02070309020205020404" pitchFamily="49" charset="0"/>
-                <a:cs typeface="Courier New" panose="02070309020205020404" pitchFamily="49" charset="0"/>
-              </a:rPr>
-              <a:t>get_as</a:t>
-            </a:r>
-            <a:endParaRPr lang="en-US" dirty="0">
-              <a:latin typeface="Courier New" panose="02070309020205020404" pitchFamily="49" charset="0"/>
-              <a:cs typeface="Courier New" panose="02070309020205020404" pitchFamily="49" charset="0"/>
-            </a:endParaRPr>
-          </a:p>
-        </p:txBody>
-      </p:sp>
-      <p:sp>
-        <p:nvSpPr>
-          <p:cNvPr id="3" name="Content Placeholder 2">
-            <a:extLst>
-              <a:ext uri="{FF2B5EF4-FFF2-40B4-BE49-F238E27FC236}">
-                <a16:creationId xmlns:a16="http://schemas.microsoft.com/office/drawing/2014/main" id="{A650851F-6D73-0EC6-8339-D73C9079978C}"/>
-              </a:ext>
-            </a:extLst>
-          </p:cNvPr>
-          <p:cNvSpPr>
-            <a:spLocks noGrp="1"/>
-          </p:cNvSpPr>
-          <p:nvPr>
-            <p:ph idx="1"/>
-          </p:nvPr>
-        </p:nvSpPr>
-        <p:spPr/>
-        <p:txBody>
-          <a:bodyPr>
-            <a:normAutofit/>
-          </a:bodyPr>
-          <a:lstStyle/>
-          <a:p>
-            <a:r>
-              <a:rPr lang="en-US" dirty="0">
-                <a:latin typeface="Courier New" panose="02070309020205020404" pitchFamily="49" charset="0"/>
-                <a:cs typeface="Courier New" panose="02070309020205020404" pitchFamily="49" charset="0"/>
-              </a:rPr>
-              <a:t>optional&lt;T&amp;&gt;</a:t>
-            </a:r>
-            <a:r>
-              <a:rPr lang="en-US" dirty="0"/>
-              <a:t> does not have an observer that returns a type other than </a:t>
-            </a:r>
-            <a:r>
-              <a:rPr lang="en-US" dirty="0">
-                <a:latin typeface="Courier New" panose="02070309020205020404" pitchFamily="49" charset="0"/>
-                <a:cs typeface="Courier New" panose="02070309020205020404" pitchFamily="49" charset="0"/>
-              </a:rPr>
-              <a:t>T</a:t>
-            </a:r>
-            <a:r>
-              <a:rPr lang="en-US" dirty="0"/>
-              <a:t>.</a:t>
-            </a:r>
-          </a:p>
-          <a:p>
-            <a:r>
-              <a:rPr lang="en-US" dirty="0"/>
-              <a:t>Possible fix: add </a:t>
-            </a:r>
-            <a:r>
-              <a:rPr lang="en-US" dirty="0" err="1">
-                <a:latin typeface="Courier New" panose="02070309020205020404" pitchFamily="49" charset="0"/>
-                <a:cs typeface="Courier New" panose="02070309020205020404" pitchFamily="49" charset="0"/>
-              </a:rPr>
-              <a:t>value_or_make</a:t>
-            </a:r>
-            <a:r>
-              <a:rPr lang="en-US" dirty="0"/>
-              <a:t> member to </a:t>
-            </a:r>
-            <a:r>
-              <a:rPr lang="en-US" dirty="0">
-                <a:latin typeface="Courier New" panose="02070309020205020404" pitchFamily="49" charset="0"/>
-                <a:cs typeface="Courier New" panose="02070309020205020404" pitchFamily="49" charset="0"/>
-              </a:rPr>
-              <a:t>optional</a:t>
-            </a:r>
-            <a:r>
-              <a:rPr lang="en-US" dirty="0"/>
-              <a:t>:</a:t>
-            </a:r>
-          </a:p>
-          <a:p>
-            <a:endParaRPr lang="en-US" dirty="0"/>
-          </a:p>
-          <a:p>
-            <a:endParaRPr lang="en-US" dirty="0"/>
-          </a:p>
-          <a:p>
-            <a:endParaRPr lang="en-US" dirty="0"/>
-          </a:p>
-          <a:p>
-            <a:endParaRPr lang="en-US" dirty="0"/>
-          </a:p>
-          <a:p>
-            <a:pPr marL="0" indent="0">
-              <a:buNone/>
-            </a:pPr>
-            <a:r>
-              <a:rPr lang="en-US" sz="1800" dirty="0"/>
-              <a:t>(The name, </a:t>
-            </a:r>
-            <a:r>
-              <a:rPr lang="en-US" sz="1800" dirty="0" err="1">
-                <a:latin typeface="Courier New" panose="02070309020205020404" pitchFamily="49" charset="0"/>
-                <a:cs typeface="Courier New" panose="02070309020205020404" pitchFamily="49" charset="0"/>
-              </a:rPr>
-              <a:t>get_or_make</a:t>
-            </a:r>
-            <a:r>
-              <a:rPr lang="en-US" sz="1800" dirty="0"/>
-              <a:t>, is subject to bike shedding, as are all names herein)</a:t>
-            </a:r>
-          </a:p>
-        </p:txBody>
-      </p:sp>
-      <p:sp>
-        <p:nvSpPr>
-          <p:cNvPr id="4" name="Date Placeholder 3">
-            <a:extLst>
-              <a:ext uri="{FF2B5EF4-FFF2-40B4-BE49-F238E27FC236}">
-                <a16:creationId xmlns:a16="http://schemas.microsoft.com/office/drawing/2014/main" id="{169B562A-9A4D-A542-44F6-C34AAE07FEF0}"/>
-              </a:ext>
-            </a:extLst>
-          </p:cNvPr>
-          <p:cNvSpPr>
-            <a:spLocks noGrp="1"/>
-          </p:cNvSpPr>
-          <p:nvPr>
-            <p:ph type="dt" sz="half" idx="10"/>
-          </p:nvPr>
-        </p:nvSpPr>
-        <p:spPr/>
-        <p:txBody>
-          <a:bodyPr/>
-          <a:lstStyle/>
-          <a:p>
-            <a:fld id="{D1A98742-6638-43AC-A30F-B0F4E802E4B2}" type="datetime1">
-              <a:rPr lang="en-US" smtClean="0"/>
-              <a:t>2/27/2024</a:t>
-            </a:fld>
-            <a:endParaRPr lang="en-US"/>
-          </a:p>
-        </p:txBody>
-      </p:sp>
-      <p:sp>
-        <p:nvSpPr>
-          <p:cNvPr id="5" name="Footer Placeholder 4">
-            <a:extLst>
-              <a:ext uri="{FF2B5EF4-FFF2-40B4-BE49-F238E27FC236}">
-                <a16:creationId xmlns:a16="http://schemas.microsoft.com/office/drawing/2014/main" id="{C5A68EAB-C94E-EEF9-EFFE-3DC020A15888}"/>
-              </a:ext>
-            </a:extLst>
-          </p:cNvPr>
-          <p:cNvSpPr>
-            <a:spLocks noGrp="1"/>
-          </p:cNvSpPr>
-          <p:nvPr>
-            <p:ph type="ftr" sz="quarter" idx="11"/>
-          </p:nvPr>
-        </p:nvSpPr>
-        <p:spPr>
-          <a:xfrm>
-            <a:off x="2553911" y="6142675"/>
-            <a:ext cx="7084177" cy="365125"/>
-          </a:xfrm>
-        </p:spPr>
-        <p:txBody>
-          <a:bodyPr/>
-          <a:lstStyle/>
-          <a:p>
-            <a:r>
-              <a:rPr lang="en-US"/>
-              <a:t>Pablo Halpern, 2024 (CC BY 4.0)</a:t>
-            </a:r>
-          </a:p>
-        </p:txBody>
-      </p:sp>
-      <p:sp>
-        <p:nvSpPr>
-          <p:cNvPr id="6" name="Slide Number Placeholder 5">
-            <a:extLst>
-              <a:ext uri="{FF2B5EF4-FFF2-40B4-BE49-F238E27FC236}">
-                <a16:creationId xmlns:a16="http://schemas.microsoft.com/office/drawing/2014/main" id="{E94B7BF2-7591-AF5D-55B9-A9D03CD0DAAB}"/>
-              </a:ext>
-            </a:extLst>
-          </p:cNvPr>
-          <p:cNvSpPr>
-            <a:spLocks noGrp="1"/>
-          </p:cNvSpPr>
-          <p:nvPr>
-            <p:ph type="sldNum" sz="quarter" idx="12"/>
-          </p:nvPr>
-        </p:nvSpPr>
-        <p:spPr/>
-        <p:txBody>
-          <a:bodyPr/>
-          <a:lstStyle/>
-          <a:p>
-            <a:fld id="{D57F1E4F-1CFF-5643-939E-217C01CDF565}" type="slidenum">
-              <a:rPr lang="en-US" smtClean="0"/>
-              <a:pPr/>
-              <a:t>16</a:t>
-            </a:fld>
-            <a:endParaRPr lang="en-US"/>
-          </a:p>
-        </p:txBody>
-      </p:sp>
-      <p:sp>
-        <p:nvSpPr>
-          <p:cNvPr id="9" name="Rectangle 8">
-            <a:extLst>
-              <a:ext uri="{FF2B5EF4-FFF2-40B4-BE49-F238E27FC236}">
-                <a16:creationId xmlns:a16="http://schemas.microsoft.com/office/drawing/2014/main" id="{17ED44D9-D45B-7BE8-996E-9EDC1BD336BE}"/>
-              </a:ext>
-            </a:extLst>
-          </p:cNvPr>
-          <p:cNvSpPr/>
-          <p:nvPr/>
-        </p:nvSpPr>
-        <p:spPr>
-          <a:xfrm>
-            <a:off x="1484310" y="3256021"/>
-            <a:ext cx="9760864" cy="1681739"/>
-          </a:xfrm>
-          <a:prstGeom prst="rect">
-            <a:avLst/>
-          </a:prstGeom>
-        </p:spPr>
-        <p:style>
-          <a:lnRef idx="2">
-            <a:schemeClr val="dk1">
-              <a:shade val="15000"/>
-            </a:schemeClr>
-          </a:lnRef>
-          <a:fillRef idx="1">
-            <a:schemeClr val="dk1"/>
-          </a:fillRef>
-          <a:effectRef idx="0">
-            <a:schemeClr val="dk1"/>
-          </a:effectRef>
-          <a:fontRef idx="minor">
-            <a:schemeClr val="lt1"/>
-          </a:fontRef>
-        </p:style>
-        <p:txBody>
-          <a:bodyPr rtlCol="0" anchor="t"/>
-          <a:lstStyle/>
-          <a:p>
-            <a:r>
-              <a:rPr lang="en-US" dirty="0">
-                <a:latin typeface="Consolas" panose="020B0609020204030204" pitchFamily="49" charset="0"/>
-              </a:rPr>
-              <a:t>template &lt;class U, class... </a:t>
-            </a:r>
-            <a:r>
-              <a:rPr lang="en-US" dirty="0" err="1">
-                <a:latin typeface="Consolas" panose="020B0609020204030204" pitchFamily="49" charset="0"/>
-              </a:rPr>
-              <a:t>Args</a:t>
-            </a:r>
-            <a:r>
-              <a:rPr lang="en-US" dirty="0">
-                <a:latin typeface="Consolas" panose="020B0609020204030204" pitchFamily="49" charset="0"/>
-              </a:rPr>
-              <a:t>&gt;</a:t>
-            </a:r>
-          </a:p>
-          <a:p>
-            <a:r>
-              <a:rPr lang="en-US" dirty="0">
-                <a:latin typeface="Consolas" panose="020B0609020204030204" pitchFamily="49" charset="0"/>
-              </a:rPr>
-              <a:t>  </a:t>
-            </a:r>
-            <a:r>
-              <a:rPr lang="en-US" dirty="0">
-                <a:solidFill>
-                  <a:srgbClr val="FFFF00"/>
-                </a:solidFill>
-                <a:latin typeface="Consolas" panose="020B0609020204030204" pitchFamily="49" charset="0"/>
-              </a:rPr>
-              <a:t>U</a:t>
-            </a:r>
-            <a:r>
-              <a:rPr lang="en-US" dirty="0">
-                <a:latin typeface="Consolas" panose="020B0609020204030204" pitchFamily="49" charset="0"/>
-              </a:rPr>
-              <a:t> optional&lt;T&gt;::</a:t>
-            </a:r>
-            <a:r>
-              <a:rPr lang="en-US" dirty="0" err="1">
-                <a:latin typeface="Consolas" panose="020B0609020204030204" pitchFamily="49" charset="0"/>
-              </a:rPr>
-              <a:t>value_or_make</a:t>
-            </a:r>
-            <a:r>
-              <a:rPr lang="en-US" dirty="0">
-                <a:latin typeface="Consolas" panose="020B0609020204030204" pitchFamily="49" charset="0"/>
-              </a:rPr>
-              <a:t>(</a:t>
-            </a:r>
-            <a:r>
-              <a:rPr lang="en-US" dirty="0" err="1">
-                <a:solidFill>
-                  <a:srgbClr val="FFFF00"/>
-                </a:solidFill>
-                <a:latin typeface="Consolas" panose="020B0609020204030204" pitchFamily="49" charset="0"/>
-              </a:rPr>
-              <a:t>Args</a:t>
-            </a:r>
-            <a:r>
-              <a:rPr lang="en-US" dirty="0">
-                <a:solidFill>
-                  <a:srgbClr val="FFFF00"/>
-                </a:solidFill>
-                <a:latin typeface="Consolas" panose="020B0609020204030204" pitchFamily="49" charset="0"/>
-              </a:rPr>
-              <a:t>&amp;&amp;... </a:t>
-            </a:r>
-            <a:r>
-              <a:rPr lang="en-US" dirty="0" err="1">
-                <a:solidFill>
-                  <a:srgbClr val="FFFF00"/>
-                </a:solidFill>
-                <a:latin typeface="Consolas" panose="020B0609020204030204" pitchFamily="49" charset="0"/>
-              </a:rPr>
-              <a:t>ctorArgs</a:t>
-            </a:r>
-            <a:r>
-              <a:rPr lang="en-US" dirty="0">
-                <a:latin typeface="Consolas" panose="020B0609020204030204" pitchFamily="49" charset="0"/>
-              </a:rPr>
-              <a:t>);</a:t>
-            </a:r>
-          </a:p>
-          <a:p>
-            <a:endParaRPr lang="en-US" dirty="0">
-              <a:latin typeface="Consolas" panose="020B0609020204030204" pitchFamily="49" charset="0"/>
-            </a:endParaRPr>
-          </a:p>
-          <a:p>
-            <a:r>
-              <a:rPr lang="en-US" dirty="0">
-                <a:latin typeface="Consolas" panose="020B0609020204030204" pitchFamily="49" charset="0"/>
-              </a:rPr>
-              <a:t>std::</a:t>
-            </a:r>
-            <a:r>
-              <a:rPr lang="en-US" dirty="0" err="1">
-                <a:latin typeface="Consolas" panose="020B0609020204030204" pitchFamily="49" charset="0"/>
-              </a:rPr>
-              <a:t>unordered_map</a:t>
-            </a:r>
-            <a:r>
-              <a:rPr lang="en-US" dirty="0">
-                <a:latin typeface="Consolas" panose="020B0609020204030204" pitchFamily="49" charset="0"/>
-              </a:rPr>
-              <a:t>&lt;int, std::string&gt; </a:t>
-            </a:r>
-            <a:r>
-              <a:rPr lang="en-US" dirty="0" err="1">
-                <a:latin typeface="Consolas" panose="020B0609020204030204" pitchFamily="49" charset="0"/>
-              </a:rPr>
-              <a:t>theMap</a:t>
-            </a:r>
-            <a:endParaRPr lang="en-US" dirty="0">
-              <a:latin typeface="Consolas" panose="020B0609020204030204" pitchFamily="49" charset="0"/>
-            </a:endParaRPr>
-          </a:p>
-          <a:p>
-            <a:r>
-              <a:rPr lang="en-US" dirty="0">
-                <a:latin typeface="Consolas" panose="020B0609020204030204" pitchFamily="49" charset="0"/>
-              </a:rPr>
-              <a:t>std::</a:t>
-            </a:r>
-            <a:r>
-              <a:rPr lang="en-US" dirty="0" err="1">
-                <a:latin typeface="Consolas" panose="020B0609020204030204" pitchFamily="49" charset="0"/>
-              </a:rPr>
-              <a:t>string_view</a:t>
-            </a:r>
-            <a:r>
-              <a:rPr lang="en-US" dirty="0">
-                <a:latin typeface="Consolas" panose="020B0609020204030204" pitchFamily="49" charset="0"/>
-              </a:rPr>
-              <a:t> s = </a:t>
-            </a:r>
-            <a:r>
-              <a:rPr lang="en-US" dirty="0" err="1">
-                <a:latin typeface="Consolas" panose="020B0609020204030204" pitchFamily="49" charset="0"/>
-              </a:rPr>
-              <a:t>theMap.get</a:t>
-            </a:r>
-            <a:r>
-              <a:rPr lang="en-US" dirty="0">
-                <a:latin typeface="Consolas" panose="020B0609020204030204" pitchFamily="49" charset="0"/>
-              </a:rPr>
-              <a:t>(key).</a:t>
-            </a:r>
-            <a:r>
-              <a:rPr lang="en-US" dirty="0" err="1">
-                <a:solidFill>
-                  <a:srgbClr val="FFFF00"/>
-                </a:solidFill>
-                <a:latin typeface="Consolas" panose="020B0609020204030204" pitchFamily="49" charset="0"/>
-              </a:rPr>
-              <a:t>get_or_make</a:t>
-            </a:r>
-            <a:r>
-              <a:rPr lang="en-US" dirty="0">
-                <a:solidFill>
-                  <a:srgbClr val="FFFF00"/>
-                </a:solidFill>
-                <a:latin typeface="Consolas" panose="020B0609020204030204" pitchFamily="49" charset="0"/>
-              </a:rPr>
-              <a:t>&lt;std::</a:t>
-            </a:r>
-            <a:r>
-              <a:rPr lang="en-US" dirty="0" err="1">
-                <a:solidFill>
-                  <a:srgbClr val="FFFF00"/>
-                </a:solidFill>
-                <a:latin typeface="Consolas" panose="020B0609020204030204" pitchFamily="49" charset="0"/>
-              </a:rPr>
-              <a:t>string_view</a:t>
-            </a:r>
-            <a:r>
-              <a:rPr lang="en-US" dirty="0">
-                <a:solidFill>
-                  <a:srgbClr val="FFFF00"/>
-                </a:solidFill>
-                <a:latin typeface="Consolas" panose="020B0609020204030204" pitchFamily="49" charset="0"/>
-              </a:rPr>
-              <a:t>&gt;("none")</a:t>
-            </a:r>
-            <a:r>
-              <a:rPr lang="en-US" dirty="0">
-                <a:latin typeface="Consolas" panose="020B0609020204030204" pitchFamily="49" charset="0"/>
-              </a:rPr>
-              <a:t>;</a:t>
-            </a:r>
-          </a:p>
-        </p:txBody>
-      </p:sp>
-    </p:spTree>
-    <p:extLst>
-      <p:ext uri="{BB962C8B-B14F-4D97-AF65-F5344CB8AC3E}">
-        <p14:creationId xmlns:p14="http://schemas.microsoft.com/office/powerpoint/2010/main" val="1059208787"/>
-      </p:ext>
-    </p:extLst>
-  </p:cSld>
-  <p:clrMapOvr>
-    <a:masterClrMapping/>
-  </p:clrMapOvr>
-  <p:timing>
-    <p:tnLst>
-      <p:par>
-        <p:cTn id="1" dur="indefinite" restart="never" nodeType="tmRoot">
-          <p:childTnLst>
-            <p:seq concurrent="1" nextAc="seek">
-              <p:cTn id="2" dur="indefinite" nodeType="mainSeq">
-                <p:childTnLst>
-                  <p:par>
-                    <p:cTn id="3" fill="hold">
-                      <p:stCondLst>
-                        <p:cond delay="indefinite"/>
-                      </p:stCondLst>
-                      <p:childTnLst>
-                        <p:par>
-                          <p:cTn id="4" fill="hold">
-                            <p:stCondLst>
-                              <p:cond delay="0"/>
-                            </p:stCondLst>
-                            <p:childTnLst>
-                              <p:par>
-                                <p:cTn id="5" presetID="1" presetClass="entr" presetSubtype="0" fill="hold" grpId="0" nodeType="clickEffect">
-                                  <p:stCondLst>
-                                    <p:cond delay="0"/>
-                                  </p:stCondLst>
-                                  <p:childTnLst>
-                                    <p:set>
-                                      <p:cBhvr>
-                                        <p:cTn id="6" dur="1" fill="hold">
-                                          <p:stCondLst>
-                                            <p:cond delay="0"/>
-                                          </p:stCondLst>
-                                        </p:cTn>
-                                        <p:tgtEl>
-                                          <p:spTgt spid="3">
-                                            <p:txEl>
-                                              <p:pRg st="0" end="0"/>
-                                            </p:txEl>
-                                          </p:spTgt>
-                                        </p:tgtEl>
-                                        <p:attrNameLst>
-                                          <p:attrName>style.visibility</p:attrName>
-                                        </p:attrNameLst>
-                                      </p:cBhvr>
-                                      <p:to>
-                                        <p:strVal val="visible"/>
-                                      </p:to>
-                                    </p:set>
-                                  </p:childTnLst>
-                                </p:cTn>
-                              </p:par>
-                            </p:childTnLst>
-                          </p:cTn>
-                        </p:par>
-                      </p:childTnLst>
-                    </p:cTn>
-                  </p:par>
-                  <p:par>
-                    <p:cTn id="7" fill="hold">
-                      <p:stCondLst>
-                        <p:cond delay="indefinite"/>
-                      </p:stCondLst>
-                      <p:childTnLst>
-                        <p:par>
-                          <p:cTn id="8" fill="hold">
-                            <p:stCondLst>
-                              <p:cond delay="0"/>
-                            </p:stCondLst>
-                            <p:childTnLst>
-                              <p:par>
-                                <p:cTn id="9" presetID="1" presetClass="entr" presetSubtype="0" fill="hold" grpId="0" nodeType="clickEffect">
-                                  <p:stCondLst>
-                                    <p:cond delay="0"/>
-                                  </p:stCondLst>
-                                  <p:childTnLst>
-                                    <p:set>
-                                      <p:cBhvr>
-                                        <p:cTn id="10" dur="1" fill="hold">
-                                          <p:stCondLst>
-                                            <p:cond delay="0"/>
-                                          </p:stCondLst>
-                                        </p:cTn>
-                                        <p:tgtEl>
-                                          <p:spTgt spid="3">
-                                            <p:txEl>
-                                              <p:pRg st="1" end="1"/>
-                                            </p:txEl>
-                                          </p:spTgt>
-                                        </p:tgtEl>
-                                        <p:attrNameLst>
-                                          <p:attrName>style.visibility</p:attrName>
-                                        </p:attrNameLst>
-                                      </p:cBhvr>
-                                      <p:to>
-                                        <p:strVal val="visible"/>
-                                      </p:to>
-                                    </p:set>
-                                  </p:childTnLst>
-                                </p:cTn>
-                              </p:par>
-                              <p:par>
-                                <p:cTn id="11" presetID="1" presetClass="entr" presetSubtype="0" fill="hold" grpId="0" nodeType="withEffect">
-                                  <p:stCondLst>
-                                    <p:cond delay="0"/>
-                                  </p:stCondLst>
-                                  <p:childTnLst>
-                                    <p:set>
-                                      <p:cBhvr>
-                                        <p:cTn id="12" dur="1" fill="hold">
-                                          <p:stCondLst>
-                                            <p:cond delay="0"/>
-                                          </p:stCondLst>
-                                        </p:cTn>
-                                        <p:tgtEl>
-                                          <p:spTgt spid="9"/>
-                                        </p:tgtEl>
-                                        <p:attrNameLst>
-                                          <p:attrName>style.visibility</p:attrName>
-                                        </p:attrNameLst>
-                                      </p:cBhvr>
-                                      <p:to>
-                                        <p:strVal val="visible"/>
-                                      </p:to>
-                                    </p:set>
-                                  </p:childTnLst>
-                                </p:cTn>
-                              </p:par>
-                              <p:par>
-                                <p:cTn id="13" presetID="1" presetClass="entr" presetSubtype="0" fill="hold" grpId="0" nodeType="withEffect">
-                                  <p:stCondLst>
-                                    <p:cond delay="0"/>
-                                  </p:stCondLst>
-                                  <p:childTnLst>
-                                    <p:set>
-                                      <p:cBhvr>
-                                        <p:cTn id="14" dur="1" fill="hold">
-                                          <p:stCondLst>
-                                            <p:cond delay="0"/>
-                                          </p:stCondLst>
-                                        </p:cTn>
-                                        <p:tgtEl>
-                                          <p:spTgt spid="3">
-                                            <p:txEl>
-                                              <p:pRg st="6" end="6"/>
-                                            </p:txEl>
-                                          </p:spTgt>
-                                        </p:tgtEl>
-                                        <p:attrNameLst>
-                                          <p:attrName>style.visibility</p:attrName>
-                                        </p:attrNameLst>
-                                      </p:cBhvr>
-                                      <p:to>
-                                        <p:strVal val="visible"/>
-                                      </p:to>
-                                    </p:set>
-                                  </p:childTnLst>
-                                </p:cTn>
-                              </p:par>
-                            </p:childTnLst>
-                          </p:cTn>
-                        </p:par>
-                      </p:childTnLst>
-                    </p:cTn>
-                  </p:par>
-                </p:childTnLst>
-              </p:cTn>
-              <p:prevCondLst>
-                <p:cond evt="onPrev" delay="0">
-                  <p:tgtEl>
-                    <p:sldTgt/>
-                  </p:tgtEl>
-                </p:cond>
-              </p:prevCondLst>
-              <p:nextCondLst>
-                <p:cond evt="onNext" delay="0">
-                  <p:tgtEl>
-                    <p:sldTgt/>
-                  </p:tgtEl>
-                </p:cond>
-              </p:nextCondLst>
-            </p:seq>
-          </p:childTnLst>
-        </p:cTn>
-      </p:par>
-    </p:tnLst>
-    <p:bldLst>
-      <p:bldP spid="3" grpId="0" uiExpand="1" build="p"/>
-      <p:bldP spid="9" grpId="0" animBg="1"/>
-    </p:bldLst>
-  </p:timing>
-</p:sld>
-</file>
-
-<file path=ppt/slides/slide17.xml><?xml version="1.0" encoding="utf-8"?>
-<p:sld xmlns:a="http://schemas.openxmlformats.org/drawingml/2006/main" xmlns:r="http://schemas.openxmlformats.org/officeDocument/2006/relationships" xmlns:p="http://schemas.openxmlformats.org/presentationml/2006/main">
-  <p:cSld>
-    <p:spTree>
-      <p:nvGrpSpPr>
-        <p:cNvPr id="1" name=""/>
-        <p:cNvGrpSpPr/>
-        <p:nvPr/>
-      </p:nvGrpSpPr>
-      <p:grpSpPr>
-        <a:xfrm>
-          <a:off x="0" y="0"/>
-          <a:ext cx="0" cy="0"/>
-          <a:chOff x="0" y="0"/>
-          <a:chExt cx="0" cy="0"/>
-        </a:xfrm>
-      </p:grpSpPr>
-      <p:sp>
-        <p:nvSpPr>
-          <p:cNvPr id="2" name="Title 1">
-            <a:extLst>
-              <a:ext uri="{FF2B5EF4-FFF2-40B4-BE49-F238E27FC236}">
                 <a16:creationId xmlns:a16="http://schemas.microsoft.com/office/drawing/2014/main" id="{A648DEE5-544D-98D8-1B7C-50CEE3B43EAA}"/>
               </a:ext>
             </a:extLst>
@@ -13742,117 +7772,117 @@
           <a:lstStyle/>
           <a:p>
             <a:r>
-              <a:rPr lang="en-US"/>
+              <a:rPr lang="en-US" dirty="0"/>
               <a:t>Map lookups using </a:t>
             </a:r>
             <a:r>
-              <a:rPr lang="en-US">
+              <a:rPr lang="en-US" dirty="0">
                 <a:latin typeface="Courier New" panose="02070309020205020404" pitchFamily="49" charset="0"/>
                 <a:cs typeface="Courier New" panose="02070309020205020404" pitchFamily="49" charset="0"/>
               </a:rPr>
               <a:t>operator[]</a:t>
             </a:r>
             <a:r>
-              <a:rPr lang="en-US"/>
+              <a:rPr lang="en-US" dirty="0"/>
               <a:t> seem convenient but</a:t>
             </a:r>
           </a:p>
           <a:p>
             <a:pPr lvl="1"/>
             <a:r>
-              <a:rPr lang="en-US"/>
+              <a:rPr lang="en-US" dirty="0"/>
               <a:t>They work only for non-</a:t>
             </a:r>
             <a:r>
-              <a:rPr lang="en-US">
+              <a:rPr lang="en-US" dirty="0">
                 <a:latin typeface="Courier New" panose="02070309020205020404" pitchFamily="49" charset="0"/>
                 <a:cs typeface="Courier New" panose="02070309020205020404" pitchFamily="49" charset="0"/>
               </a:rPr>
               <a:t>const</a:t>
             </a:r>
             <a:r>
-              <a:rPr lang="en-US"/>
+              <a:rPr lang="en-US" dirty="0"/>
               <a:t> containers</a:t>
             </a:r>
           </a:p>
           <a:p>
             <a:pPr lvl="1"/>
             <a:r>
-              <a:rPr lang="en-US"/>
+              <a:rPr lang="en-US" dirty="0"/>
               <a:t>They work only for default-constructable map types</a:t>
             </a:r>
           </a:p>
           <a:p>
             <a:pPr lvl="1"/>
             <a:r>
-              <a:rPr lang="en-US"/>
+              <a:rPr lang="en-US" dirty="0"/>
               <a:t>They often insert unwanted default-constructed elements</a:t>
             </a:r>
           </a:p>
           <a:p>
             <a:pPr lvl="1"/>
             <a:r>
-              <a:rPr lang="en-US"/>
+              <a:rPr lang="en-US" dirty="0"/>
               <a:t>They can't be used when default construction yields the wrong value</a:t>
             </a:r>
           </a:p>
           <a:p>
             <a:r>
-              <a:rPr lang="en-US"/>
-              <a:t>P3091 proposes three new </a:t>
-            </a:r>
-            <a:r>
-              <a:rPr lang="en-US">
+              <a:rPr lang="en-US" dirty="0"/>
+              <a:t>P3091 proposes new </a:t>
+            </a:r>
+            <a:r>
+              <a:rPr lang="en-US" dirty="0">
                 <a:latin typeface="Courier New" panose="02070309020205020404" pitchFamily="49" charset="0"/>
                 <a:cs typeface="Courier New" panose="02070309020205020404" pitchFamily="49" charset="0"/>
               </a:rPr>
               <a:t>get</a:t>
             </a:r>
             <a:r>
-              <a:rPr lang="en-US"/>
+              <a:rPr lang="en-US" dirty="0"/>
               <a:t> member functions that are</a:t>
             </a:r>
           </a:p>
           <a:p>
             <a:pPr lvl="1"/>
             <a:r>
-              <a:rPr lang="en-US"/>
+              <a:rPr lang="en-US" dirty="0"/>
               <a:t>Inspired by Python</a:t>
             </a:r>
           </a:p>
           <a:p>
             <a:pPr lvl="1"/>
             <a:r>
-              <a:rPr lang="en-US"/>
+              <a:rPr lang="en-US" dirty="0"/>
               <a:t>Are almost as convenient as </a:t>
             </a:r>
             <a:r>
-              <a:rPr lang="en-US">
+              <a:rPr lang="en-US" dirty="0">
                 <a:latin typeface="Courier New" panose="02070309020205020404" pitchFamily="49" charset="0"/>
                 <a:cs typeface="Courier New" panose="02070309020205020404" pitchFamily="49" charset="0"/>
               </a:rPr>
               <a:t>operator[]</a:t>
             </a:r>
-            <a:endParaRPr lang="en-US">
+            <a:endParaRPr lang="en-US" dirty="0">
               <a:cs typeface="Courier New" panose="02070309020205020404" pitchFamily="49" charset="0"/>
             </a:endParaRPr>
           </a:p>
           <a:p>
             <a:pPr lvl="1"/>
             <a:r>
-              <a:rPr lang="en-US">
+              <a:rPr lang="en-US" dirty="0">
                 <a:cs typeface="Courier New" panose="02070309020205020404" pitchFamily="49" charset="0"/>
               </a:rPr>
               <a:t>Have none of the limitations of </a:t>
             </a:r>
             <a:r>
-              <a:rPr lang="en-US">
+              <a:rPr lang="en-US" dirty="0">
                 <a:latin typeface="Courier New" panose="02070309020205020404" pitchFamily="49" charset="0"/>
                 <a:cs typeface="Courier New" panose="02070309020205020404" pitchFamily="49" charset="0"/>
               </a:rPr>
               <a:t>operator[]</a:t>
             </a:r>
-            <a:endParaRPr lang="en-US">
+            <a:endParaRPr lang="en-US" dirty="0">
               <a:cs typeface="Courier New" panose="02070309020205020404" pitchFamily="49" charset="0"/>
             </a:endParaRPr>
           </a:p>
@@ -13881,7 +7911,7 @@
           <a:p>
             <a:fld id="{D1A98742-6638-43AC-A30F-B0F4E802E4B2}" type="datetime1">
               <a:rPr lang="en-US" smtClean="0"/>
-              <a:t>2/26/2024</a:t>
+              <a:t>6/20/2025</a:t>
             </a:fld>
             <a:endParaRPr lang="en-US"/>
           </a:p>
@@ -13939,7 +7969,7 @@
             <a:fld id="{D57F1E4F-1CFF-5643-939E-217C01CDF565}" type="slidenum">
               <a:rPr lang="en-US" smtClean="0"/>
               <a:pPr/>
-              <a:t>17</a:t>
+              <a:t>10</a:t>
             </a:fld>
             <a:endParaRPr lang="en-US"/>
           </a:p>
@@ -14432,7 +8462,7 @@
 </p:sld>
 </file>
 
-<file path=ppt/slides/slide18.xml><?xml version="1.0" encoding="utf-8"?>
+<file path=ppt/slides/slide11.xml><?xml version="1.0" encoding="utf-8"?>
 <p:sld xmlns:a="http://schemas.openxmlformats.org/drawingml/2006/main" xmlns:r="http://schemas.openxmlformats.org/officeDocument/2006/relationships" xmlns:p="http://schemas.openxmlformats.org/presentationml/2006/main">
   <p:cSld>
     <p:spTree>
@@ -14454,665 +8484,6 @@
           <p:cNvPr id="2" name="Title 1">
             <a:extLst>
               <a:ext uri="{FF2B5EF4-FFF2-40B4-BE49-F238E27FC236}">
-                <a16:creationId xmlns:a16="http://schemas.microsoft.com/office/drawing/2014/main" id="{29D50AF0-C347-FDD1-C2F1-BE34C4DCED6D}"/>
-              </a:ext>
-            </a:extLst>
-          </p:cNvPr>
-          <p:cNvSpPr>
-            <a:spLocks noGrp="1"/>
-          </p:cNvSpPr>
-          <p:nvPr>
-            <p:ph type="title"/>
-          </p:nvPr>
-        </p:nvSpPr>
-        <p:spPr/>
-        <p:txBody>
-          <a:bodyPr/>
-          <a:lstStyle/>
-          <a:p>
-            <a:r>
-              <a:rPr lang="en-US" dirty="0"/>
-              <a:t>Summary of </a:t>
-            </a:r>
-            <a:r>
-              <a:rPr lang="en-US" dirty="0">
-                <a:latin typeface="Courier New" panose="02070309020205020404" pitchFamily="49" charset="0"/>
-                <a:cs typeface="Courier New" panose="02070309020205020404" pitchFamily="49" charset="0"/>
-              </a:rPr>
-              <a:t>optional&lt;T&gt;</a:t>
-            </a:r>
-            <a:r>
-              <a:rPr lang="en-US" dirty="0">
-                <a:cs typeface="Courier New" panose="02070309020205020404" pitchFamily="49" charset="0"/>
-              </a:rPr>
-              <a:t> Alternative</a:t>
-            </a:r>
-            <a:endParaRPr lang="en-US" dirty="0"/>
-          </a:p>
-        </p:txBody>
-      </p:sp>
-      <p:sp>
-        <p:nvSpPr>
-          <p:cNvPr id="3" name="Content Placeholder 2">
-            <a:extLst>
-              <a:ext uri="{FF2B5EF4-FFF2-40B4-BE49-F238E27FC236}">
-                <a16:creationId xmlns:a16="http://schemas.microsoft.com/office/drawing/2014/main" id="{76DC79FC-A8C6-54BB-4ECB-5598B1D8A81A}"/>
-              </a:ext>
-            </a:extLst>
-          </p:cNvPr>
-          <p:cNvSpPr>
-            <a:spLocks noGrp="1"/>
-          </p:cNvSpPr>
-          <p:nvPr>
-            <p:ph idx="1"/>
-          </p:nvPr>
-        </p:nvSpPr>
-        <p:spPr/>
-        <p:txBody>
-          <a:bodyPr/>
-          <a:lstStyle/>
-          <a:p>
-            <a:r>
-              <a:rPr lang="en-US" dirty="0"/>
-              <a:t>Enhance </a:t>
-            </a:r>
-            <a:r>
-              <a:rPr lang="en-US" dirty="0">
-                <a:latin typeface="Courier New" panose="02070309020205020404" pitchFamily="49" charset="0"/>
-                <a:cs typeface="Courier New" panose="02070309020205020404" pitchFamily="49" charset="0"/>
-              </a:rPr>
-              <a:t>std::optional</a:t>
-            </a:r>
-            <a:r>
-              <a:rPr lang="en-US" dirty="0"/>
-              <a:t> as follows:</a:t>
-            </a:r>
-          </a:p>
-          <a:p>
-            <a:pPr lvl="1"/>
-            <a:r>
-              <a:rPr lang="en-US" dirty="0"/>
-              <a:t>Allow </a:t>
-            </a:r>
-            <a:r>
-              <a:rPr lang="en-US" dirty="0">
-                <a:latin typeface="Courier New" panose="02070309020205020404" pitchFamily="49" charset="0"/>
-                <a:cs typeface="Courier New" panose="02070309020205020404" pitchFamily="49" charset="0"/>
-              </a:rPr>
-              <a:t>optional&lt;T&amp;&gt;</a:t>
-            </a:r>
-            <a:r>
-              <a:rPr lang="en-US" dirty="0"/>
-              <a:t> (P2988R3)</a:t>
-            </a:r>
-          </a:p>
-          <a:p>
-            <a:pPr lvl="1"/>
-            <a:r>
-              <a:rPr lang="en-US" dirty="0"/>
-              <a:t>Make </a:t>
-            </a:r>
-            <a:r>
-              <a:rPr lang="en-US" dirty="0" err="1">
-                <a:latin typeface="Courier New" panose="02070309020205020404" pitchFamily="49" charset="0"/>
-                <a:cs typeface="Courier New" panose="02070309020205020404" pitchFamily="49" charset="0"/>
-              </a:rPr>
-              <a:t>value_or</a:t>
-            </a:r>
-            <a:r>
-              <a:rPr lang="en-US" dirty="0"/>
-              <a:t> variadic </a:t>
-            </a:r>
-            <a:r>
-              <a:rPr lang="en-US" i="1" dirty="0"/>
-              <a:t>or</a:t>
-            </a:r>
-            <a:r>
-              <a:rPr lang="en-US" dirty="0"/>
-              <a:t> add </a:t>
-            </a:r>
-            <a:r>
-              <a:rPr lang="en-US" dirty="0" err="1">
-                <a:latin typeface="Courier New" panose="02070309020205020404" pitchFamily="49" charset="0"/>
-                <a:cs typeface="Courier New" panose="02070309020205020404" pitchFamily="49" charset="0"/>
-              </a:rPr>
-              <a:t>make_or_construct</a:t>
-            </a:r>
-            <a:endParaRPr lang="en-US" dirty="0">
-              <a:latin typeface="Courier New" panose="02070309020205020404" pitchFamily="49" charset="0"/>
-              <a:cs typeface="Courier New" panose="02070309020205020404" pitchFamily="49" charset="0"/>
-            </a:endParaRPr>
-          </a:p>
-          <a:p>
-            <a:pPr lvl="1"/>
-            <a:r>
-              <a:rPr lang="en-US" dirty="0">
-                <a:cs typeface="Courier New" panose="02070309020205020404" pitchFamily="49" charset="0"/>
-              </a:rPr>
-              <a:t>Add </a:t>
-            </a:r>
-            <a:r>
-              <a:rPr lang="en-US" dirty="0" err="1">
-                <a:latin typeface="Courier New" panose="02070309020205020404" pitchFamily="49" charset="0"/>
-                <a:cs typeface="Courier New" panose="02070309020205020404" pitchFamily="49" charset="0"/>
-              </a:rPr>
-              <a:t>ref_or</a:t>
-            </a:r>
-            <a:endParaRPr lang="en-US" dirty="0">
-              <a:latin typeface="Courier New" panose="02070309020205020404" pitchFamily="49" charset="0"/>
-              <a:cs typeface="Courier New" panose="02070309020205020404" pitchFamily="49" charset="0"/>
-            </a:endParaRPr>
-          </a:p>
-          <a:p>
-            <a:pPr lvl="1"/>
-            <a:r>
-              <a:rPr lang="en-US" dirty="0">
-                <a:cs typeface="Courier New" panose="02070309020205020404" pitchFamily="49" charset="0"/>
-              </a:rPr>
-              <a:t>Add </a:t>
-            </a:r>
-            <a:r>
-              <a:rPr lang="en-US" dirty="0" err="1">
-                <a:latin typeface="Courier New" panose="02070309020205020404" pitchFamily="49" charset="0"/>
-                <a:cs typeface="Courier New" panose="02070309020205020404" pitchFamily="49" charset="0"/>
-              </a:rPr>
-              <a:t>value_or_make</a:t>
-            </a:r>
-            <a:r>
-              <a:rPr lang="en-US" dirty="0">
-                <a:latin typeface="Courier New" panose="02070309020205020404" pitchFamily="49" charset="0"/>
-                <a:cs typeface="Courier New" panose="02070309020205020404" pitchFamily="49" charset="0"/>
-              </a:rPr>
-              <a:t>&lt;U&gt;</a:t>
-            </a:r>
-          </a:p>
-          <a:p>
-            <a:r>
-              <a:rPr lang="en-US" dirty="0"/>
-              <a:t>Add two methods to </a:t>
-            </a:r>
-            <a:r>
-              <a:rPr lang="en-US" dirty="0">
-                <a:latin typeface="Courier New" panose="02070309020205020404" pitchFamily="49" charset="0"/>
-                <a:cs typeface="Courier New" panose="02070309020205020404" pitchFamily="49" charset="0"/>
-              </a:rPr>
-              <a:t>map</a:t>
-            </a:r>
-            <a:r>
-              <a:rPr lang="en-US" dirty="0"/>
-              <a:t> and </a:t>
-            </a:r>
-            <a:r>
-              <a:rPr lang="en-US" dirty="0" err="1">
-                <a:latin typeface="Courier New" panose="02070309020205020404" pitchFamily="49" charset="0"/>
-                <a:cs typeface="Courier New" panose="02070309020205020404" pitchFamily="49" charset="0"/>
-              </a:rPr>
-              <a:t>unordered_map</a:t>
-            </a:r>
-            <a:r>
-              <a:rPr lang="en-US" dirty="0"/>
-              <a:t> (and </a:t>
-            </a:r>
-            <a:r>
-              <a:rPr lang="en-US" dirty="0">
-                <a:latin typeface="Courier New" panose="02070309020205020404" pitchFamily="49" charset="0"/>
-                <a:cs typeface="Courier New" panose="02070309020205020404" pitchFamily="49" charset="0"/>
-              </a:rPr>
-              <a:t>vector</a:t>
-            </a:r>
-            <a:r>
-              <a:rPr lang="en-US" dirty="0"/>
-              <a:t> and </a:t>
-            </a:r>
-            <a:r>
-              <a:rPr lang="en-US" dirty="0">
-                <a:latin typeface="Courier New" panose="02070309020205020404" pitchFamily="49" charset="0"/>
-                <a:cs typeface="Courier New" panose="02070309020205020404" pitchFamily="49" charset="0"/>
-              </a:rPr>
-              <a:t>deque</a:t>
-            </a:r>
-            <a:r>
-              <a:rPr lang="en-US" dirty="0">
-                <a:cs typeface="Courier New" panose="02070309020205020404" pitchFamily="49" charset="0"/>
-              </a:rPr>
-              <a:t>):</a:t>
-            </a:r>
-          </a:p>
-          <a:p>
-            <a:pPr marL="457200" lvl="1" indent="0">
-              <a:buNone/>
-            </a:pPr>
-            <a:r>
-              <a:rPr lang="en-US" dirty="0">
-                <a:latin typeface="Courier New" panose="02070309020205020404" pitchFamily="49" charset="0"/>
-                <a:cs typeface="Courier New" panose="02070309020205020404" pitchFamily="49" charset="0"/>
-              </a:rPr>
-              <a:t>optional&lt;      T&amp;&gt; get();</a:t>
-            </a:r>
-            <a:br>
-              <a:rPr lang="en-US" dirty="0">
-                <a:latin typeface="Courier New" panose="02070309020205020404" pitchFamily="49" charset="0"/>
-                <a:cs typeface="Courier New" panose="02070309020205020404" pitchFamily="49" charset="0"/>
-              </a:rPr>
-            </a:br>
-            <a:r>
-              <a:rPr lang="en-US" dirty="0">
-                <a:latin typeface="Courier New" panose="02070309020205020404" pitchFamily="49" charset="0"/>
-                <a:cs typeface="Courier New" panose="02070309020205020404" pitchFamily="49" charset="0"/>
-              </a:rPr>
-              <a:t>optional&lt;const T&amp;&gt; get() const;</a:t>
-            </a:r>
-          </a:p>
-        </p:txBody>
-      </p:sp>
-      <p:sp>
-        <p:nvSpPr>
-          <p:cNvPr id="4" name="Date Placeholder 3">
-            <a:extLst>
-              <a:ext uri="{FF2B5EF4-FFF2-40B4-BE49-F238E27FC236}">
-                <a16:creationId xmlns:a16="http://schemas.microsoft.com/office/drawing/2014/main" id="{50EB842D-AC90-F4E6-03A0-618703840DE4}"/>
-              </a:ext>
-            </a:extLst>
-          </p:cNvPr>
-          <p:cNvSpPr>
-            <a:spLocks noGrp="1"/>
-          </p:cNvSpPr>
-          <p:nvPr>
-            <p:ph type="dt" sz="half" idx="10"/>
-          </p:nvPr>
-        </p:nvSpPr>
-        <p:spPr/>
-        <p:txBody>
-          <a:bodyPr/>
-          <a:lstStyle/>
-          <a:p>
-            <a:fld id="{D1A98742-6638-43AC-A30F-B0F4E802E4B2}" type="datetime1">
-              <a:rPr lang="en-US" smtClean="0"/>
-              <a:t>2/27/2024</a:t>
-            </a:fld>
-            <a:endParaRPr lang="en-US"/>
-          </a:p>
-        </p:txBody>
-      </p:sp>
-      <p:sp>
-        <p:nvSpPr>
-          <p:cNvPr id="5" name="Footer Placeholder 4">
-            <a:extLst>
-              <a:ext uri="{FF2B5EF4-FFF2-40B4-BE49-F238E27FC236}">
-                <a16:creationId xmlns:a16="http://schemas.microsoft.com/office/drawing/2014/main" id="{17E1829F-BA78-1D6E-0320-F35D57269933}"/>
-              </a:ext>
-            </a:extLst>
-          </p:cNvPr>
-          <p:cNvSpPr>
-            <a:spLocks noGrp="1"/>
-          </p:cNvSpPr>
-          <p:nvPr>
-            <p:ph type="ftr" sz="quarter" idx="11"/>
-          </p:nvPr>
-        </p:nvSpPr>
-        <p:spPr/>
-        <p:txBody>
-          <a:bodyPr/>
-          <a:lstStyle/>
-          <a:p>
-            <a:r>
-              <a:rPr lang="en-US"/>
-              <a:t>Pablo Halpern, 2024 (CC BY 4.0)</a:t>
-            </a:r>
-          </a:p>
-        </p:txBody>
-      </p:sp>
-      <p:sp>
-        <p:nvSpPr>
-          <p:cNvPr id="6" name="Slide Number Placeholder 5">
-            <a:extLst>
-              <a:ext uri="{FF2B5EF4-FFF2-40B4-BE49-F238E27FC236}">
-                <a16:creationId xmlns:a16="http://schemas.microsoft.com/office/drawing/2014/main" id="{A797CC2B-DAED-087A-47A8-06C3448654D4}"/>
-              </a:ext>
-            </a:extLst>
-          </p:cNvPr>
-          <p:cNvSpPr>
-            <a:spLocks noGrp="1"/>
-          </p:cNvSpPr>
-          <p:nvPr>
-            <p:ph type="sldNum" sz="quarter" idx="12"/>
-          </p:nvPr>
-        </p:nvSpPr>
-        <p:spPr/>
-        <p:txBody>
-          <a:bodyPr/>
-          <a:lstStyle/>
-          <a:p>
-            <a:fld id="{D57F1E4F-1CFF-5643-939E-217C01CDF565}" type="slidenum">
-              <a:rPr lang="en-US" smtClean="0"/>
-              <a:pPr/>
-              <a:t>18</a:t>
-            </a:fld>
-            <a:endParaRPr lang="en-US"/>
-          </a:p>
-        </p:txBody>
-      </p:sp>
-    </p:spTree>
-    <p:extLst>
-      <p:ext uri="{BB962C8B-B14F-4D97-AF65-F5344CB8AC3E}">
-        <p14:creationId xmlns:p14="http://schemas.microsoft.com/office/powerpoint/2010/main" val="3195082706"/>
-      </p:ext>
-    </p:extLst>
-  </p:cSld>
-  <p:clrMapOvr>
-    <a:masterClrMapping/>
-  </p:clrMapOvr>
-  <p:timing>
-    <p:tnLst>
-      <p:par>
-        <p:cTn id="1" dur="indefinite" restart="never" nodeType="tmRoot">
-          <p:childTnLst>
-            <p:seq concurrent="1" nextAc="seek">
-              <p:cTn id="2" dur="indefinite" nodeType="mainSeq">
-                <p:childTnLst>
-                  <p:par>
-                    <p:cTn id="3" fill="hold">
-                      <p:stCondLst>
-                        <p:cond delay="indefinite"/>
-                      </p:stCondLst>
-                      <p:childTnLst>
-                        <p:par>
-                          <p:cTn id="4" fill="hold">
-                            <p:stCondLst>
-                              <p:cond delay="0"/>
-                            </p:stCondLst>
-                            <p:childTnLst>
-                              <p:par>
-                                <p:cTn id="5" presetID="1" presetClass="entr" presetSubtype="0" fill="hold" grpId="0" nodeType="clickEffect">
-                                  <p:stCondLst>
-                                    <p:cond delay="0"/>
-                                  </p:stCondLst>
-                                  <p:childTnLst>
-                                    <p:set>
-                                      <p:cBhvr>
-                                        <p:cTn id="6" dur="1" fill="hold">
-                                          <p:stCondLst>
-                                            <p:cond delay="0"/>
-                                          </p:stCondLst>
-                                        </p:cTn>
-                                        <p:tgtEl>
-                                          <p:spTgt spid="3">
-                                            <p:txEl>
-                                              <p:pRg st="0" end="0"/>
-                                            </p:txEl>
-                                          </p:spTgt>
-                                        </p:tgtEl>
-                                        <p:attrNameLst>
-                                          <p:attrName>style.visibility</p:attrName>
-                                        </p:attrNameLst>
-                                      </p:cBhvr>
-                                      <p:to>
-                                        <p:strVal val="visible"/>
-                                      </p:to>
-                                    </p:set>
-                                  </p:childTnLst>
-                                </p:cTn>
-                              </p:par>
-                              <p:par>
-                                <p:cTn id="7" presetID="1" presetClass="entr" presetSubtype="0" fill="hold" grpId="0" nodeType="withEffect">
-                                  <p:stCondLst>
-                                    <p:cond delay="0"/>
-                                  </p:stCondLst>
-                                  <p:childTnLst>
-                                    <p:set>
-                                      <p:cBhvr>
-                                        <p:cTn id="8" dur="1" fill="hold">
-                                          <p:stCondLst>
-                                            <p:cond delay="0"/>
-                                          </p:stCondLst>
-                                        </p:cTn>
-                                        <p:tgtEl>
-                                          <p:spTgt spid="3">
-                                            <p:txEl>
-                                              <p:pRg st="1" end="1"/>
-                                            </p:txEl>
-                                          </p:spTgt>
-                                        </p:tgtEl>
-                                        <p:attrNameLst>
-                                          <p:attrName>style.visibility</p:attrName>
-                                        </p:attrNameLst>
-                                      </p:cBhvr>
-                                      <p:to>
-                                        <p:strVal val="visible"/>
-                                      </p:to>
-                                    </p:set>
-                                  </p:childTnLst>
-                                </p:cTn>
-                              </p:par>
-                              <p:par>
-                                <p:cTn id="9" presetID="1" presetClass="entr" presetSubtype="0" fill="hold" grpId="0" nodeType="withEffect">
-                                  <p:stCondLst>
-                                    <p:cond delay="0"/>
-                                  </p:stCondLst>
-                                  <p:childTnLst>
-                                    <p:set>
-                                      <p:cBhvr>
-                                        <p:cTn id="10" dur="1" fill="hold">
-                                          <p:stCondLst>
-                                            <p:cond delay="0"/>
-                                          </p:stCondLst>
-                                        </p:cTn>
-                                        <p:tgtEl>
-                                          <p:spTgt spid="3">
-                                            <p:txEl>
-                                              <p:pRg st="2" end="2"/>
-                                            </p:txEl>
-                                          </p:spTgt>
-                                        </p:tgtEl>
-                                        <p:attrNameLst>
-                                          <p:attrName>style.visibility</p:attrName>
-                                        </p:attrNameLst>
-                                      </p:cBhvr>
-                                      <p:to>
-                                        <p:strVal val="visible"/>
-                                      </p:to>
-                                    </p:set>
-                                  </p:childTnLst>
-                                </p:cTn>
-                              </p:par>
-                              <p:par>
-                                <p:cTn id="11" presetID="1" presetClass="entr" presetSubtype="0" fill="hold" grpId="0" nodeType="withEffect">
-                                  <p:stCondLst>
-                                    <p:cond delay="0"/>
-                                  </p:stCondLst>
-                                  <p:childTnLst>
-                                    <p:set>
-                                      <p:cBhvr>
-                                        <p:cTn id="12" dur="1" fill="hold">
-                                          <p:stCondLst>
-                                            <p:cond delay="0"/>
-                                          </p:stCondLst>
-                                        </p:cTn>
-                                        <p:tgtEl>
-                                          <p:spTgt spid="3">
-                                            <p:txEl>
-                                              <p:pRg st="3" end="3"/>
-                                            </p:txEl>
-                                          </p:spTgt>
-                                        </p:tgtEl>
-                                        <p:attrNameLst>
-                                          <p:attrName>style.visibility</p:attrName>
-                                        </p:attrNameLst>
-                                      </p:cBhvr>
-                                      <p:to>
-                                        <p:strVal val="visible"/>
-                                      </p:to>
-                                    </p:set>
-                                  </p:childTnLst>
-                                </p:cTn>
-                              </p:par>
-                              <p:par>
-                                <p:cTn id="13" presetID="1" presetClass="entr" presetSubtype="0" fill="hold" grpId="0" nodeType="withEffect">
-                                  <p:stCondLst>
-                                    <p:cond delay="0"/>
-                                  </p:stCondLst>
-                                  <p:childTnLst>
-                                    <p:set>
-                                      <p:cBhvr>
-                                        <p:cTn id="14" dur="1" fill="hold">
-                                          <p:stCondLst>
-                                            <p:cond delay="0"/>
-                                          </p:stCondLst>
-                                        </p:cTn>
-                                        <p:tgtEl>
-                                          <p:spTgt spid="3">
-                                            <p:txEl>
-                                              <p:pRg st="4" end="4"/>
-                                            </p:txEl>
-                                          </p:spTgt>
-                                        </p:tgtEl>
-                                        <p:attrNameLst>
-                                          <p:attrName>style.visibility</p:attrName>
-                                        </p:attrNameLst>
-                                      </p:cBhvr>
-                                      <p:to>
-                                        <p:strVal val="visible"/>
-                                      </p:to>
-                                    </p:set>
-                                  </p:childTnLst>
-                                </p:cTn>
-                              </p:par>
-                            </p:childTnLst>
-                          </p:cTn>
-                        </p:par>
-                      </p:childTnLst>
-                    </p:cTn>
-                  </p:par>
-                  <p:par>
-                    <p:cTn id="15" fill="hold">
-                      <p:stCondLst>
-                        <p:cond delay="indefinite"/>
-                      </p:stCondLst>
-                      <p:childTnLst>
-                        <p:par>
-                          <p:cTn id="16" fill="hold">
-                            <p:stCondLst>
-                              <p:cond delay="0"/>
-                            </p:stCondLst>
-                            <p:childTnLst>
-                              <p:par>
-                                <p:cTn id="17" presetID="1" presetClass="entr" presetSubtype="0" fill="hold" grpId="0" nodeType="clickEffect">
-                                  <p:stCondLst>
-                                    <p:cond delay="0"/>
-                                  </p:stCondLst>
-                                  <p:childTnLst>
-                                    <p:set>
-                                      <p:cBhvr>
-                                        <p:cTn id="18" dur="1" fill="hold">
-                                          <p:stCondLst>
-                                            <p:cond delay="0"/>
-                                          </p:stCondLst>
-                                        </p:cTn>
-                                        <p:tgtEl>
-                                          <p:spTgt spid="3">
-                                            <p:txEl>
-                                              <p:pRg st="5" end="5"/>
-                                            </p:txEl>
-                                          </p:spTgt>
-                                        </p:tgtEl>
-                                        <p:attrNameLst>
-                                          <p:attrName>style.visibility</p:attrName>
-                                        </p:attrNameLst>
-                                      </p:cBhvr>
-                                      <p:to>
-                                        <p:strVal val="visible"/>
-                                      </p:to>
-                                    </p:set>
-                                  </p:childTnLst>
-                                </p:cTn>
-                              </p:par>
-                              <p:par>
-                                <p:cTn id="19" presetID="1" presetClass="entr" presetSubtype="0" fill="hold" grpId="0" nodeType="withEffect">
-                                  <p:stCondLst>
-                                    <p:cond delay="0"/>
-                                  </p:stCondLst>
-                                  <p:childTnLst>
-                                    <p:set>
-                                      <p:cBhvr>
-                                        <p:cTn id="20" dur="1" fill="hold">
-                                          <p:stCondLst>
-                                            <p:cond delay="0"/>
-                                          </p:stCondLst>
-                                        </p:cTn>
-                                        <p:tgtEl>
-                                          <p:spTgt spid="3">
-                                            <p:txEl>
-                                              <p:pRg st="6" end="6"/>
-                                            </p:txEl>
-                                          </p:spTgt>
-                                        </p:tgtEl>
-                                        <p:attrNameLst>
-                                          <p:attrName>style.visibility</p:attrName>
-                                        </p:attrNameLst>
-                                      </p:cBhvr>
-                                      <p:to>
-                                        <p:strVal val="visible"/>
-                                      </p:to>
-                                    </p:set>
-                                  </p:childTnLst>
-                                </p:cTn>
-                              </p:par>
-                            </p:childTnLst>
-                          </p:cTn>
-                        </p:par>
-                      </p:childTnLst>
-                    </p:cTn>
-                  </p:par>
-                </p:childTnLst>
-              </p:cTn>
-              <p:prevCondLst>
-                <p:cond evt="onPrev" delay="0">
-                  <p:tgtEl>
-                    <p:sldTgt/>
-                  </p:tgtEl>
-                </p:cond>
-              </p:prevCondLst>
-              <p:nextCondLst>
-                <p:cond evt="onNext" delay="0">
-                  <p:tgtEl>
-                    <p:sldTgt/>
-                  </p:tgtEl>
-                </p:cond>
-              </p:nextCondLst>
-            </p:seq>
-          </p:childTnLst>
-        </p:cTn>
-      </p:par>
-    </p:tnLst>
-    <p:bldLst>
-      <p:bldP spid="3" grpId="0" build="p"/>
-    </p:bldLst>
-  </p:timing>
-</p:sld>
-</file>
-
-<file path=ppt/slides/slide19.xml><?xml version="1.0" encoding="utf-8"?>
-<p:sld xmlns:a="http://schemas.openxmlformats.org/drawingml/2006/main" xmlns:r="http://schemas.openxmlformats.org/officeDocument/2006/relationships" xmlns:p="http://schemas.openxmlformats.org/presentationml/2006/main">
-  <p:cSld>
-    <p:spTree>
-      <p:nvGrpSpPr>
-        <p:cNvPr id="1" name=""/>
-        <p:cNvGrpSpPr/>
-        <p:nvPr/>
-      </p:nvGrpSpPr>
-      <p:grpSpPr>
-        <a:xfrm>
-          <a:off x="0" y="0"/>
-          <a:ext cx="0" cy="0"/>
-          <a:chOff x="0" y="0"/>
-          <a:chExt cx="0" cy="0"/>
-        </a:xfrm>
-      </p:grpSpPr>
-      <p:sp>
-        <p:nvSpPr>
-          <p:cNvPr id="2" name="Title 1">
-            <a:extLst>
-              <a:ext uri="{FF2B5EF4-FFF2-40B4-BE49-F238E27FC236}">
                 <a16:creationId xmlns:a16="http://schemas.microsoft.com/office/drawing/2014/main" id="{2AA562D4-9233-B144-D6F5-5CE330D797BE}"/>
               </a:ext>
             </a:extLst>
@@ -15190,7 +8561,7 @@
                 <a:cs typeface="Courier New" panose="02070309020205020404" pitchFamily="49" charset="0"/>
                 <a:hlinkClick r:id="rId2"/>
               </a:rPr>
-              <a:t>http://wg21.link/P3091R0</a:t>
+              <a:t>http://wg21.link/P3091</a:t>
             </a:r>
             <a:endParaRPr lang="en-US" dirty="0">
               <a:cs typeface="Courier New" panose="02070309020205020404" pitchFamily="49" charset="0"/>
@@ -15221,7 +8592,7 @@
               <a:rPr lang="en-US" dirty="0">
                 <a:cs typeface="Courier New" panose="02070309020205020404" pitchFamily="49" charset="0"/>
               </a:rPr>
-              <a:t>P2988R3 </a:t>
+              <a:t>P2988R </a:t>
             </a:r>
             <a:r>
               <a:rPr lang="en-US" dirty="0">
@@ -15252,7 +8623,7 @@
                 <a:cs typeface="Courier New" panose="02070309020205020404" pitchFamily="49" charset="0"/>
                 <a:hlinkClick r:id="rId4"/>
               </a:rPr>
-              <a:t>https://www.open-std.org/JTC1/SC22/WG21/docs/papers/2024/p2988r3.pdf</a:t>
+              <a:t>http://wg21.link/P2988</a:t>
             </a:r>
             <a:endParaRPr lang="en-US" dirty="0">
               <a:latin typeface="Courier New" panose="02070309020205020404" pitchFamily="49" charset="0"/>
@@ -15284,7 +8655,7 @@
           <a:p>
             <a:fld id="{D1A98742-6638-43AC-A30F-B0F4E802E4B2}" type="datetime1">
               <a:rPr lang="en-US" smtClean="0"/>
-              <a:t>2/26/2024</a:t>
+              <a:t>6/20/2025</a:t>
             </a:fld>
             <a:endParaRPr lang="en-US"/>
           </a:p>
@@ -15342,7 +8713,7 @@
             <a:fld id="{D57F1E4F-1CFF-5643-939E-217C01CDF565}" type="slidenum">
               <a:rPr lang="en-US" smtClean="0"/>
               <a:pPr/>
-              <a:t>19</a:t>
+              <a:t>11</a:t>
             </a:fld>
             <a:endParaRPr lang="en-US"/>
           </a:p>
@@ -15490,7 +8861,7 @@
           <a:p>
             <a:fld id="{D1A98742-6638-43AC-A30F-B0F4E802E4B2}" type="datetime1">
               <a:rPr lang="en-US" smtClean="0"/>
-              <a:t>2/27/2024</a:t>
+              <a:t>6/20/2025</a:t>
             </a:fld>
             <a:endParaRPr lang="en-US"/>
           </a:p>
@@ -15782,7 +9153,7 @@
           <a:p>
             <a:fld id="{D1A98742-6638-43AC-A30F-B0F4E802E4B2}" type="datetime1">
               <a:rPr lang="en-US" smtClean="0"/>
-              <a:t>2/26/2024</a:t>
+              <a:t>6/20/2025</a:t>
             </a:fld>
             <a:endParaRPr lang="en-US"/>
           </a:p>
@@ -17204,7 +10575,7 @@
           <a:p>
             <a:fld id="{D1A98742-6638-43AC-A30F-B0F4E802E4B2}" type="datetime1">
               <a:rPr lang="en-US" smtClean="0"/>
-              <a:t>2/26/2024</a:t>
+              <a:t>6/20/2025</a:t>
             </a:fld>
             <a:endParaRPr lang="en-US"/>
           </a:p>
@@ -18495,7 +11866,7 @@
           <a:p>
             <a:fld id="{D1A98742-6638-43AC-A30F-B0F4E802E4B2}" type="datetime1">
               <a:rPr lang="en-US" smtClean="0"/>
-              <a:t>2/26/2024</a:t>
+              <a:t>6/20/2025</a:t>
             </a:fld>
             <a:endParaRPr lang="en-US"/>
           </a:p>
@@ -20495,7 +13866,7 @@
           <a:p>
             <a:fld id="{D1A98742-6638-43AC-A30F-B0F4E802E4B2}" type="datetime1">
               <a:rPr lang="en-US" smtClean="0"/>
-              <a:t>2/26/2024</a:t>
+              <a:t>6/20/2025</a:t>
             </a:fld>
             <a:endParaRPr lang="en-US"/>
           </a:p>
@@ -20606,7 +13977,7 @@
           <a:lstStyle/>
           <a:p>
             <a:r>
-              <a:rPr lang="en-US">
+              <a:rPr lang="en-US" dirty="0">
                 <a:latin typeface="Consolas" panose="020B0609020204030204" pitchFamily="49" charset="0"/>
               </a:rPr>
               <a:t>inf = float("inf")</a:t>
@@ -20614,13 +13985,13 @@
           </a:p>
           <a:p>
             <a:r>
-              <a:rPr lang="en-US" err="1">
+              <a:rPr lang="en-US" dirty="0" err="1">
                 <a:latin typeface="Consolas" panose="020B0609020204030204" pitchFamily="49" charset="0"/>
               </a:rPr>
               <a:t>theMap</a:t>
             </a:r>
             <a:r>
-              <a:rPr lang="en-US">
+              <a:rPr lang="en-US" dirty="0">
                 <a:latin typeface="Consolas" panose="020B0609020204030204" pitchFamily="49" charset="0"/>
               </a:rPr>
               <a:t> = { 3 : -20.0, 90 : -90.0, 110 : 4.0 }</a:t>
@@ -20628,7 +13999,7 @@
           </a:p>
           <a:p>
             <a:r>
-              <a:rPr lang="en-US">
+              <a:rPr lang="en-US" dirty="0">
                 <a:latin typeface="Consolas" panose="020B0609020204030204" pitchFamily="49" charset="0"/>
               </a:rPr>
               <a:t>largest = -inf</a:t>
@@ -20636,19 +14007,19 @@
           </a:p>
           <a:p>
             <a:r>
-              <a:rPr lang="en-US">
+              <a:rPr lang="en-US" dirty="0">
                 <a:latin typeface="Consolas" panose="020B0609020204030204" pitchFamily="49" charset="0"/>
               </a:rPr>
               <a:t>for </a:t>
             </a:r>
             <a:r>
-              <a:rPr lang="en-US" err="1">
+              <a:rPr lang="en-US" dirty="0" err="1">
                 <a:latin typeface="Consolas" panose="020B0609020204030204" pitchFamily="49" charset="0"/>
               </a:rPr>
               <a:t>i</a:t>
             </a:r>
             <a:r>
-              <a:rPr lang="en-US">
+              <a:rPr lang="en-US" dirty="0">
                 <a:latin typeface="Consolas" panose="020B0609020204030204" pitchFamily="49" charset="0"/>
               </a:rPr>
               <a:t> in range(1, 101):</a:t>
@@ -20656,13 +14027,13 @@
           </a:p>
           <a:p>
             <a:r>
-              <a:rPr lang="en-US">
+              <a:rPr lang="en-US" dirty="0">
                 <a:latin typeface="Consolas" panose="020B0609020204030204" pitchFamily="49" charset="0"/>
               </a:rPr>
               <a:t>    largest = max(largest, </a:t>
             </a:r>
             <a:r>
-              <a:rPr lang="en-US" err="1">
+              <a:rPr lang="en-US" dirty="0" err="1">
                 <a:solidFill>
                   <a:srgbClr val="FFFF00"/>
                 </a:solidFill>
@@ -20671,7 +14042,7 @@
               <a:t>theMap.get</a:t>
             </a:r>
             <a:r>
-              <a:rPr lang="en-US">
+              <a:rPr lang="en-US" dirty="0">
                 <a:solidFill>
                   <a:srgbClr val="FFFF00"/>
                 </a:solidFill>
@@ -20680,7 +14051,7 @@
               <a:t>(</a:t>
             </a:r>
             <a:r>
-              <a:rPr lang="en-US" err="1">
+              <a:rPr lang="en-US" dirty="0" err="1">
                 <a:solidFill>
                   <a:srgbClr val="FFFF00"/>
                 </a:solidFill>
@@ -20689,16 +14060,34 @@
               <a:t>i</a:t>
             </a:r>
             <a:r>
-              <a:rPr lang="en-US">
+              <a:rPr lang="en-US" dirty="0">
                 <a:solidFill>
                   <a:srgbClr val="FFFF00"/>
                 </a:solidFill>
                 <a:latin typeface="Consolas" panose="020B0609020204030204" pitchFamily="49" charset="0"/>
               </a:rPr>
-              <a:t>, -inf)</a:t>
-            </a:r>
-            <a:r>
-              <a:rPr lang="en-US">
+              <a:t>).</a:t>
+            </a:r>
+            <a:r>
+              <a:rPr lang="en-US" dirty="0" err="1">
+                <a:solidFill>
+                  <a:srgbClr val="FFFF00"/>
+                </a:solidFill>
+                <a:latin typeface="Consolas" panose="020B0609020204030204" pitchFamily="49" charset="0"/>
+              </a:rPr>
+              <a:t>value_or</a:t>
+            </a:r>
+            <a:r>
+              <a:rPr lang="en-US" dirty="0">
+                <a:solidFill>
+                  <a:srgbClr val="FFFF00"/>
+                </a:solidFill>
+                <a:latin typeface="Consolas" panose="020B0609020204030204" pitchFamily="49" charset="0"/>
+              </a:rPr>
+              <a:t>(-inf)</a:t>
+            </a:r>
+            <a:r>
+              <a:rPr lang="en-US" dirty="0">
                 <a:latin typeface="Consolas" panose="020B0609020204030204" pitchFamily="49" charset="0"/>
               </a:rPr>
               <a:t>)</a:t>
@@ -21612,7 +15001,7 @@
           <a:p>
             <a:fld id="{D1A98742-6638-43AC-A30F-B0F4E802E4B2}" type="datetime1">
               <a:rPr lang="en-US" smtClean="0"/>
-              <a:t>2/26/2024</a:t>
+              <a:t>6/20/2025</a:t>
             </a:fld>
             <a:endParaRPr lang="en-US"/>
           </a:p>
@@ -21723,25 +15112,25 @@
           <a:lstStyle/>
           <a:p>
             <a:r>
-              <a:rPr lang="en-US" err="1">
+              <a:rPr lang="en-US" dirty="0" err="1">
                 <a:latin typeface="Consolas" panose="020B0609020204030204" pitchFamily="49" charset="0"/>
               </a:rPr>
               <a:t>unordered_map</a:t>
             </a:r>
             <a:r>
-              <a:rPr lang="en-US">
+              <a:rPr lang="en-US" dirty="0">
                 <a:latin typeface="Consolas" panose="020B0609020204030204" pitchFamily="49" charset="0"/>
               </a:rPr>
               <a:t>&lt;int, double&gt; </a:t>
             </a:r>
             <a:r>
-              <a:rPr lang="en-US" err="1">
+              <a:rPr lang="en-US" dirty="0" err="1">
                 <a:latin typeface="Consolas" panose="020B0609020204030204" pitchFamily="49" charset="0"/>
               </a:rPr>
               <a:t>theMap</a:t>
             </a:r>
             <a:r>
-              <a:rPr lang="en-US">
+              <a:rPr lang="en-US" dirty="0">
                 <a:latin typeface="Consolas" panose="020B0609020204030204" pitchFamily="49" charset="0"/>
               </a:rPr>
               <a:t> = { {3, -20.0}, {90, -90.0}, {110, 4.0} };</a:t>
@@ -21749,7 +15138,7 @@
           </a:p>
           <a:p>
             <a:r>
-              <a:rPr lang="en-US">
+              <a:rPr lang="en-US" dirty="0">
                 <a:latin typeface="Consolas" panose="020B0609020204030204" pitchFamily="49" charset="0"/>
               </a:rPr>
               <a:t>double largest = -HUGE_VAL;</a:t>
@@ -21757,43 +15146,43 @@
           </a:p>
           <a:p>
             <a:r>
-              <a:rPr lang="en-US">
+              <a:rPr lang="en-US" dirty="0">
                 <a:latin typeface="Consolas" panose="020B0609020204030204" pitchFamily="49" charset="0"/>
               </a:rPr>
               <a:t>for (int </a:t>
             </a:r>
             <a:r>
-              <a:rPr lang="en-US" err="1">
+              <a:rPr lang="en-US" dirty="0" err="1">
                 <a:latin typeface="Consolas" panose="020B0609020204030204" pitchFamily="49" charset="0"/>
               </a:rPr>
               <a:t>i</a:t>
             </a:r>
             <a:r>
-              <a:rPr lang="en-US">
+              <a:rPr lang="en-US" dirty="0">
                 <a:latin typeface="Consolas" panose="020B0609020204030204" pitchFamily="49" charset="0"/>
               </a:rPr>
               <a:t> = 1; </a:t>
             </a:r>
             <a:r>
-              <a:rPr lang="en-US" err="1">
+              <a:rPr lang="en-US" dirty="0" err="1">
                 <a:latin typeface="Consolas" panose="020B0609020204030204" pitchFamily="49" charset="0"/>
               </a:rPr>
               <a:t>i</a:t>
             </a:r>
             <a:r>
-              <a:rPr lang="en-US">
+              <a:rPr lang="en-US" dirty="0">
                 <a:latin typeface="Consolas" panose="020B0609020204030204" pitchFamily="49" charset="0"/>
               </a:rPr>
               <a:t> &lt;= 100; ++</a:t>
             </a:r>
             <a:r>
-              <a:rPr lang="en-US" err="1">
+              <a:rPr lang="en-US" dirty="0" err="1">
                 <a:latin typeface="Consolas" panose="020B0609020204030204" pitchFamily="49" charset="0"/>
               </a:rPr>
               <a:t>i</a:t>
             </a:r>
             <a:r>
-              <a:rPr lang="en-US">
+              <a:rPr lang="en-US" dirty="0">
                 <a:latin typeface="Consolas" panose="020B0609020204030204" pitchFamily="49" charset="0"/>
               </a:rPr>
               <a:t>)</a:t>
@@ -21801,13 +15190,13 @@
           </a:p>
           <a:p>
             <a:r>
-              <a:rPr lang="en-US">
+              <a:rPr lang="en-US" dirty="0">
                 <a:latin typeface="Consolas" panose="020B0609020204030204" pitchFamily="49" charset="0"/>
               </a:rPr>
               <a:t>  largest = std::max(largest, </a:t>
             </a:r>
             <a:r>
-              <a:rPr lang="en-US" err="1">
+              <a:rPr lang="en-US" dirty="0" err="1">
                 <a:solidFill>
                   <a:srgbClr val="FFFF00"/>
                 </a:solidFill>
@@ -21816,7 +15205,7 @@
               <a:t>theMap.get</a:t>
             </a:r>
             <a:r>
-              <a:rPr lang="en-US">
+              <a:rPr lang="en-US" dirty="0">
                 <a:solidFill>
                   <a:srgbClr val="FFFF00"/>
                 </a:solidFill>
@@ -21825,7 +15214,7 @@
               <a:t>(</a:t>
             </a:r>
             <a:r>
-              <a:rPr lang="en-US" err="1">
+              <a:rPr lang="en-US" dirty="0" err="1">
                 <a:solidFill>
                   <a:srgbClr val="FFFF00"/>
                 </a:solidFill>
@@ -21834,16 +15223,34 @@
               <a:t>i</a:t>
             </a:r>
             <a:r>
-              <a:rPr lang="en-US">
+              <a:rPr lang="en-US" dirty="0">
                 <a:solidFill>
                   <a:srgbClr val="FFFF00"/>
                 </a:solidFill>
                 <a:latin typeface="Consolas" panose="020B0609020204030204" pitchFamily="49" charset="0"/>
               </a:rPr>
-              <a:t>, -HUGE_VAL)</a:t>
-            </a:r>
-            <a:r>
-              <a:rPr lang="en-US">
+              <a:t>).</a:t>
+            </a:r>
+            <a:r>
+              <a:rPr lang="en-US" dirty="0" err="1">
+                <a:solidFill>
+                  <a:srgbClr val="FFFF00"/>
+                </a:solidFill>
+                <a:latin typeface="Consolas" panose="020B0609020204030204" pitchFamily="49" charset="0"/>
+              </a:rPr>
+              <a:t>value_or</a:t>
+            </a:r>
+            <a:r>
+              <a:rPr lang="en-US" dirty="0">
+                <a:solidFill>
+                  <a:srgbClr val="FFFF00"/>
+                </a:solidFill>
+                <a:latin typeface="Consolas" panose="020B0609020204030204" pitchFamily="49" charset="0"/>
+              </a:rPr>
+              <a:t>(-HUGE_VAL)</a:t>
+            </a:r>
+            <a:r>
+              <a:rPr lang="en-US" dirty="0">
                 <a:latin typeface="Consolas" panose="020B0609020204030204" pitchFamily="49" charset="0"/>
               </a:rPr>
               <a:t>);</a:t>
@@ -22819,13 +16226,13 @@
                 <a:latin typeface="Courier New" panose="02070309020205020404" pitchFamily="49" charset="0"/>
                 <a:cs typeface="Courier New" panose="02070309020205020404" pitchFamily="49" charset="0"/>
               </a:rPr>
-              <a:t>std::map</a:t>
+              <a:t>std::map,</a:t>
             </a:r>
             <a:r>
               <a:rPr lang="en-US" dirty="0">
                 <a:cs typeface="Courier New" panose="02070309020205020404" pitchFamily="49" charset="0"/>
               </a:rPr>
-              <a:t> and </a:t>
+              <a:t> </a:t>
             </a:r>
             <a:r>
               <a:rPr lang="en-US" dirty="0">
@@ -22845,6 +16252,26 @@
               <a:rPr lang="en-US" dirty="0">
                 <a:cs typeface="Courier New" panose="02070309020205020404" pitchFamily="49" charset="0"/>
               </a:rPr>
+              <a:t>, and </a:t>
+            </a:r>
+            <a:r>
+              <a:rPr lang="en-US" dirty="0">
+                <a:latin typeface="Courier New" panose="02070309020205020404" pitchFamily="49" charset="0"/>
+                <a:cs typeface="Courier New" panose="02070309020205020404" pitchFamily="49" charset="0"/>
+              </a:rPr>
+              <a:t>std::</a:t>
+            </a:r>
+            <a:r>
+              <a:rPr lang="en-US" dirty="0" err="1">
+                <a:latin typeface="Courier New" panose="02070309020205020404" pitchFamily="49" charset="0"/>
+                <a:cs typeface="Courier New" panose="02070309020205020404" pitchFamily="49" charset="0"/>
+              </a:rPr>
+              <a:t>flat_map</a:t>
+            </a:r>
+            <a:r>
+              <a:rPr lang="en-US" dirty="0">
+                <a:cs typeface="Courier New" panose="02070309020205020404" pitchFamily="49" charset="0"/>
+              </a:rPr>
               <a:t>:</a:t>
             </a:r>
           </a:p>
@@ -22853,94 +16280,46 @@
               <a:buNone/>
             </a:pPr>
             <a:r>
+              <a:rPr lang="en-US" sz="1800" dirty="0" err="1">
+                <a:latin typeface="Consolas" panose="020B0609020204030204" pitchFamily="49" charset="0"/>
+                <a:cs typeface="Courier New" panose="02070309020205020404" pitchFamily="49" charset="0"/>
+              </a:rPr>
+              <a:t>constexpr</a:t>
+            </a:r>
+            <a:r>
               <a:rPr lang="en-US" sz="1800" dirty="0">
                 <a:latin typeface="Consolas" panose="020B0609020204030204" pitchFamily="49" charset="0"/>
                 <a:cs typeface="Courier New" panose="02070309020205020404" pitchFamily="49" charset="0"/>
               </a:rPr>
-              <a:t>template &lt;class... </a:t>
+              <a:t> optional&lt;      </a:t>
             </a:r>
             <a:r>
               <a:rPr lang="en-US" sz="1800" dirty="0" err="1">
                 <a:latin typeface="Consolas" panose="020B0609020204030204" pitchFamily="49" charset="0"/>
                 <a:cs typeface="Courier New" panose="02070309020205020404" pitchFamily="49" charset="0"/>
               </a:rPr>
-              <a:t>Args</a:t>
+              <a:t>mapped_type</a:t>
             </a:r>
             <a:r>
               <a:rPr lang="en-US" sz="1800" dirty="0">
                 <a:latin typeface="Consolas" panose="020B0609020204030204" pitchFamily="49" charset="0"/>
                 <a:cs typeface="Courier New" panose="02070309020205020404" pitchFamily="49" charset="0"/>
               </a:rPr>
-              <a:t>&gt;</a:t>
-            </a:r>
-            <a:br>
+              <a:t>&amp;&gt; get(const </a:t>
+            </a:r>
+            <a:r>
+              <a:rPr lang="en-US" sz="1800" dirty="0" err="1">
+                <a:latin typeface="Consolas" panose="020B0609020204030204" pitchFamily="49" charset="0"/>
+                <a:cs typeface="Courier New" panose="02070309020205020404" pitchFamily="49" charset="0"/>
+              </a:rPr>
+              <a:t>key_type</a:t>
+            </a:r>
+            <a:r>
               <a:rPr lang="en-US" sz="1800" dirty="0">
                 <a:latin typeface="Consolas" panose="020B0609020204030204" pitchFamily="49" charset="0"/>
                 <a:cs typeface="Courier New" panose="02070309020205020404" pitchFamily="49" charset="0"/>
               </a:rPr>
-            </a:br>
-            <a:r>
-              <a:rPr lang="en-US" sz="1800" dirty="0">
-                <a:latin typeface="Consolas" panose="020B0609020204030204" pitchFamily="49" charset="0"/>
-                <a:cs typeface="Courier New" panose="02070309020205020404" pitchFamily="49" charset="0"/>
-              </a:rPr>
-              <a:t>  </a:t>
-            </a:r>
-            <a:r>
-              <a:rPr lang="en-US" sz="1800" dirty="0" err="1">
-                <a:latin typeface="Consolas" panose="020B0609020204030204" pitchFamily="49" charset="0"/>
-                <a:cs typeface="Courier New" panose="02070309020205020404" pitchFamily="49" charset="0"/>
-              </a:rPr>
-              <a:t>mapped_type</a:t>
-            </a:r>
-            <a:r>
-              <a:rPr lang="en-US" sz="1800" dirty="0">
-                <a:latin typeface="Consolas" panose="020B0609020204030204" pitchFamily="49" charset="0"/>
-                <a:cs typeface="Courier New" panose="02070309020205020404" pitchFamily="49" charset="0"/>
-              </a:rPr>
-              <a:t> get(const </a:t>
-            </a:r>
-            <a:r>
-              <a:rPr lang="en-US" sz="1800" dirty="0" err="1">
-                <a:latin typeface="Consolas" panose="020B0609020204030204" pitchFamily="49" charset="0"/>
-                <a:cs typeface="Courier New" panose="02070309020205020404" pitchFamily="49" charset="0"/>
-              </a:rPr>
-              <a:t>key_type</a:t>
-            </a:r>
-            <a:r>
-              <a:rPr lang="en-US" sz="1800" dirty="0">
-                <a:latin typeface="Consolas" panose="020B0609020204030204" pitchFamily="49" charset="0"/>
-                <a:cs typeface="Courier New" panose="02070309020205020404" pitchFamily="49" charset="0"/>
-              </a:rPr>
-              <a:t>&amp; key, </a:t>
-            </a:r>
-            <a:r>
-              <a:rPr lang="en-US" sz="1800" dirty="0" err="1">
-                <a:latin typeface="Consolas" panose="020B0609020204030204" pitchFamily="49" charset="0"/>
-                <a:cs typeface="Courier New" panose="02070309020205020404" pitchFamily="49" charset="0"/>
-              </a:rPr>
-              <a:t>Args</a:t>
-            </a:r>
-            <a:r>
-              <a:rPr lang="en-US" sz="1800" dirty="0">
-                <a:latin typeface="Consolas" panose="020B0609020204030204" pitchFamily="49" charset="0"/>
-                <a:cs typeface="Courier New" panose="02070309020205020404" pitchFamily="49" charset="0"/>
-              </a:rPr>
-              <a:t>&amp;&amp;... </a:t>
-            </a:r>
-            <a:r>
-              <a:rPr lang="en-US" sz="1800" dirty="0" err="1">
-                <a:latin typeface="Consolas" panose="020B0609020204030204" pitchFamily="49" charset="0"/>
-                <a:cs typeface="Courier New" panose="02070309020205020404" pitchFamily="49" charset="0"/>
-              </a:rPr>
-              <a:t>args</a:t>
-            </a:r>
-            <a:r>
-              <a:rPr lang="en-US" sz="1800" dirty="0">
-                <a:latin typeface="Consolas" panose="020B0609020204030204" pitchFamily="49" charset="0"/>
-                <a:cs typeface="Courier New" panose="02070309020205020404" pitchFamily="49" charset="0"/>
-              </a:rPr>
-              <a:t>) const;</a:t>
+              <a:t>&amp; key);</a:t>
             </a:r>
           </a:p>
           <a:p>
@@ -22948,188 +16327,80 @@
               <a:buNone/>
             </a:pPr>
             <a:r>
+              <a:rPr lang="en-US" sz="1800" dirty="0" err="1">
+                <a:latin typeface="Consolas" panose="020B0609020204030204" pitchFamily="49" charset="0"/>
+                <a:cs typeface="Courier New" panose="02070309020205020404" pitchFamily="49" charset="0"/>
+              </a:rPr>
+              <a:t>constexpr</a:t>
+            </a:r>
+            <a:r>
               <a:rPr lang="en-US" sz="1800" dirty="0">
                 <a:latin typeface="Consolas" panose="020B0609020204030204" pitchFamily="49" charset="0"/>
                 <a:cs typeface="Courier New" panose="02070309020205020404" pitchFamily="49" charset="0"/>
               </a:rPr>
-              <a:t>template &lt;class Arg&gt;</a:t>
-            </a:r>
-            <a:br>
+              <a:t> optional&lt;</a:t>
+            </a:r>
+            <a:r>
               <a:rPr lang="en-US" sz="1800" dirty="0">
+                <a:solidFill>
+                  <a:schemeClr val="accent1"/>
+                </a:solidFill>
                 <a:latin typeface="Consolas" panose="020B0609020204030204" pitchFamily="49" charset="0"/>
                 <a:cs typeface="Courier New" panose="02070309020205020404" pitchFamily="49" charset="0"/>
               </a:rPr>
-            </a:br>
+              <a:t>const</a:t>
+            </a:r>
             <a:r>
               <a:rPr lang="en-US" sz="1800" dirty="0">
                 <a:latin typeface="Consolas" panose="020B0609020204030204" pitchFamily="49" charset="0"/>
                 <a:cs typeface="Courier New" panose="02070309020205020404" pitchFamily="49" charset="0"/>
               </a:rPr>
-              <a:t>  </a:t>
+              <a:t> </a:t>
             </a:r>
             <a:r>
               <a:rPr lang="en-US" sz="1800" dirty="0" err="1">
                 <a:latin typeface="Consolas" panose="020B0609020204030204" pitchFamily="49" charset="0"/>
                 <a:cs typeface="Courier New" panose="02070309020205020404" pitchFamily="49" charset="0"/>
               </a:rPr>
-              <a:t>common_reference_t</a:t>
+              <a:t>mapped_type</a:t>
             </a:r>
             <a:r>
               <a:rPr lang="en-US" sz="1800" dirty="0">
                 <a:latin typeface="Consolas" panose="020B0609020204030204" pitchFamily="49" charset="0"/>
                 <a:cs typeface="Courier New" panose="02070309020205020404" pitchFamily="49" charset="0"/>
               </a:rPr>
-              <a:t>&lt;      </a:t>
+              <a:t>&amp;&gt; get(const </a:t>
             </a:r>
             <a:r>
               <a:rPr lang="en-US" sz="1800" dirty="0" err="1">
                 <a:latin typeface="Consolas" panose="020B0609020204030204" pitchFamily="49" charset="0"/>
                 <a:cs typeface="Courier New" panose="02070309020205020404" pitchFamily="49" charset="0"/>
               </a:rPr>
-              <a:t>mapped_type</a:t>
+              <a:t>key_type</a:t>
             </a:r>
             <a:r>
               <a:rPr lang="en-US" sz="1800" dirty="0">
                 <a:latin typeface="Consolas" panose="020B0609020204030204" pitchFamily="49" charset="0"/>
                 <a:cs typeface="Courier New" panose="02070309020205020404" pitchFamily="49" charset="0"/>
               </a:rPr>
-              <a:t>&amp;, Arg&amp;&gt;</a:t>
-            </a:r>
-            <a:br>
+              <a:t>&amp; key) </a:t>
+            </a:r>
+            <a:r>
               <a:rPr lang="en-US" sz="1800" dirty="0">
+                <a:solidFill>
+                  <a:schemeClr val="accent1"/>
+                </a:solidFill>
                 <a:latin typeface="Consolas" panose="020B0609020204030204" pitchFamily="49" charset="0"/>
                 <a:cs typeface="Courier New" panose="02070309020205020404" pitchFamily="49" charset="0"/>
               </a:rPr>
-            </a:br>
+              <a:t>const</a:t>
+            </a:r>
             <a:r>
               <a:rPr lang="en-US" sz="1800" dirty="0">
                 <a:latin typeface="Consolas" panose="020B0609020204030204" pitchFamily="49" charset="0"/>
                 <a:cs typeface="Courier New" panose="02070309020205020404" pitchFamily="49" charset="0"/>
               </a:rPr>
-              <a:t>    </a:t>
-            </a:r>
-            <a:r>
-              <a:rPr lang="en-US" sz="1800" dirty="0" err="1">
-                <a:latin typeface="Consolas" panose="020B0609020204030204" pitchFamily="49" charset="0"/>
-                <a:cs typeface="Courier New" panose="02070309020205020404" pitchFamily="49" charset="0"/>
-              </a:rPr>
-              <a:t>get_ref</a:t>
-            </a:r>
-            <a:r>
-              <a:rPr lang="en-US" sz="1800" dirty="0">
-                <a:latin typeface="Consolas" panose="020B0609020204030204" pitchFamily="49" charset="0"/>
-                <a:cs typeface="Courier New" panose="02070309020205020404" pitchFamily="49" charset="0"/>
-              </a:rPr>
-              <a:t>(const </a:t>
-            </a:r>
-            <a:r>
-              <a:rPr lang="en-US" sz="1800" dirty="0" err="1">
-                <a:latin typeface="Consolas" panose="020B0609020204030204" pitchFamily="49" charset="0"/>
-                <a:cs typeface="Courier New" panose="02070309020205020404" pitchFamily="49" charset="0"/>
-              </a:rPr>
-              <a:t>key_type</a:t>
-            </a:r>
-            <a:r>
-              <a:rPr lang="en-US" sz="1800" dirty="0">
-                <a:latin typeface="Consolas" panose="020B0609020204030204" pitchFamily="49" charset="0"/>
-                <a:cs typeface="Courier New" panose="02070309020205020404" pitchFamily="49" charset="0"/>
-              </a:rPr>
-              <a:t>&amp; key, Arg&amp; ref)      ;</a:t>
-            </a:r>
-          </a:p>
-          <a:p>
-            <a:pPr marL="457200" lvl="1" indent="0">
-              <a:buNone/>
-            </a:pPr>
-            <a:r>
-              <a:rPr lang="en-US" sz="1800" dirty="0">
-                <a:latin typeface="Consolas" panose="020B0609020204030204" pitchFamily="49" charset="0"/>
-                <a:cs typeface="Courier New" panose="02070309020205020404" pitchFamily="49" charset="0"/>
-              </a:rPr>
-              <a:t>template &lt;class R, class... </a:t>
-            </a:r>
-            <a:r>
-              <a:rPr lang="en-US" sz="1800" dirty="0" err="1">
-                <a:latin typeface="Consolas" panose="020B0609020204030204" pitchFamily="49" charset="0"/>
-                <a:cs typeface="Courier New" panose="02070309020205020404" pitchFamily="49" charset="0"/>
-              </a:rPr>
-              <a:t>Args</a:t>
-            </a:r>
-            <a:r>
-              <a:rPr lang="en-US" sz="1800" dirty="0">
-                <a:latin typeface="Consolas" panose="020B0609020204030204" pitchFamily="49" charset="0"/>
-                <a:cs typeface="Courier New" panose="02070309020205020404" pitchFamily="49" charset="0"/>
-              </a:rPr>
-              <a:t>&gt;</a:t>
-            </a:r>
-            <a:br>
-              <a:rPr lang="en-US" sz="1800" dirty="0">
-                <a:latin typeface="Consolas" panose="020B0609020204030204" pitchFamily="49" charset="0"/>
-                <a:cs typeface="Courier New" panose="02070309020205020404" pitchFamily="49" charset="0"/>
-              </a:rPr>
-            </a:br>
-            <a:r>
-              <a:rPr lang="en-US" sz="1800" dirty="0">
-                <a:latin typeface="Consolas" panose="020B0609020204030204" pitchFamily="49" charset="0"/>
-                <a:cs typeface="Courier New" panose="02070309020205020404" pitchFamily="49" charset="0"/>
-              </a:rPr>
-              <a:t>  R </a:t>
-            </a:r>
-            <a:r>
-              <a:rPr lang="en-US" sz="1800" dirty="0" err="1">
-                <a:latin typeface="Consolas" panose="020B0609020204030204" pitchFamily="49" charset="0"/>
-                <a:cs typeface="Courier New" panose="02070309020205020404" pitchFamily="49" charset="0"/>
-              </a:rPr>
-              <a:t>get_as</a:t>
-            </a:r>
-            <a:r>
-              <a:rPr lang="en-US" sz="1800" dirty="0">
-                <a:latin typeface="Consolas" panose="020B0609020204030204" pitchFamily="49" charset="0"/>
-                <a:cs typeface="Courier New" panose="02070309020205020404" pitchFamily="49" charset="0"/>
-              </a:rPr>
-              <a:t>(const </a:t>
-            </a:r>
-            <a:r>
-              <a:rPr lang="en-US" sz="1800" dirty="0" err="1">
-                <a:latin typeface="Consolas" panose="020B0609020204030204" pitchFamily="49" charset="0"/>
-                <a:cs typeface="Courier New" panose="02070309020205020404" pitchFamily="49" charset="0"/>
-              </a:rPr>
-              <a:t>key_type</a:t>
-            </a:r>
-            <a:r>
-              <a:rPr lang="en-US" sz="1800" dirty="0">
-                <a:latin typeface="Consolas" panose="020B0609020204030204" pitchFamily="49" charset="0"/>
-                <a:cs typeface="Courier New" panose="02070309020205020404" pitchFamily="49" charset="0"/>
-              </a:rPr>
-              <a:t>&amp; key, </a:t>
-            </a:r>
-            <a:r>
-              <a:rPr lang="en-US" sz="1800" dirty="0" err="1">
-                <a:latin typeface="Consolas" panose="020B0609020204030204" pitchFamily="49" charset="0"/>
-                <a:cs typeface="Courier New" panose="02070309020205020404" pitchFamily="49" charset="0"/>
-              </a:rPr>
-              <a:t>Args</a:t>
-            </a:r>
-            <a:r>
-              <a:rPr lang="en-US" sz="1800" dirty="0">
-                <a:latin typeface="Consolas" panose="020B0609020204030204" pitchFamily="49" charset="0"/>
-                <a:cs typeface="Courier New" panose="02070309020205020404" pitchFamily="49" charset="0"/>
-              </a:rPr>
-              <a:t>&amp;&amp;... </a:t>
-            </a:r>
-            <a:r>
-              <a:rPr lang="en-US" sz="1800" dirty="0" err="1">
-                <a:latin typeface="Consolas" panose="020B0609020204030204" pitchFamily="49" charset="0"/>
-                <a:cs typeface="Courier New" panose="02070309020205020404" pitchFamily="49" charset="0"/>
-              </a:rPr>
-              <a:t>args</a:t>
-            </a:r>
-            <a:r>
-              <a:rPr lang="en-US" sz="1800" dirty="0">
-                <a:latin typeface="Consolas" panose="020B0609020204030204" pitchFamily="49" charset="0"/>
-                <a:cs typeface="Courier New" panose="02070309020205020404" pitchFamily="49" charset="0"/>
-              </a:rPr>
-              <a:t>)      ;</a:t>
+              <a:t>;</a:t>
             </a:r>
           </a:p>
           <a:p>
@@ -23166,7 +16437,7 @@
           <a:p>
             <a:fld id="{D1A98742-6638-43AC-A30F-B0F4E802E4B2}" type="datetime1">
               <a:rPr lang="en-US" smtClean="0"/>
-              <a:t>2/26/2024</a:t>
+              <a:t>6/20/2025</a:t>
             </a:fld>
             <a:endParaRPr lang="en-US"/>
           </a:p>
@@ -23230,126 +16501,6 @@
           </a:p>
         </p:txBody>
       </p:sp>
-      <p:sp>
-        <p:nvSpPr>
-          <p:cNvPr id="7" name="TextBox 6">
-            <a:extLst>
-              <a:ext uri="{FF2B5EF4-FFF2-40B4-BE49-F238E27FC236}">
-                <a16:creationId xmlns:a16="http://schemas.microsoft.com/office/drawing/2014/main" id="{395AE34B-1372-C37F-0AEF-7F5ECC7433E1}"/>
-              </a:ext>
-            </a:extLst>
-          </p:cNvPr>
-          <p:cNvSpPr txBox="1"/>
-          <p:nvPr/>
-        </p:nvSpPr>
-        <p:spPr>
-          <a:xfrm>
-            <a:off x="7337685" y="3979889"/>
-            <a:ext cx="824459" cy="369332"/>
-          </a:xfrm>
-          <a:prstGeom prst="rect">
-            <a:avLst/>
-          </a:prstGeom>
-          <a:noFill/>
-        </p:spPr>
-        <p:txBody>
-          <a:bodyPr wrap="square" rtlCol="0">
-            <a:spAutoFit/>
-          </a:bodyPr>
-          <a:lstStyle/>
-          <a:p>
-            <a:r>
-              <a:rPr lang="en-US">
-                <a:solidFill>
-                  <a:srgbClr val="00B0F0"/>
-                </a:solidFill>
-                <a:latin typeface="Consolas" panose="020B0609020204030204" pitchFamily="49" charset="0"/>
-              </a:rPr>
-              <a:t>const</a:t>
-            </a:r>
-          </a:p>
-        </p:txBody>
-      </p:sp>
-      <p:sp>
-        <p:nvSpPr>
-          <p:cNvPr id="8" name="TextBox 7">
-            <a:extLst>
-              <a:ext uri="{FF2B5EF4-FFF2-40B4-BE49-F238E27FC236}">
-                <a16:creationId xmlns:a16="http://schemas.microsoft.com/office/drawing/2014/main" id="{BF6F4DE5-5A77-37E0-C96F-193F64E35868}"/>
-              </a:ext>
-            </a:extLst>
-          </p:cNvPr>
-          <p:cNvSpPr txBox="1"/>
-          <p:nvPr/>
-        </p:nvSpPr>
-        <p:spPr>
-          <a:xfrm>
-            <a:off x="4567430" y="3699488"/>
-            <a:ext cx="824459" cy="369332"/>
-          </a:xfrm>
-          <a:prstGeom prst="rect">
-            <a:avLst/>
-          </a:prstGeom>
-          <a:noFill/>
-        </p:spPr>
-        <p:txBody>
-          <a:bodyPr wrap="square" rtlCol="0">
-            <a:spAutoFit/>
-          </a:bodyPr>
-          <a:lstStyle/>
-          <a:p>
-            <a:r>
-              <a:rPr lang="en-US">
-                <a:solidFill>
-                  <a:srgbClr val="00B0F0"/>
-                </a:solidFill>
-                <a:latin typeface="Consolas" panose="020B0609020204030204" pitchFamily="49" charset="0"/>
-              </a:rPr>
-              <a:t>const</a:t>
-            </a:r>
-          </a:p>
-        </p:txBody>
-      </p:sp>
-      <p:sp>
-        <p:nvSpPr>
-          <p:cNvPr id="9" name="TextBox 8">
-            <a:extLst>
-              <a:ext uri="{FF2B5EF4-FFF2-40B4-BE49-F238E27FC236}">
-                <a16:creationId xmlns:a16="http://schemas.microsoft.com/office/drawing/2014/main" id="{DAFB1811-9BC2-BD35-1A39-AF67599FE3C2}"/>
-              </a:ext>
-            </a:extLst>
-          </p:cNvPr>
-          <p:cNvSpPr txBox="1"/>
-          <p:nvPr/>
-        </p:nvSpPr>
-        <p:spPr>
-          <a:xfrm>
-            <a:off x="7954780" y="4664499"/>
-            <a:ext cx="824459" cy="369332"/>
-          </a:xfrm>
-          <a:prstGeom prst="rect">
-            <a:avLst/>
-          </a:prstGeom>
-          <a:noFill/>
-        </p:spPr>
-        <p:txBody>
-          <a:bodyPr wrap="square" rtlCol="0">
-            <a:spAutoFit/>
-          </a:bodyPr>
-          <a:lstStyle/>
-          <a:p>
-            <a:r>
-              <a:rPr lang="en-US">
-                <a:solidFill>
-                  <a:srgbClr val="00B0F0"/>
-                </a:solidFill>
-                <a:latin typeface="Consolas" panose="020B0609020204030204" pitchFamily="49" charset="0"/>
-              </a:rPr>
-              <a:t>const</a:t>
-            </a:r>
-          </a:p>
-        </p:txBody>
-      </p:sp>
     </p:spTree>
     <p:extLst>
       <p:ext uri="{BB962C8B-B14F-4D97-AF65-F5344CB8AC3E}">
@@ -23360,158 +16511,6 @@
   <p:clrMapOvr>
     <a:masterClrMapping/>
   </p:clrMapOvr>
-  <p:timing>
-    <p:tnLst>
-      <p:par>
-        <p:cTn id="1" dur="indefinite" restart="never" nodeType="tmRoot">
-          <p:childTnLst>
-            <p:seq concurrent="1" nextAc="seek">
-              <p:cTn id="2" dur="indefinite" nodeType="mainSeq">
-                <p:childTnLst>
-                  <p:par>
-                    <p:cTn id="3" fill="hold">
-                      <p:stCondLst>
-                        <p:cond delay="indefinite"/>
-                        <p:cond evt="onBegin" delay="0">
-                          <p:tn val="2"/>
-                        </p:cond>
-                      </p:stCondLst>
-                      <p:childTnLst>
-                        <p:par>
-                          <p:cTn id="4" fill="hold">
-                            <p:stCondLst>
-                              <p:cond delay="0"/>
-                            </p:stCondLst>
-                            <p:childTnLst>
-                              <p:par>
-                                <p:cTn id="5" presetID="35" presetClass="emph" presetSubtype="0" repeatCount="indefinite" fill="hold" grpId="0" nodeType="withEffect">
-                                  <p:stCondLst>
-                                    <p:cond delay="0"/>
-                                  </p:stCondLst>
-                                  <p:childTnLst>
-                                    <p:anim calcmode="discrete" valueType="str">
-                                      <p:cBhvr>
-                                        <p:cTn id="6" dur="2000" fill="hold"/>
-                                        <p:tgtEl>
-                                          <p:spTgt spid="8"/>
-                                        </p:tgtEl>
-                                        <p:attrNameLst>
-                                          <p:attrName>style.visibility</p:attrName>
-                                        </p:attrNameLst>
-                                      </p:cBhvr>
-                                      <p:tavLst>
-                                        <p:tav tm="0">
-                                          <p:val>
-                                            <p:strVal val="hidden"/>
-                                          </p:val>
-                                        </p:tav>
-                                        <p:tav tm="50000">
-                                          <p:val>
-                                            <p:strVal val="visible"/>
-                                          </p:val>
-                                        </p:tav>
-                                      </p:tavLst>
-                                    </p:anim>
-                                  </p:childTnLst>
-                                </p:cTn>
-                              </p:par>
-                              <p:par>
-                                <p:cTn id="7" presetID="35" presetClass="emph" presetSubtype="0" repeatCount="indefinite" fill="hold" grpId="0" nodeType="withEffect">
-                                  <p:stCondLst>
-                                    <p:cond delay="0"/>
-                                  </p:stCondLst>
-                                  <p:childTnLst>
-                                    <p:anim calcmode="discrete" valueType="str">
-                                      <p:cBhvr>
-                                        <p:cTn id="8" dur="2000" fill="hold"/>
-                                        <p:tgtEl>
-                                          <p:spTgt spid="7"/>
-                                        </p:tgtEl>
-                                        <p:attrNameLst>
-                                          <p:attrName>style.visibility</p:attrName>
-                                        </p:attrNameLst>
-                                      </p:cBhvr>
-                                      <p:tavLst>
-                                        <p:tav tm="0">
-                                          <p:val>
-                                            <p:strVal val="hidden"/>
-                                          </p:val>
-                                        </p:tav>
-                                        <p:tav tm="50000">
-                                          <p:val>
-                                            <p:strVal val="visible"/>
-                                          </p:val>
-                                        </p:tav>
-                                      </p:tavLst>
-                                    </p:anim>
-                                  </p:childTnLst>
-                                </p:cTn>
-                              </p:par>
-                              <p:par>
-                                <p:cTn id="9" presetID="35" presetClass="emph" presetSubtype="0" repeatCount="indefinite" fill="hold" grpId="0" nodeType="withEffect">
-                                  <p:stCondLst>
-                                    <p:cond delay="0"/>
-                                  </p:stCondLst>
-                                  <p:childTnLst>
-                                    <p:anim calcmode="discrete" valueType="str">
-                                      <p:cBhvr>
-                                        <p:cTn id="10" dur="2000" fill="hold"/>
-                                        <p:tgtEl>
-                                          <p:spTgt spid="9"/>
-                                        </p:tgtEl>
-                                        <p:attrNameLst>
-                                          <p:attrName>style.visibility</p:attrName>
-                                        </p:attrNameLst>
-                                      </p:cBhvr>
-                                      <p:tavLst>
-                                        <p:tav tm="0">
-                                          <p:val>
-                                            <p:strVal val="hidden"/>
-                                          </p:val>
-                                        </p:tav>
-                                        <p:tav tm="50000">
-                                          <p:val>
-                                            <p:strVal val="visible"/>
-                                          </p:val>
-                                        </p:tav>
-                                      </p:tavLst>
-                                    </p:anim>
-                                  </p:childTnLst>
-                                </p:cTn>
-                              </p:par>
-                            </p:childTnLst>
-                          </p:cTn>
-                        </p:par>
-                      </p:childTnLst>
-                    </p:cTn>
-                  </p:par>
-                </p:childTnLst>
-              </p:cTn>
-              <p:prevCondLst>
-                <p:cond evt="onPrev" delay="0">
-                  <p:tgtEl>
-                    <p:sldTgt/>
-                  </p:tgtEl>
-                </p:cond>
-              </p:prevCondLst>
-              <p:nextCondLst>
-                <p:cond evt="onNext" delay="0">
-                  <p:tgtEl>
-                    <p:sldTgt/>
-                  </p:tgtEl>
-                </p:cond>
-              </p:nextCondLst>
-            </p:seq>
-          </p:childTnLst>
-        </p:cTn>
-      </p:par>
-    </p:tnLst>
-    <p:bldLst>
-      <p:bldP spid="7" grpId="0"/>
-      <p:bldP spid="8" grpId="0"/>
-      <p:bldP spid="9" grpId="0"/>
-    </p:bldLst>
-  </p:timing>
 </p:sld>
 </file>
 
@@ -23537,7 +16536,7 @@
           <p:cNvPr id="2" name="Title 1">
             <a:extLst>
               <a:ext uri="{FF2B5EF4-FFF2-40B4-BE49-F238E27FC236}">
-                <a16:creationId xmlns:a16="http://schemas.microsoft.com/office/drawing/2014/main" id="{8686B369-1FD6-431C-DCA2-E5116916E981}"/>
+                <a16:creationId xmlns:a16="http://schemas.microsoft.com/office/drawing/2014/main" id="{944A9E62-3487-091C-576C-0C1427EB3203}"/>
               </a:ext>
             </a:extLst>
           </p:cNvPr>
@@ -23554,19 +16553,18 @@
           <a:lstStyle/>
           <a:p>
             <a:r>
-              <a:rPr lang="en-US" dirty="0" err="1"/>
-              <a:t>get_ref</a:t>
-            </a:r>
-            <a:endParaRPr lang="en-US" dirty="0"/>
-          </a:p>
-        </p:txBody>
-      </p:sp>
-      <p:sp>
-        <p:nvSpPr>
-          <p:cNvPr id="3" name="Content Placeholder 2">
+              <a:rPr lang="en-US"/>
+              <a:t>Use in initializing a variable</a:t>
+            </a:r>
+          </a:p>
+        </p:txBody>
+      </p:sp>
+      <p:sp>
+        <p:nvSpPr>
+          <p:cNvPr id="3" name="Text Placeholder 2">
             <a:extLst>
               <a:ext uri="{FF2B5EF4-FFF2-40B4-BE49-F238E27FC236}">
-                <a16:creationId xmlns:a16="http://schemas.microsoft.com/office/drawing/2014/main" id="{6339EF98-9CDE-A192-207A-5D4EBF7F12A7}"/>
+                <a16:creationId xmlns:a16="http://schemas.microsoft.com/office/drawing/2014/main" id="{80698388-98EF-4F9A-21B5-9031F0590955}"/>
               </a:ext>
             </a:extLst>
           </p:cNvPr>
@@ -23574,7 +16572,7 @@
             <a:spLocks noGrp="1"/>
           </p:cNvSpPr>
           <p:nvPr>
-            <p:ph idx="1"/>
+            <p:ph type="body" idx="1"/>
           </p:nvPr>
         </p:nvSpPr>
         <p:spPr/>
@@ -23583,57 +16581,748 @@
           <a:lstStyle/>
           <a:p>
             <a:r>
-              <a:rPr lang="en-US" err="1">
-                <a:latin typeface="Courier New" panose="02070309020205020404" pitchFamily="49" charset="0"/>
-                <a:cs typeface="Courier New" panose="02070309020205020404" pitchFamily="49" charset="0"/>
-              </a:rPr>
-              <a:t>get_ref</a:t>
-            </a:r>
-            <a:r>
               <a:rPr lang="en-US"/>
-              <a:t> works like </a:t>
-            </a:r>
-            <a:r>
-              <a:rPr lang="en-US">
-                <a:latin typeface="Courier New" panose="02070309020205020404" pitchFamily="49" charset="0"/>
-                <a:cs typeface="Courier New" panose="02070309020205020404" pitchFamily="49" charset="0"/>
-              </a:rPr>
-              <a:t>get</a:t>
-            </a:r>
-            <a:r>
-              <a:rPr lang="en-US"/>
-              <a:t> except it returns a reference</a:t>
-            </a:r>
-          </a:p>
-          <a:p>
-            <a:pPr lvl="1"/>
-            <a:r>
-              <a:rPr lang="en-US"/>
-              <a:t>When copy construction is expensive</a:t>
-            </a:r>
-          </a:p>
-          <a:p>
-            <a:pPr lvl="1"/>
-            <a:r>
-              <a:rPr lang="en-US"/>
-              <a:t>When you need to inspect the address of the item</a:t>
-            </a:r>
-          </a:p>
-          <a:p>
-            <a:pPr lvl="1"/>
-            <a:r>
-              <a:rPr lang="en-US"/>
-              <a:t>When you need to modify the item</a:t>
-            </a:r>
-          </a:p>
-        </p:txBody>
-      </p:sp>
-      <p:sp>
-        <p:nvSpPr>
-          <p:cNvPr id="4" name="Date Placeholder 3">
+              <a:t>Before</a:t>
+            </a:r>
+          </a:p>
+        </p:txBody>
+      </p:sp>
+      <p:sp>
+        <p:nvSpPr>
+          <p:cNvPr id="4" name="Content Placeholder 3">
             <a:extLst>
               <a:ext uri="{FF2B5EF4-FFF2-40B4-BE49-F238E27FC236}">
-                <a16:creationId xmlns:a16="http://schemas.microsoft.com/office/drawing/2014/main" id="{49A7AA2D-14BD-AE52-F0C9-269C4478A7B3}"/>
+                <a16:creationId xmlns:a16="http://schemas.microsoft.com/office/drawing/2014/main" id="{58DA0D27-B14C-3551-FB84-FB9AF644997F}"/>
+              </a:ext>
+            </a:extLst>
+          </p:cNvPr>
+          <p:cNvSpPr>
+            <a:spLocks noGrp="1"/>
+          </p:cNvSpPr>
+          <p:nvPr>
+            <p:ph sz="half" idx="2"/>
+          </p:nvPr>
+        </p:nvSpPr>
+        <p:spPr/>
+        <p:txBody>
+          <a:bodyPr>
+            <a:normAutofit/>
+          </a:bodyPr>
+          <a:lstStyle/>
+          <a:p>
+            <a:pPr marL="0" indent="0">
+              <a:buNone/>
+            </a:pPr>
+            <a:r>
+              <a:rPr lang="en-US" dirty="0">
+                <a:solidFill>
+                  <a:srgbClr val="0070C0"/>
+                </a:solidFill>
+                <a:latin typeface="Consolas" panose="020B0609020204030204" pitchFamily="49" charset="0"/>
+              </a:rPr>
+              <a:t>auto </a:t>
+            </a:r>
+            <a:r>
+              <a:rPr lang="en-US" dirty="0" err="1">
+                <a:solidFill>
+                  <a:srgbClr val="0070C0"/>
+                </a:solidFill>
+                <a:latin typeface="Consolas" panose="020B0609020204030204" pitchFamily="49" charset="0"/>
+              </a:rPr>
+              <a:t>iter</a:t>
+            </a:r>
+            <a:r>
+              <a:rPr lang="en-US" dirty="0">
+                <a:solidFill>
+                  <a:srgbClr val="0070C0"/>
+                </a:solidFill>
+                <a:latin typeface="Consolas" panose="020B0609020204030204" pitchFamily="49" charset="0"/>
+              </a:rPr>
+              <a:t> = </a:t>
+            </a:r>
+            <a:r>
+              <a:rPr lang="en-US" dirty="0" err="1">
+                <a:solidFill>
+                  <a:srgbClr val="0070C0"/>
+                </a:solidFill>
+                <a:latin typeface="Consolas" panose="020B0609020204030204" pitchFamily="49" charset="0"/>
+              </a:rPr>
+              <a:t>m.find</a:t>
+            </a:r>
+            <a:r>
+              <a:rPr lang="en-US" dirty="0">
+                <a:solidFill>
+                  <a:srgbClr val="0070C0"/>
+                </a:solidFill>
+                <a:latin typeface="Consolas" panose="020B0609020204030204" pitchFamily="49" charset="0"/>
+              </a:rPr>
+              <a:t>(k);</a:t>
+            </a:r>
+            <a:br>
+              <a:rPr lang="en-US" dirty="0">
+                <a:solidFill>
+                  <a:srgbClr val="0070C0"/>
+                </a:solidFill>
+                <a:latin typeface="Consolas" panose="020B0609020204030204" pitchFamily="49" charset="0"/>
+              </a:rPr>
+            </a:br>
+            <a:r>
+              <a:rPr lang="en-US" dirty="0">
+                <a:solidFill>
+                  <a:srgbClr val="0070C0"/>
+                </a:solidFill>
+                <a:latin typeface="Consolas" panose="020B0609020204030204" pitchFamily="49" charset="0"/>
+              </a:rPr>
+              <a:t>T x = </a:t>
+            </a:r>
+            <a:r>
+              <a:rPr lang="en-US" dirty="0" err="1">
+                <a:solidFill>
+                  <a:srgbClr val="0070C0"/>
+                </a:solidFill>
+                <a:latin typeface="Consolas" panose="020B0609020204030204" pitchFamily="49" charset="0"/>
+              </a:rPr>
+              <a:t>iter</a:t>
+            </a:r>
+            <a:r>
+              <a:rPr lang="en-US" dirty="0">
+                <a:solidFill>
+                  <a:srgbClr val="0070C0"/>
+                </a:solidFill>
+                <a:latin typeface="Consolas" panose="020B0609020204030204" pitchFamily="49" charset="0"/>
+              </a:rPr>
+              <a:t> == </a:t>
+            </a:r>
+            <a:r>
+              <a:rPr lang="en-US" dirty="0" err="1">
+                <a:solidFill>
+                  <a:srgbClr val="0070C0"/>
+                </a:solidFill>
+                <a:latin typeface="Consolas" panose="020B0609020204030204" pitchFamily="49" charset="0"/>
+              </a:rPr>
+              <a:t>m.end</a:t>
+            </a:r>
+            <a:r>
+              <a:rPr lang="en-US" dirty="0">
+                <a:solidFill>
+                  <a:srgbClr val="0070C0"/>
+                </a:solidFill>
+                <a:latin typeface="Consolas" panose="020B0609020204030204" pitchFamily="49" charset="0"/>
+              </a:rPr>
+              <a:t>() ?</a:t>
+            </a:r>
+            <a:br>
+              <a:rPr lang="en-US" dirty="0">
+                <a:solidFill>
+                  <a:srgbClr val="0070C0"/>
+                </a:solidFill>
+                <a:latin typeface="Consolas" panose="020B0609020204030204" pitchFamily="49" charset="0"/>
+              </a:rPr>
+            </a:br>
+            <a:r>
+              <a:rPr lang="en-US" dirty="0">
+                <a:solidFill>
+                  <a:srgbClr val="0070C0"/>
+                </a:solidFill>
+                <a:latin typeface="Consolas" panose="020B0609020204030204" pitchFamily="49" charset="0"/>
+              </a:rPr>
+              <a:t>        T(a1...</a:t>
+            </a:r>
+            <a:r>
+              <a:rPr lang="en-US" dirty="0" err="1">
+                <a:solidFill>
+                  <a:srgbClr val="0070C0"/>
+                </a:solidFill>
+                <a:latin typeface="Consolas" panose="020B0609020204030204" pitchFamily="49" charset="0"/>
+              </a:rPr>
+              <a:t>aN</a:t>
+            </a:r>
+            <a:r>
+              <a:rPr lang="en-US" dirty="0">
+                <a:solidFill>
+                  <a:srgbClr val="0070C0"/>
+                </a:solidFill>
+                <a:latin typeface="Consolas" panose="020B0609020204030204" pitchFamily="49" charset="0"/>
+              </a:rPr>
+              <a:t>) : </a:t>
+            </a:r>
+            <a:r>
+              <a:rPr lang="en-US" dirty="0" err="1">
+                <a:solidFill>
+                  <a:srgbClr val="0070C0"/>
+                </a:solidFill>
+                <a:latin typeface="Consolas" panose="020B0609020204030204" pitchFamily="49" charset="0"/>
+              </a:rPr>
+              <a:t>iter</a:t>
+            </a:r>
+            <a:r>
+              <a:rPr lang="en-US" dirty="0">
+                <a:solidFill>
+                  <a:srgbClr val="0070C0"/>
+                </a:solidFill>
+                <a:latin typeface="Consolas" panose="020B0609020204030204" pitchFamily="49" charset="0"/>
+              </a:rPr>
+              <a:t>-&gt;second;</a:t>
+            </a:r>
+          </a:p>
+          <a:p>
+            <a:pPr marL="0" indent="0">
+              <a:buNone/>
+            </a:pPr>
+            <a:endParaRPr lang="en-US" dirty="0">
+              <a:solidFill>
+                <a:srgbClr val="0070C0"/>
+              </a:solidFill>
+              <a:latin typeface="Consolas" panose="020B0609020204030204" pitchFamily="49" charset="0"/>
+            </a:endParaRPr>
+          </a:p>
+          <a:p>
+            <a:pPr marL="0" indent="0">
+              <a:buNone/>
+            </a:pPr>
+            <a:r>
+              <a:rPr lang="en-US" dirty="0">
+                <a:solidFill>
+                  <a:schemeClr val="tx1">
+                    <a:lumMod val="65000"/>
+                    <a:lumOff val="35000"/>
+                  </a:schemeClr>
+                </a:solidFill>
+                <a:latin typeface="Consolas" panose="020B0609020204030204" pitchFamily="49" charset="0"/>
+              </a:rPr>
+              <a:t>std::map&lt;K, std::vector&lt;U&gt;&gt; m{ ... };</a:t>
+            </a:r>
+            <a:br>
+              <a:rPr lang="en-US" dirty="0">
+                <a:solidFill>
+                  <a:schemeClr val="tx1">
+                    <a:lumMod val="65000"/>
+                    <a:lumOff val="35000"/>
+                  </a:schemeClr>
+                </a:solidFill>
+                <a:latin typeface="Consolas" panose="020B0609020204030204" pitchFamily="49" charset="0"/>
+              </a:rPr>
+            </a:br>
+            <a:r>
+              <a:rPr lang="en-US" dirty="0">
+                <a:solidFill>
+                  <a:schemeClr val="tx1">
+                    <a:lumMod val="65000"/>
+                    <a:lumOff val="35000"/>
+                  </a:schemeClr>
+                </a:solidFill>
+                <a:latin typeface="Consolas" panose="020B0609020204030204" pitchFamily="49" charset="0"/>
+              </a:rPr>
+              <a:t>std::array&lt;U, N&gt; preset{ ... };</a:t>
+            </a:r>
+            <a:br>
+              <a:rPr lang="en-US" dirty="0">
+                <a:solidFill>
+                  <a:srgbClr val="0070C0"/>
+                </a:solidFill>
+                <a:latin typeface="Consolas" panose="020B0609020204030204" pitchFamily="49" charset="0"/>
+              </a:rPr>
+            </a:br>
+            <a:r>
+              <a:rPr lang="en-US" dirty="0">
+                <a:solidFill>
+                  <a:srgbClr val="0070C0"/>
+                </a:solidFill>
+                <a:latin typeface="Consolas" panose="020B0609020204030204" pitchFamily="49" charset="0"/>
+              </a:rPr>
+              <a:t>auto </a:t>
+            </a:r>
+            <a:r>
+              <a:rPr lang="en-US" dirty="0" err="1">
+                <a:solidFill>
+                  <a:srgbClr val="0070C0"/>
+                </a:solidFill>
+                <a:latin typeface="Consolas" panose="020B0609020204030204" pitchFamily="49" charset="0"/>
+              </a:rPr>
+              <a:t>iter</a:t>
+            </a:r>
+            <a:r>
+              <a:rPr lang="en-US" dirty="0">
+                <a:solidFill>
+                  <a:srgbClr val="0070C0"/>
+                </a:solidFill>
+                <a:latin typeface="Consolas" panose="020B0609020204030204" pitchFamily="49" charset="0"/>
+              </a:rPr>
+              <a:t> = </a:t>
+            </a:r>
+            <a:r>
+              <a:rPr lang="en-US" dirty="0" err="1">
+                <a:solidFill>
+                  <a:srgbClr val="0070C0"/>
+                </a:solidFill>
+                <a:latin typeface="Consolas" panose="020B0609020204030204" pitchFamily="49" charset="0"/>
+              </a:rPr>
+              <a:t>m.find</a:t>
+            </a:r>
+            <a:r>
+              <a:rPr lang="en-US" dirty="0">
+                <a:solidFill>
+                  <a:srgbClr val="0070C0"/>
+                </a:solidFill>
+                <a:latin typeface="Consolas" panose="020B0609020204030204" pitchFamily="49" charset="0"/>
+              </a:rPr>
+              <a:t>(k);</a:t>
+            </a:r>
+            <a:br>
+              <a:rPr lang="en-US" dirty="0">
+                <a:solidFill>
+                  <a:srgbClr val="0070C0"/>
+                </a:solidFill>
+                <a:latin typeface="Consolas" panose="020B0609020204030204" pitchFamily="49" charset="0"/>
+              </a:rPr>
+            </a:br>
+            <a:r>
+              <a:rPr lang="en-US" dirty="0">
+                <a:solidFill>
+                  <a:srgbClr val="0070C0"/>
+                </a:solidFill>
+                <a:latin typeface="Consolas" panose="020B0609020204030204" pitchFamily="49" charset="0"/>
+              </a:rPr>
+              <a:t>std::span&lt;U&gt; x = </a:t>
+            </a:r>
+            <a:r>
+              <a:rPr lang="en-US" dirty="0" err="1">
+                <a:solidFill>
+                  <a:srgbClr val="0070C0"/>
+                </a:solidFill>
+                <a:latin typeface="Consolas" panose="020B0609020204030204" pitchFamily="49" charset="0"/>
+              </a:rPr>
+              <a:t>iter</a:t>
+            </a:r>
+            <a:r>
+              <a:rPr lang="en-US" dirty="0">
+                <a:solidFill>
+                  <a:srgbClr val="0070C0"/>
+                </a:solidFill>
+                <a:latin typeface="Consolas" panose="020B0609020204030204" pitchFamily="49" charset="0"/>
+              </a:rPr>
+              <a:t> == </a:t>
+            </a:r>
+            <a:r>
+              <a:rPr lang="en-US" dirty="0" err="1">
+                <a:solidFill>
+                  <a:srgbClr val="0070C0"/>
+                </a:solidFill>
+                <a:latin typeface="Consolas" panose="020B0609020204030204" pitchFamily="49" charset="0"/>
+              </a:rPr>
+              <a:t>m.end</a:t>
+            </a:r>
+            <a:r>
+              <a:rPr lang="en-US" dirty="0">
+                <a:solidFill>
+                  <a:srgbClr val="0070C0"/>
+                </a:solidFill>
+                <a:latin typeface="Consolas" panose="020B0609020204030204" pitchFamily="49" charset="0"/>
+              </a:rPr>
+              <a:t>() ? </a:t>
+            </a:r>
+            <a:br>
+              <a:rPr lang="en-US" dirty="0">
+                <a:solidFill>
+                  <a:srgbClr val="0070C0"/>
+                </a:solidFill>
+                <a:latin typeface="Consolas" panose="020B0609020204030204" pitchFamily="49" charset="0"/>
+              </a:rPr>
+            </a:br>
+            <a:r>
+              <a:rPr lang="en-US" dirty="0">
+                <a:solidFill>
+                  <a:srgbClr val="0070C0"/>
+                </a:solidFill>
+                <a:latin typeface="Consolas" panose="020B0609020204030204" pitchFamily="49" charset="0"/>
+              </a:rPr>
+              <a:t>    std::span&lt;U&gt;{preset} :</a:t>
+            </a:r>
+            <a:br>
+              <a:rPr lang="en-US" dirty="0">
+                <a:solidFill>
+                  <a:srgbClr val="0070C0"/>
+                </a:solidFill>
+                <a:latin typeface="Consolas" panose="020B0609020204030204" pitchFamily="49" charset="0"/>
+              </a:rPr>
+            </a:br>
+            <a:r>
+              <a:rPr lang="en-US" dirty="0">
+                <a:solidFill>
+                  <a:srgbClr val="0070C0"/>
+                </a:solidFill>
+                <a:latin typeface="Consolas" panose="020B0609020204030204" pitchFamily="49" charset="0"/>
+              </a:rPr>
+              <a:t>    </a:t>
+            </a:r>
+            <a:r>
+              <a:rPr lang="en-US" dirty="0" err="1">
+                <a:solidFill>
+                  <a:srgbClr val="0070C0"/>
+                </a:solidFill>
+                <a:latin typeface="Consolas" panose="020B0609020204030204" pitchFamily="49" charset="0"/>
+              </a:rPr>
+              <a:t>iter</a:t>
+            </a:r>
+            <a:r>
+              <a:rPr lang="en-US" dirty="0">
+                <a:solidFill>
+                  <a:srgbClr val="0070C0"/>
+                </a:solidFill>
+                <a:latin typeface="Consolas" panose="020B0609020204030204" pitchFamily="49" charset="0"/>
+              </a:rPr>
+              <a:t>-&gt;second;</a:t>
+            </a:r>
+          </a:p>
+        </p:txBody>
+      </p:sp>
+      <p:sp>
+        <p:nvSpPr>
+          <p:cNvPr id="5" name="Text Placeholder 4">
+            <a:extLst>
+              <a:ext uri="{FF2B5EF4-FFF2-40B4-BE49-F238E27FC236}">
+                <a16:creationId xmlns:a16="http://schemas.microsoft.com/office/drawing/2014/main" id="{D34825CB-E923-D0CD-BA91-757E20E358BE}"/>
+              </a:ext>
+            </a:extLst>
+          </p:cNvPr>
+          <p:cNvSpPr>
+            <a:spLocks noGrp="1"/>
+          </p:cNvSpPr>
+          <p:nvPr>
+            <p:ph type="body" sz="quarter" idx="3"/>
+          </p:nvPr>
+        </p:nvSpPr>
+        <p:spPr/>
+        <p:txBody>
+          <a:bodyPr/>
+          <a:lstStyle/>
+          <a:p>
+            <a:r>
+              <a:rPr lang="en-US"/>
+              <a:t>After</a:t>
+            </a:r>
+          </a:p>
+        </p:txBody>
+      </p:sp>
+      <p:sp>
+        <p:nvSpPr>
+          <p:cNvPr id="6" name="Content Placeholder 5">
+            <a:extLst>
+              <a:ext uri="{FF2B5EF4-FFF2-40B4-BE49-F238E27FC236}">
+                <a16:creationId xmlns:a16="http://schemas.microsoft.com/office/drawing/2014/main" id="{466A52DE-B28B-93CB-ADF1-BB2F9C65817F}"/>
+              </a:ext>
+            </a:extLst>
+          </p:cNvPr>
+          <p:cNvSpPr>
+            <a:spLocks noGrp="1"/>
+          </p:cNvSpPr>
+          <p:nvPr>
+            <p:ph sz="quarter" idx="4"/>
+          </p:nvPr>
+        </p:nvSpPr>
+        <p:spPr/>
+        <p:txBody>
+          <a:bodyPr>
+            <a:normAutofit/>
+          </a:bodyPr>
+          <a:lstStyle/>
+          <a:p>
+            <a:pPr marL="0" indent="0">
+              <a:buNone/>
+            </a:pPr>
+            <a:r>
+              <a:rPr lang="en-US" dirty="0">
+                <a:solidFill>
+                  <a:srgbClr val="0070C0"/>
+                </a:solidFill>
+                <a:latin typeface="Consolas" panose="020B0609020204030204" pitchFamily="49" charset="0"/>
+              </a:rPr>
+              <a:t>T x = </a:t>
+            </a:r>
+            <a:r>
+              <a:rPr lang="en-US" dirty="0" err="1">
+                <a:solidFill>
+                  <a:srgbClr val="0070C0"/>
+                </a:solidFill>
+                <a:latin typeface="Consolas" panose="020B0609020204030204" pitchFamily="49" charset="0"/>
+              </a:rPr>
+              <a:t>m.get</a:t>
+            </a:r>
+            <a:r>
+              <a:rPr lang="en-US" dirty="0">
+                <a:solidFill>
+                  <a:srgbClr val="0070C0"/>
+                </a:solidFill>
+                <a:latin typeface="Consolas" panose="020B0609020204030204" pitchFamily="49" charset="0"/>
+              </a:rPr>
+              <a:t>(k).</a:t>
+            </a:r>
+            <a:r>
+              <a:rPr lang="en-US" dirty="0" err="1">
+                <a:solidFill>
+                  <a:srgbClr val="0070C0"/>
+                </a:solidFill>
+                <a:latin typeface="Consolas" panose="020B0609020204030204" pitchFamily="49" charset="0"/>
+              </a:rPr>
+              <a:t>value_or</a:t>
+            </a:r>
+            <a:r>
+              <a:rPr lang="en-US" dirty="0">
+                <a:solidFill>
+                  <a:srgbClr val="0070C0"/>
+                </a:solidFill>
+                <a:latin typeface="Consolas" panose="020B0609020204030204" pitchFamily="49" charset="0"/>
+              </a:rPr>
+              <a:t>(T(a1...</a:t>
+            </a:r>
+            <a:r>
+              <a:rPr lang="en-US" dirty="0" err="1">
+                <a:solidFill>
+                  <a:srgbClr val="0070C0"/>
+                </a:solidFill>
+                <a:latin typeface="Consolas" panose="020B0609020204030204" pitchFamily="49" charset="0"/>
+              </a:rPr>
+              <a:t>aN</a:t>
+            </a:r>
+            <a:r>
+              <a:rPr lang="en-US" dirty="0">
+                <a:solidFill>
+                  <a:srgbClr val="0070C0"/>
+                </a:solidFill>
+                <a:latin typeface="Consolas" panose="020B0609020204030204" pitchFamily="49" charset="0"/>
+              </a:rPr>
+              <a:t>));</a:t>
+            </a:r>
+            <a:br>
+              <a:rPr lang="en-US" dirty="0">
+                <a:solidFill>
+                  <a:srgbClr val="0070C0"/>
+                </a:solidFill>
+                <a:latin typeface="Consolas" panose="020B0609020204030204" pitchFamily="49" charset="0"/>
+              </a:rPr>
+            </a:br>
+            <a:br>
+              <a:rPr lang="en-US" dirty="0">
+                <a:solidFill>
+                  <a:srgbClr val="0070C0"/>
+                </a:solidFill>
+                <a:latin typeface="Consolas" panose="020B0609020204030204" pitchFamily="49" charset="0"/>
+              </a:rPr>
+            </a:br>
+            <a:endParaRPr lang="en-US" dirty="0">
+              <a:solidFill>
+                <a:srgbClr val="0070C0"/>
+              </a:solidFill>
+              <a:latin typeface="Consolas" panose="020B0609020204030204" pitchFamily="49" charset="0"/>
+            </a:endParaRPr>
+          </a:p>
+          <a:p>
+            <a:pPr marL="0" indent="0">
+              <a:buNone/>
+            </a:pPr>
+            <a:endParaRPr lang="en-US" dirty="0">
+              <a:solidFill>
+                <a:srgbClr val="0070C0"/>
+              </a:solidFill>
+              <a:latin typeface="Consolas" panose="020B0609020204030204" pitchFamily="49" charset="0"/>
+            </a:endParaRPr>
+          </a:p>
+          <a:p>
+            <a:pPr marL="0" indent="0">
+              <a:buNone/>
+            </a:pPr>
+            <a:r>
+              <a:rPr lang="en-US" dirty="0">
+                <a:solidFill>
+                  <a:schemeClr val="tx1">
+                    <a:lumMod val="65000"/>
+                    <a:lumOff val="35000"/>
+                  </a:schemeClr>
+                </a:solidFill>
+                <a:latin typeface="Consolas" panose="020B0609020204030204" pitchFamily="49" charset="0"/>
+              </a:rPr>
+              <a:t>std::map&lt;K, std::vector&lt;U&gt;&gt; m{ ... };</a:t>
+            </a:r>
+            <a:br>
+              <a:rPr lang="en-US" dirty="0">
+                <a:solidFill>
+                  <a:schemeClr val="tx1">
+                    <a:lumMod val="65000"/>
+                    <a:lumOff val="35000"/>
+                  </a:schemeClr>
+                </a:solidFill>
+                <a:latin typeface="Consolas" panose="020B0609020204030204" pitchFamily="49" charset="0"/>
+              </a:rPr>
+            </a:br>
+            <a:r>
+              <a:rPr lang="en-US" dirty="0">
+                <a:solidFill>
+                  <a:schemeClr val="tx1">
+                    <a:lumMod val="65000"/>
+                    <a:lumOff val="35000"/>
+                  </a:schemeClr>
+                </a:solidFill>
+                <a:latin typeface="Consolas" panose="020B0609020204030204" pitchFamily="49" charset="0"/>
+              </a:rPr>
+              <a:t>std::array&lt;U, N&gt; preset{ ... };</a:t>
+            </a:r>
+            <a:br>
+              <a:rPr lang="en-US" dirty="0">
+                <a:solidFill>
+                  <a:srgbClr val="0070C0"/>
+                </a:solidFill>
+                <a:latin typeface="Consolas" panose="020B0609020204030204" pitchFamily="49" charset="0"/>
+              </a:rPr>
+            </a:br>
+            <a:r>
+              <a:rPr lang="en-US" dirty="0">
+                <a:solidFill>
+                  <a:srgbClr val="0070C0"/>
+                </a:solidFill>
+                <a:latin typeface="Consolas" panose="020B0609020204030204" pitchFamily="49" charset="0"/>
+              </a:rPr>
+              <a:t>auto </a:t>
+            </a:r>
+            <a:r>
+              <a:rPr lang="en-US" dirty="0" err="1">
+                <a:solidFill>
+                  <a:srgbClr val="0070C0"/>
+                </a:solidFill>
+                <a:latin typeface="Consolas" panose="020B0609020204030204" pitchFamily="49" charset="0"/>
+              </a:rPr>
+              <a:t>elem</a:t>
+            </a:r>
+            <a:r>
+              <a:rPr lang="en-US" dirty="0">
+                <a:solidFill>
+                  <a:srgbClr val="0070C0"/>
+                </a:solidFill>
+                <a:latin typeface="Consolas" panose="020B0609020204030204" pitchFamily="49" charset="0"/>
+              </a:rPr>
+              <a:t> = </a:t>
+            </a:r>
+            <a:r>
+              <a:rPr lang="en-US" dirty="0" err="1">
+                <a:solidFill>
+                  <a:srgbClr val="0070C0"/>
+                </a:solidFill>
+                <a:latin typeface="Consolas" panose="020B0609020204030204" pitchFamily="49" charset="0"/>
+              </a:rPr>
+              <a:t>m.get</a:t>
+            </a:r>
+            <a:r>
+              <a:rPr lang="en-US" dirty="0">
+                <a:solidFill>
+                  <a:srgbClr val="0070C0"/>
+                </a:solidFill>
+                <a:latin typeface="Consolas" panose="020B0609020204030204" pitchFamily="49" charset="0"/>
+              </a:rPr>
+              <a:t>(k);</a:t>
+            </a:r>
+            <a:br>
+              <a:rPr lang="en-US" dirty="0">
+                <a:solidFill>
+                  <a:srgbClr val="0070C0"/>
+                </a:solidFill>
+                <a:latin typeface="Consolas" panose="020B0609020204030204" pitchFamily="49" charset="0"/>
+              </a:rPr>
+            </a:br>
+            <a:r>
+              <a:rPr lang="en-US" dirty="0">
+                <a:solidFill>
+                  <a:srgbClr val="0070C0"/>
+                </a:solidFill>
+                <a:latin typeface="Consolas" panose="020B0609020204030204" pitchFamily="49" charset="0"/>
+              </a:rPr>
+              <a:t>std::span&lt;U&gt; x = </a:t>
+            </a:r>
+            <a:r>
+              <a:rPr lang="en-US" dirty="0" err="1">
+                <a:solidFill>
+                  <a:srgbClr val="0070C0"/>
+                </a:solidFill>
+                <a:latin typeface="Consolas" panose="020B0609020204030204" pitchFamily="49" charset="0"/>
+              </a:rPr>
+              <a:t>elem</a:t>
+            </a:r>
+            <a:r>
+              <a:rPr lang="en-US" dirty="0">
+                <a:solidFill>
+                  <a:srgbClr val="0070C0"/>
+                </a:solidFill>
+                <a:latin typeface="Consolas" panose="020B0609020204030204" pitchFamily="49" charset="0"/>
+              </a:rPr>
+              <a:t> ?</a:t>
+            </a:r>
+            <a:br>
+              <a:rPr lang="en-US" dirty="0">
+                <a:solidFill>
+                  <a:srgbClr val="0070C0"/>
+                </a:solidFill>
+                <a:latin typeface="Consolas" panose="020B0609020204030204" pitchFamily="49" charset="0"/>
+              </a:rPr>
+            </a:br>
+            <a:r>
+              <a:rPr lang="en-US" dirty="0">
+                <a:solidFill>
+                  <a:srgbClr val="0070C0"/>
+                </a:solidFill>
+                <a:latin typeface="Consolas" panose="020B0609020204030204" pitchFamily="49" charset="0"/>
+              </a:rPr>
+              <a:t> std::span&lt;U&gt;{*</a:t>
+            </a:r>
+            <a:r>
+              <a:rPr lang="en-US" dirty="0" err="1">
+                <a:solidFill>
+                  <a:srgbClr val="0070C0"/>
+                </a:solidFill>
+                <a:latin typeface="Consolas" panose="020B0609020204030204" pitchFamily="49" charset="0"/>
+              </a:rPr>
+              <a:t>elem</a:t>
+            </a:r>
+            <a:r>
+              <a:rPr lang="en-US" dirty="0">
+                <a:solidFill>
+                  <a:srgbClr val="0070C0"/>
+                </a:solidFill>
+                <a:latin typeface="Consolas" panose="020B0609020204030204" pitchFamily="49" charset="0"/>
+              </a:rPr>
+              <a:t>} :</a:t>
+            </a:r>
+            <a:br>
+              <a:rPr lang="en-US" dirty="0">
+                <a:solidFill>
+                  <a:srgbClr val="0070C0"/>
+                </a:solidFill>
+                <a:latin typeface="Consolas" panose="020B0609020204030204" pitchFamily="49" charset="0"/>
+              </a:rPr>
+            </a:br>
+            <a:r>
+              <a:rPr lang="en-US" dirty="0">
+                <a:solidFill>
+                  <a:srgbClr val="0070C0"/>
+                </a:solidFill>
+                <a:latin typeface="Consolas" panose="020B0609020204030204" pitchFamily="49" charset="0"/>
+              </a:rPr>
+              <a:t> std::span&lt;U&gt;{preset};</a:t>
+            </a:r>
+          </a:p>
+          <a:p>
+            <a:pPr marL="0" indent="0">
+              <a:buNone/>
+            </a:pPr>
+            <a:endParaRPr lang="en-US" dirty="0">
+              <a:latin typeface="Consolas" panose="020B0609020204030204" pitchFamily="49" charset="0"/>
+            </a:endParaRPr>
+          </a:p>
+        </p:txBody>
+      </p:sp>
+      <p:sp>
+        <p:nvSpPr>
+          <p:cNvPr id="7" name="Date Placeholder 6">
+            <a:extLst>
+              <a:ext uri="{FF2B5EF4-FFF2-40B4-BE49-F238E27FC236}">
+                <a16:creationId xmlns:a16="http://schemas.microsoft.com/office/drawing/2014/main" id="{B0B34A79-4441-D6F3-DB17-F6594A2EBC0E}"/>
               </a:ext>
             </a:extLst>
           </p:cNvPr>
@@ -23649,9 +17338,9 @@
           <a:bodyPr/>
           <a:lstStyle/>
           <a:p>
-            <a:fld id="{D1A98742-6638-43AC-A30F-B0F4E802E4B2}" type="datetime1">
+            <a:fld id="{508BABE2-3DC8-4D39-B4AF-CCF82C82E0F0}" type="datetime1">
               <a:rPr lang="en-US" smtClean="0"/>
-              <a:t>2/26/2024</a:t>
+              <a:t>6/20/2025</a:t>
             </a:fld>
             <a:endParaRPr lang="en-US"/>
           </a:p>
@@ -23659,10 +17348,10 @@
       </p:sp>
       <p:sp>
         <p:nvSpPr>
-          <p:cNvPr id="5" name="Footer Placeholder 4">
+          <p:cNvPr id="8" name="Footer Placeholder 7">
             <a:extLst>
               <a:ext uri="{FF2B5EF4-FFF2-40B4-BE49-F238E27FC236}">
-                <a16:creationId xmlns:a16="http://schemas.microsoft.com/office/drawing/2014/main" id="{985D100D-EAF3-B065-0E8E-1792E8B0721F}"/>
+                <a16:creationId xmlns:a16="http://schemas.microsoft.com/office/drawing/2014/main" id="{31BE797E-A7E9-2CB8-590B-FC7F59139768}"/>
               </a:ext>
             </a:extLst>
           </p:cNvPr>
@@ -23687,10 +17376,10 @@
       </p:sp>
       <p:sp>
         <p:nvSpPr>
-          <p:cNvPr id="6" name="Slide Number Placeholder 5">
+          <p:cNvPr id="9" name="Slide Number Placeholder 8">
             <a:extLst>
               <a:ext uri="{FF2B5EF4-FFF2-40B4-BE49-F238E27FC236}">
-                <a16:creationId xmlns:a16="http://schemas.microsoft.com/office/drawing/2014/main" id="{980EA253-C564-A6FA-EC8C-DE42CC375EE3}"/>
+                <a16:creationId xmlns:a16="http://schemas.microsoft.com/office/drawing/2014/main" id="{C9ACCF49-2F60-E5B4-DF5A-F5DF16A92491}"/>
               </a:ext>
             </a:extLst>
           </p:cNvPr>
@@ -23715,202 +17404,10 @@
           </a:p>
         </p:txBody>
       </p:sp>
-      <p:sp>
-        <p:nvSpPr>
-          <p:cNvPr id="7" name="Rectangle 6">
-            <a:extLst>
-              <a:ext uri="{FF2B5EF4-FFF2-40B4-BE49-F238E27FC236}">
-                <a16:creationId xmlns:a16="http://schemas.microsoft.com/office/drawing/2014/main" id="{DAAD6917-2B91-4BAC-4DB5-D8E09F0C3388}"/>
-              </a:ext>
-            </a:extLst>
-          </p:cNvPr>
-          <p:cNvSpPr/>
-          <p:nvPr/>
-        </p:nvSpPr>
-        <p:spPr>
-          <a:xfrm>
-            <a:off x="1484310" y="3755035"/>
-            <a:ext cx="9760864" cy="2473377"/>
-          </a:xfrm>
-          <a:prstGeom prst="rect">
-            <a:avLst/>
-          </a:prstGeom>
-        </p:spPr>
-        <p:style>
-          <a:lnRef idx="2">
-            <a:schemeClr val="dk1">
-              <a:shade val="15000"/>
-            </a:schemeClr>
-          </a:lnRef>
-          <a:fillRef idx="1">
-            <a:schemeClr val="dk1"/>
-          </a:fillRef>
-          <a:effectRef idx="0">
-            <a:schemeClr val="dk1"/>
-          </a:effectRef>
-          <a:fontRef idx="minor">
-            <a:schemeClr val="lt1"/>
-          </a:fontRef>
-        </p:style>
-        <p:txBody>
-          <a:bodyPr rtlCol="0" anchor="t"/>
-          <a:lstStyle/>
-          <a:p>
-            <a:r>
-              <a:rPr lang="en-US">
-                <a:latin typeface="Consolas" panose="020B0609020204030204" pitchFamily="49" charset="0"/>
-              </a:rPr>
-              <a:t>std::map&lt;std::string, int&gt; </a:t>
-            </a:r>
-            <a:r>
-              <a:rPr lang="en-US" err="1">
-                <a:latin typeface="Consolas" panose="020B0609020204030204" pitchFamily="49" charset="0"/>
-              </a:rPr>
-              <a:t>theMap</a:t>
-            </a:r>
-            <a:r>
-              <a:rPr lang="en-US">
-                <a:latin typeface="Consolas" panose="020B0609020204030204" pitchFamily="49" charset="0"/>
-              </a:rPr>
-              <a:t>;</a:t>
-            </a:r>
-          </a:p>
-          <a:p>
-            <a:r>
-              <a:rPr lang="en-US">
-                <a:latin typeface="Consolas" panose="020B0609020204030204" pitchFamily="49" charset="0"/>
-              </a:rPr>
-              <a:t>// ...</a:t>
-            </a:r>
-          </a:p>
-          <a:p>
-            <a:r>
-              <a:rPr lang="en-US">
-                <a:latin typeface="Consolas" panose="020B0609020204030204" pitchFamily="49" charset="0"/>
-              </a:rPr>
-              <a:t>// </a:t>
-            </a:r>
-            <a:r>
-              <a:rPr lang="en-US" i="1"/>
-              <a:t>Increment the entries matching  </a:t>
-            </a:r>
-            <a:r>
-              <a:rPr lang="en-US">
-                <a:latin typeface="Consolas" panose="020B0609020204030204" pitchFamily="49" charset="0"/>
-              </a:rPr>
-              <a:t>names</a:t>
-            </a:r>
-            <a:r>
-              <a:rPr lang="en-US" i="1"/>
-              <a:t> if they are already in </a:t>
-            </a:r>
-            <a:r>
-              <a:rPr lang="en-US" err="1"/>
-              <a:t>theMap</a:t>
-            </a:r>
-            <a:r>
-              <a:rPr lang="en-US" i="1"/>
-              <a:t>.</a:t>
-            </a:r>
-          </a:p>
-          <a:p>
-            <a:r>
-              <a:rPr lang="en-US">
-                <a:latin typeface="Consolas" panose="020B0609020204030204" pitchFamily="49" charset="0"/>
-              </a:rPr>
-              <a:t>for (const auto&amp; name : names) {</a:t>
-            </a:r>
-          </a:p>
-          <a:p>
-            <a:r>
-              <a:rPr lang="en-US">
-                <a:latin typeface="Consolas" panose="020B0609020204030204" pitchFamily="49" charset="0"/>
-              </a:rPr>
-              <a:t>  int temp = 0;  // </a:t>
-            </a:r>
-            <a:r>
-              <a:rPr lang="en-US" i="1"/>
-              <a:t>Value is irrelevant</a:t>
-            </a:r>
-          </a:p>
-          <a:p>
-            <a:r>
-              <a:rPr lang="en-US">
-                <a:latin typeface="Consolas" panose="020B0609020204030204" pitchFamily="49" charset="0"/>
-              </a:rPr>
-              <a:t>  ++</a:t>
-            </a:r>
-            <a:r>
-              <a:rPr lang="en-US" err="1">
-                <a:latin typeface="Consolas" panose="020B0609020204030204" pitchFamily="49" charset="0"/>
-              </a:rPr>
-              <a:t>theMap.</a:t>
-            </a:r>
-            <a:r>
-              <a:rPr lang="en-US" err="1">
-                <a:solidFill>
-                  <a:srgbClr val="FFFF00"/>
-                </a:solidFill>
-                <a:latin typeface="Consolas" panose="020B0609020204030204" pitchFamily="49" charset="0"/>
-              </a:rPr>
-              <a:t>get_ref</a:t>
-            </a:r>
-            <a:r>
-              <a:rPr lang="en-US">
-                <a:solidFill>
-                  <a:srgbClr val="FFFF00"/>
-                </a:solidFill>
-                <a:latin typeface="Consolas" panose="020B0609020204030204" pitchFamily="49" charset="0"/>
-              </a:rPr>
-              <a:t>(name, temp)</a:t>
-            </a:r>
-            <a:r>
-              <a:rPr lang="en-US">
-                <a:latin typeface="Consolas" panose="020B0609020204030204" pitchFamily="49" charset="0"/>
-              </a:rPr>
-              <a:t>;  // </a:t>
-            </a:r>
-            <a:r>
-              <a:rPr lang="en-US" i="1"/>
-              <a:t>increment through reference</a:t>
-            </a:r>
-          </a:p>
-          <a:p>
-            <a:r>
-              <a:rPr lang="en-US">
-                <a:latin typeface="Consolas" panose="020B0609020204030204" pitchFamily="49" charset="0"/>
-              </a:rPr>
-              <a:t>  // </a:t>
-            </a:r>
-            <a:r>
-              <a:rPr lang="en-US" i="1"/>
-              <a:t>Possibly-modified value of  </a:t>
-            </a:r>
-            <a:r>
-              <a:rPr lang="en-US">
-                <a:latin typeface="Consolas" panose="020B0609020204030204" pitchFamily="49" charset="0"/>
-              </a:rPr>
-              <a:t>temp</a:t>
-            </a:r>
-            <a:r>
-              <a:rPr lang="en-US" i="1"/>
-              <a:t> is discarded here.</a:t>
-            </a:r>
-          </a:p>
-          <a:p>
-            <a:r>
-              <a:rPr lang="en-US">
-                <a:latin typeface="Consolas" panose="020B0609020204030204" pitchFamily="49" charset="0"/>
-              </a:rPr>
-              <a:t>}</a:t>
-            </a:r>
-          </a:p>
-        </p:txBody>
-      </p:sp>
     </p:spTree>
     <p:extLst>
       <p:ext uri="{BB962C8B-B14F-4D97-AF65-F5344CB8AC3E}">
-        <p14:creationId xmlns:p14="http://schemas.microsoft.com/office/powerpoint/2010/main" val="1447386353"/>
+        <p14:creationId xmlns:p14="http://schemas.microsoft.com/office/powerpoint/2010/main" val="2820269447"/>
       </p:ext>
     </p:extLst>
   </p:cSld>
@@ -23938,7 +17435,7 @@
                             </p:stCondLst>
                             <p:childTnLst>
                               <p:par>
-                                <p:cTn id="5" presetID="1" presetClass="entr" presetSubtype="0" fill="hold" grpId="0" nodeType="clickEffect">
+                                <p:cTn id="5" presetID="1" presetClass="entr" presetSubtype="0" fill="hold" nodeType="clickEffect">
                                   <p:stCondLst>
                                     <p:cond delay="0"/>
                                   </p:stCondLst>
@@ -23951,7 +17448,158 @@
                                           </p:stCondLst>
                                         </p:cTn>
                                         <p:tgtEl>
-                                          <p:spTgt spid="7"/>
+                                          <p:spTgt spid="4">
+                                            <p:txEl>
+                                              <p:pRg st="0" end="0"/>
+                                            </p:txEl>
+                                          </p:spTgt>
+                                        </p:tgtEl>
+                                        <p:attrNameLst>
+                                          <p:attrName>style.visibility</p:attrName>
+                                        </p:attrNameLst>
+                                      </p:cBhvr>
+                                      <p:to>
+                                        <p:strVal val="visible"/>
+                                      </p:to>
+                                    </p:set>
+                                  </p:childTnLst>
+                                </p:cTn>
+                              </p:par>
+                            </p:childTnLst>
+                          </p:cTn>
+                        </p:par>
+                      </p:childTnLst>
+                    </p:cTn>
+                  </p:par>
+                  <p:par>
+                    <p:cTn id="7" fill="hold">
+                      <p:stCondLst>
+                        <p:cond delay="indefinite"/>
+                      </p:stCondLst>
+                      <p:childTnLst>
+                        <p:par>
+                          <p:cTn id="8" fill="hold">
+                            <p:stCondLst>
+                              <p:cond delay="0"/>
+                            </p:stCondLst>
+                            <p:childTnLst>
+                              <p:par>
+                                <p:cTn id="9" presetID="1" presetClass="entr" presetSubtype="0" fill="hold" nodeType="clickEffect">
+                                  <p:stCondLst>
+                                    <p:cond delay="0"/>
+                                  </p:stCondLst>
+                                  <p:childTnLst>
+                                    <p:set>
+                                      <p:cBhvr>
+                                        <p:cTn id="10" dur="1" fill="hold">
+                                          <p:stCondLst>
+                                            <p:cond delay="0"/>
+                                          </p:stCondLst>
+                                        </p:cTn>
+                                        <p:tgtEl>
+                                          <p:spTgt spid="6">
+                                            <p:txEl>
+                                              <p:pRg st="0" end="0"/>
+                                            </p:txEl>
+                                          </p:spTgt>
+                                        </p:tgtEl>
+                                        <p:attrNameLst>
+                                          <p:attrName>style.visibility</p:attrName>
+                                        </p:attrNameLst>
+                                      </p:cBhvr>
+                                      <p:to>
+                                        <p:strVal val="visible"/>
+                                      </p:to>
+                                    </p:set>
+                                  </p:childTnLst>
+                                </p:cTn>
+                              </p:par>
+                            </p:childTnLst>
+                          </p:cTn>
+                        </p:par>
+                      </p:childTnLst>
+                    </p:cTn>
+                  </p:par>
+                  <p:par>
+                    <p:cTn id="11" fill="hold">
+                      <p:stCondLst>
+                        <p:cond delay="indefinite"/>
+                      </p:stCondLst>
+                      <p:childTnLst>
+                        <p:par>
+                          <p:cTn id="12" fill="hold">
+                            <p:stCondLst>
+                              <p:cond delay="0"/>
+                            </p:stCondLst>
+                            <p:childTnLst>
+                              <p:par>
+                                <p:cTn id="13" presetID="1" presetClass="entr" presetSubtype="0" fill="hold" nodeType="clickEffect">
+                                  <p:stCondLst>
+                                    <p:cond delay="0"/>
+                                  </p:stCondLst>
+                                  <p:childTnLst>
+                                    <p:set>
+                                      <p:cBhvr>
+                                        <p:cTn id="14" dur="1" fill="hold">
+                                          <p:stCondLst>
+                                            <p:cond delay="0"/>
+                                          </p:stCondLst>
+                                        </p:cTn>
+                                        <p:tgtEl>
+                                          <p:spTgt spid="4">
+                                            <p:txEl>
+                                              <p:pRg st="2" end="2"/>
+                                            </p:txEl>
+                                          </p:spTgt>
+                                        </p:tgtEl>
+                                        <p:attrNameLst>
+                                          <p:attrName>style.visibility</p:attrName>
+                                        </p:attrNameLst>
+                                      </p:cBhvr>
+                                      <p:to>
+                                        <p:strVal val="visible"/>
+                                      </p:to>
+                                    </p:set>
+                                  </p:childTnLst>
+                                </p:cTn>
+                              </p:par>
+                            </p:childTnLst>
+                          </p:cTn>
+                        </p:par>
+                      </p:childTnLst>
+                    </p:cTn>
+                  </p:par>
+                  <p:par>
+                    <p:cTn id="15" fill="hold">
+                      <p:stCondLst>
+                        <p:cond delay="indefinite"/>
+                      </p:stCondLst>
+                      <p:childTnLst>
+                        <p:par>
+                          <p:cTn id="16" fill="hold">
+                            <p:stCondLst>
+                              <p:cond delay="0"/>
+                            </p:stCondLst>
+                            <p:childTnLst>
+                              <p:par>
+                                <p:cTn id="17" presetID="1" presetClass="entr" presetSubtype="0" fill="hold" nodeType="clickEffect">
+                                  <p:stCondLst>
+                                    <p:cond delay="0"/>
+                                  </p:stCondLst>
+                                  <p:childTnLst>
+                                    <p:set>
+                                      <p:cBhvr>
+                                        <p:cTn id="18" dur="1" fill="hold">
+                                          <p:stCondLst>
+                                            <p:cond delay="0"/>
+                                          </p:stCondLst>
+                                        </p:cTn>
+                                        <p:tgtEl>
+                                          <p:spTgt spid="6">
+                                            <p:txEl>
+                                              <p:pRg st="2" end="2"/>
+                                            </p:txEl>
+                                          </p:spTgt>
                                         </p:tgtEl>
                                         <p:attrNameLst>
                                           <p:attrName>style.visibility</p:attrName>
@@ -23991,9 +17639,6 @@
         </p:cTn>
       </p:par>
     </p:tnLst>
-    <p:bldLst>
-      <p:bldP spid="7" grpId="0" animBg="1"/>
-    </p:bldLst>
   </p:timing>
 </p:sld>
 </file>

--- a/P3091-map_lookup/P3091 Better lookups for map and unordered_map.pptx
+++ b/P3091-map_lookup/P3091 Better lookups for map and unordered_map.pptx
@@ -1176,7 +1176,7 @@
           <a:p>
             <a:fld id="{CEFB5EEE-3E28-483D-83CF-7CFBAD280CA5}" type="datetimeFigureOut">
               <a:rPr lang="en-US" smtClean="0"/>
-              <a:t>6/20/2025</a:t>
+              <a:t>6/22/2025</a:t>
             </a:fld>
             <a:endParaRPr lang="en-US"/>
           </a:p>
@@ -1943,7 +1943,7 @@
           <a:p>
             <a:fld id="{02C5BE3E-DC87-4987-AF70-1F906EC5439D}" type="datetime1">
               <a:rPr lang="en-US" smtClean="0"/>
-              <a:t>6/20/2025</a:t>
+              <a:t>6/22/2025</a:t>
             </a:fld>
             <a:endParaRPr lang="en-US"/>
           </a:p>
@@ -2236,7 +2236,7 @@
           <a:p>
             <a:fld id="{23D892F7-AA30-4A4C-B959-E3F3A9EC8524}" type="datetime1">
               <a:rPr lang="en-US" smtClean="0"/>
-              <a:t>6/20/2025</a:t>
+              <a:t>6/22/2025</a:t>
             </a:fld>
             <a:endParaRPr lang="en-US"/>
           </a:p>
@@ -2482,7 +2482,7 @@
           <a:p>
             <a:fld id="{272C4D85-EDE8-4C6C-815F-2FEBAB7C380E}" type="datetime1">
               <a:rPr lang="en-US" smtClean="0"/>
-              <a:t>6/20/2025</a:t>
+              <a:t>6/22/2025</a:t>
             </a:fld>
             <a:endParaRPr lang="en-US"/>
           </a:p>
@@ -3020,7 +3020,7 @@
           <a:p>
             <a:fld id="{4F67D4DA-9BCF-452F-B904-BB8D0316B67C}" type="datetime1">
               <a:rPr lang="en-US" smtClean="0"/>
-              <a:t>6/20/2025</a:t>
+              <a:t>6/22/2025</a:t>
             </a:fld>
             <a:endParaRPr lang="en-US"/>
           </a:p>
@@ -3266,7 +3266,7 @@
           <a:p>
             <a:fld id="{E2226ABC-75D3-4A22-ADAE-704E445553F8}" type="datetime1">
               <a:rPr lang="en-US" smtClean="0"/>
-              <a:t>6/20/2025</a:t>
+              <a:t>6/22/2025</a:t>
             </a:fld>
             <a:endParaRPr lang="en-US"/>
           </a:p>
@@ -3796,7 +3796,7 @@
           <a:p>
             <a:fld id="{B3EB47DD-4F4F-4521-809A-910C6446A8E9}" type="datetime1">
               <a:rPr lang="en-US" smtClean="0"/>
-              <a:t>6/20/2025</a:t>
+              <a:t>6/22/2025</a:t>
             </a:fld>
             <a:endParaRPr lang="en-US"/>
           </a:p>
@@ -4091,7 +4091,7 @@
           <a:p>
             <a:fld id="{D5C1893C-E788-48A8-9A18-B793B108C2CE}" type="datetime1">
               <a:rPr lang="en-US" smtClean="0"/>
-              <a:t>6/20/2025</a:t>
+              <a:t>6/22/2025</a:t>
             </a:fld>
             <a:endParaRPr lang="en-US"/>
           </a:p>
@@ -4262,7 +4262,7 @@
           <a:p>
             <a:fld id="{89F61247-4C9D-47C0-9657-80C96CCB02A1}" type="datetime1">
               <a:rPr lang="en-US" smtClean="0"/>
-              <a:t>6/20/2025</a:t>
+              <a:t>6/22/2025</a:t>
             </a:fld>
             <a:endParaRPr lang="en-US"/>
           </a:p>
@@ -4439,7 +4439,7 @@
           <a:p>
             <a:fld id="{2BB2F593-965F-47F8-9F01-94BF3B3362FD}" type="datetime1">
               <a:rPr lang="en-US" smtClean="0"/>
-              <a:t>6/20/2025</a:t>
+              <a:t>6/22/2025</a:t>
             </a:fld>
             <a:endParaRPr lang="en-US"/>
           </a:p>
@@ -4621,7 +4621,7 @@
           <a:p>
             <a:fld id="{D1A98742-6638-43AC-A30F-B0F4E802E4B2}" type="datetime1">
               <a:rPr lang="en-US" smtClean="0"/>
-              <a:t>6/20/2025</a:t>
+              <a:t>6/22/2025</a:t>
             </a:fld>
             <a:endParaRPr lang="en-US"/>
           </a:p>
@@ -4875,7 +4875,7 @@
           <a:p>
             <a:fld id="{E04F68CC-AE29-43DC-8C36-74D991BDD660}" type="datetime1">
               <a:rPr lang="en-US" smtClean="0"/>
-              <a:t>6/20/2025</a:t>
+              <a:t>6/22/2025</a:t>
             </a:fld>
             <a:endParaRPr lang="en-US"/>
           </a:p>
@@ -5173,7 +5173,7 @@
           <a:p>
             <a:fld id="{06ABA9E8-E98F-4A61-AF76-7349863B9923}" type="datetime1">
               <a:rPr lang="en-US" smtClean="0"/>
-              <a:t>6/20/2025</a:t>
+              <a:t>6/22/2025</a:t>
             </a:fld>
             <a:endParaRPr lang="en-US"/>
           </a:p>
@@ -5631,7 +5631,7 @@
           <a:p>
             <a:fld id="{508BABE2-3DC8-4D39-B4AF-CCF82C82E0F0}" type="datetime1">
               <a:rPr lang="en-US" smtClean="0"/>
-              <a:t>6/20/2025</a:t>
+              <a:t>6/22/2025</a:t>
             </a:fld>
             <a:endParaRPr lang="en-US"/>
           </a:p>
@@ -5767,7 +5767,7 @@
           <a:p>
             <a:fld id="{64601F53-FE17-4660-BE69-DE27478D4CCC}" type="datetime1">
               <a:rPr lang="en-US" smtClean="0"/>
-              <a:t>6/20/2025</a:t>
+              <a:t>6/22/2025</a:t>
             </a:fld>
             <a:endParaRPr lang="en-US"/>
           </a:p>
@@ -5876,7 +5876,7 @@
           <a:p>
             <a:fld id="{DDF66756-33DB-4322-A7AB-33F3A7E33A2D}" type="datetime1">
               <a:rPr lang="en-US" smtClean="0"/>
-              <a:t>6/20/2025</a:t>
+              <a:t>6/22/2025</a:t>
             </a:fld>
             <a:endParaRPr lang="en-US"/>
           </a:p>
@@ -6166,7 +6166,7 @@
           <a:p>
             <a:fld id="{E9CE1D7A-DAAA-4183-B469-EDEECE92431D}" type="datetime1">
               <a:rPr lang="en-US" smtClean="0"/>
-              <a:t>6/20/2025</a:t>
+              <a:t>6/22/2025</a:t>
             </a:fld>
             <a:endParaRPr lang="en-US"/>
           </a:p>
@@ -6454,7 +6454,7 @@
           <a:p>
             <a:fld id="{E393BBCA-9B99-451E-A2F9-AA382E63F3EB}" type="datetime1">
               <a:rPr lang="en-US" smtClean="0"/>
-              <a:t>6/20/2025</a:t>
+              <a:t>6/22/2025</a:t>
             </a:fld>
             <a:endParaRPr lang="en-US"/>
           </a:p>
@@ -6981,7 +6981,7 @@
           <a:p>
             <a:fld id="{D6E2F156-B823-4FCD-8500-2C801BEF89A0}" type="datetime1">
               <a:rPr lang="en-US" smtClean="0"/>
-              <a:t>6/20/2025</a:t>
+              <a:t>6/22/2025</a:t>
             </a:fld>
             <a:endParaRPr lang="en-US"/>
           </a:p>
@@ -7605,15 +7605,7 @@
           <a:p>
             <a:r>
               <a:rPr lang="en-US" dirty="0"/>
-              <a:t>Pablo Halpern, LEWG</a:t>
-            </a:r>
-            <a:r>
-              <a:rPr lang="en-US"/>
-              <a:t>, June 20, </a:t>
-            </a:r>
-            <a:r>
-              <a:rPr lang="en-US" dirty="0"/>
-              <a:t>2024</a:t>
+              <a:t>Pablo Halpern, LEWG, June 20, 2024</a:t>
             </a:r>
             <a:endParaRPr lang="en-US" dirty="0">
               <a:hlinkClick r:id="rId2"/>
@@ -7911,7 +7903,7 @@
           <a:p>
             <a:fld id="{D1A98742-6638-43AC-A30F-B0F4E802E4B2}" type="datetime1">
               <a:rPr lang="en-US" smtClean="0"/>
-              <a:t>6/20/2025</a:t>
+              <a:t>6/22/2025</a:t>
             </a:fld>
             <a:endParaRPr lang="en-US"/>
           </a:p>
@@ -8655,7 +8647,7 @@
           <a:p>
             <a:fld id="{D1A98742-6638-43AC-A30F-B0F4E802E4B2}" type="datetime1">
               <a:rPr lang="en-US" smtClean="0"/>
-              <a:t>6/20/2025</a:t>
+              <a:t>6/22/2025</a:t>
             </a:fld>
             <a:endParaRPr lang="en-US"/>
           </a:p>
@@ -8861,7 +8853,7 @@
           <a:p>
             <a:fld id="{D1A98742-6638-43AC-A30F-B0F4E802E4B2}" type="datetime1">
               <a:rPr lang="en-US" smtClean="0"/>
-              <a:t>6/20/2025</a:t>
+              <a:t>6/22/2025</a:t>
             </a:fld>
             <a:endParaRPr lang="en-US"/>
           </a:p>
@@ -9153,7 +9145,7 @@
           <a:p>
             <a:fld id="{D1A98742-6638-43AC-A30F-B0F4E802E4B2}" type="datetime1">
               <a:rPr lang="en-US" smtClean="0"/>
-              <a:t>6/20/2025</a:t>
+              <a:t>6/22/2025</a:t>
             </a:fld>
             <a:endParaRPr lang="en-US"/>
           </a:p>
@@ -10575,7 +10567,7 @@
           <a:p>
             <a:fld id="{D1A98742-6638-43AC-A30F-B0F4E802E4B2}" type="datetime1">
               <a:rPr lang="en-US" smtClean="0"/>
-              <a:t>6/20/2025</a:t>
+              <a:t>6/22/2025</a:t>
             </a:fld>
             <a:endParaRPr lang="en-US"/>
           </a:p>
@@ -11866,7 +11858,7 @@
           <a:p>
             <a:fld id="{D1A98742-6638-43AC-A30F-B0F4E802E4B2}" type="datetime1">
               <a:rPr lang="en-US" smtClean="0"/>
-              <a:t>6/20/2025</a:t>
+              <a:t>6/22/2025</a:t>
             </a:fld>
             <a:endParaRPr lang="en-US"/>
           </a:p>
@@ -13866,7 +13858,7 @@
           <a:p>
             <a:fld id="{D1A98742-6638-43AC-A30F-B0F4E802E4B2}" type="datetime1">
               <a:rPr lang="en-US" smtClean="0"/>
-              <a:t>6/20/2025</a:t>
+              <a:t>6/22/2025</a:t>
             </a:fld>
             <a:endParaRPr lang="en-US"/>
           </a:p>
@@ -14066,25 +14058,7 @@
                 </a:solidFill>
                 <a:latin typeface="Consolas" panose="020B0609020204030204" pitchFamily="49" charset="0"/>
               </a:rPr>
-              <a:t>).</a:t>
-            </a:r>
-            <a:r>
-              <a:rPr lang="en-US" dirty="0" err="1">
-                <a:solidFill>
-                  <a:srgbClr val="FFFF00"/>
-                </a:solidFill>
-                <a:latin typeface="Consolas" panose="020B0609020204030204" pitchFamily="49" charset="0"/>
-              </a:rPr>
-              <a:t>value_or</a:t>
-            </a:r>
-            <a:r>
-              <a:rPr lang="en-US" dirty="0">
-                <a:solidFill>
-                  <a:srgbClr val="FFFF00"/>
-                </a:solidFill>
-                <a:latin typeface="Consolas" panose="020B0609020204030204" pitchFamily="49" charset="0"/>
-              </a:rPr>
-              <a:t>(-inf)</a:t>
+              <a:t>, -inf)</a:t>
             </a:r>
             <a:r>
               <a:rPr lang="en-US" dirty="0">
@@ -14826,35 +14800,35 @@
           </a:bodyPr>
           <a:lstStyle/>
           <a:p>
-            <a:endParaRPr lang="en-US"/>
-          </a:p>
-          <a:p>
-            <a:endParaRPr lang="en-US"/>
-          </a:p>
-          <a:p>
-            <a:endParaRPr lang="en-US"/>
-          </a:p>
-          <a:p>
-            <a:endParaRPr lang="en-US"/>
-          </a:p>
-          <a:p>
-            <a:r>
-              <a:rPr lang="en-US"/>
+            <a:endParaRPr lang="en-US" dirty="0"/>
+          </a:p>
+          <a:p>
+            <a:endParaRPr lang="en-US" dirty="0"/>
+          </a:p>
+          <a:p>
+            <a:endParaRPr lang="en-US" dirty="0"/>
+          </a:p>
+          <a:p>
+            <a:endParaRPr lang="en-US" dirty="0"/>
+          </a:p>
+          <a:p>
+            <a:r>
+              <a:rPr lang="en-US" dirty="0"/>
               <a:t>Value of </a:t>
             </a:r>
             <a:r>
-              <a:rPr lang="en-US">
+              <a:rPr lang="en-US" dirty="0">
                 <a:latin typeface="Courier New" panose="02070309020205020404" pitchFamily="49" charset="0"/>
                 <a:cs typeface="Courier New" panose="02070309020205020404" pitchFamily="49" charset="0"/>
               </a:rPr>
               <a:t>largest</a:t>
             </a:r>
             <a:r>
-              <a:rPr lang="en-US"/>
+              <a:rPr lang="en-US" dirty="0"/>
               <a:t> at end = </a:t>
             </a:r>
             <a:r>
-              <a:rPr lang="en-US" b="1">
+              <a:rPr lang="en-US" b="1" dirty="0">
                 <a:solidFill>
                   <a:srgbClr val="C00000"/>
                 </a:solidFill>
@@ -14863,29 +14837,29 @@
               </a:rPr>
               <a:t>-20.0</a:t>
             </a:r>
-            <a:endParaRPr lang="en-US" b="1">
+            <a:endParaRPr lang="en-US" b="1" dirty="0">
               <a:latin typeface="Courier New" panose="02070309020205020404" pitchFamily="49" charset="0"/>
               <a:cs typeface="Courier New" panose="02070309020205020404" pitchFamily="49" charset="0"/>
             </a:endParaRPr>
           </a:p>
           <a:p>
             <a:r>
-              <a:rPr lang="en-US"/>
+              <a:rPr lang="en-US" dirty="0"/>
               <a:t>Value of </a:t>
             </a:r>
             <a:r>
-              <a:rPr lang="en-US" err="1">
+              <a:rPr lang="en-US" dirty="0" err="1">
                 <a:latin typeface="Courier New" panose="02070309020205020404" pitchFamily="49" charset="0"/>
                 <a:cs typeface="Courier New" panose="02070309020205020404" pitchFamily="49" charset="0"/>
               </a:rPr>
               <a:t>theMap</a:t>
             </a:r>
             <a:r>
-              <a:rPr lang="en-US"/>
+              <a:rPr lang="en-US" dirty="0"/>
               <a:t> at end = </a:t>
             </a:r>
             <a:r>
-              <a:rPr lang="en-US" b="1">
+              <a:rPr lang="en-US" b="1" dirty="0">
                 <a:solidFill>
                   <a:srgbClr val="C00000"/>
                 </a:solidFill>
@@ -14895,7 +14869,7 @@
               <a:t>{</a:t>
             </a:r>
             <a:r>
-              <a:rPr lang="en-US" b="1">
+              <a:rPr lang="en-US" b="1" dirty="0">
                 <a:solidFill>
                   <a:srgbClr val="00B0F0"/>
                 </a:solidFill>
@@ -14905,7 +14879,7 @@
               <a:t>{3,-20}, {90,-90}, {110,4}</a:t>
             </a:r>
             <a:r>
-              <a:rPr lang="en-US" b="1">
+              <a:rPr lang="en-US" b="1" dirty="0">
                 <a:solidFill>
                   <a:srgbClr val="C00000"/>
                 </a:solidFill>
@@ -14917,38 +14891,38 @@
           </a:p>
           <a:p>
             <a:r>
-              <a:rPr lang="en-US">
+              <a:rPr lang="en-US" dirty="0">
                 <a:cs typeface="Courier New" panose="02070309020205020404" pitchFamily="49" charset="0"/>
               </a:rPr>
               <a:t>If </a:t>
             </a:r>
             <a:r>
-              <a:rPr lang="en-US" err="1">
+              <a:rPr lang="en-US" dirty="0" err="1">
                 <a:cs typeface="Courier New" panose="02070309020205020404" pitchFamily="49" charset="0"/>
               </a:rPr>
               <a:t>theMap</a:t>
             </a:r>
             <a:r>
-              <a:rPr lang="en-US">
+              <a:rPr lang="en-US" dirty="0">
                 <a:cs typeface="Courier New" panose="02070309020205020404" pitchFamily="49" charset="0"/>
               </a:rPr>
               <a:t> is declared </a:t>
             </a:r>
             <a:r>
-              <a:rPr lang="en-US">
+              <a:rPr lang="en-US" dirty="0">
                 <a:latin typeface="Courier New" panose="02070309020205020404" pitchFamily="49" charset="0"/>
                 <a:cs typeface="Courier New" panose="02070309020205020404" pitchFamily="49" charset="0"/>
               </a:rPr>
               <a:t>const</a:t>
             </a:r>
             <a:r>
-              <a:rPr lang="en-US">
+              <a:rPr lang="en-US" dirty="0">
                 <a:cs typeface="Courier New" panose="02070309020205020404" pitchFamily="49" charset="0"/>
               </a:rPr>
               <a:t>: </a:t>
             </a:r>
             <a:r>
-              <a:rPr lang="en-US" b="1">
+              <a:rPr lang="en-US" b="1" dirty="0">
                 <a:solidFill>
                   <a:srgbClr val="C00000"/>
                 </a:solidFill>
@@ -14956,13 +14930,13 @@
               </a:rPr>
               <a:t>No problem</a:t>
             </a:r>
-            <a:endParaRPr lang="en-US">
+            <a:endParaRPr lang="en-US" dirty="0">
               <a:cs typeface="Courier New" panose="02070309020205020404" pitchFamily="49" charset="0"/>
             </a:endParaRPr>
           </a:p>
           <a:p>
             <a:r>
-              <a:rPr lang="en-US">
+              <a:rPr lang="en-US" dirty="0">
                 <a:cs typeface="Courier New" panose="02070309020205020404" pitchFamily="49" charset="0"/>
               </a:rPr>
               <a:t>Efficient?</a:t>
@@ -14970,7 +14944,7 @@
           </a:p>
           <a:p>
             <a:r>
-              <a:rPr lang="en-US">
+              <a:rPr lang="en-US" dirty="0">
                 <a:cs typeface="Courier New" panose="02070309020205020404" pitchFamily="49" charset="0"/>
               </a:rPr>
               <a:t>Concise &amp; Elegant?</a:t>
@@ -15001,7 +14975,7 @@
           <a:p>
             <a:fld id="{D1A98742-6638-43AC-A30F-B0F4E802E4B2}" type="datetime1">
               <a:rPr lang="en-US" smtClean="0"/>
-              <a:t>6/20/2025</a:t>
+              <a:t>6/22/2025</a:t>
             </a:fld>
             <a:endParaRPr lang="en-US"/>
           </a:p>
@@ -16437,7 +16411,7 @@
           <a:p>
             <a:fld id="{D1A98742-6638-43AC-A30F-B0F4E802E4B2}" type="datetime1">
               <a:rPr lang="en-US" smtClean="0"/>
-              <a:t>6/20/2025</a:t>
+              <a:t>6/22/2025</a:t>
             </a:fld>
             <a:endParaRPr lang="en-US"/>
           </a:p>
@@ -16553,8 +16527,8 @@
           <a:lstStyle/>
           <a:p>
             <a:r>
-              <a:rPr lang="en-US"/>
-              <a:t>Use in initializing a variable</a:t>
+              <a:rPr lang="en-US" dirty="0"/>
+              <a:t>Use-case: Initializing a Variable</a:t>
             </a:r>
           </a:p>
         </p:txBody>
@@ -16790,7 +16764,7 @@
                 </a:solidFill>
                 <a:latin typeface="Consolas" panose="020B0609020204030204" pitchFamily="49" charset="0"/>
               </a:rPr>
-              <a:t>std::map&lt;K, std::vector&lt;U&gt;&gt; m{ ... };</a:t>
+              <a:t>map&lt;K, std::vector&lt;U&gt;&gt; m{ ... };</a:t>
             </a:r>
             <a:br>
               <a:rPr lang="en-US" dirty="0">
@@ -16813,7 +16787,7 @@
                 </a:solidFill>
                 <a:latin typeface="Consolas" panose="020B0609020204030204" pitchFamily="49" charset="0"/>
               </a:rPr>
-              <a:t>std::array&lt;U, N&gt; preset{ ... };</a:t>
+              <a:t>array&lt;U, N&gt; preset{ ... };</a:t>
             </a:r>
             <a:br>
               <a:rPr lang="en-US" dirty="0">
@@ -16830,25 +16804,7 @@
                 </a:solidFill>
                 <a:latin typeface="Consolas" panose="020B0609020204030204" pitchFamily="49" charset="0"/>
               </a:rPr>
-              <a:t>auto </a:t>
-            </a:r>
-            <a:r>
-              <a:rPr lang="en-US" dirty="0" err="1">
-                <a:solidFill>
-                  <a:srgbClr val="0070C0"/>
-                </a:solidFill>
-                <a:latin typeface="Consolas" panose="020B0609020204030204" pitchFamily="49" charset="0"/>
-              </a:rPr>
-              <a:t>iter</a:t>
-            </a:r>
-            <a:r>
-              <a:rPr lang="en-US" dirty="0">
-                <a:solidFill>
-                  <a:srgbClr val="0070C0"/>
-                </a:solidFill>
-                <a:latin typeface="Consolas" panose="020B0609020204030204" pitchFamily="49" charset="0"/>
-              </a:rPr>
-              <a:t> = </a:t>
+              <a:t>auto iter = </a:t>
             </a:r>
             <a:r>
               <a:rPr lang="en-US" dirty="0" err="1">
@@ -16883,25 +16839,7 @@
                 </a:solidFill>
                 <a:latin typeface="Consolas" panose="020B0609020204030204" pitchFamily="49" charset="0"/>
               </a:rPr>
-              <a:t>std::span&lt;U&gt; x = </a:t>
-            </a:r>
-            <a:r>
-              <a:rPr lang="en-US" dirty="0" err="1">
-                <a:solidFill>
-                  <a:srgbClr val="0070C0"/>
-                </a:solidFill>
-                <a:latin typeface="Consolas" panose="020B0609020204030204" pitchFamily="49" charset="0"/>
-              </a:rPr>
-              <a:t>iter</a:t>
-            </a:r>
-            <a:r>
-              <a:rPr lang="en-US" dirty="0">
-                <a:solidFill>
-                  <a:srgbClr val="0070C0"/>
-                </a:solidFill>
-                <a:latin typeface="Consolas" panose="020B0609020204030204" pitchFamily="49" charset="0"/>
-              </a:rPr>
-              <a:t> == </a:t>
+              <a:t>auto x = iter == </a:t>
             </a:r>
             <a:r>
               <a:rPr lang="en-US" dirty="0" err="1">
@@ -16936,7 +16874,7 @@
                 </a:solidFill>
                 <a:latin typeface="Consolas" panose="020B0609020204030204" pitchFamily="49" charset="0"/>
               </a:rPr>
-              <a:t>    std::span&lt;U&gt;{preset} :</a:t>
+              <a:t>    span&lt;U&gt;{preset} : </a:t>
             </a:r>
             <a:br>
               <a:rPr lang="en-US" dirty="0">
@@ -16953,25 +16891,7 @@
                 </a:solidFill>
                 <a:latin typeface="Consolas" panose="020B0609020204030204" pitchFamily="49" charset="0"/>
               </a:rPr>
-              <a:t>    </a:t>
-            </a:r>
-            <a:r>
-              <a:rPr lang="en-US" dirty="0" err="1">
-                <a:solidFill>
-                  <a:srgbClr val="0070C0"/>
-                </a:solidFill>
-                <a:latin typeface="Consolas" panose="020B0609020204030204" pitchFamily="49" charset="0"/>
-              </a:rPr>
-              <a:t>iter</a:t>
-            </a:r>
-            <a:r>
-              <a:rPr lang="en-US" dirty="0">
-                <a:solidFill>
-                  <a:srgbClr val="0070C0"/>
-                </a:solidFill>
-                <a:latin typeface="Consolas" panose="020B0609020204030204" pitchFamily="49" charset="0"/>
-              </a:rPr>
-              <a:t>-&gt;second;</a:t>
+              <a:t>    span&lt;U&gt;{iter-&gt;second};</a:t>
             </a:r>
           </a:p>
         </p:txBody>
@@ -17141,7 +17061,7 @@
                 </a:solidFill>
                 <a:latin typeface="Consolas" panose="020B0609020204030204" pitchFamily="49" charset="0"/>
               </a:rPr>
-              <a:t>std::map&lt;K, std::vector&lt;U&gt;&gt; m{ ... };</a:t>
+              <a:t>map&lt;K, std::vector&lt;U&gt;&gt; m{ ... };</a:t>
             </a:r>
             <a:br>
               <a:rPr lang="en-US" dirty="0">
@@ -17164,7 +17084,7 @@
                 </a:solidFill>
                 <a:latin typeface="Consolas" panose="020B0609020204030204" pitchFamily="49" charset="0"/>
               </a:rPr>
-              <a:t>std::array&lt;U, N&gt; preset{ ... };</a:t>
+              <a:t>array&lt;U, N&gt; preset{ ... };</a:t>
             </a:r>
             <a:br>
               <a:rPr lang="en-US" dirty="0">
@@ -17181,7 +17101,7 @@
                 </a:solidFill>
                 <a:latin typeface="Consolas" panose="020B0609020204030204" pitchFamily="49" charset="0"/>
               </a:rPr>
-              <a:t>auto </a:t>
+              <a:t>auto x = optional&lt;span&lt;U&gt;&gt;(</a:t>
             </a:r>
             <a:r>
               <a:rPr lang="en-US" dirty="0" err="1">
@@ -17190,7 +17110,7 @@
                 </a:solidFill>
                 <a:latin typeface="Consolas" panose="020B0609020204030204" pitchFamily="49" charset="0"/>
               </a:rPr>
-              <a:t>elem</a:t>
+              <a:t>m.get</a:t>
             </a:r>
             <a:r>
               <a:rPr lang="en-US" dirty="0">
@@ -17199,25 +17119,7 @@
                 </a:solidFill>
                 <a:latin typeface="Consolas" panose="020B0609020204030204" pitchFamily="49" charset="0"/>
               </a:rPr>
-              <a:t> = </a:t>
-            </a:r>
-            <a:r>
-              <a:rPr lang="en-US" dirty="0" err="1">
-                <a:solidFill>
-                  <a:srgbClr val="0070C0"/>
-                </a:solidFill>
-                <a:latin typeface="Consolas" panose="020B0609020204030204" pitchFamily="49" charset="0"/>
-              </a:rPr>
-              <a:t>m.get</a:t>
-            </a:r>
-            <a:r>
-              <a:rPr lang="en-US" dirty="0">
-                <a:solidFill>
-                  <a:srgbClr val="0070C0"/>
-                </a:solidFill>
-                <a:latin typeface="Consolas" panose="020B0609020204030204" pitchFamily="49" charset="0"/>
-              </a:rPr>
-              <a:t>(k);</a:t>
+              <a:t>(0))</a:t>
             </a:r>
             <a:br>
               <a:rPr lang="en-US" dirty="0">
@@ -17234,7 +17136,7 @@
                 </a:solidFill>
                 <a:latin typeface="Consolas" panose="020B0609020204030204" pitchFamily="49" charset="0"/>
               </a:rPr>
-              <a:t>std::span&lt;U&gt; x = </a:t>
+              <a:t>           .</a:t>
             </a:r>
             <a:r>
               <a:rPr lang="en-US" dirty="0" err="1">
@@ -17243,7 +17145,7 @@
                 </a:solidFill>
                 <a:latin typeface="Consolas" panose="020B0609020204030204" pitchFamily="49" charset="0"/>
               </a:rPr>
-              <a:t>elem</a:t>
+              <a:t>value_or</a:t>
             </a:r>
             <a:r>
               <a:rPr lang="en-US" dirty="0">
@@ -17252,68 +17154,8 @@
                 </a:solidFill>
                 <a:latin typeface="Consolas" panose="020B0609020204030204" pitchFamily="49" charset="0"/>
               </a:rPr>
-              <a:t> ?</a:t>
-            </a:r>
-            <a:br>
-              <a:rPr lang="en-US" dirty="0">
-                <a:solidFill>
-                  <a:srgbClr val="0070C0"/>
-                </a:solidFill>
-                <a:latin typeface="Consolas" panose="020B0609020204030204" pitchFamily="49" charset="0"/>
-              </a:rPr>
-            </a:br>
-            <a:r>
-              <a:rPr lang="en-US" dirty="0">
-                <a:solidFill>
-                  <a:srgbClr val="0070C0"/>
-                </a:solidFill>
-                <a:latin typeface="Consolas" panose="020B0609020204030204" pitchFamily="49" charset="0"/>
-              </a:rPr>
-              <a:t> std::span&lt;U&gt;{*</a:t>
-            </a:r>
-            <a:r>
-              <a:rPr lang="en-US" dirty="0" err="1">
-                <a:solidFill>
-                  <a:srgbClr val="0070C0"/>
-                </a:solidFill>
-                <a:latin typeface="Consolas" panose="020B0609020204030204" pitchFamily="49" charset="0"/>
-              </a:rPr>
-              <a:t>elem</a:t>
-            </a:r>
-            <a:r>
-              <a:rPr lang="en-US" dirty="0">
-                <a:solidFill>
-                  <a:srgbClr val="0070C0"/>
-                </a:solidFill>
-                <a:latin typeface="Consolas" panose="020B0609020204030204" pitchFamily="49" charset="0"/>
-              </a:rPr>
-              <a:t>} :</a:t>
-            </a:r>
-            <a:br>
-              <a:rPr lang="en-US" dirty="0">
-                <a:solidFill>
-                  <a:srgbClr val="0070C0"/>
-                </a:solidFill>
-                <a:latin typeface="Consolas" panose="020B0609020204030204" pitchFamily="49" charset="0"/>
-              </a:rPr>
-            </a:br>
-            <a:r>
-              <a:rPr lang="en-US" dirty="0">
-                <a:solidFill>
-                  <a:srgbClr val="0070C0"/>
-                </a:solidFill>
-                <a:latin typeface="Consolas" panose="020B0609020204030204" pitchFamily="49" charset="0"/>
-              </a:rPr>
-              <a:t> std::span&lt;U&gt;{preset};</a:t>
-            </a:r>
-          </a:p>
-          <a:p>
-            <a:pPr marL="0" indent="0">
-              <a:buNone/>
-            </a:pPr>
-            <a:endParaRPr lang="en-US" dirty="0">
-              <a:latin typeface="Consolas" panose="020B0609020204030204" pitchFamily="49" charset="0"/>
-            </a:endParaRPr>
+              <a:t>(preset);</a:t>
+            </a:r>
           </a:p>
         </p:txBody>
       </p:sp>
@@ -17340,7 +17182,7 @@
           <a:p>
             <a:fld id="{508BABE2-3DC8-4D39-B4AF-CCF82C82E0F0}" type="datetime1">
               <a:rPr lang="en-US" smtClean="0"/>
-              <a:t>6/20/2025</a:t>
+              <a:t>6/22/2025</a:t>
             </a:fld>
             <a:endParaRPr lang="en-US"/>
           </a:p>
